--- a/media/IntegrationTesting.pptx
+++ b/media/IntegrationTesting.pptx
@@ -5,28 +5,37 @@
     <p:sldMasterId id="2147483648" r:id="rId1"/>
   </p:sldMasterIdLst>
   <p:notesMasterIdLst>
-    <p:notesMasterId r:id="rId21"/>
+    <p:notesMasterId r:id="rId30"/>
   </p:notesMasterIdLst>
   <p:sldIdLst>
-    <p:sldId id="256" r:id="rId2"/>
-    <p:sldId id="257" r:id="rId3"/>
-    <p:sldId id="258" r:id="rId4"/>
-    <p:sldId id="264" r:id="rId5"/>
-    <p:sldId id="266" r:id="rId6"/>
-    <p:sldId id="267" r:id="rId7"/>
-    <p:sldId id="268" r:id="rId8"/>
-    <p:sldId id="269" r:id="rId9"/>
-    <p:sldId id="265" r:id="rId10"/>
-    <p:sldId id="259" r:id="rId11"/>
-    <p:sldId id="270" r:id="rId12"/>
-    <p:sldId id="271" r:id="rId13"/>
-    <p:sldId id="260" r:id="rId14"/>
-    <p:sldId id="272" r:id="rId15"/>
-    <p:sldId id="261" r:id="rId16"/>
-    <p:sldId id="262" r:id="rId17"/>
-    <p:sldId id="273" r:id="rId18"/>
-    <p:sldId id="263" r:id="rId19"/>
-    <p:sldId id="274" r:id="rId20"/>
+    <p:sldId id="276" r:id="rId2"/>
+    <p:sldId id="285" r:id="rId3"/>
+    <p:sldId id="257" r:id="rId4"/>
+    <p:sldId id="258" r:id="rId5"/>
+    <p:sldId id="264" r:id="rId6"/>
+    <p:sldId id="277" r:id="rId7"/>
+    <p:sldId id="266" r:id="rId8"/>
+    <p:sldId id="267" r:id="rId9"/>
+    <p:sldId id="268" r:id="rId10"/>
+    <p:sldId id="269" r:id="rId11"/>
+    <p:sldId id="265" r:id="rId12"/>
+    <p:sldId id="259" r:id="rId13"/>
+    <p:sldId id="270" r:id="rId14"/>
+    <p:sldId id="279" r:id="rId15"/>
+    <p:sldId id="280" r:id="rId16"/>
+    <p:sldId id="281" r:id="rId17"/>
+    <p:sldId id="282" r:id="rId18"/>
+    <p:sldId id="278" r:id="rId19"/>
+    <p:sldId id="271" r:id="rId20"/>
+    <p:sldId id="260" r:id="rId21"/>
+    <p:sldId id="272" r:id="rId22"/>
+    <p:sldId id="261" r:id="rId23"/>
+    <p:sldId id="284" r:id="rId24"/>
+    <p:sldId id="262" r:id="rId25"/>
+    <p:sldId id="273" r:id="rId26"/>
+    <p:sldId id="275" r:id="rId27"/>
+    <p:sldId id="263" r:id="rId28"/>
+    <p:sldId id="274" r:id="rId29"/>
   </p:sldIdLst>
   <p:sldSz cx="9144000" cy="6858000" type="screen4x3"/>
   <p:notesSz cx="6858000" cy="9144000"/>
@@ -125,6 +134,22 @@
       </a:defRPr>
     </a:lvl9pPr>
   </p:defaultTextStyle>
+  <p:extLst>
+    <p:ext uri="{EFAFB233-063F-42B5-8137-9DF3F51BA10A}">
+      <p15:sldGuideLst xmlns:p15="http://schemas.microsoft.com/office/powerpoint/2012/main">
+        <p15:guide id="1" orient="horz" pos="2160">
+          <p15:clr>
+            <a:srgbClr val="A4A3A4"/>
+          </p15:clr>
+        </p15:guide>
+        <p15:guide id="2" pos="2880">
+          <p15:clr>
+            <a:srgbClr val="A4A3A4"/>
+          </p15:clr>
+        </p15:guide>
+      </p15:sldGuideLst>
+    </p:ext>
+  </p:extLst>
 </p:presentation>
 </file>
 
@@ -210,7 +235,7 @@
           <a:p>
             <a:fld id="{7A4BB628-9B63-1E43-9AE4-11E885AA5208}" type="datetimeFigureOut">
               <a:rPr lang="en-US" smtClean="0"/>
-              <a:t>08/11/14</a:t>
+              <a:t>11/10/2014</a:t>
             </a:fld>
             <a:endParaRPr lang="en-US"/>
           </a:p>
@@ -369,7 +394,7 @@
           <a:p>
             <a:fld id="{DE6F8740-6ED4-7648-895A-FD7204BCC1ED}" type="slidenum">
               <a:rPr lang="en-US" smtClean="0"/>
-              <a:t>‹#›</a:t>
+              <a:t>‹Nr.›</a:t>
             </a:fld>
             <a:endParaRPr lang="en-US"/>
           </a:p>
@@ -497,6 +522,224 @@
       </p:grpSpPr>
       <p:sp>
         <p:nvSpPr>
+          <p:cNvPr id="2" name="Folienbildplatzhalter 1"/>
+          <p:cNvSpPr>
+            <a:spLocks noGrp="1" noRot="1" noChangeAspect="1"/>
+          </p:cNvSpPr>
+          <p:nvPr>
+            <p:ph type="sldImg"/>
+          </p:nvPr>
+        </p:nvSpPr>
+        <p:spPr/>
+      </p:sp>
+      <p:sp>
+        <p:nvSpPr>
+          <p:cNvPr id="3" name="Notizenplatzhalter 2"/>
+          <p:cNvSpPr>
+            <a:spLocks noGrp="1"/>
+          </p:cNvSpPr>
+          <p:nvPr>
+            <p:ph type="body" idx="1"/>
+          </p:nvPr>
+        </p:nvSpPr>
+        <p:spPr/>
+        <p:txBody>
+          <a:bodyPr/>
+          <a:lstStyle/>
+          <a:p>
+            <a:r>
+              <a:rPr lang="en-GB" dirty="0" smtClean="0"/>
+              <a:t>Yoga </a:t>
+            </a:r>
+            <a:r>
+              <a:rPr lang="en-GB" dirty="0" err="1" smtClean="0"/>
+              <a:t>Bilder</a:t>
+            </a:r>
+            <a:r>
+              <a:rPr lang="en-GB" dirty="0" smtClean="0"/>
+              <a:t>,</a:t>
+            </a:r>
+            <a:r>
+              <a:rPr lang="en-GB" baseline="0" dirty="0" smtClean="0"/>
+              <a:t> Yoga &amp; IT </a:t>
+            </a:r>
+            <a:r>
+              <a:rPr lang="en-GB" baseline="0" dirty="0" err="1" smtClean="0"/>
+              <a:t>Kurse</a:t>
+            </a:r>
+            <a:r>
+              <a:rPr lang="en-GB" baseline="0" dirty="0" smtClean="0"/>
+              <a:t>, Customized </a:t>
+            </a:r>
+            <a:r>
+              <a:rPr lang="en-GB" baseline="0" dirty="0" err="1" smtClean="0"/>
+              <a:t>Seminare</a:t>
+            </a:r>
+            <a:endParaRPr lang="en-GB" baseline="0" dirty="0" smtClean="0"/>
+          </a:p>
+          <a:p>
+            <a:endParaRPr lang="en-US" dirty="0"/>
+          </a:p>
+        </p:txBody>
+      </p:sp>
+      <p:sp>
+        <p:nvSpPr>
+          <p:cNvPr id="4" name="Foliennummernplatzhalter 3"/>
+          <p:cNvSpPr>
+            <a:spLocks noGrp="1"/>
+          </p:cNvSpPr>
+          <p:nvPr>
+            <p:ph type="sldNum" sz="quarter" idx="10"/>
+          </p:nvPr>
+        </p:nvSpPr>
+        <p:spPr/>
+        <p:txBody>
+          <a:bodyPr/>
+          <a:lstStyle/>
+          <a:p>
+            <a:fld id="{DE6F8740-6ED4-7648-895A-FD7204BCC1ED}" type="slidenum">
+              <a:rPr lang="en-US" smtClean="0"/>
+              <a:t>1</a:t>
+            </a:fld>
+            <a:endParaRPr lang="en-US"/>
+          </a:p>
+        </p:txBody>
+      </p:sp>
+    </p:spTree>
+    <p:extLst>
+      <p:ext uri="{BB962C8B-B14F-4D97-AF65-F5344CB8AC3E}">
+        <p14:creationId xmlns:p14="http://schemas.microsoft.com/office/powerpoint/2010/main" val="1866128824"/>
+      </p:ext>
+    </p:extLst>
+  </p:cSld>
+  <p:clrMapOvr>
+    <a:masterClrMapping/>
+  </p:clrMapOvr>
+</p:notes>
+</file>
+
+<file path=ppt/notesSlides/notesSlide2.xml><?xml version="1.0" encoding="utf-8"?>
+<p:notes xmlns:a="http://schemas.openxmlformats.org/drawingml/2006/main" xmlns:r="http://schemas.openxmlformats.org/officeDocument/2006/relationships" xmlns:p="http://schemas.openxmlformats.org/presentationml/2006/main">
+  <p:cSld>
+    <p:spTree>
+      <p:nvGrpSpPr>
+        <p:cNvPr id="1" name=""/>
+        <p:cNvGrpSpPr/>
+        <p:nvPr/>
+      </p:nvGrpSpPr>
+      <p:grpSpPr>
+        <a:xfrm>
+          <a:off x="0" y="0"/>
+          <a:ext cx="0" cy="0"/>
+          <a:chOff x="0" y="0"/>
+          <a:chExt cx="0" cy="0"/>
+        </a:xfrm>
+      </p:grpSpPr>
+      <p:sp>
+        <p:nvSpPr>
+          <p:cNvPr id="2" name="Folienbildplatzhalter 1"/>
+          <p:cNvSpPr>
+            <a:spLocks noGrp="1" noRot="1" noChangeAspect="1"/>
+          </p:cNvSpPr>
+          <p:nvPr>
+            <p:ph type="sldImg"/>
+          </p:nvPr>
+        </p:nvSpPr>
+        <p:spPr/>
+      </p:sp>
+      <p:sp>
+        <p:nvSpPr>
+          <p:cNvPr id="3" name="Notizenplatzhalter 2"/>
+          <p:cNvSpPr>
+            <a:spLocks noGrp="1"/>
+          </p:cNvSpPr>
+          <p:nvPr>
+            <p:ph type="body" idx="1"/>
+          </p:nvPr>
+        </p:nvSpPr>
+        <p:spPr/>
+        <p:txBody>
+          <a:bodyPr/>
+          <a:lstStyle/>
+          <a:p>
+            <a:r>
+              <a:rPr lang="en-GB" dirty="0" smtClean="0"/>
+              <a:t>Wander </a:t>
+            </a:r>
+            <a:r>
+              <a:rPr lang="en-GB" dirty="0" err="1" smtClean="0"/>
+              <a:t>bild</a:t>
+            </a:r>
+            <a:r>
+              <a:rPr lang="en-GB" baseline="0" dirty="0" smtClean="0"/>
+              <a:t> </a:t>
+            </a:r>
+            <a:r>
+              <a:rPr lang="en-GB" baseline="0" dirty="0" err="1" smtClean="0"/>
+              <a:t>einfuegen</a:t>
+            </a:r>
+            <a:endParaRPr lang="en-GB" baseline="0" dirty="0" smtClean="0"/>
+          </a:p>
+          <a:p>
+            <a:endParaRPr lang="en-US" dirty="0"/>
+          </a:p>
+        </p:txBody>
+      </p:sp>
+      <p:sp>
+        <p:nvSpPr>
+          <p:cNvPr id="4" name="Foliennummernplatzhalter 3"/>
+          <p:cNvSpPr>
+            <a:spLocks noGrp="1"/>
+          </p:cNvSpPr>
+          <p:nvPr>
+            <p:ph type="sldNum" sz="quarter" idx="10"/>
+          </p:nvPr>
+        </p:nvSpPr>
+        <p:spPr/>
+        <p:txBody>
+          <a:bodyPr/>
+          <a:lstStyle/>
+          <a:p>
+            <a:fld id="{DE6F8740-6ED4-7648-895A-FD7204BCC1ED}" type="slidenum">
+              <a:rPr lang="en-US" smtClean="0"/>
+              <a:t>2</a:t>
+            </a:fld>
+            <a:endParaRPr lang="en-US"/>
+          </a:p>
+        </p:txBody>
+      </p:sp>
+    </p:spTree>
+    <p:extLst>
+      <p:ext uri="{BB962C8B-B14F-4D97-AF65-F5344CB8AC3E}">
+        <p14:creationId xmlns:p14="http://schemas.microsoft.com/office/powerpoint/2010/main" val="57195127"/>
+      </p:ext>
+    </p:extLst>
+  </p:cSld>
+  <p:clrMapOvr>
+    <a:masterClrMapping/>
+  </p:clrMapOvr>
+</p:notes>
+</file>
+
+<file path=ppt/notesSlides/notesSlide3.xml><?xml version="1.0" encoding="utf-8"?>
+<p:notes xmlns:a="http://schemas.openxmlformats.org/drawingml/2006/main" xmlns:r="http://schemas.openxmlformats.org/officeDocument/2006/relationships" xmlns:p="http://schemas.openxmlformats.org/presentationml/2006/main">
+  <p:cSld>
+    <p:spTree>
+      <p:nvGrpSpPr>
+        <p:cNvPr id="1" name=""/>
+        <p:cNvGrpSpPr/>
+        <p:nvPr/>
+      </p:nvGrpSpPr>
+      <p:grpSpPr>
+        <a:xfrm>
+          <a:off x="0" y="0"/>
+          <a:ext cx="0" cy="0"/>
+          <a:chOff x="0" y="0"/>
+          <a:chExt cx="0" cy="0"/>
+        </a:xfrm>
+      </p:grpSpPr>
+      <p:sp>
+        <p:nvSpPr>
           <p:cNvPr id="2" name="Slide Image Placeholder 1"/>
           <p:cNvSpPr>
             <a:spLocks noGrp="1" noRot="1" noChangeAspect="1"/>
@@ -555,7 +798,7 @@
           <a:p>
             <a:fld id="{DE6F8740-6ED4-7648-895A-FD7204BCC1ED}" type="slidenum">
               <a:rPr lang="en-US" smtClean="0"/>
-              <a:t>4</a:t>
+              <a:t>5</a:t>
             </a:fld>
             <a:endParaRPr lang="en-US"/>
           </a:p>
@@ -565,6 +808,198 @@
     <p:extLst>
       <p:ext uri="{BB962C8B-B14F-4D97-AF65-F5344CB8AC3E}">
         <p14:creationId xmlns:p14="http://schemas.microsoft.com/office/powerpoint/2010/main" val="1578821879"/>
+      </p:ext>
+    </p:extLst>
+  </p:cSld>
+  <p:clrMapOvr>
+    <a:masterClrMapping/>
+  </p:clrMapOvr>
+</p:notes>
+</file>
+
+<file path=ppt/notesSlides/notesSlide4.xml><?xml version="1.0" encoding="utf-8"?>
+<p:notes xmlns:a="http://schemas.openxmlformats.org/drawingml/2006/main" xmlns:r="http://schemas.openxmlformats.org/officeDocument/2006/relationships" xmlns:p="http://schemas.openxmlformats.org/presentationml/2006/main">
+  <p:cSld>
+    <p:spTree>
+      <p:nvGrpSpPr>
+        <p:cNvPr id="1" name=""/>
+        <p:cNvGrpSpPr/>
+        <p:nvPr/>
+      </p:nvGrpSpPr>
+      <p:grpSpPr>
+        <a:xfrm>
+          <a:off x="0" y="0"/>
+          <a:ext cx="0" cy="0"/>
+          <a:chOff x="0" y="0"/>
+          <a:chExt cx="0" cy="0"/>
+        </a:xfrm>
+      </p:grpSpPr>
+      <p:sp>
+        <p:nvSpPr>
+          <p:cNvPr id="2" name="Slide Image Placeholder 1"/>
+          <p:cNvSpPr>
+            <a:spLocks noGrp="1" noRot="1" noChangeAspect="1"/>
+          </p:cNvSpPr>
+          <p:nvPr>
+            <p:ph type="sldImg"/>
+          </p:nvPr>
+        </p:nvSpPr>
+        <p:spPr/>
+      </p:sp>
+      <p:sp>
+        <p:nvSpPr>
+          <p:cNvPr id="3" name="Notes Placeholder 2"/>
+          <p:cNvSpPr>
+            <a:spLocks noGrp="1"/>
+          </p:cNvSpPr>
+          <p:nvPr>
+            <p:ph type="body" idx="1"/>
+          </p:nvPr>
+        </p:nvSpPr>
+        <p:spPr/>
+        <p:txBody>
+          <a:bodyPr/>
+          <a:lstStyle/>
+          <a:p>
+            <a:r>
+              <a:rPr lang="en-US" dirty="0" smtClean="0"/>
+              <a:t>Link</a:t>
+            </a:r>
+            <a:r>
+              <a:rPr lang="en-US" baseline="0" dirty="0" smtClean="0"/>
+              <a:t> Picture to actual source code on </a:t>
+            </a:r>
+            <a:r>
+              <a:rPr lang="en-US" baseline="0" dirty="0" err="1" smtClean="0"/>
+              <a:t>github</a:t>
+            </a:r>
+            <a:endParaRPr lang="en-US" dirty="0"/>
+          </a:p>
+        </p:txBody>
+      </p:sp>
+      <p:sp>
+        <p:nvSpPr>
+          <p:cNvPr id="4" name="Slide Number Placeholder 3"/>
+          <p:cNvSpPr>
+            <a:spLocks noGrp="1"/>
+          </p:cNvSpPr>
+          <p:nvPr>
+            <p:ph type="sldNum" sz="quarter" idx="10"/>
+          </p:nvPr>
+        </p:nvSpPr>
+        <p:spPr/>
+        <p:txBody>
+          <a:bodyPr/>
+          <a:lstStyle/>
+          <a:p>
+            <a:fld id="{DE6F8740-6ED4-7648-895A-FD7204BCC1ED}" type="slidenum">
+              <a:rPr lang="en-US" smtClean="0"/>
+              <a:t>6</a:t>
+            </a:fld>
+            <a:endParaRPr lang="en-US"/>
+          </a:p>
+        </p:txBody>
+      </p:sp>
+    </p:spTree>
+    <p:extLst>
+      <p:ext uri="{BB962C8B-B14F-4D97-AF65-F5344CB8AC3E}">
+        <p14:creationId xmlns:p14="http://schemas.microsoft.com/office/powerpoint/2010/main" val="322616830"/>
+      </p:ext>
+    </p:extLst>
+  </p:cSld>
+  <p:clrMapOvr>
+    <a:masterClrMapping/>
+  </p:clrMapOvr>
+</p:notes>
+</file>
+
+<file path=ppt/notesSlides/notesSlide5.xml><?xml version="1.0" encoding="utf-8"?>
+<p:notes xmlns:a="http://schemas.openxmlformats.org/drawingml/2006/main" xmlns:r="http://schemas.openxmlformats.org/officeDocument/2006/relationships" xmlns:p="http://schemas.openxmlformats.org/presentationml/2006/main">
+  <p:cSld>
+    <p:spTree>
+      <p:nvGrpSpPr>
+        <p:cNvPr id="1" name=""/>
+        <p:cNvGrpSpPr/>
+        <p:nvPr/>
+      </p:nvGrpSpPr>
+      <p:grpSpPr>
+        <a:xfrm>
+          <a:off x="0" y="0"/>
+          <a:ext cx="0" cy="0"/>
+          <a:chOff x="0" y="0"/>
+          <a:chExt cx="0" cy="0"/>
+        </a:xfrm>
+      </p:grpSpPr>
+      <p:sp>
+        <p:nvSpPr>
+          <p:cNvPr id="2" name="Folienbildplatzhalter 1"/>
+          <p:cNvSpPr>
+            <a:spLocks noGrp="1" noRot="1" noChangeAspect="1"/>
+          </p:cNvSpPr>
+          <p:nvPr>
+            <p:ph type="sldImg"/>
+          </p:nvPr>
+        </p:nvSpPr>
+        <p:spPr/>
+      </p:sp>
+      <p:sp>
+        <p:nvSpPr>
+          <p:cNvPr id="3" name="Notizenplatzhalter 2"/>
+          <p:cNvSpPr>
+            <a:spLocks noGrp="1"/>
+          </p:cNvSpPr>
+          <p:nvPr>
+            <p:ph type="body" idx="1"/>
+          </p:nvPr>
+        </p:nvSpPr>
+        <p:spPr/>
+        <p:txBody>
+          <a:bodyPr/>
+          <a:lstStyle/>
+          <a:p>
+            <a:r>
+              <a:rPr lang="en-GB" dirty="0" err="1" smtClean="0"/>
+              <a:t>Sequenz</a:t>
+            </a:r>
+            <a:r>
+              <a:rPr lang="en-GB" dirty="0" smtClean="0"/>
+              <a:t> </a:t>
+            </a:r>
+            <a:r>
+              <a:rPr lang="en-GB" dirty="0" err="1" smtClean="0"/>
+              <a:t>kreieren</a:t>
+            </a:r>
+            <a:endParaRPr lang="en-US" dirty="0"/>
+          </a:p>
+        </p:txBody>
+      </p:sp>
+      <p:sp>
+        <p:nvSpPr>
+          <p:cNvPr id="4" name="Foliennummernplatzhalter 3"/>
+          <p:cNvSpPr>
+            <a:spLocks noGrp="1"/>
+          </p:cNvSpPr>
+          <p:nvPr>
+            <p:ph type="sldNum" sz="quarter" idx="10"/>
+          </p:nvPr>
+        </p:nvSpPr>
+        <p:spPr/>
+        <p:txBody>
+          <a:bodyPr/>
+          <a:lstStyle/>
+          <a:p>
+            <a:fld id="{DE6F8740-6ED4-7648-895A-FD7204BCC1ED}" type="slidenum">
+              <a:rPr lang="en-US" smtClean="0"/>
+              <a:t>11</a:t>
+            </a:fld>
+            <a:endParaRPr lang="en-US"/>
+          </a:p>
+        </p:txBody>
+      </p:sp>
+    </p:spTree>
+    <p:extLst>
+      <p:ext uri="{BB962C8B-B14F-4D97-AF65-F5344CB8AC3E}">
+        <p14:creationId xmlns:p14="http://schemas.microsoft.com/office/powerpoint/2010/main" val="1012081457"/>
       </p:ext>
     </p:extLst>
   </p:cSld>
@@ -755,7 +1190,7 @@
           <a:p>
             <a:fld id="{F99B854D-7ADB-7140-951F-D87B07F179DC}" type="datetimeFigureOut">
               <a:rPr lang="en-US" smtClean="0"/>
-              <a:t>08/11/14</a:t>
+              <a:t>11/10/2014</a:t>
             </a:fld>
             <a:endParaRPr lang="en-US"/>
           </a:p>
@@ -797,7 +1232,7 @@
           <a:p>
             <a:fld id="{E62405EC-0106-3746-9CC3-78C21A620128}" type="slidenum">
               <a:rPr lang="en-US" smtClean="0"/>
-              <a:t>‹#›</a:t>
+              <a:t>‹Nr.›</a:t>
             </a:fld>
             <a:endParaRPr lang="en-US"/>
           </a:p>
@@ -925,7 +1360,7 @@
           <a:p>
             <a:fld id="{F99B854D-7ADB-7140-951F-D87B07F179DC}" type="datetimeFigureOut">
               <a:rPr lang="en-US" smtClean="0"/>
-              <a:t>08/11/14</a:t>
+              <a:t>11/10/2014</a:t>
             </a:fld>
             <a:endParaRPr lang="en-US"/>
           </a:p>
@@ -967,7 +1402,7 @@
           <a:p>
             <a:fld id="{E62405EC-0106-3746-9CC3-78C21A620128}" type="slidenum">
               <a:rPr lang="en-US" smtClean="0"/>
-              <a:t>‹#›</a:t>
+              <a:t>‹Nr.›</a:t>
             </a:fld>
             <a:endParaRPr lang="en-US"/>
           </a:p>
@@ -1105,7 +1540,7 @@
           <a:p>
             <a:fld id="{F99B854D-7ADB-7140-951F-D87B07F179DC}" type="datetimeFigureOut">
               <a:rPr lang="en-US" smtClean="0"/>
-              <a:t>08/11/14</a:t>
+              <a:t>11/10/2014</a:t>
             </a:fld>
             <a:endParaRPr lang="en-US"/>
           </a:p>
@@ -1147,7 +1582,7 @@
           <a:p>
             <a:fld id="{E62405EC-0106-3746-9CC3-78C21A620128}" type="slidenum">
               <a:rPr lang="en-US" smtClean="0"/>
-              <a:t>‹#›</a:t>
+              <a:t>‹Nr.›</a:t>
             </a:fld>
             <a:endParaRPr lang="en-US"/>
           </a:p>
@@ -1275,7 +1710,7 @@
           <a:p>
             <a:fld id="{F99B854D-7ADB-7140-951F-D87B07F179DC}" type="datetimeFigureOut">
               <a:rPr lang="en-US" smtClean="0"/>
-              <a:t>08/11/14</a:t>
+              <a:t>11/10/2014</a:t>
             </a:fld>
             <a:endParaRPr lang="en-US"/>
           </a:p>
@@ -1317,7 +1752,7 @@
           <a:p>
             <a:fld id="{E62405EC-0106-3746-9CC3-78C21A620128}" type="slidenum">
               <a:rPr lang="en-US" smtClean="0"/>
-              <a:t>‹#›</a:t>
+              <a:t>‹Nr.›</a:t>
             </a:fld>
             <a:endParaRPr lang="en-US"/>
           </a:p>
@@ -1521,7 +1956,7 @@
           <a:p>
             <a:fld id="{F99B854D-7ADB-7140-951F-D87B07F179DC}" type="datetimeFigureOut">
               <a:rPr lang="en-US" smtClean="0"/>
-              <a:t>08/11/14</a:t>
+              <a:t>11/10/2014</a:t>
             </a:fld>
             <a:endParaRPr lang="en-US"/>
           </a:p>
@@ -1563,7 +1998,7 @@
           <a:p>
             <a:fld id="{E62405EC-0106-3746-9CC3-78C21A620128}" type="slidenum">
               <a:rPr lang="en-US" smtClean="0"/>
-              <a:t>‹#›</a:t>
+              <a:t>‹Nr.›</a:t>
             </a:fld>
             <a:endParaRPr lang="en-US"/>
           </a:p>
@@ -1809,7 +2244,7 @@
           <a:p>
             <a:fld id="{F99B854D-7ADB-7140-951F-D87B07F179DC}" type="datetimeFigureOut">
               <a:rPr lang="en-US" smtClean="0"/>
-              <a:t>08/11/14</a:t>
+              <a:t>11/10/2014</a:t>
             </a:fld>
             <a:endParaRPr lang="en-US"/>
           </a:p>
@@ -1851,7 +2286,7 @@
           <a:p>
             <a:fld id="{E62405EC-0106-3746-9CC3-78C21A620128}" type="slidenum">
               <a:rPr lang="en-US" smtClean="0"/>
-              <a:t>‹#›</a:t>
+              <a:t>‹Nr.›</a:t>
             </a:fld>
             <a:endParaRPr lang="en-US"/>
           </a:p>
@@ -2231,7 +2666,7 @@
           <a:p>
             <a:fld id="{F99B854D-7ADB-7140-951F-D87B07F179DC}" type="datetimeFigureOut">
               <a:rPr lang="en-US" smtClean="0"/>
-              <a:t>08/11/14</a:t>
+              <a:t>11/10/2014</a:t>
             </a:fld>
             <a:endParaRPr lang="en-US"/>
           </a:p>
@@ -2273,7 +2708,7 @@
           <a:p>
             <a:fld id="{E62405EC-0106-3746-9CC3-78C21A620128}" type="slidenum">
               <a:rPr lang="en-US" smtClean="0"/>
-              <a:t>‹#›</a:t>
+              <a:t>‹Nr.›</a:t>
             </a:fld>
             <a:endParaRPr lang="en-US"/>
           </a:p>
@@ -2349,7 +2784,7 @@
           <a:p>
             <a:fld id="{F99B854D-7ADB-7140-951F-D87B07F179DC}" type="datetimeFigureOut">
               <a:rPr lang="en-US" smtClean="0"/>
-              <a:t>08/11/14</a:t>
+              <a:t>11/10/2014</a:t>
             </a:fld>
             <a:endParaRPr lang="en-US"/>
           </a:p>
@@ -2391,7 +2826,7 @@
           <a:p>
             <a:fld id="{E62405EC-0106-3746-9CC3-78C21A620128}" type="slidenum">
               <a:rPr lang="en-US" smtClean="0"/>
-              <a:t>‹#›</a:t>
+              <a:t>‹Nr.›</a:t>
             </a:fld>
             <a:endParaRPr lang="en-US"/>
           </a:p>
@@ -2444,7 +2879,7 @@
           <a:p>
             <a:fld id="{F99B854D-7ADB-7140-951F-D87B07F179DC}" type="datetimeFigureOut">
               <a:rPr lang="en-US" smtClean="0"/>
-              <a:t>08/11/14</a:t>
+              <a:t>11/10/2014</a:t>
             </a:fld>
             <a:endParaRPr lang="en-US"/>
           </a:p>
@@ -2486,7 +2921,7 @@
           <a:p>
             <a:fld id="{E62405EC-0106-3746-9CC3-78C21A620128}" type="slidenum">
               <a:rPr lang="en-US" smtClean="0"/>
-              <a:t>‹#›</a:t>
+              <a:t>‹Nr.›</a:t>
             </a:fld>
             <a:endParaRPr lang="en-US"/>
           </a:p>
@@ -2721,7 +3156,7 @@
           <a:p>
             <a:fld id="{F99B854D-7ADB-7140-951F-D87B07F179DC}" type="datetimeFigureOut">
               <a:rPr lang="en-US" smtClean="0"/>
-              <a:t>08/11/14</a:t>
+              <a:t>11/10/2014</a:t>
             </a:fld>
             <a:endParaRPr lang="en-US"/>
           </a:p>
@@ -2763,7 +3198,7 @@
           <a:p>
             <a:fld id="{E62405EC-0106-3746-9CC3-78C21A620128}" type="slidenum">
               <a:rPr lang="en-US" smtClean="0"/>
-              <a:t>‹#›</a:t>
+              <a:t>‹Nr.›</a:t>
             </a:fld>
             <a:endParaRPr lang="en-US"/>
           </a:p>
@@ -2974,7 +3409,7 @@
           <a:p>
             <a:fld id="{F99B854D-7ADB-7140-951F-D87B07F179DC}" type="datetimeFigureOut">
               <a:rPr lang="en-US" smtClean="0"/>
-              <a:t>08/11/14</a:t>
+              <a:t>11/10/2014</a:t>
             </a:fld>
             <a:endParaRPr lang="en-US"/>
           </a:p>
@@ -3016,7 +3451,7 @@
           <a:p>
             <a:fld id="{E62405EC-0106-3746-9CC3-78C21A620128}" type="slidenum">
               <a:rPr lang="en-US" smtClean="0"/>
-              <a:t>‹#›</a:t>
+              <a:t>‹Nr.›</a:t>
             </a:fld>
             <a:endParaRPr lang="en-US"/>
           </a:p>
@@ -3187,7 +3622,7 @@
           <a:p>
             <a:fld id="{F99B854D-7ADB-7140-951F-D87B07F179DC}" type="datetimeFigureOut">
               <a:rPr lang="en-US" smtClean="0"/>
-              <a:t>08/11/14</a:t>
+              <a:t>11/10/2014</a:t>
             </a:fld>
             <a:endParaRPr lang="en-US"/>
           </a:p>
@@ -3265,7 +3700,7 @@
           <a:p>
             <a:fld id="{E62405EC-0106-3746-9CC3-78C21A620128}" type="slidenum">
               <a:rPr lang="en-US" smtClean="0"/>
-              <a:t>‹#›</a:t>
+              <a:t>‹Nr.›</a:t>
             </a:fld>
             <a:endParaRPr lang="en-US"/>
           </a:p>
@@ -3562,94 +3997,253 @@
           <a:chExt cx="0" cy="0"/>
         </a:xfrm>
       </p:grpSpPr>
-      <p:sp>
-        <p:nvSpPr>
-          <p:cNvPr id="2" name="Title 1"/>
-          <p:cNvSpPr>
-            <a:spLocks noGrp="1"/>
-          </p:cNvSpPr>
-          <p:nvPr>
-            <p:ph type="ctrTitle"/>
-          </p:nvPr>
-        </p:nvSpPr>
+      <p:pic>
+        <p:nvPicPr>
+          <p:cNvPr id="4" name="Grafik 3"/>
+          <p:cNvPicPr>
+            <a:picLocks noChangeAspect="1"/>
+          </p:cNvPicPr>
+          <p:nvPr/>
+        </p:nvPicPr>
+        <p:blipFill>
+          <a:blip r:embed="rId3">
+            <a:extLst>
+              <a:ext uri="{28A0092B-C50C-407E-A947-70E740481C1C}">
+                <a14:useLocalDpi xmlns:a14="http://schemas.microsoft.com/office/drawing/2010/main" val="0"/>
+              </a:ext>
+            </a:extLst>
+          </a:blip>
+          <a:stretch>
+            <a:fillRect/>
+          </a:stretch>
+        </p:blipFill>
         <p:spPr>
           <a:xfrm>
-            <a:off x="685800" y="1778548"/>
+            <a:off x="0" y="0"/>
+            <a:ext cx="9144000" cy="3190875"/>
+          </a:xfrm>
+          <a:prstGeom prst="rect">
+            <a:avLst/>
+          </a:prstGeom>
+        </p:spPr>
+      </p:pic>
+      <p:sp>
+        <p:nvSpPr>
+          <p:cNvPr id="11" name="Title 1"/>
+          <p:cNvSpPr txBox="1">
+            <a:spLocks/>
+          </p:cNvSpPr>
+          <p:nvPr/>
+        </p:nvSpPr>
+        <p:spPr>
+          <a:xfrm>
+            <a:off x="685800" y="3485431"/>
             <a:ext cx="7772400" cy="1470025"/>
           </a:xfrm>
+          <a:prstGeom prst="rect">
+            <a:avLst/>
+          </a:prstGeom>
         </p:spPr>
         <p:txBody>
-          <a:bodyPr>
-            <a:normAutofit fontScale="90000"/>
+          <a:bodyPr vert="horz" lIns="91440" tIns="45720" rIns="91440" bIns="45720" rtlCol="0" anchor="ctr">
+            <a:normAutofit fontScale="82500" lnSpcReduction="10000"/>
           </a:bodyPr>
-          <a:lstStyle/>
-          <a:p>
-            <a:r>
-              <a:rPr lang="en-US" dirty="0" smtClean="0"/>
+          <a:lstStyle>
+            <a:lvl1pPr algn="ctr" defTabSz="457200" rtl="0" eaLnBrk="1" latinLnBrk="0" hangingPunct="1">
+              <a:spcBef>
+                <a:spcPct val="0"/>
+              </a:spcBef>
+              <a:buNone/>
+              <a:defRPr sz="4400" kern="1200">
+                <a:solidFill>
+                  <a:schemeClr val="tx1"/>
+                </a:solidFill>
+                <a:latin typeface="+mj-lt"/>
+                <a:ea typeface="+mj-ea"/>
+                <a:cs typeface="+mj-cs"/>
+              </a:defRPr>
+            </a:lvl1pPr>
+          </a:lstStyle>
+          <a:p>
+            <a:r>
+              <a:rPr lang="en-US" b="1" dirty="0" smtClean="0">
+                <a:solidFill>
+                  <a:schemeClr val="tx2">
+                    <a:lumMod val="50000"/>
+                  </a:schemeClr>
+                </a:solidFill>
+              </a:rPr>
               <a:t>Integration Testing</a:t>
             </a:r>
             <a:br>
-              <a:rPr lang="en-US" dirty="0" smtClean="0"/>
+              <a:rPr lang="en-US" b="1" dirty="0" smtClean="0">
+                <a:solidFill>
+                  <a:schemeClr val="tx2">
+                    <a:lumMod val="50000"/>
+                  </a:schemeClr>
+                </a:solidFill>
+              </a:rPr>
             </a:br>
             <a:r>
-              <a:rPr lang="en-US" dirty="0" smtClean="0"/>
+              <a:rPr lang="en-US" b="1" dirty="0" smtClean="0">
+                <a:solidFill>
+                  <a:schemeClr val="tx2">
+                    <a:lumMod val="50000"/>
+                  </a:schemeClr>
+                </a:solidFill>
+              </a:rPr>
               <a:t> with </a:t>
             </a:r>
             <a:r>
-              <a:rPr lang="en-US" dirty="0" err="1" smtClean="0"/>
+              <a:rPr lang="en-US" b="1" dirty="0" err="1" smtClean="0">
+                <a:solidFill>
+                  <a:schemeClr val="tx2">
+                    <a:lumMod val="50000"/>
+                  </a:schemeClr>
+                </a:solidFill>
+              </a:rPr>
               <a:t>Docker</a:t>
             </a:r>
             <a:r>
-              <a:rPr lang="en-US" dirty="0" smtClean="0"/>
-              <a:t>, </a:t>
-            </a:r>
-            <a:r>
-              <a:rPr lang="en-US" dirty="0" err="1" smtClean="0"/>
-              <a:t>Scala</a:t>
-            </a:r>
-            <a:r>
-              <a:rPr lang="en-US" dirty="0" smtClean="0"/>
-              <a:t>, </a:t>
-            </a:r>
-            <a:r>
-              <a:rPr lang="en-US" dirty="0" err="1" smtClean="0"/>
+              <a:rPr lang="en-US" b="1" dirty="0" smtClean="0">
+                <a:solidFill>
+                  <a:schemeClr val="tx2">
+                    <a:lumMod val="50000"/>
+                  </a:schemeClr>
+                </a:solidFill>
+              </a:rPr>
+              <a:t>, Scala, </a:t>
+            </a:r>
+            <a:r>
+              <a:rPr lang="en-US" b="1" dirty="0" err="1" smtClean="0">
+                <a:solidFill>
+                  <a:schemeClr val="tx2">
+                    <a:lumMod val="50000"/>
+                  </a:schemeClr>
+                </a:solidFill>
+              </a:rPr>
               <a:t>Akka</a:t>
             </a:r>
             <a:r>
-              <a:rPr lang="en-US" dirty="0" smtClean="0"/>
+              <a:rPr lang="en-US" b="1" dirty="0" smtClean="0">
+                <a:solidFill>
+                  <a:schemeClr val="tx2">
+                    <a:lumMod val="50000"/>
+                  </a:schemeClr>
+                </a:solidFill>
+              </a:rPr>
               <a:t> &amp; </a:t>
             </a:r>
             <a:r>
-              <a:rPr lang="en-US" dirty="0" err="1" smtClean="0"/>
+              <a:rPr lang="en-US" b="1" dirty="0" err="1" smtClean="0">
+                <a:solidFill>
+                  <a:schemeClr val="tx2">
+                    <a:lumMod val="50000"/>
+                  </a:schemeClr>
+                </a:solidFill>
+              </a:rPr>
               <a:t>ScalaTest</a:t>
             </a:r>
-            <a:endParaRPr lang="en-US" dirty="0"/>
-          </a:p>
-        </p:txBody>
-      </p:sp>
-      <p:sp>
-        <p:nvSpPr>
-          <p:cNvPr id="3" name="Subtitle 2"/>
-          <p:cNvSpPr>
-            <a:spLocks noGrp="1"/>
-          </p:cNvSpPr>
-          <p:nvPr>
-            <p:ph type="subTitle" idx="1"/>
-          </p:nvPr>
-        </p:nvSpPr>
-        <p:spPr/>
-        <p:txBody>
-          <a:bodyPr/>
-          <a:lstStyle/>
-          <a:p>
-            <a:endParaRPr lang="en-US" dirty="0"/>
-          </a:p>
-        </p:txBody>
-      </p:sp>
+            <a:endParaRPr lang="en-US" b="1" dirty="0">
+              <a:solidFill>
+                <a:schemeClr val="tx2">
+                  <a:lumMod val="50000"/>
+                </a:schemeClr>
+              </a:solidFill>
+            </a:endParaRPr>
+          </a:p>
+        </p:txBody>
+      </p:sp>
+      <p:sp>
+        <p:nvSpPr>
+          <p:cNvPr id="13" name="Textfeld 12"/>
+          <p:cNvSpPr txBox="1"/>
+          <p:nvPr/>
+        </p:nvSpPr>
+        <p:spPr>
+          <a:xfrm>
+            <a:off x="6801394" y="5756366"/>
+            <a:ext cx="2044342" cy="830997"/>
+          </a:xfrm>
+          <a:prstGeom prst="rect">
+            <a:avLst/>
+          </a:prstGeom>
+          <a:noFill/>
+        </p:spPr>
+        <p:txBody>
+          <a:bodyPr wrap="none" rtlCol="0">
+            <a:spAutoFit/>
+          </a:bodyPr>
+          <a:lstStyle/>
+          <a:p>
+            <a:pPr algn="ctr"/>
+            <a:r>
+              <a:rPr lang="en-GB" sz="2400" dirty="0" smtClean="0">
+                <a:solidFill>
+                  <a:schemeClr val="tx2">
+                    <a:lumMod val="50000"/>
+                  </a:schemeClr>
+                </a:solidFill>
+              </a:rPr>
+              <a:t>Andreas Gies</a:t>
+            </a:r>
+          </a:p>
+          <a:p>
+            <a:pPr algn="ctr"/>
+            <a:r>
+              <a:rPr lang="en-GB" sz="2400" dirty="0" smtClean="0">
+                <a:solidFill>
+                  <a:schemeClr val="tx2">
+                    <a:lumMod val="50000"/>
+                  </a:schemeClr>
+                </a:solidFill>
+              </a:rPr>
+              <a:t>Lead Architect </a:t>
+            </a:r>
+            <a:endParaRPr lang="en-US" sz="2400" dirty="0">
+              <a:solidFill>
+                <a:schemeClr val="tx2">
+                  <a:lumMod val="50000"/>
+                </a:schemeClr>
+              </a:solidFill>
+            </a:endParaRPr>
+          </a:p>
+        </p:txBody>
+      </p:sp>
+      <p:pic>
+        <p:nvPicPr>
+          <p:cNvPr id="14" name="Grafik 13"/>
+          <p:cNvPicPr>
+            <a:picLocks noChangeAspect="1"/>
+          </p:cNvPicPr>
+          <p:nvPr/>
+        </p:nvPicPr>
+        <p:blipFill>
+          <a:blip r:embed="rId4">
+            <a:extLst>
+              <a:ext uri="{28A0092B-C50C-407E-A947-70E740481C1C}">
+                <a14:useLocalDpi xmlns:a14="http://schemas.microsoft.com/office/drawing/2010/main" val="0"/>
+              </a:ext>
+            </a:extLst>
+          </a:blip>
+          <a:stretch>
+            <a:fillRect/>
+          </a:stretch>
+        </p:blipFill>
+        <p:spPr>
+          <a:xfrm>
+            <a:off x="86451" y="5756366"/>
+            <a:ext cx="2499995" cy="976674"/>
+          </a:xfrm>
+          <a:prstGeom prst="rect">
+            <a:avLst/>
+          </a:prstGeom>
+        </p:spPr>
+      </p:pic>
     </p:spTree>
     <p:extLst>
       <p:ext uri="{BB962C8B-B14F-4D97-AF65-F5344CB8AC3E}">
-        <p14:creationId xmlns:p14="http://schemas.microsoft.com/office/powerpoint/2010/main" val="306254550"/>
+        <p14:creationId xmlns:p14="http://schemas.microsoft.com/office/powerpoint/2010/main" val="1985272563"/>
       </p:ext>
     </p:extLst>
   </p:cSld>
@@ -3659,7 +4253,7 @@
   <p:timing>
     <p:tnLst>
       <p:par>
-        <p:cTn xmlns:p14="http://schemas.microsoft.com/office/powerpoint/2010/main" id="1" dur="indefinite" restart="never" nodeType="tmRoot"/>
+        <p:cTn id="1" dur="indefinite" restart="never" nodeType="tmRoot"/>
       </p:par>
     </p:tnLst>
   </p:timing>
@@ -3667,1694 +4261,6 @@
 </file>
 
 <file path=ppt/slides/slide10.xml><?xml version="1.0" encoding="utf-8"?>
-<p:sld xmlns:a="http://schemas.openxmlformats.org/drawingml/2006/main" xmlns:r="http://schemas.openxmlformats.org/officeDocument/2006/relationships" xmlns:p="http://schemas.openxmlformats.org/presentationml/2006/main">
-  <p:cSld>
-    <p:spTree>
-      <p:nvGrpSpPr>
-        <p:cNvPr id="1" name=""/>
-        <p:cNvGrpSpPr/>
-        <p:nvPr/>
-      </p:nvGrpSpPr>
-      <p:grpSpPr>
-        <a:xfrm>
-          <a:off x="0" y="0"/>
-          <a:ext cx="0" cy="0"/>
-          <a:chOff x="0" y="0"/>
-          <a:chExt cx="0" cy="0"/>
-        </a:xfrm>
-      </p:grpSpPr>
-      <p:sp>
-        <p:nvSpPr>
-          <p:cNvPr id="2" name="Title 1"/>
-          <p:cNvSpPr>
-            <a:spLocks noGrp="1"/>
-          </p:cNvSpPr>
-          <p:nvPr>
-            <p:ph type="title"/>
-          </p:nvPr>
-        </p:nvSpPr>
-        <p:spPr/>
-        <p:txBody>
-          <a:bodyPr/>
-          <a:lstStyle/>
-          <a:p>
-            <a:r>
-              <a:rPr lang="en-US" dirty="0" smtClean="0"/>
-              <a:t>Creating </a:t>
-            </a:r>
-            <a:r>
-              <a:rPr lang="en-US" dirty="0" err="1" smtClean="0"/>
-              <a:t>docker</a:t>
-            </a:r>
-            <a:r>
-              <a:rPr lang="en-US" dirty="0" smtClean="0"/>
-              <a:t> images</a:t>
-            </a:r>
-            <a:endParaRPr lang="en-US" dirty="0"/>
-          </a:p>
-        </p:txBody>
-      </p:sp>
-      <p:sp>
-        <p:nvSpPr>
-          <p:cNvPr id="3" name="Text Placeholder 2"/>
-          <p:cNvSpPr>
-            <a:spLocks noGrp="1"/>
-          </p:cNvSpPr>
-          <p:nvPr>
-            <p:ph type="body" idx="1"/>
-          </p:nvPr>
-        </p:nvSpPr>
-        <p:spPr/>
-        <p:txBody>
-          <a:bodyPr/>
-          <a:lstStyle/>
-          <a:p>
-            <a:endParaRPr lang="en-US"/>
-          </a:p>
-        </p:txBody>
-      </p:sp>
-    </p:spTree>
-    <p:extLst>
-      <p:ext uri="{BB962C8B-B14F-4D97-AF65-F5344CB8AC3E}">
-        <p14:creationId xmlns:p14="http://schemas.microsoft.com/office/powerpoint/2010/main" val="598867320"/>
-      </p:ext>
-    </p:extLst>
-  </p:cSld>
-  <p:clrMapOvr>
-    <a:masterClrMapping/>
-  </p:clrMapOvr>
-  <p:timing>
-    <p:tnLst>
-      <p:par>
-        <p:cTn xmlns:p14="http://schemas.microsoft.com/office/powerpoint/2010/main" id="1" dur="indefinite" restart="never" nodeType="tmRoot"/>
-      </p:par>
-    </p:tnLst>
-  </p:timing>
-</p:sld>
-</file>
-
-<file path=ppt/slides/slide11.xml><?xml version="1.0" encoding="utf-8"?>
-<p:sld xmlns:a="http://schemas.openxmlformats.org/drawingml/2006/main" xmlns:r="http://schemas.openxmlformats.org/officeDocument/2006/relationships" xmlns:p="http://schemas.openxmlformats.org/presentationml/2006/main">
-  <p:cSld>
-    <p:spTree>
-      <p:nvGrpSpPr>
-        <p:cNvPr id="1" name=""/>
-        <p:cNvGrpSpPr/>
-        <p:nvPr/>
-      </p:nvGrpSpPr>
-      <p:grpSpPr>
-        <a:xfrm>
-          <a:off x="0" y="0"/>
-          <a:ext cx="0" cy="0"/>
-          <a:chOff x="0" y="0"/>
-          <a:chExt cx="0" cy="0"/>
-        </a:xfrm>
-      </p:grpSpPr>
-      <p:sp>
-        <p:nvSpPr>
-          <p:cNvPr id="2" name="Title 1"/>
-          <p:cNvSpPr>
-            <a:spLocks noGrp="1"/>
-          </p:cNvSpPr>
-          <p:nvPr>
-            <p:ph type="title"/>
-          </p:nvPr>
-        </p:nvSpPr>
-        <p:spPr/>
-        <p:txBody>
-          <a:bodyPr/>
-          <a:lstStyle/>
-          <a:p>
-            <a:endParaRPr lang="en-US" dirty="0"/>
-          </a:p>
-        </p:txBody>
-      </p:sp>
-      <p:sp>
-        <p:nvSpPr>
-          <p:cNvPr id="4" name="Rounded Rectangle 3"/>
-          <p:cNvSpPr/>
-          <p:nvPr/>
-        </p:nvSpPr>
-        <p:spPr>
-          <a:xfrm>
-            <a:off x="457200" y="2078790"/>
-            <a:ext cx="1711158" cy="708526"/>
-          </a:xfrm>
-          <a:prstGeom prst="roundRect">
-            <a:avLst/>
-          </a:prstGeom>
-        </p:spPr>
-        <p:style>
-          <a:lnRef idx="1">
-            <a:schemeClr val="accent1"/>
-          </a:lnRef>
-          <a:fillRef idx="3">
-            <a:schemeClr val="accent1"/>
-          </a:fillRef>
-          <a:effectRef idx="2">
-            <a:schemeClr val="accent1"/>
-          </a:effectRef>
-          <a:fontRef idx="minor">
-            <a:schemeClr val="lt1"/>
-          </a:fontRef>
-        </p:style>
-        <p:txBody>
-          <a:bodyPr rtlCol="0" anchor="ctr"/>
-          <a:lstStyle/>
-          <a:p>
-            <a:pPr algn="ctr"/>
-            <a:r>
-              <a:rPr lang="en-US" dirty="0" err="1" smtClean="0"/>
-              <a:t>Docker</a:t>
-            </a:r>
-            <a:r>
-              <a:rPr lang="en-US" dirty="0" smtClean="0"/>
-              <a:t> Base Image</a:t>
-            </a:r>
-            <a:endParaRPr lang="en-US" dirty="0"/>
-          </a:p>
-        </p:txBody>
-      </p:sp>
-      <p:sp>
-        <p:nvSpPr>
-          <p:cNvPr id="5" name="Rounded Rectangle 4"/>
-          <p:cNvSpPr/>
-          <p:nvPr/>
-        </p:nvSpPr>
-        <p:spPr>
-          <a:xfrm>
-            <a:off x="2320758" y="2078790"/>
-            <a:ext cx="1711158" cy="708526"/>
-          </a:xfrm>
-          <a:prstGeom prst="roundRect">
-            <a:avLst/>
-          </a:prstGeom>
-        </p:spPr>
-        <p:style>
-          <a:lnRef idx="1">
-            <a:schemeClr val="accent1"/>
-          </a:lnRef>
-          <a:fillRef idx="3">
-            <a:schemeClr val="accent1"/>
-          </a:fillRef>
-          <a:effectRef idx="2">
-            <a:schemeClr val="accent1"/>
-          </a:effectRef>
-          <a:fontRef idx="minor">
-            <a:schemeClr val="lt1"/>
-          </a:fontRef>
-        </p:style>
-        <p:txBody>
-          <a:bodyPr rtlCol="0" anchor="ctr"/>
-          <a:lstStyle/>
-          <a:p>
-            <a:pPr algn="ctr"/>
-            <a:r>
-              <a:rPr lang="en-US" dirty="0" smtClean="0"/>
-              <a:t>Distributable Container</a:t>
-            </a:r>
-            <a:endParaRPr lang="en-US" dirty="0"/>
-          </a:p>
-        </p:txBody>
-      </p:sp>
-      <p:sp>
-        <p:nvSpPr>
-          <p:cNvPr id="6" name="Rounded Rectangle 5"/>
-          <p:cNvSpPr/>
-          <p:nvPr/>
-        </p:nvSpPr>
-        <p:spPr>
-          <a:xfrm>
-            <a:off x="4184316" y="2072106"/>
-            <a:ext cx="1711158" cy="708526"/>
-          </a:xfrm>
-          <a:prstGeom prst="roundRect">
-            <a:avLst/>
-          </a:prstGeom>
-        </p:spPr>
-        <p:style>
-          <a:lnRef idx="1">
-            <a:schemeClr val="accent1"/>
-          </a:lnRef>
-          <a:fillRef idx="3">
-            <a:schemeClr val="accent1"/>
-          </a:fillRef>
-          <a:effectRef idx="2">
-            <a:schemeClr val="accent1"/>
-          </a:effectRef>
-          <a:fontRef idx="minor">
-            <a:schemeClr val="lt1"/>
-          </a:fontRef>
-        </p:style>
-        <p:txBody>
-          <a:bodyPr rtlCol="0" anchor="ctr"/>
-          <a:lstStyle/>
-          <a:p>
-            <a:pPr algn="ctr"/>
-            <a:r>
-              <a:rPr lang="en-US" dirty="0" smtClean="0"/>
-              <a:t>Configuration Files</a:t>
-            </a:r>
-            <a:endParaRPr lang="en-US" dirty="0"/>
-          </a:p>
-        </p:txBody>
-      </p:sp>
-      <p:sp>
-        <p:nvSpPr>
-          <p:cNvPr id="7" name="Rounded Rectangle 6"/>
-          <p:cNvSpPr/>
-          <p:nvPr/>
-        </p:nvSpPr>
-        <p:spPr>
-          <a:xfrm>
-            <a:off x="457200" y="3908927"/>
-            <a:ext cx="2015958" cy="708526"/>
-          </a:xfrm>
-          <a:prstGeom prst="roundRect">
-            <a:avLst/>
-          </a:prstGeom>
-        </p:spPr>
-        <p:style>
-          <a:lnRef idx="1">
-            <a:schemeClr val="accent1"/>
-          </a:lnRef>
-          <a:fillRef idx="3">
-            <a:schemeClr val="accent1"/>
-          </a:fillRef>
-          <a:effectRef idx="2">
-            <a:schemeClr val="accent1"/>
-          </a:effectRef>
-          <a:fontRef idx="minor">
-            <a:schemeClr val="lt1"/>
-          </a:fontRef>
-        </p:style>
-        <p:txBody>
-          <a:bodyPr rtlCol="0" anchor="ctr"/>
-          <a:lstStyle/>
-          <a:p>
-            <a:pPr algn="ctr"/>
-            <a:r>
-              <a:rPr lang="en-US" dirty="0" err="1" smtClean="0"/>
-              <a:t>Standardzed</a:t>
-            </a:r>
-            <a:r>
-              <a:rPr lang="en-US" dirty="0" smtClean="0"/>
-              <a:t> POM File</a:t>
-            </a:r>
-            <a:endParaRPr lang="en-US" dirty="0"/>
-          </a:p>
-        </p:txBody>
-      </p:sp>
-      <p:sp>
-        <p:nvSpPr>
-          <p:cNvPr id="8" name="Rounded Rectangle 7"/>
-          <p:cNvSpPr/>
-          <p:nvPr/>
-        </p:nvSpPr>
-        <p:spPr>
-          <a:xfrm>
-            <a:off x="3879516" y="5478380"/>
-            <a:ext cx="2015958" cy="708526"/>
-          </a:xfrm>
-          <a:prstGeom prst="roundRect">
-            <a:avLst/>
-          </a:prstGeom>
-        </p:spPr>
-        <p:style>
-          <a:lnRef idx="1">
-            <a:schemeClr val="accent1"/>
-          </a:lnRef>
-          <a:fillRef idx="3">
-            <a:schemeClr val="accent1"/>
-          </a:fillRef>
-          <a:effectRef idx="2">
-            <a:schemeClr val="accent1"/>
-          </a:effectRef>
-          <a:fontRef idx="minor">
-            <a:schemeClr val="lt1"/>
-          </a:fontRef>
-        </p:style>
-        <p:txBody>
-          <a:bodyPr rtlCol="0" anchor="ctr"/>
-          <a:lstStyle/>
-          <a:p>
-            <a:pPr algn="ctr"/>
-            <a:r>
-              <a:rPr lang="en-US" dirty="0" err="1" smtClean="0"/>
-              <a:t>Docker</a:t>
-            </a:r>
-            <a:r>
-              <a:rPr lang="en-US" dirty="0" smtClean="0"/>
-              <a:t> Image</a:t>
-            </a:r>
-            <a:endParaRPr lang="en-US" dirty="0"/>
-          </a:p>
-        </p:txBody>
-      </p:sp>
-    </p:spTree>
-    <p:extLst>
-      <p:ext uri="{BB962C8B-B14F-4D97-AF65-F5344CB8AC3E}">
-        <p14:creationId xmlns:p14="http://schemas.microsoft.com/office/powerpoint/2010/main" val="1864384749"/>
-      </p:ext>
-    </p:extLst>
-  </p:cSld>
-  <p:clrMapOvr>
-    <a:masterClrMapping/>
-  </p:clrMapOvr>
-</p:sld>
-</file>
-
-<file path=ppt/slides/slide12.xml><?xml version="1.0" encoding="utf-8"?>
-<p:sld xmlns:a="http://schemas.openxmlformats.org/drawingml/2006/main" xmlns:r="http://schemas.openxmlformats.org/officeDocument/2006/relationships" xmlns:p="http://schemas.openxmlformats.org/presentationml/2006/main">
-  <p:cSld>
-    <p:spTree>
-      <p:nvGrpSpPr>
-        <p:cNvPr id="1" name=""/>
-        <p:cNvGrpSpPr/>
-        <p:nvPr/>
-      </p:nvGrpSpPr>
-      <p:grpSpPr>
-        <a:xfrm>
-          <a:off x="0" y="0"/>
-          <a:ext cx="0" cy="0"/>
-          <a:chOff x="0" y="0"/>
-          <a:chExt cx="0" cy="0"/>
-        </a:xfrm>
-      </p:grpSpPr>
-      <p:sp>
-        <p:nvSpPr>
-          <p:cNvPr id="2" name="Title 1"/>
-          <p:cNvSpPr>
-            <a:spLocks noGrp="1"/>
-          </p:cNvSpPr>
-          <p:nvPr>
-            <p:ph type="title"/>
-          </p:nvPr>
-        </p:nvSpPr>
-        <p:spPr/>
-        <p:txBody>
-          <a:bodyPr/>
-          <a:lstStyle/>
-          <a:p>
-            <a:r>
-              <a:rPr lang="en-US" dirty="0" err="1" smtClean="0"/>
-              <a:t>Docker</a:t>
-            </a:r>
-            <a:r>
-              <a:rPr lang="en-US" dirty="0" smtClean="0"/>
-              <a:t> tricks</a:t>
-            </a:r>
-            <a:endParaRPr lang="en-US" dirty="0"/>
-          </a:p>
-        </p:txBody>
-      </p:sp>
-      <p:sp>
-        <p:nvSpPr>
-          <p:cNvPr id="3" name="Content Placeholder 2"/>
-          <p:cNvSpPr>
-            <a:spLocks noGrp="1"/>
-          </p:cNvSpPr>
-          <p:nvPr>
-            <p:ph idx="1"/>
-          </p:nvPr>
-        </p:nvSpPr>
-        <p:spPr/>
-        <p:txBody>
-          <a:bodyPr/>
-          <a:lstStyle/>
-          <a:p>
-            <a:r>
-              <a:rPr lang="en-US" dirty="0" smtClean="0"/>
-              <a:t>Create a </a:t>
-            </a:r>
-            <a:r>
-              <a:rPr lang="en-US" dirty="0" err="1" smtClean="0"/>
-              <a:t>docker</a:t>
-            </a:r>
-            <a:r>
-              <a:rPr lang="en-US" dirty="0" smtClean="0"/>
-              <a:t> account</a:t>
-            </a:r>
-          </a:p>
-          <a:p>
-            <a:r>
-              <a:rPr lang="en-US" dirty="0" err="1" smtClean="0"/>
-              <a:t>Docker</a:t>
-            </a:r>
-            <a:r>
-              <a:rPr lang="en-US" dirty="0" smtClean="0"/>
-              <a:t> base image for blended </a:t>
-            </a:r>
-          </a:p>
-          <a:p>
-            <a:r>
-              <a:rPr lang="en-US" dirty="0" smtClean="0"/>
-              <a:t>Cleaning up </a:t>
-            </a:r>
-            <a:r>
-              <a:rPr lang="en-US" dirty="0" err="1" smtClean="0"/>
-              <a:t>docker</a:t>
-            </a:r>
-            <a:endParaRPr lang="en-US" dirty="0"/>
-          </a:p>
-        </p:txBody>
-      </p:sp>
-    </p:spTree>
-    <p:extLst>
-      <p:ext uri="{BB962C8B-B14F-4D97-AF65-F5344CB8AC3E}">
-        <p14:creationId xmlns:p14="http://schemas.microsoft.com/office/powerpoint/2010/main" val="764366726"/>
-      </p:ext>
-    </p:extLst>
-  </p:cSld>
-  <p:clrMapOvr>
-    <a:masterClrMapping/>
-  </p:clrMapOvr>
-</p:sld>
-</file>
-
-<file path=ppt/slides/slide13.xml><?xml version="1.0" encoding="utf-8"?>
-<p:sld xmlns:a="http://schemas.openxmlformats.org/drawingml/2006/main" xmlns:r="http://schemas.openxmlformats.org/officeDocument/2006/relationships" xmlns:p="http://schemas.openxmlformats.org/presentationml/2006/main">
-  <p:cSld>
-    <p:spTree>
-      <p:nvGrpSpPr>
-        <p:cNvPr id="1" name=""/>
-        <p:cNvGrpSpPr/>
-        <p:nvPr/>
-      </p:nvGrpSpPr>
-      <p:grpSpPr>
-        <a:xfrm>
-          <a:off x="0" y="0"/>
-          <a:ext cx="0" cy="0"/>
-          <a:chOff x="0" y="0"/>
-          <a:chExt cx="0" cy="0"/>
-        </a:xfrm>
-      </p:grpSpPr>
-      <p:sp>
-        <p:nvSpPr>
-          <p:cNvPr id="2" name="Title 1"/>
-          <p:cNvSpPr>
-            <a:spLocks noGrp="1"/>
-          </p:cNvSpPr>
-          <p:nvPr>
-            <p:ph type="title"/>
-          </p:nvPr>
-        </p:nvSpPr>
-        <p:spPr/>
-        <p:txBody>
-          <a:bodyPr/>
-          <a:lstStyle/>
-          <a:p>
-            <a:r>
-              <a:rPr lang="en-US" dirty="0" smtClean="0"/>
-              <a:t>The Test Framework</a:t>
-            </a:r>
-            <a:endParaRPr lang="en-US" dirty="0"/>
-          </a:p>
-        </p:txBody>
-      </p:sp>
-      <p:sp>
-        <p:nvSpPr>
-          <p:cNvPr id="3" name="Text Placeholder 2"/>
-          <p:cNvSpPr>
-            <a:spLocks noGrp="1"/>
-          </p:cNvSpPr>
-          <p:nvPr>
-            <p:ph type="body" idx="1"/>
-          </p:nvPr>
-        </p:nvSpPr>
-        <p:spPr/>
-        <p:txBody>
-          <a:bodyPr/>
-          <a:lstStyle/>
-          <a:p>
-            <a:endParaRPr lang="en-US"/>
-          </a:p>
-        </p:txBody>
-      </p:sp>
-    </p:spTree>
-    <p:extLst>
-      <p:ext uri="{BB962C8B-B14F-4D97-AF65-F5344CB8AC3E}">
-        <p14:creationId xmlns:p14="http://schemas.microsoft.com/office/powerpoint/2010/main" val="598867320"/>
-      </p:ext>
-    </p:extLst>
-  </p:cSld>
-  <p:clrMapOvr>
-    <a:masterClrMapping/>
-  </p:clrMapOvr>
-  <p:timing>
-    <p:tnLst>
-      <p:par>
-        <p:cTn xmlns:p14="http://schemas.microsoft.com/office/powerpoint/2010/main" id="1" dur="indefinite" restart="never" nodeType="tmRoot"/>
-      </p:par>
-    </p:tnLst>
-  </p:timing>
-</p:sld>
-</file>
-
-<file path=ppt/slides/slide14.xml><?xml version="1.0" encoding="utf-8"?>
-<p:sld xmlns:a="http://schemas.openxmlformats.org/drawingml/2006/main" xmlns:r="http://schemas.openxmlformats.org/officeDocument/2006/relationships" xmlns:p="http://schemas.openxmlformats.org/presentationml/2006/main">
-  <p:cSld>
-    <p:spTree>
-      <p:nvGrpSpPr>
-        <p:cNvPr id="1" name=""/>
-        <p:cNvGrpSpPr/>
-        <p:nvPr/>
-      </p:nvGrpSpPr>
-      <p:grpSpPr>
-        <a:xfrm>
-          <a:off x="0" y="0"/>
-          <a:ext cx="0" cy="0"/>
-          <a:chOff x="0" y="0"/>
-          <a:chExt cx="0" cy="0"/>
-        </a:xfrm>
-      </p:grpSpPr>
-      <p:sp>
-        <p:nvSpPr>
-          <p:cNvPr id="2" name="Title 1"/>
-          <p:cNvSpPr>
-            <a:spLocks noGrp="1"/>
-          </p:cNvSpPr>
-          <p:nvPr>
-            <p:ph type="title"/>
-          </p:nvPr>
-        </p:nvSpPr>
-        <p:spPr/>
-        <p:txBody>
-          <a:bodyPr/>
-          <a:lstStyle/>
-          <a:p>
-            <a:endParaRPr lang="en-US"/>
-          </a:p>
-        </p:txBody>
-      </p:sp>
-      <p:sp>
-        <p:nvSpPr>
-          <p:cNvPr id="3" name="Content Placeholder 2"/>
-          <p:cNvSpPr>
-            <a:spLocks noGrp="1"/>
-          </p:cNvSpPr>
-          <p:nvPr>
-            <p:ph idx="1"/>
-          </p:nvPr>
-        </p:nvSpPr>
-        <p:spPr/>
-        <p:txBody>
-          <a:bodyPr/>
-          <a:lstStyle/>
-          <a:p>
-            <a:r>
-              <a:rPr lang="en-US" dirty="0" smtClean="0"/>
-              <a:t>Define the containers under test</a:t>
-            </a:r>
-          </a:p>
-          <a:p>
-            <a:r>
-              <a:rPr lang="en-US" dirty="0" smtClean="0"/>
-              <a:t>An </a:t>
-            </a:r>
-            <a:r>
-              <a:rPr lang="en-US" dirty="0" err="1" smtClean="0"/>
-              <a:t>Akka</a:t>
-            </a:r>
-            <a:r>
-              <a:rPr lang="en-US" dirty="0" smtClean="0"/>
-              <a:t> based Container Manager</a:t>
-            </a:r>
-          </a:p>
-          <a:p>
-            <a:r>
-              <a:rPr lang="en-US" dirty="0" smtClean="0"/>
-              <a:t>Waiting for Containers to be started </a:t>
-            </a:r>
-          </a:p>
-          <a:p>
-            <a:r>
-              <a:rPr lang="en-US" dirty="0" smtClean="0"/>
-              <a:t>Connecting to the Containers</a:t>
-            </a:r>
-          </a:p>
-          <a:p>
-            <a:r>
-              <a:rPr lang="en-US" dirty="0" smtClean="0"/>
-              <a:t>Test fixtures</a:t>
-            </a:r>
-          </a:p>
-        </p:txBody>
-      </p:sp>
-    </p:spTree>
-    <p:extLst>
-      <p:ext uri="{BB962C8B-B14F-4D97-AF65-F5344CB8AC3E}">
-        <p14:creationId xmlns:p14="http://schemas.microsoft.com/office/powerpoint/2010/main" val="4099218114"/>
-      </p:ext>
-    </p:extLst>
-  </p:cSld>
-  <p:clrMapOvr>
-    <a:masterClrMapping/>
-  </p:clrMapOvr>
-</p:sld>
-</file>
-
-<file path=ppt/slides/slide15.xml><?xml version="1.0" encoding="utf-8"?>
-<p:sld xmlns:a="http://schemas.openxmlformats.org/drawingml/2006/main" xmlns:r="http://schemas.openxmlformats.org/officeDocument/2006/relationships" xmlns:p="http://schemas.openxmlformats.org/presentationml/2006/main">
-  <p:cSld>
-    <p:spTree>
-      <p:nvGrpSpPr>
-        <p:cNvPr id="1" name=""/>
-        <p:cNvGrpSpPr/>
-        <p:nvPr/>
-      </p:nvGrpSpPr>
-      <p:grpSpPr>
-        <a:xfrm>
-          <a:off x="0" y="0"/>
-          <a:ext cx="0" cy="0"/>
-          <a:chOff x="0" y="0"/>
-          <a:chExt cx="0" cy="0"/>
-        </a:xfrm>
-      </p:grpSpPr>
-      <p:sp>
-        <p:nvSpPr>
-          <p:cNvPr id="2" name="Title 1"/>
-          <p:cNvSpPr>
-            <a:spLocks noGrp="1"/>
-          </p:cNvSpPr>
-          <p:nvPr>
-            <p:ph type="title"/>
-          </p:nvPr>
-        </p:nvSpPr>
-        <p:spPr/>
-        <p:txBody>
-          <a:bodyPr/>
-          <a:lstStyle/>
-          <a:p>
-            <a:r>
-              <a:rPr lang="en-US" dirty="0" smtClean="0"/>
-              <a:t>Writing tests</a:t>
-            </a:r>
-            <a:endParaRPr lang="en-US" dirty="0"/>
-          </a:p>
-        </p:txBody>
-      </p:sp>
-      <p:sp>
-        <p:nvSpPr>
-          <p:cNvPr id="3" name="Text Placeholder 2"/>
-          <p:cNvSpPr>
-            <a:spLocks noGrp="1"/>
-          </p:cNvSpPr>
-          <p:nvPr>
-            <p:ph type="body" idx="1"/>
-          </p:nvPr>
-        </p:nvSpPr>
-        <p:spPr/>
-        <p:txBody>
-          <a:bodyPr/>
-          <a:lstStyle/>
-          <a:p>
-            <a:endParaRPr lang="en-US"/>
-          </a:p>
-        </p:txBody>
-      </p:sp>
-    </p:spTree>
-    <p:extLst>
-      <p:ext uri="{BB962C8B-B14F-4D97-AF65-F5344CB8AC3E}">
-        <p14:creationId xmlns:p14="http://schemas.microsoft.com/office/powerpoint/2010/main" val="3734790940"/>
-      </p:ext>
-    </p:extLst>
-  </p:cSld>
-  <p:clrMapOvr>
-    <a:masterClrMapping/>
-  </p:clrMapOvr>
-  <p:timing>
-    <p:tnLst>
-      <p:par>
-        <p:cTn xmlns:p14="http://schemas.microsoft.com/office/powerpoint/2010/main" id="1" dur="indefinite" restart="never" nodeType="tmRoot"/>
-      </p:par>
-    </p:tnLst>
-  </p:timing>
-</p:sld>
-</file>
-
-<file path=ppt/slides/slide16.xml><?xml version="1.0" encoding="utf-8"?>
-<p:sld xmlns:a="http://schemas.openxmlformats.org/drawingml/2006/main" xmlns:r="http://schemas.openxmlformats.org/officeDocument/2006/relationships" xmlns:p="http://schemas.openxmlformats.org/presentationml/2006/main">
-  <p:cSld>
-    <p:spTree>
-      <p:nvGrpSpPr>
-        <p:cNvPr id="1" name=""/>
-        <p:cNvGrpSpPr/>
-        <p:nvPr/>
-      </p:nvGrpSpPr>
-      <p:grpSpPr>
-        <a:xfrm>
-          <a:off x="0" y="0"/>
-          <a:ext cx="0" cy="0"/>
-          <a:chOff x="0" y="0"/>
-          <a:chExt cx="0" cy="0"/>
-        </a:xfrm>
-      </p:grpSpPr>
-      <p:sp>
-        <p:nvSpPr>
-          <p:cNvPr id="2" name="Title 1"/>
-          <p:cNvSpPr>
-            <a:spLocks noGrp="1"/>
-          </p:cNvSpPr>
-          <p:nvPr>
-            <p:ph type="title"/>
-          </p:nvPr>
-        </p:nvSpPr>
-        <p:spPr/>
-        <p:txBody>
-          <a:bodyPr/>
-          <a:lstStyle/>
-          <a:p>
-            <a:r>
-              <a:rPr lang="en-US" dirty="0" smtClean="0"/>
-              <a:t>Final Examples</a:t>
-            </a:r>
-            <a:endParaRPr lang="en-US" dirty="0"/>
-          </a:p>
-        </p:txBody>
-      </p:sp>
-      <p:sp>
-        <p:nvSpPr>
-          <p:cNvPr id="3" name="Text Placeholder 2"/>
-          <p:cNvSpPr>
-            <a:spLocks noGrp="1"/>
-          </p:cNvSpPr>
-          <p:nvPr>
-            <p:ph type="body" idx="1"/>
-          </p:nvPr>
-        </p:nvSpPr>
-        <p:spPr/>
-        <p:txBody>
-          <a:bodyPr/>
-          <a:lstStyle/>
-          <a:p>
-            <a:endParaRPr lang="en-US"/>
-          </a:p>
-        </p:txBody>
-      </p:sp>
-    </p:spTree>
-    <p:extLst>
-      <p:ext uri="{BB962C8B-B14F-4D97-AF65-F5344CB8AC3E}">
-        <p14:creationId xmlns:p14="http://schemas.microsoft.com/office/powerpoint/2010/main" val="1677471093"/>
-      </p:ext>
-    </p:extLst>
-  </p:cSld>
-  <p:clrMapOvr>
-    <a:masterClrMapping/>
-  </p:clrMapOvr>
-</p:sld>
-</file>
-
-<file path=ppt/slides/slide17.xml><?xml version="1.0" encoding="utf-8"?>
-<p:sld xmlns:a="http://schemas.openxmlformats.org/drawingml/2006/main" xmlns:r="http://schemas.openxmlformats.org/officeDocument/2006/relationships" xmlns:p="http://schemas.openxmlformats.org/presentationml/2006/main">
-  <p:cSld>
-    <p:spTree>
-      <p:nvGrpSpPr>
-        <p:cNvPr id="1" name=""/>
-        <p:cNvGrpSpPr/>
-        <p:nvPr/>
-      </p:nvGrpSpPr>
-      <p:grpSpPr>
-        <a:xfrm>
-          <a:off x="0" y="0"/>
-          <a:ext cx="0" cy="0"/>
-          <a:chOff x="0" y="0"/>
-          <a:chExt cx="0" cy="0"/>
-        </a:xfrm>
-      </p:grpSpPr>
-      <p:sp>
-        <p:nvSpPr>
-          <p:cNvPr id="2" name="Title 1"/>
-          <p:cNvSpPr>
-            <a:spLocks noGrp="1"/>
-          </p:cNvSpPr>
-          <p:nvPr>
-            <p:ph type="title"/>
-          </p:nvPr>
-        </p:nvSpPr>
-        <p:spPr/>
-        <p:txBody>
-          <a:bodyPr/>
-          <a:lstStyle/>
-          <a:p>
-            <a:endParaRPr lang="en-US"/>
-          </a:p>
-        </p:txBody>
-      </p:sp>
-      <p:sp>
-        <p:nvSpPr>
-          <p:cNvPr id="3" name="Content Placeholder 2"/>
-          <p:cNvSpPr>
-            <a:spLocks noGrp="1"/>
-          </p:cNvSpPr>
-          <p:nvPr>
-            <p:ph idx="1"/>
-          </p:nvPr>
-        </p:nvSpPr>
-        <p:spPr/>
-        <p:txBody>
-          <a:bodyPr/>
-          <a:lstStyle/>
-          <a:p>
-            <a:r>
-              <a:rPr lang="en-US" dirty="0" err="1" smtClean="0"/>
-              <a:t>Kaufland</a:t>
-            </a:r>
-            <a:r>
-              <a:rPr lang="en-US" dirty="0" smtClean="0"/>
-              <a:t> Examples as a complete suite</a:t>
-            </a:r>
-          </a:p>
-          <a:p>
-            <a:endParaRPr lang="en-US" dirty="0"/>
-          </a:p>
-        </p:txBody>
-      </p:sp>
-    </p:spTree>
-    <p:extLst>
-      <p:ext uri="{BB962C8B-B14F-4D97-AF65-F5344CB8AC3E}">
-        <p14:creationId xmlns:p14="http://schemas.microsoft.com/office/powerpoint/2010/main" val="1743436312"/>
-      </p:ext>
-    </p:extLst>
-  </p:cSld>
-  <p:clrMapOvr>
-    <a:masterClrMapping/>
-  </p:clrMapOvr>
-</p:sld>
-</file>
-
-<file path=ppt/slides/slide18.xml><?xml version="1.0" encoding="utf-8"?>
-<p:sld xmlns:a="http://schemas.openxmlformats.org/drawingml/2006/main" xmlns:r="http://schemas.openxmlformats.org/officeDocument/2006/relationships" xmlns:p="http://schemas.openxmlformats.org/presentationml/2006/main">
-  <p:cSld>
-    <p:spTree>
-      <p:nvGrpSpPr>
-        <p:cNvPr id="1" name=""/>
-        <p:cNvGrpSpPr/>
-        <p:nvPr/>
-      </p:nvGrpSpPr>
-      <p:grpSpPr>
-        <a:xfrm>
-          <a:off x="0" y="0"/>
-          <a:ext cx="0" cy="0"/>
-          <a:chOff x="0" y="0"/>
-          <a:chExt cx="0" cy="0"/>
-        </a:xfrm>
-      </p:grpSpPr>
-      <p:sp>
-        <p:nvSpPr>
-          <p:cNvPr id="2" name="Title 1"/>
-          <p:cNvSpPr>
-            <a:spLocks noGrp="1"/>
-          </p:cNvSpPr>
-          <p:nvPr>
-            <p:ph type="title"/>
-          </p:nvPr>
-        </p:nvSpPr>
-        <p:spPr/>
-        <p:txBody>
-          <a:bodyPr/>
-          <a:lstStyle/>
-          <a:p>
-            <a:r>
-              <a:rPr lang="en-US" dirty="0" smtClean="0"/>
-              <a:t>Conclusion</a:t>
-            </a:r>
-            <a:br>
-              <a:rPr lang="en-US" dirty="0" smtClean="0"/>
-            </a:br>
-            <a:endParaRPr lang="en-US" dirty="0"/>
-          </a:p>
-        </p:txBody>
-      </p:sp>
-      <p:sp>
-        <p:nvSpPr>
-          <p:cNvPr id="3" name="Text Placeholder 2"/>
-          <p:cNvSpPr>
-            <a:spLocks noGrp="1"/>
-          </p:cNvSpPr>
-          <p:nvPr>
-            <p:ph type="body" idx="1"/>
-          </p:nvPr>
-        </p:nvSpPr>
-        <p:spPr/>
-        <p:txBody>
-          <a:bodyPr/>
-          <a:lstStyle/>
-          <a:p>
-            <a:endParaRPr lang="en-US"/>
-          </a:p>
-        </p:txBody>
-      </p:sp>
-    </p:spTree>
-    <p:extLst>
-      <p:ext uri="{BB962C8B-B14F-4D97-AF65-F5344CB8AC3E}">
-        <p14:creationId xmlns:p14="http://schemas.microsoft.com/office/powerpoint/2010/main" val="2729286408"/>
-      </p:ext>
-    </p:extLst>
-  </p:cSld>
-  <p:clrMapOvr>
-    <a:masterClrMapping/>
-  </p:clrMapOvr>
-</p:sld>
-</file>
-
-<file path=ppt/slides/slide19.xml><?xml version="1.0" encoding="utf-8"?>
-<p:sld xmlns:a="http://schemas.openxmlformats.org/drawingml/2006/main" xmlns:r="http://schemas.openxmlformats.org/officeDocument/2006/relationships" xmlns:p="http://schemas.openxmlformats.org/presentationml/2006/main">
-  <p:cSld>
-    <p:spTree>
-      <p:nvGrpSpPr>
-        <p:cNvPr id="1" name=""/>
-        <p:cNvGrpSpPr/>
-        <p:nvPr/>
-      </p:nvGrpSpPr>
-      <p:grpSpPr>
-        <a:xfrm>
-          <a:off x="0" y="0"/>
-          <a:ext cx="0" cy="0"/>
-          <a:chOff x="0" y="0"/>
-          <a:chExt cx="0" cy="0"/>
-        </a:xfrm>
-      </p:grpSpPr>
-      <p:sp>
-        <p:nvSpPr>
-          <p:cNvPr id="2" name="Title 1"/>
-          <p:cNvSpPr>
-            <a:spLocks noGrp="1"/>
-          </p:cNvSpPr>
-          <p:nvPr>
-            <p:ph type="title"/>
-          </p:nvPr>
-        </p:nvSpPr>
-        <p:spPr/>
-        <p:txBody>
-          <a:bodyPr/>
-          <a:lstStyle/>
-          <a:p>
-            <a:endParaRPr lang="en-US"/>
-          </a:p>
-        </p:txBody>
-      </p:sp>
-      <p:sp>
-        <p:nvSpPr>
-          <p:cNvPr id="3" name="Text Placeholder 2"/>
-          <p:cNvSpPr>
-            <a:spLocks noGrp="1"/>
-          </p:cNvSpPr>
-          <p:nvPr>
-            <p:ph type="body" idx="1"/>
-          </p:nvPr>
-        </p:nvSpPr>
-        <p:spPr/>
-        <p:txBody>
-          <a:bodyPr/>
-          <a:lstStyle/>
-          <a:p>
-            <a:r>
-              <a:rPr lang="en-US" dirty="0" smtClean="0"/>
-              <a:t>Working</a:t>
-            </a:r>
-            <a:endParaRPr lang="en-US" dirty="0"/>
-          </a:p>
-        </p:txBody>
-      </p:sp>
-      <p:sp>
-        <p:nvSpPr>
-          <p:cNvPr id="4" name="Content Placeholder 3"/>
-          <p:cNvSpPr>
-            <a:spLocks noGrp="1"/>
-          </p:cNvSpPr>
-          <p:nvPr>
-            <p:ph sz="half" idx="2"/>
-          </p:nvPr>
-        </p:nvSpPr>
-        <p:spPr/>
-        <p:txBody>
-          <a:bodyPr/>
-          <a:lstStyle/>
-          <a:p>
-            <a:r>
-              <a:rPr lang="en-US" dirty="0" smtClean="0"/>
-              <a:t>Container Management</a:t>
-            </a:r>
-          </a:p>
-          <a:p>
-            <a:r>
-              <a:rPr lang="en-US" dirty="0" smtClean="0"/>
-              <a:t>Test Framework with easy hooks to </a:t>
-            </a:r>
-            <a:r>
-              <a:rPr lang="en-US" dirty="0" err="1" smtClean="0"/>
-              <a:t>CuT</a:t>
-            </a:r>
-            <a:endParaRPr lang="en-US" dirty="0" smtClean="0"/>
-          </a:p>
-          <a:p>
-            <a:r>
-              <a:rPr lang="en-US" dirty="0" smtClean="0"/>
-              <a:t>Implicit Test Context for </a:t>
-            </a:r>
-            <a:r>
-              <a:rPr lang="en-US" dirty="0" err="1" smtClean="0"/>
-              <a:t>Blackbox</a:t>
-            </a:r>
-            <a:r>
-              <a:rPr lang="en-US" dirty="0" smtClean="0"/>
-              <a:t> testing</a:t>
-            </a:r>
-          </a:p>
-          <a:p>
-            <a:r>
-              <a:rPr lang="en-US" dirty="0" smtClean="0"/>
-              <a:t>Syntactic sugar and support for Camel based black-</a:t>
-            </a:r>
-            <a:r>
-              <a:rPr lang="en-US" smtClean="0"/>
-              <a:t>box testing</a:t>
-            </a:r>
-            <a:endParaRPr lang="en-US" dirty="0"/>
-          </a:p>
-        </p:txBody>
-      </p:sp>
-      <p:sp>
-        <p:nvSpPr>
-          <p:cNvPr id="5" name="Text Placeholder 4"/>
-          <p:cNvSpPr>
-            <a:spLocks noGrp="1"/>
-          </p:cNvSpPr>
-          <p:nvPr>
-            <p:ph type="body" sz="quarter" idx="3"/>
-          </p:nvPr>
-        </p:nvSpPr>
-        <p:spPr/>
-        <p:txBody>
-          <a:bodyPr/>
-          <a:lstStyle/>
-          <a:p>
-            <a:r>
-              <a:rPr lang="en-US" dirty="0" err="1" smtClean="0"/>
-              <a:t>Wishlist</a:t>
-            </a:r>
-            <a:r>
-              <a:rPr lang="en-US" dirty="0" smtClean="0"/>
-              <a:t> / Issues</a:t>
-            </a:r>
-            <a:endParaRPr lang="en-US" dirty="0"/>
-          </a:p>
-        </p:txBody>
-      </p:sp>
-      <p:sp>
-        <p:nvSpPr>
-          <p:cNvPr id="6" name="Content Placeholder 5"/>
-          <p:cNvSpPr>
-            <a:spLocks noGrp="1"/>
-          </p:cNvSpPr>
-          <p:nvPr>
-            <p:ph sz="quarter" idx="4"/>
-          </p:nvPr>
-        </p:nvSpPr>
-        <p:spPr/>
-        <p:txBody>
-          <a:bodyPr>
-            <a:normAutofit lnSpcReduction="10000"/>
-          </a:bodyPr>
-          <a:lstStyle/>
-          <a:p>
-            <a:r>
-              <a:rPr lang="en-US" dirty="0" smtClean="0"/>
-              <a:t>More syntactic sugar for Conditions</a:t>
-            </a:r>
-          </a:p>
-          <a:p>
-            <a:r>
-              <a:rPr lang="en-US" dirty="0" smtClean="0"/>
-              <a:t>Networking issue on OS X</a:t>
-            </a:r>
-          </a:p>
-          <a:p>
-            <a:r>
-              <a:rPr lang="en-US" dirty="0" smtClean="0"/>
-              <a:t>Kill Containers throughout test for failover testing</a:t>
-            </a:r>
-          </a:p>
-          <a:p>
-            <a:r>
-              <a:rPr lang="en-US" dirty="0" smtClean="0"/>
-              <a:t>Leverage a hosting </a:t>
-            </a:r>
-            <a:r>
-              <a:rPr lang="en-US" dirty="0" err="1" smtClean="0"/>
-              <a:t>env</a:t>
-            </a:r>
-            <a:r>
-              <a:rPr lang="en-US" dirty="0" smtClean="0"/>
-              <a:t>. like </a:t>
-            </a:r>
-            <a:r>
-              <a:rPr lang="en-US" dirty="0" err="1" smtClean="0"/>
-              <a:t>Openshift</a:t>
-            </a:r>
-            <a:r>
-              <a:rPr lang="en-US" dirty="0" smtClean="0"/>
-              <a:t> to execute Containers under test</a:t>
-            </a:r>
-          </a:p>
-          <a:p>
-            <a:r>
-              <a:rPr lang="en-US" dirty="0" smtClean="0"/>
-              <a:t>Publish Test Framework as self-sufficient project</a:t>
-            </a:r>
-            <a:endParaRPr lang="en-US" dirty="0"/>
-          </a:p>
-        </p:txBody>
-      </p:sp>
-    </p:spTree>
-    <p:extLst>
-      <p:ext uri="{BB962C8B-B14F-4D97-AF65-F5344CB8AC3E}">
-        <p14:creationId xmlns:p14="http://schemas.microsoft.com/office/powerpoint/2010/main" val="1763098196"/>
-      </p:ext>
-    </p:extLst>
-  </p:cSld>
-  <p:clrMapOvr>
-    <a:masterClrMapping/>
-  </p:clrMapOvr>
-</p:sld>
-</file>
-
-<file path=ppt/slides/slide2.xml><?xml version="1.0" encoding="utf-8"?>
-<p:sld xmlns:a="http://schemas.openxmlformats.org/drawingml/2006/main" xmlns:r="http://schemas.openxmlformats.org/officeDocument/2006/relationships" xmlns:p="http://schemas.openxmlformats.org/presentationml/2006/main">
-  <p:cSld>
-    <p:spTree>
-      <p:nvGrpSpPr>
-        <p:cNvPr id="1" name=""/>
-        <p:cNvGrpSpPr/>
-        <p:nvPr/>
-      </p:nvGrpSpPr>
-      <p:grpSpPr>
-        <a:xfrm>
-          <a:off x="0" y="0"/>
-          <a:ext cx="0" cy="0"/>
-          <a:chOff x="0" y="0"/>
-          <a:chExt cx="0" cy="0"/>
-        </a:xfrm>
-      </p:grpSpPr>
-      <p:sp>
-        <p:nvSpPr>
-          <p:cNvPr id="2" name="Title 1"/>
-          <p:cNvSpPr>
-            <a:spLocks noGrp="1"/>
-          </p:cNvSpPr>
-          <p:nvPr>
-            <p:ph type="title"/>
-          </p:nvPr>
-        </p:nvSpPr>
-        <p:spPr/>
-        <p:txBody>
-          <a:bodyPr/>
-          <a:lstStyle/>
-          <a:p>
-            <a:r>
-              <a:rPr lang="en-US" dirty="0" smtClean="0"/>
-              <a:t>Agenda</a:t>
-            </a:r>
-            <a:endParaRPr lang="en-US" dirty="0"/>
-          </a:p>
-        </p:txBody>
-      </p:sp>
-      <p:sp>
-        <p:nvSpPr>
-          <p:cNvPr id="3" name="Content Placeholder 2"/>
-          <p:cNvSpPr>
-            <a:spLocks noGrp="1"/>
-          </p:cNvSpPr>
-          <p:nvPr>
-            <p:ph idx="1"/>
-          </p:nvPr>
-        </p:nvSpPr>
-        <p:spPr/>
-        <p:txBody>
-          <a:bodyPr/>
-          <a:lstStyle/>
-          <a:p>
-            <a:r>
-              <a:rPr lang="en-US" dirty="0" smtClean="0"/>
-              <a:t>Example Test</a:t>
-            </a:r>
-          </a:p>
-          <a:p>
-            <a:r>
-              <a:rPr lang="en-US" dirty="0" smtClean="0"/>
-              <a:t>Creating </a:t>
-            </a:r>
-            <a:r>
-              <a:rPr lang="en-US" dirty="0" err="1" smtClean="0"/>
-              <a:t>Docker</a:t>
-            </a:r>
-            <a:r>
-              <a:rPr lang="en-US" dirty="0" smtClean="0"/>
-              <a:t> Images</a:t>
-            </a:r>
-          </a:p>
-          <a:p>
-            <a:r>
-              <a:rPr lang="en-US" dirty="0" smtClean="0"/>
-              <a:t>The test framework</a:t>
-            </a:r>
-          </a:p>
-          <a:p>
-            <a:r>
-              <a:rPr lang="en-US" dirty="0" smtClean="0"/>
-              <a:t>Writing Tests</a:t>
-            </a:r>
-          </a:p>
-          <a:p>
-            <a:r>
-              <a:rPr lang="en-US" dirty="0" smtClean="0"/>
-              <a:t>Final Examples </a:t>
-            </a:r>
-          </a:p>
-          <a:p>
-            <a:r>
-              <a:rPr lang="en-US" dirty="0" smtClean="0"/>
-              <a:t>Conclusion</a:t>
-            </a:r>
-          </a:p>
-        </p:txBody>
-      </p:sp>
-    </p:spTree>
-    <p:extLst>
-      <p:ext uri="{BB962C8B-B14F-4D97-AF65-F5344CB8AC3E}">
-        <p14:creationId xmlns:p14="http://schemas.microsoft.com/office/powerpoint/2010/main" val="2403969455"/>
-      </p:ext>
-    </p:extLst>
-  </p:cSld>
-  <p:clrMapOvr>
-    <a:masterClrMapping/>
-  </p:clrMapOvr>
-  <p:timing>
-    <p:tnLst>
-      <p:par>
-        <p:cTn xmlns:p14="http://schemas.microsoft.com/office/powerpoint/2010/main" id="1" dur="indefinite" restart="never" nodeType="tmRoot"/>
-      </p:par>
-    </p:tnLst>
-  </p:timing>
-</p:sld>
-</file>
-
-<file path=ppt/slides/slide3.xml><?xml version="1.0" encoding="utf-8"?>
-<p:sld xmlns:a="http://schemas.openxmlformats.org/drawingml/2006/main" xmlns:r="http://schemas.openxmlformats.org/officeDocument/2006/relationships" xmlns:p="http://schemas.openxmlformats.org/presentationml/2006/main">
-  <p:cSld>
-    <p:spTree>
-      <p:nvGrpSpPr>
-        <p:cNvPr id="1" name=""/>
-        <p:cNvGrpSpPr/>
-        <p:nvPr/>
-      </p:nvGrpSpPr>
-      <p:grpSpPr>
-        <a:xfrm>
-          <a:off x="0" y="0"/>
-          <a:ext cx="0" cy="0"/>
-          <a:chOff x="0" y="0"/>
-          <a:chExt cx="0" cy="0"/>
-        </a:xfrm>
-      </p:grpSpPr>
-      <p:sp>
-        <p:nvSpPr>
-          <p:cNvPr id="2" name="Title 1"/>
-          <p:cNvSpPr>
-            <a:spLocks noGrp="1"/>
-          </p:cNvSpPr>
-          <p:nvPr>
-            <p:ph type="title"/>
-          </p:nvPr>
-        </p:nvSpPr>
-        <p:spPr/>
-        <p:txBody>
-          <a:bodyPr/>
-          <a:lstStyle/>
-          <a:p>
-            <a:r>
-              <a:rPr lang="en-US" dirty="0" smtClean="0"/>
-              <a:t>Example Test</a:t>
-            </a:r>
-            <a:endParaRPr lang="en-US" dirty="0"/>
-          </a:p>
-        </p:txBody>
-      </p:sp>
-      <p:sp>
-        <p:nvSpPr>
-          <p:cNvPr id="3" name="Text Placeholder 2"/>
-          <p:cNvSpPr>
-            <a:spLocks noGrp="1"/>
-          </p:cNvSpPr>
-          <p:nvPr>
-            <p:ph type="body" idx="1"/>
-          </p:nvPr>
-        </p:nvSpPr>
-        <p:spPr/>
-        <p:txBody>
-          <a:bodyPr/>
-          <a:lstStyle/>
-          <a:p>
-            <a:endParaRPr lang="en-US"/>
-          </a:p>
-        </p:txBody>
-      </p:sp>
-    </p:spTree>
-    <p:extLst>
-      <p:ext uri="{BB962C8B-B14F-4D97-AF65-F5344CB8AC3E}">
-        <p14:creationId xmlns:p14="http://schemas.microsoft.com/office/powerpoint/2010/main" val="4143006224"/>
-      </p:ext>
-    </p:extLst>
-  </p:cSld>
-  <p:clrMapOvr>
-    <a:masterClrMapping/>
-  </p:clrMapOvr>
-  <p:timing>
-    <p:tnLst>
-      <p:par>
-        <p:cTn xmlns:p14="http://schemas.microsoft.com/office/powerpoint/2010/main" id="1" dur="indefinite" restart="never" nodeType="tmRoot"/>
-      </p:par>
-    </p:tnLst>
-  </p:timing>
-</p:sld>
-</file>
-
-<file path=ppt/slides/slide4.xml><?xml version="1.0" encoding="utf-8"?>
-<p:sld xmlns:a="http://schemas.openxmlformats.org/drawingml/2006/main" xmlns:r="http://schemas.openxmlformats.org/officeDocument/2006/relationships" xmlns:p="http://schemas.openxmlformats.org/presentationml/2006/main">
-  <p:cSld>
-    <p:spTree>
-      <p:nvGrpSpPr>
-        <p:cNvPr id="1" name=""/>
-        <p:cNvGrpSpPr/>
-        <p:nvPr/>
-      </p:nvGrpSpPr>
-      <p:grpSpPr>
-        <a:xfrm>
-          <a:off x="0" y="0"/>
-          <a:ext cx="0" cy="0"/>
-          <a:chOff x="0" y="0"/>
-          <a:chExt cx="0" cy="0"/>
-        </a:xfrm>
-      </p:grpSpPr>
-      <p:sp>
-        <p:nvSpPr>
-          <p:cNvPr id="2" name="Title 1"/>
-          <p:cNvSpPr>
-            <a:spLocks noGrp="1"/>
-          </p:cNvSpPr>
-          <p:nvPr>
-            <p:ph type="title"/>
-          </p:nvPr>
-        </p:nvSpPr>
-        <p:spPr/>
-        <p:txBody>
-          <a:bodyPr/>
-          <a:lstStyle/>
-          <a:p>
-            <a:r>
-              <a:rPr lang="en-US" dirty="0" smtClean="0"/>
-              <a:t>An example test</a:t>
-            </a:r>
-            <a:endParaRPr lang="en-US" dirty="0"/>
-          </a:p>
-        </p:txBody>
-      </p:sp>
-      <p:pic>
-        <p:nvPicPr>
-          <p:cNvPr id="6" name="Picture 5"/>
-          <p:cNvPicPr>
-            <a:picLocks noChangeAspect="1"/>
-          </p:cNvPicPr>
-          <p:nvPr/>
-        </p:nvPicPr>
-        <p:blipFill>
-          <a:blip r:embed="rId3"/>
-          <a:stretch>
-            <a:fillRect/>
-          </a:stretch>
-        </p:blipFill>
-        <p:spPr>
-          <a:xfrm>
-            <a:off x="931530" y="1532393"/>
-            <a:ext cx="7376689" cy="5056106"/>
-          </a:xfrm>
-          <a:prstGeom prst="rect">
-            <a:avLst/>
-          </a:prstGeom>
-        </p:spPr>
-      </p:pic>
-    </p:spTree>
-    <p:extLst>
-      <p:ext uri="{BB962C8B-B14F-4D97-AF65-F5344CB8AC3E}">
-        <p14:creationId xmlns:p14="http://schemas.microsoft.com/office/powerpoint/2010/main" val="3149887318"/>
-      </p:ext>
-    </p:extLst>
-  </p:cSld>
-  <p:clrMapOvr>
-    <a:masterClrMapping/>
-  </p:clrMapOvr>
-  <p:timing>
-    <p:tnLst>
-      <p:par>
-        <p:cTn xmlns:p14="http://schemas.microsoft.com/office/powerpoint/2010/main" id="1" dur="indefinite" restart="never" nodeType="tmRoot"/>
-      </p:par>
-    </p:tnLst>
-  </p:timing>
-</p:sld>
-</file>
-
-<file path=ppt/slides/slide5.xml><?xml version="1.0" encoding="utf-8"?>
-<p:sld xmlns:a="http://schemas.openxmlformats.org/drawingml/2006/main" xmlns:r="http://schemas.openxmlformats.org/officeDocument/2006/relationships" xmlns:p="http://schemas.openxmlformats.org/presentationml/2006/main">
-  <p:cSld>
-    <p:spTree>
-      <p:nvGrpSpPr>
-        <p:cNvPr id="1" name=""/>
-        <p:cNvGrpSpPr/>
-        <p:nvPr/>
-      </p:nvGrpSpPr>
-      <p:grpSpPr>
-        <a:xfrm>
-          <a:off x="0" y="0"/>
-          <a:ext cx="0" cy="0"/>
-          <a:chOff x="0" y="0"/>
-          <a:chExt cx="0" cy="0"/>
-        </a:xfrm>
-      </p:grpSpPr>
-      <p:sp>
-        <p:nvSpPr>
-          <p:cNvPr id="2" name="Title 1"/>
-          <p:cNvSpPr>
-            <a:spLocks noGrp="1"/>
-          </p:cNvSpPr>
-          <p:nvPr>
-            <p:ph type="title"/>
-          </p:nvPr>
-        </p:nvSpPr>
-        <p:spPr/>
-        <p:txBody>
-          <a:bodyPr/>
-          <a:lstStyle/>
-          <a:p>
-            <a:r>
-              <a:rPr lang="en-US" dirty="0" smtClean="0"/>
-              <a:t>The example test context</a:t>
-            </a:r>
-            <a:endParaRPr lang="en-US" dirty="0"/>
-          </a:p>
-        </p:txBody>
-      </p:sp>
-      <p:pic>
-        <p:nvPicPr>
-          <p:cNvPr id="4" name="Picture 3"/>
-          <p:cNvPicPr>
-            <a:picLocks noChangeAspect="1"/>
-          </p:cNvPicPr>
-          <p:nvPr/>
-        </p:nvPicPr>
-        <p:blipFill>
-          <a:blip r:embed="rId2"/>
-          <a:stretch>
-            <a:fillRect/>
-          </a:stretch>
-        </p:blipFill>
-        <p:spPr>
-          <a:xfrm>
-            <a:off x="0" y="2020637"/>
-            <a:ext cx="9144000" cy="1843548"/>
-          </a:xfrm>
-          <a:prstGeom prst="rect">
-            <a:avLst/>
-          </a:prstGeom>
-        </p:spPr>
-      </p:pic>
-    </p:spTree>
-    <p:extLst>
-      <p:ext uri="{BB962C8B-B14F-4D97-AF65-F5344CB8AC3E}">
-        <p14:creationId xmlns:p14="http://schemas.microsoft.com/office/powerpoint/2010/main" val="200020528"/>
-      </p:ext>
-    </p:extLst>
-  </p:cSld>
-  <p:clrMapOvr>
-    <a:masterClrMapping/>
-  </p:clrMapOvr>
-</p:sld>
-</file>
-
-<file path=ppt/slides/slide6.xml><?xml version="1.0" encoding="utf-8"?>
-<p:sld xmlns:a="http://schemas.openxmlformats.org/drawingml/2006/main" xmlns:r="http://schemas.openxmlformats.org/officeDocument/2006/relationships" xmlns:p="http://schemas.openxmlformats.org/presentationml/2006/main">
-  <p:cSld>
-    <p:spTree>
-      <p:nvGrpSpPr>
-        <p:cNvPr id="1" name=""/>
-        <p:cNvGrpSpPr/>
-        <p:nvPr/>
-      </p:nvGrpSpPr>
-      <p:grpSpPr>
-        <a:xfrm>
-          <a:off x="0" y="0"/>
-          <a:ext cx="0" cy="0"/>
-          <a:chOff x="0" y="0"/>
-          <a:chExt cx="0" cy="0"/>
-        </a:xfrm>
-      </p:grpSpPr>
-      <p:sp>
-        <p:nvSpPr>
-          <p:cNvPr id="2" name="Title 1"/>
-          <p:cNvSpPr>
-            <a:spLocks noGrp="1"/>
-          </p:cNvSpPr>
-          <p:nvPr>
-            <p:ph type="title"/>
-          </p:nvPr>
-        </p:nvSpPr>
-        <p:spPr/>
-        <p:txBody>
-          <a:bodyPr/>
-          <a:lstStyle/>
-          <a:p>
-            <a:r>
-              <a:rPr lang="en-US" dirty="0" smtClean="0"/>
-              <a:t>Providing the JMS connection</a:t>
-            </a:r>
-            <a:endParaRPr lang="en-US" dirty="0"/>
-          </a:p>
-        </p:txBody>
-      </p:sp>
-      <p:pic>
-        <p:nvPicPr>
-          <p:cNvPr id="4" name="Picture 3"/>
-          <p:cNvPicPr>
-            <a:picLocks noChangeAspect="1"/>
-          </p:cNvPicPr>
-          <p:nvPr/>
-        </p:nvPicPr>
-        <p:blipFill>
-          <a:blip r:embed="rId2"/>
-          <a:stretch>
-            <a:fillRect/>
-          </a:stretch>
-        </p:blipFill>
-        <p:spPr>
-          <a:xfrm>
-            <a:off x="457200" y="1890964"/>
-            <a:ext cx="6527800" cy="2514600"/>
-          </a:xfrm>
-          <a:prstGeom prst="rect">
-            <a:avLst/>
-          </a:prstGeom>
-        </p:spPr>
-      </p:pic>
-    </p:spTree>
-    <p:extLst>
-      <p:ext uri="{BB962C8B-B14F-4D97-AF65-F5344CB8AC3E}">
-        <p14:creationId xmlns:p14="http://schemas.microsoft.com/office/powerpoint/2010/main" val="623623418"/>
-      </p:ext>
-    </p:extLst>
-  </p:cSld>
-  <p:clrMapOvr>
-    <a:masterClrMapping/>
-  </p:clrMapOvr>
-</p:sld>
-</file>
-
-<file path=ppt/slides/slide7.xml><?xml version="1.0" encoding="utf-8"?>
-<p:sld xmlns:a="http://schemas.openxmlformats.org/drawingml/2006/main" xmlns:r="http://schemas.openxmlformats.org/officeDocument/2006/relationships" xmlns:p="http://schemas.openxmlformats.org/presentationml/2006/main">
-  <p:cSld>
-    <p:spTree>
-      <p:nvGrpSpPr>
-        <p:cNvPr id="1" name=""/>
-        <p:cNvGrpSpPr/>
-        <p:nvPr/>
-      </p:nvGrpSpPr>
-      <p:grpSpPr>
-        <a:xfrm>
-          <a:off x="0" y="0"/>
-          <a:ext cx="0" cy="0"/>
-          <a:chOff x="0" y="0"/>
-          <a:chExt cx="0" cy="0"/>
-        </a:xfrm>
-      </p:grpSpPr>
-      <p:sp>
-        <p:nvSpPr>
-          <p:cNvPr id="2" name="Title 1"/>
-          <p:cNvSpPr>
-            <a:spLocks noGrp="1"/>
-          </p:cNvSpPr>
-          <p:nvPr>
-            <p:ph type="title"/>
-          </p:nvPr>
-        </p:nvSpPr>
-        <p:spPr/>
-        <p:txBody>
-          <a:bodyPr/>
-          <a:lstStyle/>
-          <a:p>
-            <a:r>
-              <a:rPr lang="en-US" dirty="0" smtClean="0"/>
-              <a:t>The container under test</a:t>
-            </a:r>
-            <a:endParaRPr lang="en-US" dirty="0"/>
-          </a:p>
-        </p:txBody>
-      </p:sp>
-      <p:pic>
-        <p:nvPicPr>
-          <p:cNvPr id="4" name="Picture 3"/>
-          <p:cNvPicPr>
-            <a:picLocks noChangeAspect="1"/>
-          </p:cNvPicPr>
-          <p:nvPr/>
-        </p:nvPicPr>
-        <p:blipFill>
-          <a:blip r:embed="rId2"/>
-          <a:stretch>
-            <a:fillRect/>
-          </a:stretch>
-        </p:blipFill>
-        <p:spPr>
-          <a:xfrm>
-            <a:off x="457200" y="1524000"/>
-            <a:ext cx="4635500" cy="4826000"/>
-          </a:xfrm>
-          <a:prstGeom prst="rect">
-            <a:avLst/>
-          </a:prstGeom>
-        </p:spPr>
-      </p:pic>
-    </p:spTree>
-    <p:extLst>
-      <p:ext uri="{BB962C8B-B14F-4D97-AF65-F5344CB8AC3E}">
-        <p14:creationId xmlns:p14="http://schemas.microsoft.com/office/powerpoint/2010/main" val="350588830"/>
-      </p:ext>
-    </p:extLst>
-  </p:cSld>
-  <p:clrMapOvr>
-    <a:masterClrMapping/>
-  </p:clrMapOvr>
-</p:sld>
-</file>
-
-<file path=ppt/slides/slide8.xml><?xml version="1.0" encoding="utf-8"?>
 <p:sld xmlns:a="http://schemas.openxmlformats.org/drawingml/2006/main" xmlns:r="http://schemas.openxmlformats.org/officeDocument/2006/relationships" xmlns:p="http://schemas.openxmlformats.org/presentationml/2006/main">
   <p:cSld>
     <p:spTree>
@@ -5428,10 +4334,17 @@
   <p:clrMapOvr>
     <a:masterClrMapping/>
   </p:clrMapOvr>
+  <p:timing>
+    <p:tnLst>
+      <p:par>
+        <p:cTn id="1" dur="indefinite" restart="never" nodeType="tmRoot"/>
+      </p:par>
+    </p:tnLst>
+  </p:timing>
 </p:sld>
 </file>
 
-<file path=ppt/slides/slide9.xml><?xml version="1.0" encoding="utf-8"?>
+<file path=ppt/slides/slide11.xml><?xml version="1.0" encoding="utf-8"?>
 <p:sld xmlns:a="http://schemas.openxmlformats.org/drawingml/2006/main" xmlns:r="http://schemas.openxmlformats.org/officeDocument/2006/relationships" xmlns:p="http://schemas.openxmlformats.org/presentationml/2006/main">
   <p:cSld>
     <p:spTree>
@@ -6217,7 +5130,3385 @@
   <p:timing>
     <p:tnLst>
       <p:par>
-        <p:cTn xmlns:p14="http://schemas.microsoft.com/office/powerpoint/2010/main" id="1" dur="indefinite" restart="never" nodeType="tmRoot"/>
+        <p:cTn id="1" dur="indefinite" restart="never" nodeType="tmRoot"/>
+      </p:par>
+    </p:tnLst>
+  </p:timing>
+</p:sld>
+</file>
+
+<file path=ppt/slides/slide12.xml><?xml version="1.0" encoding="utf-8"?>
+<p:sld xmlns:a="http://schemas.openxmlformats.org/drawingml/2006/main" xmlns:r="http://schemas.openxmlformats.org/officeDocument/2006/relationships" xmlns:p="http://schemas.openxmlformats.org/presentationml/2006/main">
+  <p:cSld>
+    <p:spTree>
+      <p:nvGrpSpPr>
+        <p:cNvPr id="1" name=""/>
+        <p:cNvGrpSpPr/>
+        <p:nvPr/>
+      </p:nvGrpSpPr>
+      <p:grpSpPr>
+        <a:xfrm>
+          <a:off x="0" y="0"/>
+          <a:ext cx="0" cy="0"/>
+          <a:chOff x="0" y="0"/>
+          <a:chExt cx="0" cy="0"/>
+        </a:xfrm>
+      </p:grpSpPr>
+      <p:sp>
+        <p:nvSpPr>
+          <p:cNvPr id="2" name="Title 1"/>
+          <p:cNvSpPr>
+            <a:spLocks noGrp="1"/>
+          </p:cNvSpPr>
+          <p:nvPr>
+            <p:ph type="title"/>
+          </p:nvPr>
+        </p:nvSpPr>
+        <p:spPr/>
+        <p:txBody>
+          <a:bodyPr/>
+          <a:lstStyle/>
+          <a:p>
+            <a:r>
+              <a:rPr lang="en-US" dirty="0" smtClean="0"/>
+              <a:t>Creating </a:t>
+            </a:r>
+            <a:r>
+              <a:rPr lang="en-US" dirty="0" err="1" smtClean="0"/>
+              <a:t>docker</a:t>
+            </a:r>
+            <a:r>
+              <a:rPr lang="en-US" dirty="0" smtClean="0"/>
+              <a:t> images</a:t>
+            </a:r>
+            <a:endParaRPr lang="en-US" dirty="0"/>
+          </a:p>
+        </p:txBody>
+      </p:sp>
+      <p:sp>
+        <p:nvSpPr>
+          <p:cNvPr id="3" name="Text Placeholder 2"/>
+          <p:cNvSpPr>
+            <a:spLocks noGrp="1"/>
+          </p:cNvSpPr>
+          <p:nvPr>
+            <p:ph type="body" idx="1"/>
+          </p:nvPr>
+        </p:nvSpPr>
+        <p:spPr/>
+        <p:txBody>
+          <a:bodyPr/>
+          <a:lstStyle/>
+          <a:p>
+            <a:endParaRPr lang="en-US"/>
+          </a:p>
+        </p:txBody>
+      </p:sp>
+      <p:pic>
+        <p:nvPicPr>
+          <p:cNvPr id="4" name="Grafik 3"/>
+          <p:cNvPicPr>
+            <a:picLocks noChangeAspect="1"/>
+          </p:cNvPicPr>
+          <p:nvPr/>
+        </p:nvPicPr>
+        <p:blipFill>
+          <a:blip r:embed="rId2">
+            <a:extLst>
+              <a:ext uri="{28A0092B-C50C-407E-A947-70E740481C1C}">
+                <a14:useLocalDpi xmlns:a14="http://schemas.microsoft.com/office/drawing/2010/main" val="0"/>
+              </a:ext>
+            </a:extLst>
+          </a:blip>
+          <a:stretch>
+            <a:fillRect/>
+          </a:stretch>
+        </p:blipFill>
+        <p:spPr>
+          <a:xfrm>
+            <a:off x="0" y="0"/>
+            <a:ext cx="9144000" cy="3833813"/>
+          </a:xfrm>
+          <a:prstGeom prst="rect">
+            <a:avLst/>
+          </a:prstGeom>
+        </p:spPr>
+      </p:pic>
+    </p:spTree>
+    <p:extLst>
+      <p:ext uri="{BB962C8B-B14F-4D97-AF65-F5344CB8AC3E}">
+        <p14:creationId xmlns:p14="http://schemas.microsoft.com/office/powerpoint/2010/main" val="598867320"/>
+      </p:ext>
+    </p:extLst>
+  </p:cSld>
+  <p:clrMapOvr>
+    <a:masterClrMapping/>
+  </p:clrMapOvr>
+  <p:timing>
+    <p:tnLst>
+      <p:par>
+        <p:cTn id="1" dur="indefinite" restart="never" nodeType="tmRoot"/>
+      </p:par>
+    </p:tnLst>
+  </p:timing>
+</p:sld>
+</file>
+
+<file path=ppt/slides/slide13.xml><?xml version="1.0" encoding="utf-8"?>
+<p:sld xmlns:a="http://schemas.openxmlformats.org/drawingml/2006/main" xmlns:r="http://schemas.openxmlformats.org/officeDocument/2006/relationships" xmlns:p="http://schemas.openxmlformats.org/presentationml/2006/main">
+  <p:cSld>
+    <p:spTree>
+      <p:nvGrpSpPr>
+        <p:cNvPr id="1" name=""/>
+        <p:cNvGrpSpPr/>
+        <p:nvPr/>
+      </p:nvGrpSpPr>
+      <p:grpSpPr>
+        <a:xfrm>
+          <a:off x="0" y="0"/>
+          <a:ext cx="0" cy="0"/>
+          <a:chOff x="0" y="0"/>
+          <a:chExt cx="0" cy="0"/>
+        </a:xfrm>
+      </p:grpSpPr>
+      <p:sp>
+        <p:nvSpPr>
+          <p:cNvPr id="2" name="Title 1"/>
+          <p:cNvSpPr>
+            <a:spLocks noGrp="1"/>
+          </p:cNvSpPr>
+          <p:nvPr>
+            <p:ph type="title"/>
+          </p:nvPr>
+        </p:nvSpPr>
+        <p:spPr/>
+        <p:txBody>
+          <a:bodyPr/>
+          <a:lstStyle/>
+          <a:p>
+            <a:r>
+              <a:rPr lang="en-GB" dirty="0" err="1" smtClean="0"/>
+              <a:t>Docker</a:t>
+            </a:r>
+            <a:r>
+              <a:rPr lang="en-GB" dirty="0" smtClean="0"/>
+              <a:t> in a nutshell</a:t>
+            </a:r>
+            <a:endParaRPr lang="en-US" dirty="0"/>
+          </a:p>
+        </p:txBody>
+      </p:sp>
+    </p:spTree>
+    <p:extLst>
+      <p:ext uri="{BB962C8B-B14F-4D97-AF65-F5344CB8AC3E}">
+        <p14:creationId xmlns:p14="http://schemas.microsoft.com/office/powerpoint/2010/main" val="1864384749"/>
+      </p:ext>
+    </p:extLst>
+  </p:cSld>
+  <p:clrMapOvr>
+    <a:masterClrMapping/>
+  </p:clrMapOvr>
+  <p:timing>
+    <p:tnLst>
+      <p:par>
+        <p:cTn id="1" dur="indefinite" restart="never" nodeType="tmRoot"/>
+      </p:par>
+    </p:tnLst>
+  </p:timing>
+</p:sld>
+</file>
+
+<file path=ppt/slides/slide14.xml><?xml version="1.0" encoding="utf-8"?>
+<p:sld xmlns:a="http://schemas.openxmlformats.org/drawingml/2006/main" xmlns:r="http://schemas.openxmlformats.org/officeDocument/2006/relationships" xmlns:p="http://schemas.openxmlformats.org/presentationml/2006/main">
+  <p:cSld>
+    <p:spTree>
+      <p:nvGrpSpPr>
+        <p:cNvPr id="1" name=""/>
+        <p:cNvGrpSpPr/>
+        <p:nvPr/>
+      </p:nvGrpSpPr>
+      <p:grpSpPr>
+        <a:xfrm>
+          <a:off x="0" y="0"/>
+          <a:ext cx="0" cy="0"/>
+          <a:chOff x="0" y="0"/>
+          <a:chExt cx="0" cy="0"/>
+        </a:xfrm>
+      </p:grpSpPr>
+      <p:sp>
+        <p:nvSpPr>
+          <p:cNvPr id="2" name="Title 1"/>
+          <p:cNvSpPr>
+            <a:spLocks noGrp="1"/>
+          </p:cNvSpPr>
+          <p:nvPr>
+            <p:ph type="title"/>
+          </p:nvPr>
+        </p:nvSpPr>
+        <p:spPr/>
+        <p:txBody>
+          <a:bodyPr/>
+          <a:lstStyle/>
+          <a:p>
+            <a:r>
+              <a:rPr lang="en-GB" dirty="0" smtClean="0"/>
+              <a:t>Layering </a:t>
+            </a:r>
+            <a:r>
+              <a:rPr lang="en-GB" dirty="0" err="1" smtClean="0"/>
+              <a:t>Docker</a:t>
+            </a:r>
+            <a:r>
+              <a:rPr lang="en-GB" dirty="0" smtClean="0"/>
+              <a:t> images</a:t>
+            </a:r>
+            <a:endParaRPr lang="en-US" dirty="0"/>
+          </a:p>
+        </p:txBody>
+      </p:sp>
+    </p:spTree>
+    <p:extLst>
+      <p:ext uri="{BB962C8B-B14F-4D97-AF65-F5344CB8AC3E}">
+        <p14:creationId xmlns:p14="http://schemas.microsoft.com/office/powerpoint/2010/main" val="3994635636"/>
+      </p:ext>
+    </p:extLst>
+  </p:cSld>
+  <p:clrMapOvr>
+    <a:masterClrMapping/>
+  </p:clrMapOvr>
+  <p:timing>
+    <p:tnLst>
+      <p:par>
+        <p:cTn id="1" dur="indefinite" restart="never" nodeType="tmRoot"/>
+      </p:par>
+    </p:tnLst>
+  </p:timing>
+</p:sld>
+</file>
+
+<file path=ppt/slides/slide15.xml><?xml version="1.0" encoding="utf-8"?>
+<p:sld xmlns:a="http://schemas.openxmlformats.org/drawingml/2006/main" xmlns:r="http://schemas.openxmlformats.org/officeDocument/2006/relationships" xmlns:p="http://schemas.openxmlformats.org/presentationml/2006/main">
+  <p:cSld>
+    <p:spTree>
+      <p:nvGrpSpPr>
+        <p:cNvPr id="1" name=""/>
+        <p:cNvGrpSpPr/>
+        <p:nvPr/>
+      </p:nvGrpSpPr>
+      <p:grpSpPr>
+        <a:xfrm>
+          <a:off x="0" y="0"/>
+          <a:ext cx="0" cy="0"/>
+          <a:chOff x="0" y="0"/>
+          <a:chExt cx="0" cy="0"/>
+        </a:xfrm>
+      </p:grpSpPr>
+      <p:sp>
+        <p:nvSpPr>
+          <p:cNvPr id="2" name="Title 1"/>
+          <p:cNvSpPr>
+            <a:spLocks noGrp="1"/>
+          </p:cNvSpPr>
+          <p:nvPr>
+            <p:ph type="title"/>
+          </p:nvPr>
+        </p:nvSpPr>
+        <p:spPr/>
+        <p:txBody>
+          <a:bodyPr>
+            <a:normAutofit fontScale="90000"/>
+          </a:bodyPr>
+          <a:lstStyle/>
+          <a:p>
+            <a:r>
+              <a:rPr lang="en-GB" dirty="0" smtClean="0"/>
+              <a:t>A base image for Containers under test</a:t>
+            </a:r>
+            <a:endParaRPr lang="en-US" dirty="0"/>
+          </a:p>
+        </p:txBody>
+      </p:sp>
+    </p:spTree>
+    <p:extLst>
+      <p:ext uri="{BB962C8B-B14F-4D97-AF65-F5344CB8AC3E}">
+        <p14:creationId xmlns:p14="http://schemas.microsoft.com/office/powerpoint/2010/main" val="3184818360"/>
+      </p:ext>
+    </p:extLst>
+  </p:cSld>
+  <p:clrMapOvr>
+    <a:masterClrMapping/>
+  </p:clrMapOvr>
+  <p:timing>
+    <p:tnLst>
+      <p:par>
+        <p:cTn id="1" dur="indefinite" restart="never" nodeType="tmRoot"/>
+      </p:par>
+    </p:tnLst>
+  </p:timing>
+</p:sld>
+</file>
+
+<file path=ppt/slides/slide16.xml><?xml version="1.0" encoding="utf-8"?>
+<p:sld xmlns:a="http://schemas.openxmlformats.org/drawingml/2006/main" xmlns:r="http://schemas.openxmlformats.org/officeDocument/2006/relationships" xmlns:p="http://schemas.openxmlformats.org/presentationml/2006/main">
+  <p:cSld>
+    <p:spTree>
+      <p:nvGrpSpPr>
+        <p:cNvPr id="1" name=""/>
+        <p:cNvGrpSpPr/>
+        <p:nvPr/>
+      </p:nvGrpSpPr>
+      <p:grpSpPr>
+        <a:xfrm>
+          <a:off x="0" y="0"/>
+          <a:ext cx="0" cy="0"/>
+          <a:chOff x="0" y="0"/>
+          <a:chExt cx="0" cy="0"/>
+        </a:xfrm>
+      </p:grpSpPr>
+      <p:sp>
+        <p:nvSpPr>
+          <p:cNvPr id="2" name="Title 1"/>
+          <p:cNvSpPr>
+            <a:spLocks noGrp="1"/>
+          </p:cNvSpPr>
+          <p:nvPr>
+            <p:ph type="title"/>
+          </p:nvPr>
+        </p:nvSpPr>
+        <p:spPr/>
+        <p:txBody>
+          <a:bodyPr>
+            <a:normAutofit/>
+          </a:bodyPr>
+          <a:lstStyle/>
+          <a:p>
+            <a:r>
+              <a:rPr lang="en-GB" dirty="0" err="1" smtClean="0"/>
+              <a:t>Pom</a:t>
+            </a:r>
+            <a:r>
+              <a:rPr lang="en-GB" dirty="0" smtClean="0"/>
+              <a:t> File definitions</a:t>
+            </a:r>
+            <a:endParaRPr lang="en-US" dirty="0"/>
+          </a:p>
+        </p:txBody>
+      </p:sp>
+    </p:spTree>
+    <p:extLst>
+      <p:ext uri="{BB962C8B-B14F-4D97-AF65-F5344CB8AC3E}">
+        <p14:creationId xmlns:p14="http://schemas.microsoft.com/office/powerpoint/2010/main" val="3831071526"/>
+      </p:ext>
+    </p:extLst>
+  </p:cSld>
+  <p:clrMapOvr>
+    <a:masterClrMapping/>
+  </p:clrMapOvr>
+  <p:timing>
+    <p:tnLst>
+      <p:par>
+        <p:cTn id="1" dur="indefinite" restart="never" nodeType="tmRoot"/>
+      </p:par>
+    </p:tnLst>
+  </p:timing>
+</p:sld>
+</file>
+
+<file path=ppt/slides/slide17.xml><?xml version="1.0" encoding="utf-8"?>
+<p:sld xmlns:a="http://schemas.openxmlformats.org/drawingml/2006/main" xmlns:r="http://schemas.openxmlformats.org/officeDocument/2006/relationships" xmlns:p="http://schemas.openxmlformats.org/presentationml/2006/main">
+  <p:cSld>
+    <p:spTree>
+      <p:nvGrpSpPr>
+        <p:cNvPr id="1" name=""/>
+        <p:cNvGrpSpPr/>
+        <p:nvPr/>
+      </p:nvGrpSpPr>
+      <p:grpSpPr>
+        <a:xfrm>
+          <a:off x="0" y="0"/>
+          <a:ext cx="0" cy="0"/>
+          <a:chOff x="0" y="0"/>
+          <a:chExt cx="0" cy="0"/>
+        </a:xfrm>
+      </p:grpSpPr>
+      <p:sp>
+        <p:nvSpPr>
+          <p:cNvPr id="2" name="Title 1"/>
+          <p:cNvSpPr>
+            <a:spLocks noGrp="1"/>
+          </p:cNvSpPr>
+          <p:nvPr>
+            <p:ph type="title"/>
+          </p:nvPr>
+        </p:nvSpPr>
+        <p:spPr/>
+        <p:txBody>
+          <a:bodyPr>
+            <a:normAutofit/>
+          </a:bodyPr>
+          <a:lstStyle/>
+          <a:p>
+            <a:r>
+              <a:rPr lang="en-GB" dirty="0" smtClean="0"/>
+              <a:t>Container configuration</a:t>
+            </a:r>
+            <a:endParaRPr lang="en-US" dirty="0"/>
+          </a:p>
+        </p:txBody>
+      </p:sp>
+    </p:spTree>
+    <p:extLst>
+      <p:ext uri="{BB962C8B-B14F-4D97-AF65-F5344CB8AC3E}">
+        <p14:creationId xmlns:p14="http://schemas.microsoft.com/office/powerpoint/2010/main" val="3400365018"/>
+      </p:ext>
+    </p:extLst>
+  </p:cSld>
+  <p:clrMapOvr>
+    <a:masterClrMapping/>
+  </p:clrMapOvr>
+  <p:timing>
+    <p:tnLst>
+      <p:par>
+        <p:cTn id="1" dur="indefinite" restart="never" nodeType="tmRoot"/>
+      </p:par>
+    </p:tnLst>
+  </p:timing>
+</p:sld>
+</file>
+
+<file path=ppt/slides/slide18.xml><?xml version="1.0" encoding="utf-8"?>
+<p:sld xmlns:a="http://schemas.openxmlformats.org/drawingml/2006/main" xmlns:r="http://schemas.openxmlformats.org/officeDocument/2006/relationships" xmlns:p="http://schemas.openxmlformats.org/presentationml/2006/main">
+  <p:cSld>
+    <p:spTree>
+      <p:nvGrpSpPr>
+        <p:cNvPr id="1" name=""/>
+        <p:cNvGrpSpPr/>
+        <p:nvPr/>
+      </p:nvGrpSpPr>
+      <p:grpSpPr>
+        <a:xfrm>
+          <a:off x="0" y="0"/>
+          <a:ext cx="0" cy="0"/>
+          <a:chOff x="0" y="0"/>
+          <a:chExt cx="0" cy="0"/>
+        </a:xfrm>
+      </p:grpSpPr>
+      <p:sp>
+        <p:nvSpPr>
+          <p:cNvPr id="2" name="Title 1"/>
+          <p:cNvSpPr>
+            <a:spLocks noGrp="1"/>
+          </p:cNvSpPr>
+          <p:nvPr>
+            <p:ph type="title"/>
+          </p:nvPr>
+        </p:nvSpPr>
+        <p:spPr/>
+        <p:txBody>
+          <a:bodyPr/>
+          <a:lstStyle/>
+          <a:p>
+            <a:r>
+              <a:rPr lang="en-GB" dirty="0" smtClean="0"/>
+              <a:t>Creating the container at a glance</a:t>
+            </a:r>
+            <a:endParaRPr lang="en-US" dirty="0"/>
+          </a:p>
+        </p:txBody>
+      </p:sp>
+      <p:sp>
+        <p:nvSpPr>
+          <p:cNvPr id="4" name="Rounded Rectangle 3"/>
+          <p:cNvSpPr/>
+          <p:nvPr/>
+        </p:nvSpPr>
+        <p:spPr>
+          <a:xfrm>
+            <a:off x="457200" y="2078790"/>
+            <a:ext cx="1711158" cy="708526"/>
+          </a:xfrm>
+          <a:prstGeom prst="roundRect">
+            <a:avLst/>
+          </a:prstGeom>
+        </p:spPr>
+        <p:style>
+          <a:lnRef idx="1">
+            <a:schemeClr val="accent1"/>
+          </a:lnRef>
+          <a:fillRef idx="3">
+            <a:schemeClr val="accent1"/>
+          </a:fillRef>
+          <a:effectRef idx="2">
+            <a:schemeClr val="accent1"/>
+          </a:effectRef>
+          <a:fontRef idx="minor">
+            <a:schemeClr val="lt1"/>
+          </a:fontRef>
+        </p:style>
+        <p:txBody>
+          <a:bodyPr rtlCol="0" anchor="ctr"/>
+          <a:lstStyle/>
+          <a:p>
+            <a:pPr algn="ctr"/>
+            <a:r>
+              <a:rPr lang="en-US" dirty="0" err="1" smtClean="0"/>
+              <a:t>Docker</a:t>
+            </a:r>
+            <a:r>
+              <a:rPr lang="en-US" dirty="0" smtClean="0"/>
+              <a:t> Base Image</a:t>
+            </a:r>
+            <a:endParaRPr lang="en-US" dirty="0"/>
+          </a:p>
+        </p:txBody>
+      </p:sp>
+      <p:sp>
+        <p:nvSpPr>
+          <p:cNvPr id="5" name="Rounded Rectangle 4"/>
+          <p:cNvSpPr/>
+          <p:nvPr/>
+        </p:nvSpPr>
+        <p:spPr>
+          <a:xfrm>
+            <a:off x="2320758" y="2078790"/>
+            <a:ext cx="1711158" cy="708526"/>
+          </a:xfrm>
+          <a:prstGeom prst="roundRect">
+            <a:avLst/>
+          </a:prstGeom>
+        </p:spPr>
+        <p:style>
+          <a:lnRef idx="1">
+            <a:schemeClr val="accent1"/>
+          </a:lnRef>
+          <a:fillRef idx="3">
+            <a:schemeClr val="accent1"/>
+          </a:fillRef>
+          <a:effectRef idx="2">
+            <a:schemeClr val="accent1"/>
+          </a:effectRef>
+          <a:fontRef idx="minor">
+            <a:schemeClr val="lt1"/>
+          </a:fontRef>
+        </p:style>
+        <p:txBody>
+          <a:bodyPr rtlCol="0" anchor="ctr"/>
+          <a:lstStyle/>
+          <a:p>
+            <a:pPr algn="ctr"/>
+            <a:r>
+              <a:rPr lang="en-US" dirty="0" smtClean="0"/>
+              <a:t>Distributable Container</a:t>
+            </a:r>
+            <a:endParaRPr lang="en-US" dirty="0"/>
+          </a:p>
+        </p:txBody>
+      </p:sp>
+      <p:sp>
+        <p:nvSpPr>
+          <p:cNvPr id="6" name="Rounded Rectangle 5"/>
+          <p:cNvSpPr/>
+          <p:nvPr/>
+        </p:nvSpPr>
+        <p:spPr>
+          <a:xfrm>
+            <a:off x="4184316" y="2072106"/>
+            <a:ext cx="1711158" cy="708526"/>
+          </a:xfrm>
+          <a:prstGeom prst="roundRect">
+            <a:avLst/>
+          </a:prstGeom>
+        </p:spPr>
+        <p:style>
+          <a:lnRef idx="1">
+            <a:schemeClr val="accent1"/>
+          </a:lnRef>
+          <a:fillRef idx="3">
+            <a:schemeClr val="accent1"/>
+          </a:fillRef>
+          <a:effectRef idx="2">
+            <a:schemeClr val="accent1"/>
+          </a:effectRef>
+          <a:fontRef idx="minor">
+            <a:schemeClr val="lt1"/>
+          </a:fontRef>
+        </p:style>
+        <p:txBody>
+          <a:bodyPr rtlCol="0" anchor="ctr"/>
+          <a:lstStyle/>
+          <a:p>
+            <a:pPr algn="ctr"/>
+            <a:r>
+              <a:rPr lang="en-US" dirty="0" smtClean="0"/>
+              <a:t>Configuration Files</a:t>
+            </a:r>
+            <a:endParaRPr lang="en-US" dirty="0"/>
+          </a:p>
+        </p:txBody>
+      </p:sp>
+      <p:sp>
+        <p:nvSpPr>
+          <p:cNvPr id="7" name="Rounded Rectangle 6"/>
+          <p:cNvSpPr/>
+          <p:nvPr/>
+        </p:nvSpPr>
+        <p:spPr>
+          <a:xfrm>
+            <a:off x="457200" y="3908927"/>
+            <a:ext cx="2015958" cy="708526"/>
+          </a:xfrm>
+          <a:prstGeom prst="roundRect">
+            <a:avLst/>
+          </a:prstGeom>
+        </p:spPr>
+        <p:style>
+          <a:lnRef idx="1">
+            <a:schemeClr val="accent1"/>
+          </a:lnRef>
+          <a:fillRef idx="3">
+            <a:schemeClr val="accent1"/>
+          </a:fillRef>
+          <a:effectRef idx="2">
+            <a:schemeClr val="accent1"/>
+          </a:effectRef>
+          <a:fontRef idx="minor">
+            <a:schemeClr val="lt1"/>
+          </a:fontRef>
+        </p:style>
+        <p:txBody>
+          <a:bodyPr rtlCol="0" anchor="ctr"/>
+          <a:lstStyle/>
+          <a:p>
+            <a:pPr algn="ctr"/>
+            <a:r>
+              <a:rPr lang="en-US" dirty="0" err="1" smtClean="0"/>
+              <a:t>Standardzed</a:t>
+            </a:r>
+            <a:r>
+              <a:rPr lang="en-US" dirty="0" smtClean="0"/>
+              <a:t> POM File</a:t>
+            </a:r>
+            <a:endParaRPr lang="en-US" dirty="0"/>
+          </a:p>
+        </p:txBody>
+      </p:sp>
+      <p:sp>
+        <p:nvSpPr>
+          <p:cNvPr id="8" name="Rounded Rectangle 7"/>
+          <p:cNvSpPr/>
+          <p:nvPr/>
+        </p:nvSpPr>
+        <p:spPr>
+          <a:xfrm>
+            <a:off x="6670842" y="5739637"/>
+            <a:ext cx="2015958" cy="708526"/>
+          </a:xfrm>
+          <a:prstGeom prst="roundRect">
+            <a:avLst/>
+          </a:prstGeom>
+        </p:spPr>
+        <p:style>
+          <a:lnRef idx="1">
+            <a:schemeClr val="accent1"/>
+          </a:lnRef>
+          <a:fillRef idx="3">
+            <a:schemeClr val="accent1"/>
+          </a:fillRef>
+          <a:effectRef idx="2">
+            <a:schemeClr val="accent1"/>
+          </a:effectRef>
+          <a:fontRef idx="minor">
+            <a:schemeClr val="lt1"/>
+          </a:fontRef>
+        </p:style>
+        <p:txBody>
+          <a:bodyPr rtlCol="0" anchor="ctr"/>
+          <a:lstStyle/>
+          <a:p>
+            <a:pPr algn="ctr"/>
+            <a:r>
+              <a:rPr lang="en-US" dirty="0" err="1" smtClean="0"/>
+              <a:t>Docker</a:t>
+            </a:r>
+            <a:r>
+              <a:rPr lang="en-US" dirty="0" smtClean="0"/>
+              <a:t> Image</a:t>
+            </a:r>
+            <a:endParaRPr lang="en-US" dirty="0"/>
+          </a:p>
+        </p:txBody>
+      </p:sp>
+    </p:spTree>
+    <p:extLst>
+      <p:ext uri="{BB962C8B-B14F-4D97-AF65-F5344CB8AC3E}">
+        <p14:creationId xmlns:p14="http://schemas.microsoft.com/office/powerpoint/2010/main" val="2318255951"/>
+      </p:ext>
+    </p:extLst>
+  </p:cSld>
+  <p:clrMapOvr>
+    <a:masterClrMapping/>
+  </p:clrMapOvr>
+  <p:timing>
+    <p:tnLst>
+      <p:par>
+        <p:cTn id="1" dur="indefinite" restart="never" nodeType="tmRoot"/>
+      </p:par>
+    </p:tnLst>
+  </p:timing>
+</p:sld>
+</file>
+
+<file path=ppt/slides/slide19.xml><?xml version="1.0" encoding="utf-8"?>
+<p:sld xmlns:a="http://schemas.openxmlformats.org/drawingml/2006/main" xmlns:r="http://schemas.openxmlformats.org/officeDocument/2006/relationships" xmlns:p="http://schemas.openxmlformats.org/presentationml/2006/main">
+  <p:cSld>
+    <p:spTree>
+      <p:nvGrpSpPr>
+        <p:cNvPr id="1" name=""/>
+        <p:cNvGrpSpPr/>
+        <p:nvPr/>
+      </p:nvGrpSpPr>
+      <p:grpSpPr>
+        <a:xfrm>
+          <a:off x="0" y="0"/>
+          <a:ext cx="0" cy="0"/>
+          <a:chOff x="0" y="0"/>
+          <a:chExt cx="0" cy="0"/>
+        </a:xfrm>
+      </p:grpSpPr>
+      <p:sp>
+        <p:nvSpPr>
+          <p:cNvPr id="2" name="Title 1"/>
+          <p:cNvSpPr>
+            <a:spLocks noGrp="1"/>
+          </p:cNvSpPr>
+          <p:nvPr>
+            <p:ph type="title"/>
+          </p:nvPr>
+        </p:nvSpPr>
+        <p:spPr/>
+        <p:txBody>
+          <a:bodyPr/>
+          <a:lstStyle/>
+          <a:p>
+            <a:r>
+              <a:rPr lang="en-US" dirty="0" err="1" smtClean="0"/>
+              <a:t>Docker</a:t>
+            </a:r>
+            <a:r>
+              <a:rPr lang="en-US" dirty="0" smtClean="0"/>
+              <a:t> tricks</a:t>
+            </a:r>
+            <a:endParaRPr lang="en-US" dirty="0"/>
+          </a:p>
+        </p:txBody>
+      </p:sp>
+      <p:sp>
+        <p:nvSpPr>
+          <p:cNvPr id="3" name="Content Placeholder 2"/>
+          <p:cNvSpPr>
+            <a:spLocks noGrp="1"/>
+          </p:cNvSpPr>
+          <p:nvPr>
+            <p:ph idx="1"/>
+          </p:nvPr>
+        </p:nvSpPr>
+        <p:spPr/>
+        <p:txBody>
+          <a:bodyPr/>
+          <a:lstStyle/>
+          <a:p>
+            <a:r>
+              <a:rPr lang="en-GB" dirty="0" smtClean="0"/>
+              <a:t>Configuring </a:t>
+            </a:r>
+            <a:r>
+              <a:rPr lang="en-GB" dirty="0" err="1" smtClean="0"/>
+              <a:t>docker</a:t>
+            </a:r>
+            <a:r>
+              <a:rPr lang="en-GB" dirty="0" smtClean="0"/>
+              <a:t> for integration tests</a:t>
+            </a:r>
+          </a:p>
+          <a:p>
+            <a:pPr lvl="1"/>
+            <a:r>
+              <a:rPr lang="en-GB" dirty="0" smtClean="0"/>
+              <a:t>Creating the HTTP Connector</a:t>
+            </a:r>
+            <a:endParaRPr lang="en-US" dirty="0" smtClean="0"/>
+          </a:p>
+          <a:p>
+            <a:r>
+              <a:rPr lang="en-US" dirty="0" smtClean="0"/>
+              <a:t>Cleaning </a:t>
+            </a:r>
+            <a:r>
+              <a:rPr lang="en-US" dirty="0" smtClean="0"/>
+              <a:t>up </a:t>
+            </a:r>
+            <a:r>
+              <a:rPr lang="en-US" dirty="0" err="1" smtClean="0"/>
+              <a:t>docker</a:t>
+            </a:r>
+            <a:endParaRPr lang="en-US" dirty="0" smtClean="0"/>
+          </a:p>
+          <a:p>
+            <a:pPr marL="0" indent="0">
+              <a:buNone/>
+            </a:pPr>
+            <a:endParaRPr lang="en-US" dirty="0" smtClean="0"/>
+          </a:p>
+          <a:p>
+            <a:endParaRPr lang="en-US" dirty="0"/>
+          </a:p>
+        </p:txBody>
+      </p:sp>
+    </p:spTree>
+    <p:extLst>
+      <p:ext uri="{BB962C8B-B14F-4D97-AF65-F5344CB8AC3E}">
+        <p14:creationId xmlns:p14="http://schemas.microsoft.com/office/powerpoint/2010/main" val="764366726"/>
+      </p:ext>
+    </p:extLst>
+  </p:cSld>
+  <p:clrMapOvr>
+    <a:masterClrMapping/>
+  </p:clrMapOvr>
+  <p:timing>
+    <p:tnLst>
+      <p:par>
+        <p:cTn id="1" dur="indefinite" restart="never" nodeType="tmRoot"/>
+      </p:par>
+    </p:tnLst>
+  </p:timing>
+</p:sld>
+</file>
+
+<file path=ppt/slides/slide2.xml><?xml version="1.0" encoding="utf-8"?>
+<p:sld xmlns:a="http://schemas.openxmlformats.org/drawingml/2006/main" xmlns:r="http://schemas.openxmlformats.org/officeDocument/2006/relationships" xmlns:p="http://schemas.openxmlformats.org/presentationml/2006/main">
+  <p:cSld>
+    <p:spTree>
+      <p:nvGrpSpPr>
+        <p:cNvPr id="1" name=""/>
+        <p:cNvGrpSpPr/>
+        <p:nvPr/>
+      </p:nvGrpSpPr>
+      <p:grpSpPr>
+        <a:xfrm>
+          <a:off x="0" y="0"/>
+          <a:ext cx="0" cy="0"/>
+          <a:chOff x="0" y="0"/>
+          <a:chExt cx="0" cy="0"/>
+        </a:xfrm>
+      </p:grpSpPr>
+      <p:pic>
+        <p:nvPicPr>
+          <p:cNvPr id="4" name="Grafik 3"/>
+          <p:cNvPicPr>
+            <a:picLocks noChangeAspect="1"/>
+          </p:cNvPicPr>
+          <p:nvPr/>
+        </p:nvPicPr>
+        <p:blipFill>
+          <a:blip r:embed="rId3">
+            <a:extLst>
+              <a:ext uri="{28A0092B-C50C-407E-A947-70E740481C1C}">
+                <a14:useLocalDpi xmlns:a14="http://schemas.microsoft.com/office/drawing/2010/main" val="0"/>
+              </a:ext>
+            </a:extLst>
+          </a:blip>
+          <a:stretch>
+            <a:fillRect/>
+          </a:stretch>
+        </p:blipFill>
+        <p:spPr>
+          <a:xfrm>
+            <a:off x="0" y="0"/>
+            <a:ext cx="9144000" cy="3190875"/>
+          </a:xfrm>
+          <a:prstGeom prst="rect">
+            <a:avLst/>
+          </a:prstGeom>
+        </p:spPr>
+      </p:pic>
+      <p:sp>
+        <p:nvSpPr>
+          <p:cNvPr id="7" name="Content Placeholder 2"/>
+          <p:cNvSpPr>
+            <a:spLocks noGrp="1"/>
+          </p:cNvSpPr>
+          <p:nvPr>
+            <p:ph idx="1"/>
+          </p:nvPr>
+        </p:nvSpPr>
+        <p:spPr>
+          <a:xfrm>
+            <a:off x="4571999" y="3321777"/>
+            <a:ext cx="4432663" cy="1779202"/>
+          </a:xfrm>
+          <a:solidFill>
+            <a:schemeClr val="accent3">
+              <a:lumMod val="40000"/>
+              <a:lumOff val="60000"/>
+              <a:alpha val="60000"/>
+            </a:schemeClr>
+          </a:solidFill>
+          <a:ln>
+            <a:noFill/>
+          </a:ln>
+          <a:effectLst>
+            <a:softEdge rad="127000"/>
+          </a:effectLst>
+        </p:spPr>
+        <p:style>
+          <a:lnRef idx="2">
+            <a:schemeClr val="accent1">
+              <a:shade val="50000"/>
+            </a:schemeClr>
+          </a:lnRef>
+          <a:fillRef idx="1">
+            <a:schemeClr val="accent1"/>
+          </a:fillRef>
+          <a:effectRef idx="0">
+            <a:schemeClr val="accent1"/>
+          </a:effectRef>
+          <a:fontRef idx="minor">
+            <a:schemeClr val="lt1"/>
+          </a:fontRef>
+        </p:style>
+        <p:txBody>
+          <a:bodyPr>
+            <a:normAutofit/>
+          </a:bodyPr>
+          <a:lstStyle/>
+          <a:p>
+            <a:r>
+              <a:rPr lang="en-US" sz="2400" b="1" dirty="0" smtClean="0">
+                <a:solidFill>
+                  <a:schemeClr val="accent1">
+                    <a:lumMod val="50000"/>
+                  </a:schemeClr>
+                </a:solidFill>
+              </a:rPr>
+              <a:t>Technical Trainings</a:t>
+            </a:r>
+            <a:endParaRPr lang="en-US" sz="2400" b="1" dirty="0" smtClean="0">
+              <a:solidFill>
+                <a:schemeClr val="accent1">
+                  <a:lumMod val="50000"/>
+                </a:schemeClr>
+              </a:solidFill>
+            </a:endParaRPr>
+          </a:p>
+          <a:p>
+            <a:r>
+              <a:rPr lang="en-US" sz="2400" b="1" dirty="0" smtClean="0">
+                <a:solidFill>
+                  <a:schemeClr val="accent1">
+                    <a:lumMod val="50000"/>
+                  </a:schemeClr>
+                </a:solidFill>
+              </a:rPr>
+              <a:t>Management Seminars</a:t>
+            </a:r>
+            <a:endParaRPr lang="en-US" sz="2400" b="1" dirty="0" smtClean="0">
+              <a:solidFill>
+                <a:schemeClr val="accent1">
+                  <a:lumMod val="50000"/>
+                </a:schemeClr>
+              </a:solidFill>
+            </a:endParaRPr>
+          </a:p>
+          <a:p>
+            <a:r>
+              <a:rPr lang="en-US" sz="2400" b="1" dirty="0" smtClean="0">
+                <a:solidFill>
+                  <a:schemeClr val="accent1">
+                    <a:lumMod val="50000"/>
+                  </a:schemeClr>
+                </a:solidFill>
+              </a:rPr>
+              <a:t>Team Breakouts</a:t>
+            </a:r>
+            <a:endParaRPr lang="en-US" sz="2400" b="1" dirty="0" smtClean="0">
+              <a:solidFill>
+                <a:schemeClr val="accent1">
+                  <a:lumMod val="50000"/>
+                </a:schemeClr>
+              </a:solidFill>
+            </a:endParaRPr>
+          </a:p>
+        </p:txBody>
+      </p:sp>
+      <p:sp>
+        <p:nvSpPr>
+          <p:cNvPr id="5" name="Content Placeholder 2"/>
+          <p:cNvSpPr txBox="1">
+            <a:spLocks/>
+          </p:cNvSpPr>
+          <p:nvPr/>
+        </p:nvSpPr>
+        <p:spPr>
+          <a:xfrm>
+            <a:off x="121287" y="3303753"/>
+            <a:ext cx="4450714" cy="1797226"/>
+          </a:xfrm>
+          <a:prstGeom prst="rect">
+            <a:avLst/>
+          </a:prstGeom>
+          <a:solidFill>
+            <a:schemeClr val="accent3">
+              <a:lumMod val="40000"/>
+              <a:lumOff val="60000"/>
+              <a:alpha val="60000"/>
+            </a:schemeClr>
+          </a:solidFill>
+          <a:ln w="25400" cap="flat" cmpd="sng" algn="ctr">
+            <a:noFill/>
+            <a:prstDash val="solid"/>
+          </a:ln>
+          <a:effectLst>
+            <a:softEdge rad="127000"/>
+          </a:effectLst>
+        </p:spPr>
+        <p:style>
+          <a:lnRef idx="2">
+            <a:schemeClr val="accent1">
+              <a:shade val="50000"/>
+            </a:schemeClr>
+          </a:lnRef>
+          <a:fillRef idx="1">
+            <a:schemeClr val="accent1"/>
+          </a:fillRef>
+          <a:effectRef idx="0">
+            <a:schemeClr val="accent1"/>
+          </a:effectRef>
+          <a:fontRef idx="minor">
+            <a:schemeClr val="lt1"/>
+          </a:fontRef>
+        </p:style>
+        <p:txBody>
+          <a:bodyPr vert="horz" lIns="91440" tIns="45720" rIns="91440" bIns="45720" rtlCol="0">
+            <a:normAutofit/>
+          </a:bodyPr>
+          <a:lstStyle>
+            <a:lvl1pPr marL="342900" indent="-342900" algn="l" defTabSz="457200" rtl="0" eaLnBrk="1" latinLnBrk="0" hangingPunct="1">
+              <a:spcBef>
+                <a:spcPct val="20000"/>
+              </a:spcBef>
+              <a:buFont typeface="Arial"/>
+              <a:buChar char="•"/>
+              <a:defRPr sz="3200" kern="1200">
+                <a:solidFill>
+                  <a:schemeClr val="lt1"/>
+                </a:solidFill>
+                <a:latin typeface="+mn-lt"/>
+                <a:ea typeface="+mn-ea"/>
+                <a:cs typeface="+mn-cs"/>
+              </a:defRPr>
+            </a:lvl1pPr>
+            <a:lvl2pPr marL="742950" indent="-285750" algn="l" defTabSz="457200" rtl="0" eaLnBrk="1" latinLnBrk="0" hangingPunct="1">
+              <a:spcBef>
+                <a:spcPct val="20000"/>
+              </a:spcBef>
+              <a:buFont typeface="Arial"/>
+              <a:buChar char="–"/>
+              <a:defRPr sz="2800" kern="1200">
+                <a:solidFill>
+                  <a:schemeClr val="lt1"/>
+                </a:solidFill>
+                <a:latin typeface="+mn-lt"/>
+                <a:ea typeface="+mn-ea"/>
+                <a:cs typeface="+mn-cs"/>
+              </a:defRPr>
+            </a:lvl2pPr>
+            <a:lvl3pPr marL="1143000" indent="-228600" algn="l" defTabSz="457200" rtl="0" eaLnBrk="1" latinLnBrk="0" hangingPunct="1">
+              <a:spcBef>
+                <a:spcPct val="20000"/>
+              </a:spcBef>
+              <a:buFont typeface="Arial"/>
+              <a:buChar char="•"/>
+              <a:defRPr sz="2400" kern="1200">
+                <a:solidFill>
+                  <a:schemeClr val="lt1"/>
+                </a:solidFill>
+                <a:latin typeface="+mn-lt"/>
+                <a:ea typeface="+mn-ea"/>
+                <a:cs typeface="+mn-cs"/>
+              </a:defRPr>
+            </a:lvl3pPr>
+            <a:lvl4pPr marL="1600200" indent="-228600" algn="l" defTabSz="457200" rtl="0" eaLnBrk="1" latinLnBrk="0" hangingPunct="1">
+              <a:spcBef>
+                <a:spcPct val="20000"/>
+              </a:spcBef>
+              <a:buFont typeface="Arial"/>
+              <a:buChar char="–"/>
+              <a:defRPr sz="2000" kern="1200">
+                <a:solidFill>
+                  <a:schemeClr val="lt1"/>
+                </a:solidFill>
+                <a:latin typeface="+mn-lt"/>
+                <a:ea typeface="+mn-ea"/>
+                <a:cs typeface="+mn-cs"/>
+              </a:defRPr>
+            </a:lvl4pPr>
+            <a:lvl5pPr marL="2057400" indent="-228600" algn="l" defTabSz="457200" rtl="0" eaLnBrk="1" latinLnBrk="0" hangingPunct="1">
+              <a:spcBef>
+                <a:spcPct val="20000"/>
+              </a:spcBef>
+              <a:buFont typeface="Arial"/>
+              <a:buChar char="»"/>
+              <a:defRPr sz="2000" kern="1200">
+                <a:solidFill>
+                  <a:schemeClr val="lt1"/>
+                </a:solidFill>
+                <a:latin typeface="+mn-lt"/>
+                <a:ea typeface="+mn-ea"/>
+                <a:cs typeface="+mn-cs"/>
+              </a:defRPr>
+            </a:lvl5pPr>
+            <a:lvl6pPr marL="2514600" indent="-228600" algn="l" defTabSz="457200" rtl="0" eaLnBrk="1" latinLnBrk="0" hangingPunct="1">
+              <a:spcBef>
+                <a:spcPct val="20000"/>
+              </a:spcBef>
+              <a:buFont typeface="Arial"/>
+              <a:buChar char="•"/>
+              <a:defRPr sz="2000" kern="1200">
+                <a:solidFill>
+                  <a:schemeClr val="lt1"/>
+                </a:solidFill>
+                <a:latin typeface="+mn-lt"/>
+                <a:ea typeface="+mn-ea"/>
+                <a:cs typeface="+mn-cs"/>
+              </a:defRPr>
+            </a:lvl6pPr>
+            <a:lvl7pPr marL="2971800" indent="-228600" algn="l" defTabSz="457200" rtl="0" eaLnBrk="1" latinLnBrk="0" hangingPunct="1">
+              <a:spcBef>
+                <a:spcPct val="20000"/>
+              </a:spcBef>
+              <a:buFont typeface="Arial"/>
+              <a:buChar char="•"/>
+              <a:defRPr sz="2000" kern="1200">
+                <a:solidFill>
+                  <a:schemeClr val="lt1"/>
+                </a:solidFill>
+                <a:latin typeface="+mn-lt"/>
+                <a:ea typeface="+mn-ea"/>
+                <a:cs typeface="+mn-cs"/>
+              </a:defRPr>
+            </a:lvl7pPr>
+            <a:lvl8pPr marL="3429000" indent="-228600" algn="l" defTabSz="457200" rtl="0" eaLnBrk="1" latinLnBrk="0" hangingPunct="1">
+              <a:spcBef>
+                <a:spcPct val="20000"/>
+              </a:spcBef>
+              <a:buFont typeface="Arial"/>
+              <a:buChar char="•"/>
+              <a:defRPr sz="2000" kern="1200">
+                <a:solidFill>
+                  <a:schemeClr val="lt1"/>
+                </a:solidFill>
+                <a:latin typeface="+mn-lt"/>
+                <a:ea typeface="+mn-ea"/>
+                <a:cs typeface="+mn-cs"/>
+              </a:defRPr>
+            </a:lvl8pPr>
+            <a:lvl9pPr marL="3886200" indent="-228600" algn="l" defTabSz="457200" rtl="0" eaLnBrk="1" latinLnBrk="0" hangingPunct="1">
+              <a:spcBef>
+                <a:spcPct val="20000"/>
+              </a:spcBef>
+              <a:buFont typeface="Arial"/>
+              <a:buChar char="•"/>
+              <a:defRPr sz="2000" kern="1200">
+                <a:solidFill>
+                  <a:schemeClr val="lt1"/>
+                </a:solidFill>
+                <a:latin typeface="+mn-lt"/>
+                <a:ea typeface="+mn-ea"/>
+                <a:cs typeface="+mn-cs"/>
+              </a:defRPr>
+            </a:lvl9pPr>
+          </a:lstStyle>
+          <a:p>
+            <a:r>
+              <a:rPr lang="en-US" sz="2400" b="1" dirty="0" smtClean="0">
+                <a:solidFill>
+                  <a:schemeClr val="accent1">
+                    <a:lumMod val="50000"/>
+                  </a:schemeClr>
+                </a:solidFill>
+              </a:rPr>
+              <a:t>Technical Consulting </a:t>
+            </a:r>
+          </a:p>
+          <a:p>
+            <a:r>
+              <a:rPr lang="en-GB" sz="2400" b="1" dirty="0" smtClean="0">
+                <a:solidFill>
+                  <a:schemeClr val="accent1">
+                    <a:lumMod val="50000"/>
+                  </a:schemeClr>
+                </a:solidFill>
+              </a:rPr>
+              <a:t>Conference speaking slots</a:t>
+            </a:r>
+            <a:endParaRPr lang="en-US" sz="2400" b="1" dirty="0" smtClean="0">
+              <a:solidFill>
+                <a:schemeClr val="accent1">
+                  <a:lumMod val="50000"/>
+                </a:schemeClr>
+              </a:solidFill>
+            </a:endParaRPr>
+          </a:p>
+        </p:txBody>
+      </p:sp>
+      <p:sp>
+        <p:nvSpPr>
+          <p:cNvPr id="2" name="Textfeld 1"/>
+          <p:cNvSpPr txBox="1"/>
+          <p:nvPr/>
+        </p:nvSpPr>
+        <p:spPr>
+          <a:xfrm>
+            <a:off x="2565987" y="6211965"/>
+            <a:ext cx="1644296" cy="369332"/>
+          </a:xfrm>
+          <a:prstGeom prst="rect">
+            <a:avLst/>
+          </a:prstGeom>
+          <a:noFill/>
+        </p:spPr>
+        <p:txBody>
+          <a:bodyPr wrap="none" rtlCol="0">
+            <a:spAutoFit/>
+          </a:bodyPr>
+          <a:lstStyle/>
+          <a:p>
+            <a:r>
+              <a:rPr lang="en-GB" dirty="0" smtClean="0">
+                <a:solidFill>
+                  <a:schemeClr val="accent1">
+                    <a:lumMod val="50000"/>
+                  </a:schemeClr>
+                </a:solidFill>
+                <a:latin typeface="+mj-lt"/>
+              </a:rPr>
+              <a:t>Yoga &amp; learning</a:t>
+            </a:r>
+            <a:endParaRPr lang="en-US" dirty="0">
+              <a:solidFill>
+                <a:schemeClr val="accent1">
+                  <a:lumMod val="50000"/>
+                </a:schemeClr>
+              </a:solidFill>
+              <a:latin typeface="+mj-lt"/>
+            </a:endParaRPr>
+          </a:p>
+        </p:txBody>
+      </p:sp>
+      <p:sp>
+        <p:nvSpPr>
+          <p:cNvPr id="8" name="Textfeld 7"/>
+          <p:cNvSpPr txBox="1"/>
+          <p:nvPr/>
+        </p:nvSpPr>
+        <p:spPr>
+          <a:xfrm>
+            <a:off x="211143" y="6211965"/>
+            <a:ext cx="1849032" cy="369332"/>
+          </a:xfrm>
+          <a:prstGeom prst="rect">
+            <a:avLst/>
+          </a:prstGeom>
+          <a:noFill/>
+        </p:spPr>
+        <p:txBody>
+          <a:bodyPr wrap="none" rtlCol="0">
+            <a:spAutoFit/>
+          </a:bodyPr>
+          <a:lstStyle/>
+          <a:p>
+            <a:r>
+              <a:rPr lang="en-GB" dirty="0" smtClean="0">
+                <a:solidFill>
+                  <a:schemeClr val="accent1">
+                    <a:lumMod val="50000"/>
+                  </a:schemeClr>
+                </a:solidFill>
+                <a:latin typeface="+mj-lt"/>
+              </a:rPr>
+              <a:t>Coding by the sea</a:t>
+            </a:r>
+            <a:endParaRPr lang="en-US" dirty="0">
+              <a:solidFill>
+                <a:schemeClr val="accent1">
+                  <a:lumMod val="50000"/>
+                </a:schemeClr>
+              </a:solidFill>
+              <a:latin typeface="+mj-lt"/>
+            </a:endParaRPr>
+          </a:p>
+        </p:txBody>
+      </p:sp>
+      <p:pic>
+        <p:nvPicPr>
+          <p:cNvPr id="3" name="Grafik 2"/>
+          <p:cNvPicPr>
+            <a:picLocks noChangeAspect="1"/>
+          </p:cNvPicPr>
+          <p:nvPr/>
+        </p:nvPicPr>
+        <p:blipFill>
+          <a:blip r:embed="rId4">
+            <a:extLst>
+              <a:ext uri="{28A0092B-C50C-407E-A947-70E740481C1C}">
+                <a14:useLocalDpi xmlns:a14="http://schemas.microsoft.com/office/drawing/2010/main" val="0"/>
+              </a:ext>
+            </a:extLst>
+          </a:blip>
+          <a:stretch>
+            <a:fillRect/>
+          </a:stretch>
+        </p:blipFill>
+        <p:spPr>
+          <a:xfrm>
+            <a:off x="2660158" y="5100979"/>
+            <a:ext cx="1455955" cy="1091967"/>
+          </a:xfrm>
+          <a:prstGeom prst="rect">
+            <a:avLst/>
+          </a:prstGeom>
+        </p:spPr>
+      </p:pic>
+      <p:pic>
+        <p:nvPicPr>
+          <p:cNvPr id="10" name="Grafik 9"/>
+          <p:cNvPicPr>
+            <a:picLocks noChangeAspect="1"/>
+          </p:cNvPicPr>
+          <p:nvPr/>
+        </p:nvPicPr>
+        <p:blipFill>
+          <a:blip r:embed="rId5">
+            <a:extLst>
+              <a:ext uri="{28A0092B-C50C-407E-A947-70E740481C1C}">
+                <a14:useLocalDpi xmlns:a14="http://schemas.microsoft.com/office/drawing/2010/main" val="0"/>
+              </a:ext>
+            </a:extLst>
+          </a:blip>
+          <a:stretch>
+            <a:fillRect/>
+          </a:stretch>
+        </p:blipFill>
+        <p:spPr>
+          <a:xfrm>
+            <a:off x="407682" y="5100979"/>
+            <a:ext cx="1455955" cy="1091967"/>
+          </a:xfrm>
+          <a:prstGeom prst="rect">
+            <a:avLst/>
+          </a:prstGeom>
+        </p:spPr>
+      </p:pic>
+      <p:sp>
+        <p:nvSpPr>
+          <p:cNvPr id="11" name="Textfeld 10"/>
+          <p:cNvSpPr txBox="1"/>
+          <p:nvPr/>
+        </p:nvSpPr>
+        <p:spPr>
+          <a:xfrm>
+            <a:off x="4965001" y="6211965"/>
+            <a:ext cx="1497846" cy="369332"/>
+          </a:xfrm>
+          <a:prstGeom prst="rect">
+            <a:avLst/>
+          </a:prstGeom>
+          <a:noFill/>
+        </p:spPr>
+        <p:txBody>
+          <a:bodyPr wrap="none" rtlCol="0">
+            <a:spAutoFit/>
+          </a:bodyPr>
+          <a:lstStyle/>
+          <a:p>
+            <a:r>
+              <a:rPr lang="en-GB" dirty="0" smtClean="0">
+                <a:solidFill>
+                  <a:schemeClr val="accent1">
+                    <a:lumMod val="50000"/>
+                  </a:schemeClr>
+                </a:solidFill>
+                <a:latin typeface="+mj-lt"/>
+              </a:rPr>
+              <a:t>Team Building</a:t>
+            </a:r>
+            <a:endParaRPr lang="en-US" dirty="0">
+              <a:solidFill>
+                <a:schemeClr val="accent1">
+                  <a:lumMod val="50000"/>
+                </a:schemeClr>
+              </a:solidFill>
+              <a:latin typeface="+mj-lt"/>
+            </a:endParaRPr>
+          </a:p>
+        </p:txBody>
+      </p:sp>
+      <p:pic>
+        <p:nvPicPr>
+          <p:cNvPr id="12" name="Grafik 11"/>
+          <p:cNvPicPr>
+            <a:picLocks noChangeAspect="1"/>
+          </p:cNvPicPr>
+          <p:nvPr/>
+        </p:nvPicPr>
+        <p:blipFill>
+          <a:blip r:embed="rId5">
+            <a:extLst>
+              <a:ext uri="{28A0092B-C50C-407E-A947-70E740481C1C}">
+                <a14:useLocalDpi xmlns:a14="http://schemas.microsoft.com/office/drawing/2010/main" val="0"/>
+              </a:ext>
+            </a:extLst>
+          </a:blip>
+          <a:stretch>
+            <a:fillRect/>
+          </a:stretch>
+        </p:blipFill>
+        <p:spPr>
+          <a:xfrm>
+            <a:off x="4980768" y="5100979"/>
+            <a:ext cx="1455955" cy="1091967"/>
+          </a:xfrm>
+          <a:prstGeom prst="rect">
+            <a:avLst/>
+          </a:prstGeom>
+        </p:spPr>
+      </p:pic>
+      <p:sp>
+        <p:nvSpPr>
+          <p:cNvPr id="13" name="Textfeld 12"/>
+          <p:cNvSpPr txBox="1"/>
+          <p:nvPr/>
+        </p:nvSpPr>
+        <p:spPr>
+          <a:xfrm>
+            <a:off x="6958158" y="6211965"/>
+            <a:ext cx="1674241" cy="369332"/>
+          </a:xfrm>
+          <a:prstGeom prst="rect">
+            <a:avLst/>
+          </a:prstGeom>
+          <a:noFill/>
+        </p:spPr>
+        <p:txBody>
+          <a:bodyPr wrap="none" rtlCol="0">
+            <a:spAutoFit/>
+          </a:bodyPr>
+          <a:lstStyle/>
+          <a:p>
+            <a:r>
+              <a:rPr lang="en-GB" dirty="0" smtClean="0">
+                <a:solidFill>
+                  <a:schemeClr val="accent1">
+                    <a:lumMod val="50000"/>
+                  </a:schemeClr>
+                </a:solidFill>
+                <a:latin typeface="+mj-lt"/>
+              </a:rPr>
+              <a:t>Enjoy </a:t>
+            </a:r>
+            <a:r>
+              <a:rPr lang="en-GB" dirty="0" err="1" smtClean="0">
+                <a:solidFill>
+                  <a:schemeClr val="accent1">
+                    <a:lumMod val="50000"/>
+                  </a:schemeClr>
+                </a:solidFill>
+                <a:latin typeface="+mj-lt"/>
+              </a:rPr>
+              <a:t>Andalucia</a:t>
+            </a:r>
+            <a:endParaRPr lang="en-US" dirty="0">
+              <a:solidFill>
+                <a:schemeClr val="accent1">
+                  <a:lumMod val="50000"/>
+                </a:schemeClr>
+              </a:solidFill>
+              <a:latin typeface="+mj-lt"/>
+            </a:endParaRPr>
+          </a:p>
+        </p:txBody>
+      </p:sp>
+      <p:pic>
+        <p:nvPicPr>
+          <p:cNvPr id="15" name="Grafik 14"/>
+          <p:cNvPicPr>
+            <a:picLocks noChangeAspect="1"/>
+          </p:cNvPicPr>
+          <p:nvPr/>
+        </p:nvPicPr>
+        <p:blipFill>
+          <a:blip r:embed="rId6">
+            <a:extLst>
+              <a:ext uri="{28A0092B-C50C-407E-A947-70E740481C1C}">
+                <a14:useLocalDpi xmlns:a14="http://schemas.microsoft.com/office/drawing/2010/main" val="0"/>
+              </a:ext>
+            </a:extLst>
+          </a:blip>
+          <a:stretch>
+            <a:fillRect/>
+          </a:stretch>
+        </p:blipFill>
+        <p:spPr>
+          <a:xfrm>
+            <a:off x="7064847" y="5097298"/>
+            <a:ext cx="1460864" cy="1095648"/>
+          </a:xfrm>
+          <a:prstGeom prst="rect">
+            <a:avLst/>
+          </a:prstGeom>
+        </p:spPr>
+      </p:pic>
+    </p:spTree>
+    <p:extLst>
+      <p:ext uri="{BB962C8B-B14F-4D97-AF65-F5344CB8AC3E}">
+        <p14:creationId xmlns:p14="http://schemas.microsoft.com/office/powerpoint/2010/main" val="2543040154"/>
+      </p:ext>
+    </p:extLst>
+  </p:cSld>
+  <p:clrMapOvr>
+    <a:masterClrMapping/>
+  </p:clrMapOvr>
+  <p:timing>
+    <p:tnLst>
+      <p:par>
+        <p:cTn id="1" dur="indefinite" restart="never" nodeType="tmRoot"/>
+      </p:par>
+    </p:tnLst>
+  </p:timing>
+</p:sld>
+</file>
+
+<file path=ppt/slides/slide20.xml><?xml version="1.0" encoding="utf-8"?>
+<p:sld xmlns:a="http://schemas.openxmlformats.org/drawingml/2006/main" xmlns:r="http://schemas.openxmlformats.org/officeDocument/2006/relationships" xmlns:p="http://schemas.openxmlformats.org/presentationml/2006/main">
+  <p:cSld>
+    <p:spTree>
+      <p:nvGrpSpPr>
+        <p:cNvPr id="1" name=""/>
+        <p:cNvGrpSpPr/>
+        <p:nvPr/>
+      </p:nvGrpSpPr>
+      <p:grpSpPr>
+        <a:xfrm>
+          <a:off x="0" y="0"/>
+          <a:ext cx="0" cy="0"/>
+          <a:chOff x="0" y="0"/>
+          <a:chExt cx="0" cy="0"/>
+        </a:xfrm>
+      </p:grpSpPr>
+      <p:sp>
+        <p:nvSpPr>
+          <p:cNvPr id="2" name="Title 1"/>
+          <p:cNvSpPr>
+            <a:spLocks noGrp="1"/>
+          </p:cNvSpPr>
+          <p:nvPr>
+            <p:ph type="title"/>
+          </p:nvPr>
+        </p:nvSpPr>
+        <p:spPr/>
+        <p:txBody>
+          <a:bodyPr/>
+          <a:lstStyle/>
+          <a:p>
+            <a:r>
+              <a:rPr lang="en-US" dirty="0" smtClean="0"/>
+              <a:t>The Test Framework</a:t>
+            </a:r>
+            <a:endParaRPr lang="en-US" dirty="0"/>
+          </a:p>
+        </p:txBody>
+      </p:sp>
+      <p:sp>
+        <p:nvSpPr>
+          <p:cNvPr id="3" name="Text Placeholder 2"/>
+          <p:cNvSpPr>
+            <a:spLocks noGrp="1"/>
+          </p:cNvSpPr>
+          <p:nvPr>
+            <p:ph type="body" idx="1"/>
+          </p:nvPr>
+        </p:nvSpPr>
+        <p:spPr/>
+        <p:txBody>
+          <a:bodyPr/>
+          <a:lstStyle/>
+          <a:p>
+            <a:endParaRPr lang="en-US"/>
+          </a:p>
+        </p:txBody>
+      </p:sp>
+      <p:pic>
+        <p:nvPicPr>
+          <p:cNvPr id="5" name="Grafik 4"/>
+          <p:cNvPicPr>
+            <a:picLocks noChangeAspect="1"/>
+          </p:cNvPicPr>
+          <p:nvPr/>
+        </p:nvPicPr>
+        <p:blipFill>
+          <a:blip r:embed="rId2">
+            <a:extLst>
+              <a:ext uri="{28A0092B-C50C-407E-A947-70E740481C1C}">
+                <a14:useLocalDpi xmlns:a14="http://schemas.microsoft.com/office/drawing/2010/main" val="0"/>
+              </a:ext>
+            </a:extLst>
+          </a:blip>
+          <a:stretch>
+            <a:fillRect/>
+          </a:stretch>
+        </p:blipFill>
+        <p:spPr>
+          <a:xfrm>
+            <a:off x="0" y="0"/>
+            <a:ext cx="9144000" cy="3833813"/>
+          </a:xfrm>
+          <a:prstGeom prst="rect">
+            <a:avLst/>
+          </a:prstGeom>
+        </p:spPr>
+      </p:pic>
+    </p:spTree>
+    <p:extLst>
+      <p:ext uri="{BB962C8B-B14F-4D97-AF65-F5344CB8AC3E}">
+        <p14:creationId xmlns:p14="http://schemas.microsoft.com/office/powerpoint/2010/main" val="598867320"/>
+      </p:ext>
+    </p:extLst>
+  </p:cSld>
+  <p:clrMapOvr>
+    <a:masterClrMapping/>
+  </p:clrMapOvr>
+  <p:timing>
+    <p:tnLst>
+      <p:par>
+        <p:cTn id="1" dur="indefinite" restart="never" nodeType="tmRoot"/>
+      </p:par>
+    </p:tnLst>
+  </p:timing>
+</p:sld>
+</file>
+
+<file path=ppt/slides/slide21.xml><?xml version="1.0" encoding="utf-8"?>
+<p:sld xmlns:a="http://schemas.openxmlformats.org/drawingml/2006/main" xmlns:r="http://schemas.openxmlformats.org/officeDocument/2006/relationships" xmlns:p="http://schemas.openxmlformats.org/presentationml/2006/main">
+  <p:cSld>
+    <p:spTree>
+      <p:nvGrpSpPr>
+        <p:cNvPr id="1" name=""/>
+        <p:cNvGrpSpPr/>
+        <p:nvPr/>
+      </p:nvGrpSpPr>
+      <p:grpSpPr>
+        <a:xfrm>
+          <a:off x="0" y="0"/>
+          <a:ext cx="0" cy="0"/>
+          <a:chOff x="0" y="0"/>
+          <a:chExt cx="0" cy="0"/>
+        </a:xfrm>
+      </p:grpSpPr>
+      <p:sp>
+        <p:nvSpPr>
+          <p:cNvPr id="2" name="Title 1"/>
+          <p:cNvSpPr>
+            <a:spLocks noGrp="1"/>
+          </p:cNvSpPr>
+          <p:nvPr>
+            <p:ph type="title"/>
+          </p:nvPr>
+        </p:nvSpPr>
+        <p:spPr/>
+        <p:txBody>
+          <a:bodyPr/>
+          <a:lstStyle/>
+          <a:p>
+            <a:endParaRPr lang="en-US"/>
+          </a:p>
+        </p:txBody>
+      </p:sp>
+      <p:sp>
+        <p:nvSpPr>
+          <p:cNvPr id="3" name="Content Placeholder 2"/>
+          <p:cNvSpPr>
+            <a:spLocks noGrp="1"/>
+          </p:cNvSpPr>
+          <p:nvPr>
+            <p:ph idx="1"/>
+          </p:nvPr>
+        </p:nvSpPr>
+        <p:spPr/>
+        <p:txBody>
+          <a:bodyPr/>
+          <a:lstStyle/>
+          <a:p>
+            <a:r>
+              <a:rPr lang="en-US" dirty="0" smtClean="0"/>
+              <a:t>Define the containers under test</a:t>
+            </a:r>
+          </a:p>
+          <a:p>
+            <a:r>
+              <a:rPr lang="en-US" dirty="0" smtClean="0"/>
+              <a:t>An </a:t>
+            </a:r>
+            <a:r>
+              <a:rPr lang="en-US" dirty="0" err="1" smtClean="0"/>
+              <a:t>Akka</a:t>
+            </a:r>
+            <a:r>
+              <a:rPr lang="en-US" dirty="0" smtClean="0"/>
+              <a:t> based Container Manager</a:t>
+            </a:r>
+          </a:p>
+          <a:p>
+            <a:r>
+              <a:rPr lang="en-US" dirty="0" smtClean="0"/>
+              <a:t>Waiting for Containers to be started </a:t>
+            </a:r>
+          </a:p>
+          <a:p>
+            <a:r>
+              <a:rPr lang="en-US" dirty="0" smtClean="0"/>
+              <a:t>Connecting to the Containers</a:t>
+            </a:r>
+          </a:p>
+          <a:p>
+            <a:r>
+              <a:rPr lang="en-US" dirty="0" smtClean="0"/>
+              <a:t>Test fixtures</a:t>
+            </a:r>
+          </a:p>
+        </p:txBody>
+      </p:sp>
+    </p:spTree>
+    <p:extLst>
+      <p:ext uri="{BB962C8B-B14F-4D97-AF65-F5344CB8AC3E}">
+        <p14:creationId xmlns:p14="http://schemas.microsoft.com/office/powerpoint/2010/main" val="4099218114"/>
+      </p:ext>
+    </p:extLst>
+  </p:cSld>
+  <p:clrMapOvr>
+    <a:masterClrMapping/>
+  </p:clrMapOvr>
+  <p:timing>
+    <p:tnLst>
+      <p:par>
+        <p:cTn id="1" dur="indefinite" restart="never" nodeType="tmRoot"/>
+      </p:par>
+    </p:tnLst>
+  </p:timing>
+</p:sld>
+</file>
+
+<file path=ppt/slides/slide22.xml><?xml version="1.0" encoding="utf-8"?>
+<p:sld xmlns:a="http://schemas.openxmlformats.org/drawingml/2006/main" xmlns:r="http://schemas.openxmlformats.org/officeDocument/2006/relationships" xmlns:p="http://schemas.openxmlformats.org/presentationml/2006/main">
+  <p:cSld>
+    <p:spTree>
+      <p:nvGrpSpPr>
+        <p:cNvPr id="1" name=""/>
+        <p:cNvGrpSpPr/>
+        <p:nvPr/>
+      </p:nvGrpSpPr>
+      <p:grpSpPr>
+        <a:xfrm>
+          <a:off x="0" y="0"/>
+          <a:ext cx="0" cy="0"/>
+          <a:chOff x="0" y="0"/>
+          <a:chExt cx="0" cy="0"/>
+        </a:xfrm>
+      </p:grpSpPr>
+      <p:sp>
+        <p:nvSpPr>
+          <p:cNvPr id="2" name="Title 1"/>
+          <p:cNvSpPr>
+            <a:spLocks noGrp="1"/>
+          </p:cNvSpPr>
+          <p:nvPr>
+            <p:ph type="title"/>
+          </p:nvPr>
+        </p:nvSpPr>
+        <p:spPr/>
+        <p:txBody>
+          <a:bodyPr/>
+          <a:lstStyle/>
+          <a:p>
+            <a:r>
+              <a:rPr lang="en-US" dirty="0" smtClean="0"/>
+              <a:t>Writing tests</a:t>
+            </a:r>
+            <a:endParaRPr lang="en-US" dirty="0"/>
+          </a:p>
+        </p:txBody>
+      </p:sp>
+      <p:sp>
+        <p:nvSpPr>
+          <p:cNvPr id="3" name="Text Placeholder 2"/>
+          <p:cNvSpPr>
+            <a:spLocks noGrp="1"/>
+          </p:cNvSpPr>
+          <p:nvPr>
+            <p:ph type="body" idx="1"/>
+          </p:nvPr>
+        </p:nvSpPr>
+        <p:spPr/>
+        <p:txBody>
+          <a:bodyPr/>
+          <a:lstStyle/>
+          <a:p>
+            <a:endParaRPr lang="en-US"/>
+          </a:p>
+        </p:txBody>
+      </p:sp>
+      <p:pic>
+        <p:nvPicPr>
+          <p:cNvPr id="4" name="Grafik 3"/>
+          <p:cNvPicPr>
+            <a:picLocks noChangeAspect="1"/>
+          </p:cNvPicPr>
+          <p:nvPr/>
+        </p:nvPicPr>
+        <p:blipFill>
+          <a:blip r:embed="rId2">
+            <a:extLst>
+              <a:ext uri="{28A0092B-C50C-407E-A947-70E740481C1C}">
+                <a14:useLocalDpi xmlns:a14="http://schemas.microsoft.com/office/drawing/2010/main" val="0"/>
+              </a:ext>
+            </a:extLst>
+          </a:blip>
+          <a:stretch>
+            <a:fillRect/>
+          </a:stretch>
+        </p:blipFill>
+        <p:spPr>
+          <a:xfrm>
+            <a:off x="0" y="0"/>
+            <a:ext cx="9144000" cy="3136392"/>
+          </a:xfrm>
+          <a:prstGeom prst="rect">
+            <a:avLst/>
+          </a:prstGeom>
+        </p:spPr>
+      </p:pic>
+    </p:spTree>
+    <p:extLst>
+      <p:ext uri="{BB962C8B-B14F-4D97-AF65-F5344CB8AC3E}">
+        <p14:creationId xmlns:p14="http://schemas.microsoft.com/office/powerpoint/2010/main" val="3734790940"/>
+      </p:ext>
+    </p:extLst>
+  </p:cSld>
+  <p:clrMapOvr>
+    <a:masterClrMapping/>
+  </p:clrMapOvr>
+  <p:timing>
+    <p:tnLst>
+      <p:par>
+        <p:cTn id="1" dur="indefinite" restart="never" nodeType="tmRoot"/>
+      </p:par>
+    </p:tnLst>
+  </p:timing>
+</p:sld>
+</file>
+
+<file path=ppt/slides/slide23.xml><?xml version="1.0" encoding="utf-8"?>
+<p:sld xmlns:a="http://schemas.openxmlformats.org/drawingml/2006/main" xmlns:r="http://schemas.openxmlformats.org/officeDocument/2006/relationships" xmlns:p="http://schemas.openxmlformats.org/presentationml/2006/main">
+  <p:cSld>
+    <p:spTree>
+      <p:nvGrpSpPr>
+        <p:cNvPr id="1" name=""/>
+        <p:cNvGrpSpPr/>
+        <p:nvPr/>
+      </p:nvGrpSpPr>
+      <p:grpSpPr>
+        <a:xfrm>
+          <a:off x="0" y="0"/>
+          <a:ext cx="0" cy="0"/>
+          <a:chOff x="0" y="0"/>
+          <a:chExt cx="0" cy="0"/>
+        </a:xfrm>
+      </p:grpSpPr>
+      <p:sp>
+        <p:nvSpPr>
+          <p:cNvPr id="2" name="Title 1"/>
+          <p:cNvSpPr>
+            <a:spLocks noGrp="1"/>
+          </p:cNvSpPr>
+          <p:nvPr>
+            <p:ph type="title"/>
+          </p:nvPr>
+        </p:nvSpPr>
+        <p:spPr/>
+        <p:txBody>
+          <a:bodyPr/>
+          <a:lstStyle/>
+          <a:p>
+            <a:endParaRPr lang="en-US"/>
+          </a:p>
+        </p:txBody>
+      </p:sp>
+      <p:sp>
+        <p:nvSpPr>
+          <p:cNvPr id="3" name="Content Placeholder 2"/>
+          <p:cNvSpPr>
+            <a:spLocks noGrp="1"/>
+          </p:cNvSpPr>
+          <p:nvPr>
+            <p:ph idx="1"/>
+          </p:nvPr>
+        </p:nvSpPr>
+        <p:spPr/>
+        <p:txBody>
+          <a:bodyPr/>
+          <a:lstStyle/>
+          <a:p>
+            <a:r>
+              <a:rPr lang="en-US" dirty="0" smtClean="0"/>
+              <a:t>Concentrate on </a:t>
+            </a:r>
+            <a:r>
+              <a:rPr lang="en-US" dirty="0" err="1" smtClean="0"/>
+              <a:t>Blackbox</a:t>
+            </a:r>
+            <a:r>
+              <a:rPr lang="en-US" dirty="0" smtClean="0"/>
+              <a:t> Tests</a:t>
+            </a:r>
+            <a:endParaRPr lang="en-US" dirty="0" smtClean="0"/>
+          </a:p>
+          <a:p>
+            <a:r>
+              <a:rPr lang="en-GB" dirty="0" smtClean="0"/>
+              <a:t>Identify the Communication endpoints</a:t>
+            </a:r>
+            <a:endParaRPr lang="en-US" dirty="0" smtClean="0"/>
+          </a:p>
+          <a:p>
+            <a:r>
+              <a:rPr lang="en-US" dirty="0" smtClean="0"/>
+              <a:t>Specify Green and Red Path Tests </a:t>
+            </a:r>
+            <a:endParaRPr lang="en-US" dirty="0" smtClean="0"/>
+          </a:p>
+          <a:p>
+            <a:r>
+              <a:rPr lang="en-GB" dirty="0" smtClean="0"/>
+              <a:t>Try to capture load scenarios</a:t>
+            </a:r>
+            <a:endParaRPr lang="en-US" dirty="0" smtClean="0"/>
+          </a:p>
+          <a:p>
+            <a:r>
+              <a:rPr lang="en-US" dirty="0" smtClean="0"/>
+              <a:t>Test fixtures</a:t>
+            </a:r>
+          </a:p>
+        </p:txBody>
+      </p:sp>
+    </p:spTree>
+    <p:extLst>
+      <p:ext uri="{BB962C8B-B14F-4D97-AF65-F5344CB8AC3E}">
+        <p14:creationId xmlns:p14="http://schemas.microsoft.com/office/powerpoint/2010/main" val="436650470"/>
+      </p:ext>
+    </p:extLst>
+  </p:cSld>
+  <p:clrMapOvr>
+    <a:masterClrMapping/>
+  </p:clrMapOvr>
+  <p:timing>
+    <p:tnLst>
+      <p:par>
+        <p:cTn id="1" dur="indefinite" restart="never" nodeType="tmRoot"/>
+      </p:par>
+    </p:tnLst>
+  </p:timing>
+</p:sld>
+</file>
+
+<file path=ppt/slides/slide24.xml><?xml version="1.0" encoding="utf-8"?>
+<p:sld xmlns:a="http://schemas.openxmlformats.org/drawingml/2006/main" xmlns:r="http://schemas.openxmlformats.org/officeDocument/2006/relationships" xmlns:p="http://schemas.openxmlformats.org/presentationml/2006/main">
+  <p:cSld>
+    <p:spTree>
+      <p:nvGrpSpPr>
+        <p:cNvPr id="1" name=""/>
+        <p:cNvGrpSpPr/>
+        <p:nvPr/>
+      </p:nvGrpSpPr>
+      <p:grpSpPr>
+        <a:xfrm>
+          <a:off x="0" y="0"/>
+          <a:ext cx="0" cy="0"/>
+          <a:chOff x="0" y="0"/>
+          <a:chExt cx="0" cy="0"/>
+        </a:xfrm>
+      </p:grpSpPr>
+      <p:sp>
+        <p:nvSpPr>
+          <p:cNvPr id="2" name="Title 1"/>
+          <p:cNvSpPr>
+            <a:spLocks noGrp="1"/>
+          </p:cNvSpPr>
+          <p:nvPr>
+            <p:ph type="title"/>
+          </p:nvPr>
+        </p:nvSpPr>
+        <p:spPr/>
+        <p:txBody>
+          <a:bodyPr/>
+          <a:lstStyle/>
+          <a:p>
+            <a:r>
+              <a:rPr lang="en-US" dirty="0" smtClean="0"/>
+              <a:t>Final Examples</a:t>
+            </a:r>
+            <a:endParaRPr lang="en-US" dirty="0"/>
+          </a:p>
+        </p:txBody>
+      </p:sp>
+      <p:sp>
+        <p:nvSpPr>
+          <p:cNvPr id="3" name="Text Placeholder 2"/>
+          <p:cNvSpPr>
+            <a:spLocks noGrp="1"/>
+          </p:cNvSpPr>
+          <p:nvPr>
+            <p:ph type="body" idx="1"/>
+          </p:nvPr>
+        </p:nvSpPr>
+        <p:spPr/>
+        <p:txBody>
+          <a:bodyPr/>
+          <a:lstStyle/>
+          <a:p>
+            <a:endParaRPr lang="en-US"/>
+          </a:p>
+        </p:txBody>
+      </p:sp>
+      <p:pic>
+        <p:nvPicPr>
+          <p:cNvPr id="4" name="Grafik 3"/>
+          <p:cNvPicPr>
+            <a:picLocks noChangeAspect="1"/>
+          </p:cNvPicPr>
+          <p:nvPr/>
+        </p:nvPicPr>
+        <p:blipFill>
+          <a:blip r:embed="rId2">
+            <a:extLst>
+              <a:ext uri="{28A0092B-C50C-407E-A947-70E740481C1C}">
+                <a14:useLocalDpi xmlns:a14="http://schemas.microsoft.com/office/drawing/2010/main" val="0"/>
+              </a:ext>
+            </a:extLst>
+          </a:blip>
+          <a:stretch>
+            <a:fillRect/>
+          </a:stretch>
+        </p:blipFill>
+        <p:spPr>
+          <a:xfrm>
+            <a:off x="0" y="0"/>
+            <a:ext cx="9144000" cy="3833813"/>
+          </a:xfrm>
+          <a:prstGeom prst="rect">
+            <a:avLst/>
+          </a:prstGeom>
+        </p:spPr>
+      </p:pic>
+    </p:spTree>
+    <p:extLst>
+      <p:ext uri="{BB962C8B-B14F-4D97-AF65-F5344CB8AC3E}">
+        <p14:creationId xmlns:p14="http://schemas.microsoft.com/office/powerpoint/2010/main" val="1677471093"/>
+      </p:ext>
+    </p:extLst>
+  </p:cSld>
+  <p:clrMapOvr>
+    <a:masterClrMapping/>
+  </p:clrMapOvr>
+  <p:timing>
+    <p:tnLst>
+      <p:par>
+        <p:cTn id="1" dur="indefinite" restart="never" nodeType="tmRoot"/>
+      </p:par>
+    </p:tnLst>
+  </p:timing>
+</p:sld>
+</file>
+
+<file path=ppt/slides/slide25.xml><?xml version="1.0" encoding="utf-8"?>
+<p:sld xmlns:a="http://schemas.openxmlformats.org/drawingml/2006/main" xmlns:r="http://schemas.openxmlformats.org/officeDocument/2006/relationships" xmlns:p="http://schemas.openxmlformats.org/presentationml/2006/main">
+  <p:cSld>
+    <p:spTree>
+      <p:nvGrpSpPr>
+        <p:cNvPr id="1" name=""/>
+        <p:cNvGrpSpPr/>
+        <p:nvPr/>
+      </p:nvGrpSpPr>
+      <p:grpSpPr>
+        <a:xfrm>
+          <a:off x="0" y="0"/>
+          <a:ext cx="0" cy="0"/>
+          <a:chOff x="0" y="0"/>
+          <a:chExt cx="0" cy="0"/>
+        </a:xfrm>
+      </p:grpSpPr>
+      <p:sp>
+        <p:nvSpPr>
+          <p:cNvPr id="2" name="Title 1"/>
+          <p:cNvSpPr>
+            <a:spLocks noGrp="1"/>
+          </p:cNvSpPr>
+          <p:nvPr>
+            <p:ph type="title"/>
+          </p:nvPr>
+        </p:nvSpPr>
+        <p:spPr/>
+        <p:txBody>
+          <a:bodyPr/>
+          <a:lstStyle/>
+          <a:p>
+            <a:r>
+              <a:rPr lang="en-GB" dirty="0" smtClean="0"/>
+              <a:t>A bigger </a:t>
+            </a:r>
+            <a:r>
+              <a:rPr lang="en-GB" dirty="0" err="1" smtClean="0"/>
+              <a:t>usecase</a:t>
+            </a:r>
+            <a:endParaRPr lang="en-US" dirty="0"/>
+          </a:p>
+        </p:txBody>
+      </p:sp>
+    </p:spTree>
+    <p:extLst>
+      <p:ext uri="{BB962C8B-B14F-4D97-AF65-F5344CB8AC3E}">
+        <p14:creationId xmlns:p14="http://schemas.microsoft.com/office/powerpoint/2010/main" val="1743436312"/>
+      </p:ext>
+    </p:extLst>
+  </p:cSld>
+  <p:clrMapOvr>
+    <a:masterClrMapping/>
+  </p:clrMapOvr>
+  <p:timing>
+    <p:tnLst>
+      <p:par>
+        <p:cTn id="1" dur="indefinite" restart="never" nodeType="tmRoot"/>
+      </p:par>
+    </p:tnLst>
+  </p:timing>
+</p:sld>
+</file>
+
+<file path=ppt/slides/slide26.xml><?xml version="1.0" encoding="utf-8"?>
+<p:sld xmlns:a="http://schemas.openxmlformats.org/drawingml/2006/main" xmlns:r="http://schemas.openxmlformats.org/officeDocument/2006/relationships" xmlns:p="http://schemas.openxmlformats.org/presentationml/2006/main">
+  <p:cSld>
+    <p:spTree>
+      <p:nvGrpSpPr>
+        <p:cNvPr id="1" name=""/>
+        <p:cNvGrpSpPr/>
+        <p:nvPr/>
+      </p:nvGrpSpPr>
+      <p:grpSpPr>
+        <a:xfrm>
+          <a:off x="0" y="0"/>
+          <a:ext cx="0" cy="0"/>
+          <a:chOff x="0" y="0"/>
+          <a:chExt cx="0" cy="0"/>
+        </a:xfrm>
+      </p:grpSpPr>
+      <p:sp>
+        <p:nvSpPr>
+          <p:cNvPr id="2" name="Titel 1"/>
+          <p:cNvSpPr>
+            <a:spLocks noGrp="1"/>
+          </p:cNvSpPr>
+          <p:nvPr>
+            <p:ph type="title"/>
+          </p:nvPr>
+        </p:nvSpPr>
+        <p:spPr/>
+        <p:txBody>
+          <a:bodyPr/>
+          <a:lstStyle/>
+          <a:p>
+            <a:r>
+              <a:rPr lang="en-GB" dirty="0" smtClean="0"/>
+              <a:t>Defining what to test</a:t>
+            </a:r>
+            <a:endParaRPr lang="en-US" dirty="0"/>
+          </a:p>
+        </p:txBody>
+      </p:sp>
+      <p:sp>
+        <p:nvSpPr>
+          <p:cNvPr id="3" name="Inhaltsplatzhalter 2"/>
+          <p:cNvSpPr>
+            <a:spLocks noGrp="1"/>
+          </p:cNvSpPr>
+          <p:nvPr>
+            <p:ph idx="1"/>
+          </p:nvPr>
+        </p:nvSpPr>
+        <p:spPr/>
+        <p:txBody>
+          <a:bodyPr/>
+          <a:lstStyle/>
+          <a:p>
+            <a:endParaRPr lang="en-US"/>
+          </a:p>
+        </p:txBody>
+      </p:sp>
+    </p:spTree>
+    <p:extLst>
+      <p:ext uri="{BB962C8B-B14F-4D97-AF65-F5344CB8AC3E}">
+        <p14:creationId xmlns:p14="http://schemas.microsoft.com/office/powerpoint/2010/main" val="2721359400"/>
+      </p:ext>
+    </p:extLst>
+  </p:cSld>
+  <p:clrMapOvr>
+    <a:masterClrMapping/>
+  </p:clrMapOvr>
+  <p:timing>
+    <p:tnLst>
+      <p:par>
+        <p:cTn id="1" dur="indefinite" restart="never" nodeType="tmRoot"/>
+      </p:par>
+    </p:tnLst>
+  </p:timing>
+</p:sld>
+</file>
+
+<file path=ppt/slides/slide27.xml><?xml version="1.0" encoding="utf-8"?>
+<p:sld xmlns:a="http://schemas.openxmlformats.org/drawingml/2006/main" xmlns:r="http://schemas.openxmlformats.org/officeDocument/2006/relationships" xmlns:p="http://schemas.openxmlformats.org/presentationml/2006/main">
+  <p:cSld>
+    <p:spTree>
+      <p:nvGrpSpPr>
+        <p:cNvPr id="1" name=""/>
+        <p:cNvGrpSpPr/>
+        <p:nvPr/>
+      </p:nvGrpSpPr>
+      <p:grpSpPr>
+        <a:xfrm>
+          <a:off x="0" y="0"/>
+          <a:ext cx="0" cy="0"/>
+          <a:chOff x="0" y="0"/>
+          <a:chExt cx="0" cy="0"/>
+        </a:xfrm>
+      </p:grpSpPr>
+      <p:sp>
+        <p:nvSpPr>
+          <p:cNvPr id="2" name="Title 1"/>
+          <p:cNvSpPr>
+            <a:spLocks noGrp="1"/>
+          </p:cNvSpPr>
+          <p:nvPr>
+            <p:ph type="title"/>
+          </p:nvPr>
+        </p:nvSpPr>
+        <p:spPr/>
+        <p:txBody>
+          <a:bodyPr/>
+          <a:lstStyle/>
+          <a:p>
+            <a:r>
+              <a:rPr lang="en-US" dirty="0" smtClean="0"/>
+              <a:t>Conclusion</a:t>
+            </a:r>
+            <a:br>
+              <a:rPr lang="en-US" dirty="0" smtClean="0"/>
+            </a:br>
+            <a:endParaRPr lang="en-US" dirty="0"/>
+          </a:p>
+        </p:txBody>
+      </p:sp>
+      <p:sp>
+        <p:nvSpPr>
+          <p:cNvPr id="3" name="Text Placeholder 2"/>
+          <p:cNvSpPr>
+            <a:spLocks noGrp="1"/>
+          </p:cNvSpPr>
+          <p:nvPr>
+            <p:ph type="body" idx="1"/>
+          </p:nvPr>
+        </p:nvSpPr>
+        <p:spPr/>
+        <p:txBody>
+          <a:bodyPr/>
+          <a:lstStyle/>
+          <a:p>
+            <a:endParaRPr lang="en-US"/>
+          </a:p>
+        </p:txBody>
+      </p:sp>
+      <p:pic>
+        <p:nvPicPr>
+          <p:cNvPr id="4" name="Grafik 3"/>
+          <p:cNvPicPr>
+            <a:picLocks noChangeAspect="1"/>
+          </p:cNvPicPr>
+          <p:nvPr/>
+        </p:nvPicPr>
+        <p:blipFill>
+          <a:blip r:embed="rId2">
+            <a:extLst>
+              <a:ext uri="{28A0092B-C50C-407E-A947-70E740481C1C}">
+                <a14:useLocalDpi xmlns:a14="http://schemas.microsoft.com/office/drawing/2010/main" val="0"/>
+              </a:ext>
+            </a:extLst>
+          </a:blip>
+          <a:stretch>
+            <a:fillRect/>
+          </a:stretch>
+        </p:blipFill>
+        <p:spPr>
+          <a:xfrm>
+            <a:off x="0" y="0"/>
+            <a:ext cx="9144000" cy="3833813"/>
+          </a:xfrm>
+          <a:prstGeom prst="rect">
+            <a:avLst/>
+          </a:prstGeom>
+        </p:spPr>
+      </p:pic>
+    </p:spTree>
+    <p:extLst>
+      <p:ext uri="{BB962C8B-B14F-4D97-AF65-F5344CB8AC3E}">
+        <p14:creationId xmlns:p14="http://schemas.microsoft.com/office/powerpoint/2010/main" val="2729286408"/>
+      </p:ext>
+    </p:extLst>
+  </p:cSld>
+  <p:clrMapOvr>
+    <a:masterClrMapping/>
+  </p:clrMapOvr>
+  <p:timing>
+    <p:tnLst>
+      <p:par>
+        <p:cTn id="1" dur="indefinite" restart="never" nodeType="tmRoot"/>
+      </p:par>
+    </p:tnLst>
+  </p:timing>
+</p:sld>
+</file>
+
+<file path=ppt/slides/slide28.xml><?xml version="1.0" encoding="utf-8"?>
+<p:sld xmlns:a="http://schemas.openxmlformats.org/drawingml/2006/main" xmlns:r="http://schemas.openxmlformats.org/officeDocument/2006/relationships" xmlns:p="http://schemas.openxmlformats.org/presentationml/2006/main">
+  <p:cSld>
+    <p:spTree>
+      <p:nvGrpSpPr>
+        <p:cNvPr id="1" name=""/>
+        <p:cNvGrpSpPr/>
+        <p:nvPr/>
+      </p:nvGrpSpPr>
+      <p:grpSpPr>
+        <a:xfrm>
+          <a:off x="0" y="0"/>
+          <a:ext cx="0" cy="0"/>
+          <a:chOff x="0" y="0"/>
+          <a:chExt cx="0" cy="0"/>
+        </a:xfrm>
+      </p:grpSpPr>
+      <p:sp>
+        <p:nvSpPr>
+          <p:cNvPr id="2" name="Title 1"/>
+          <p:cNvSpPr>
+            <a:spLocks noGrp="1"/>
+          </p:cNvSpPr>
+          <p:nvPr>
+            <p:ph type="title"/>
+          </p:nvPr>
+        </p:nvSpPr>
+        <p:spPr/>
+        <p:txBody>
+          <a:bodyPr/>
+          <a:lstStyle/>
+          <a:p>
+            <a:r>
+              <a:rPr lang="en-GB" dirty="0" smtClean="0"/>
+              <a:t>More to come…</a:t>
+            </a:r>
+            <a:endParaRPr lang="en-US" dirty="0"/>
+          </a:p>
+        </p:txBody>
+      </p:sp>
+      <p:sp>
+        <p:nvSpPr>
+          <p:cNvPr id="3" name="Text Placeholder 2"/>
+          <p:cNvSpPr>
+            <a:spLocks noGrp="1"/>
+          </p:cNvSpPr>
+          <p:nvPr>
+            <p:ph type="body" idx="1"/>
+          </p:nvPr>
+        </p:nvSpPr>
+        <p:spPr/>
+        <p:txBody>
+          <a:bodyPr/>
+          <a:lstStyle/>
+          <a:p>
+            <a:r>
+              <a:rPr lang="en-US" dirty="0" smtClean="0"/>
+              <a:t>Working</a:t>
+            </a:r>
+            <a:endParaRPr lang="en-US" dirty="0"/>
+          </a:p>
+        </p:txBody>
+      </p:sp>
+      <p:sp>
+        <p:nvSpPr>
+          <p:cNvPr id="4" name="Content Placeholder 3"/>
+          <p:cNvSpPr>
+            <a:spLocks noGrp="1"/>
+          </p:cNvSpPr>
+          <p:nvPr>
+            <p:ph sz="half" idx="2"/>
+          </p:nvPr>
+        </p:nvSpPr>
+        <p:spPr/>
+        <p:txBody>
+          <a:bodyPr/>
+          <a:lstStyle/>
+          <a:p>
+            <a:r>
+              <a:rPr lang="en-US" dirty="0" smtClean="0"/>
+              <a:t>Container Management</a:t>
+            </a:r>
+          </a:p>
+          <a:p>
+            <a:r>
+              <a:rPr lang="en-US" dirty="0" smtClean="0"/>
+              <a:t>Test Framework with easy hooks to </a:t>
+            </a:r>
+            <a:r>
+              <a:rPr lang="en-US" dirty="0" err="1" smtClean="0"/>
+              <a:t>CuT</a:t>
+            </a:r>
+            <a:endParaRPr lang="en-US" dirty="0" smtClean="0"/>
+          </a:p>
+          <a:p>
+            <a:r>
+              <a:rPr lang="en-US" dirty="0" smtClean="0"/>
+              <a:t>Implicit Test Context for </a:t>
+            </a:r>
+            <a:r>
+              <a:rPr lang="en-US" dirty="0" err="1" smtClean="0"/>
+              <a:t>Blackbox</a:t>
+            </a:r>
+            <a:r>
+              <a:rPr lang="en-US" dirty="0" smtClean="0"/>
+              <a:t> testing</a:t>
+            </a:r>
+          </a:p>
+          <a:p>
+            <a:r>
+              <a:rPr lang="en-US" dirty="0" smtClean="0"/>
+              <a:t>Syntactic sugar and support for Camel based black-</a:t>
+            </a:r>
+            <a:r>
+              <a:rPr lang="en-US" smtClean="0"/>
+              <a:t>box testing</a:t>
+            </a:r>
+            <a:endParaRPr lang="en-US" dirty="0"/>
+          </a:p>
+        </p:txBody>
+      </p:sp>
+      <p:sp>
+        <p:nvSpPr>
+          <p:cNvPr id="5" name="Text Placeholder 4"/>
+          <p:cNvSpPr>
+            <a:spLocks noGrp="1"/>
+          </p:cNvSpPr>
+          <p:nvPr>
+            <p:ph type="body" sz="quarter" idx="3"/>
+          </p:nvPr>
+        </p:nvSpPr>
+        <p:spPr/>
+        <p:txBody>
+          <a:bodyPr/>
+          <a:lstStyle/>
+          <a:p>
+            <a:r>
+              <a:rPr lang="en-US" dirty="0" err="1" smtClean="0"/>
+              <a:t>Wishlist</a:t>
+            </a:r>
+            <a:r>
+              <a:rPr lang="en-US" dirty="0" smtClean="0"/>
+              <a:t> / Issues</a:t>
+            </a:r>
+            <a:endParaRPr lang="en-US" dirty="0"/>
+          </a:p>
+        </p:txBody>
+      </p:sp>
+      <p:sp>
+        <p:nvSpPr>
+          <p:cNvPr id="6" name="Content Placeholder 5"/>
+          <p:cNvSpPr>
+            <a:spLocks noGrp="1"/>
+          </p:cNvSpPr>
+          <p:nvPr>
+            <p:ph sz="quarter" idx="4"/>
+          </p:nvPr>
+        </p:nvSpPr>
+        <p:spPr/>
+        <p:txBody>
+          <a:bodyPr>
+            <a:normAutofit lnSpcReduction="10000"/>
+          </a:bodyPr>
+          <a:lstStyle/>
+          <a:p>
+            <a:r>
+              <a:rPr lang="en-US" dirty="0" smtClean="0"/>
+              <a:t>More syntactic sugar for Conditions</a:t>
+            </a:r>
+          </a:p>
+          <a:p>
+            <a:r>
+              <a:rPr lang="en-US" dirty="0" smtClean="0"/>
+              <a:t>Networking issue on OS X</a:t>
+            </a:r>
+          </a:p>
+          <a:p>
+            <a:r>
+              <a:rPr lang="en-US" dirty="0" smtClean="0"/>
+              <a:t>Kill Containers throughout test for failover testing</a:t>
+            </a:r>
+          </a:p>
+          <a:p>
+            <a:r>
+              <a:rPr lang="en-US" dirty="0" smtClean="0"/>
+              <a:t>Leverage a hosting </a:t>
+            </a:r>
+            <a:r>
+              <a:rPr lang="en-US" dirty="0" err="1" smtClean="0"/>
+              <a:t>env</a:t>
+            </a:r>
+            <a:r>
+              <a:rPr lang="en-US" dirty="0" smtClean="0"/>
+              <a:t>. like </a:t>
+            </a:r>
+            <a:r>
+              <a:rPr lang="en-US" dirty="0" err="1" smtClean="0"/>
+              <a:t>Openshift</a:t>
+            </a:r>
+            <a:r>
+              <a:rPr lang="en-US" dirty="0" smtClean="0"/>
+              <a:t> to execute Containers under test</a:t>
+            </a:r>
+          </a:p>
+          <a:p>
+            <a:r>
+              <a:rPr lang="en-US" dirty="0" smtClean="0"/>
+              <a:t>Publish Test Framework as self-sufficient project</a:t>
+            </a:r>
+            <a:endParaRPr lang="en-US" dirty="0"/>
+          </a:p>
+        </p:txBody>
+      </p:sp>
+    </p:spTree>
+    <p:extLst>
+      <p:ext uri="{BB962C8B-B14F-4D97-AF65-F5344CB8AC3E}">
+        <p14:creationId xmlns:p14="http://schemas.microsoft.com/office/powerpoint/2010/main" val="1763098196"/>
+      </p:ext>
+    </p:extLst>
+  </p:cSld>
+  <p:clrMapOvr>
+    <a:masterClrMapping/>
+  </p:clrMapOvr>
+  <p:timing>
+    <p:tnLst>
+      <p:par>
+        <p:cTn id="1" dur="indefinite" restart="never" nodeType="tmRoot"/>
+      </p:par>
+    </p:tnLst>
+  </p:timing>
+</p:sld>
+</file>
+
+<file path=ppt/slides/slide3.xml><?xml version="1.0" encoding="utf-8"?>
+<p:sld xmlns:a="http://schemas.openxmlformats.org/drawingml/2006/main" xmlns:r="http://schemas.openxmlformats.org/officeDocument/2006/relationships" xmlns:p="http://schemas.openxmlformats.org/presentationml/2006/main">
+  <p:cSld>
+    <p:spTree>
+      <p:nvGrpSpPr>
+        <p:cNvPr id="1" name=""/>
+        <p:cNvGrpSpPr/>
+        <p:nvPr/>
+      </p:nvGrpSpPr>
+      <p:grpSpPr>
+        <a:xfrm>
+          <a:off x="0" y="0"/>
+          <a:ext cx="0" cy="0"/>
+          <a:chOff x="0" y="0"/>
+          <a:chExt cx="0" cy="0"/>
+        </a:xfrm>
+      </p:grpSpPr>
+      <p:sp>
+        <p:nvSpPr>
+          <p:cNvPr id="2" name="Title 1"/>
+          <p:cNvSpPr>
+            <a:spLocks noGrp="1"/>
+          </p:cNvSpPr>
+          <p:nvPr>
+            <p:ph type="title"/>
+          </p:nvPr>
+        </p:nvSpPr>
+        <p:spPr/>
+        <p:txBody>
+          <a:bodyPr/>
+          <a:lstStyle/>
+          <a:p>
+            <a:r>
+              <a:rPr lang="en-US" dirty="0" smtClean="0"/>
+              <a:t>Overview</a:t>
+            </a:r>
+            <a:endParaRPr lang="en-US" dirty="0"/>
+          </a:p>
+        </p:txBody>
+      </p:sp>
+      <p:sp>
+        <p:nvSpPr>
+          <p:cNvPr id="3" name="Content Placeholder 2"/>
+          <p:cNvSpPr>
+            <a:spLocks noGrp="1"/>
+          </p:cNvSpPr>
+          <p:nvPr>
+            <p:ph idx="1"/>
+          </p:nvPr>
+        </p:nvSpPr>
+        <p:spPr/>
+        <p:txBody>
+          <a:bodyPr/>
+          <a:lstStyle/>
+          <a:p>
+            <a:r>
+              <a:rPr lang="en-US" dirty="0" smtClean="0"/>
+              <a:t>Example Test</a:t>
+            </a:r>
+          </a:p>
+          <a:p>
+            <a:r>
+              <a:rPr lang="en-US" dirty="0" smtClean="0"/>
+              <a:t>Creating </a:t>
+            </a:r>
+            <a:r>
+              <a:rPr lang="en-US" dirty="0" err="1" smtClean="0"/>
+              <a:t>Docker</a:t>
+            </a:r>
+            <a:r>
+              <a:rPr lang="en-US" dirty="0" smtClean="0"/>
+              <a:t> Images</a:t>
+            </a:r>
+          </a:p>
+          <a:p>
+            <a:r>
+              <a:rPr lang="en-US" dirty="0" smtClean="0"/>
+              <a:t>The test framework</a:t>
+            </a:r>
+          </a:p>
+          <a:p>
+            <a:r>
+              <a:rPr lang="en-US" dirty="0" smtClean="0"/>
+              <a:t>Writing Tests</a:t>
+            </a:r>
+          </a:p>
+          <a:p>
+            <a:r>
+              <a:rPr lang="en-US" dirty="0" smtClean="0"/>
+              <a:t>Final Examples </a:t>
+            </a:r>
+          </a:p>
+          <a:p>
+            <a:r>
+              <a:rPr lang="en-US" dirty="0" smtClean="0"/>
+              <a:t>Conclusion</a:t>
+            </a:r>
+          </a:p>
+        </p:txBody>
+      </p:sp>
+    </p:spTree>
+    <p:extLst>
+      <p:ext uri="{BB962C8B-B14F-4D97-AF65-F5344CB8AC3E}">
+        <p14:creationId xmlns:p14="http://schemas.microsoft.com/office/powerpoint/2010/main" val="2403969455"/>
+      </p:ext>
+    </p:extLst>
+  </p:cSld>
+  <p:clrMapOvr>
+    <a:masterClrMapping/>
+  </p:clrMapOvr>
+  <p:timing>
+    <p:tnLst>
+      <p:par>
+        <p:cTn id="1" dur="indefinite" restart="never" nodeType="tmRoot"/>
+      </p:par>
+    </p:tnLst>
+  </p:timing>
+</p:sld>
+</file>
+
+<file path=ppt/slides/slide4.xml><?xml version="1.0" encoding="utf-8"?>
+<p:sld xmlns:a="http://schemas.openxmlformats.org/drawingml/2006/main" xmlns:r="http://schemas.openxmlformats.org/officeDocument/2006/relationships" xmlns:p="http://schemas.openxmlformats.org/presentationml/2006/main">
+  <p:cSld>
+    <p:spTree>
+      <p:nvGrpSpPr>
+        <p:cNvPr id="1" name=""/>
+        <p:cNvGrpSpPr/>
+        <p:nvPr/>
+      </p:nvGrpSpPr>
+      <p:grpSpPr>
+        <a:xfrm>
+          <a:off x="0" y="0"/>
+          <a:ext cx="0" cy="0"/>
+          <a:chOff x="0" y="0"/>
+          <a:chExt cx="0" cy="0"/>
+        </a:xfrm>
+      </p:grpSpPr>
+      <p:sp>
+        <p:nvSpPr>
+          <p:cNvPr id="2" name="Title 1"/>
+          <p:cNvSpPr>
+            <a:spLocks noGrp="1"/>
+          </p:cNvSpPr>
+          <p:nvPr>
+            <p:ph type="title"/>
+          </p:nvPr>
+        </p:nvSpPr>
+        <p:spPr/>
+        <p:txBody>
+          <a:bodyPr/>
+          <a:lstStyle/>
+          <a:p>
+            <a:r>
+              <a:rPr lang="en-US" dirty="0" smtClean="0"/>
+              <a:t>Example Test</a:t>
+            </a:r>
+            <a:endParaRPr lang="en-US" dirty="0"/>
+          </a:p>
+        </p:txBody>
+      </p:sp>
+      <p:sp>
+        <p:nvSpPr>
+          <p:cNvPr id="3" name="Text Placeholder 2"/>
+          <p:cNvSpPr>
+            <a:spLocks noGrp="1"/>
+          </p:cNvSpPr>
+          <p:nvPr>
+            <p:ph type="body" idx="1"/>
+          </p:nvPr>
+        </p:nvSpPr>
+        <p:spPr/>
+        <p:txBody>
+          <a:bodyPr/>
+          <a:lstStyle/>
+          <a:p>
+            <a:endParaRPr lang="en-US"/>
+          </a:p>
+        </p:txBody>
+      </p:sp>
+      <p:pic>
+        <p:nvPicPr>
+          <p:cNvPr id="5" name="Grafik 4"/>
+          <p:cNvPicPr>
+            <a:picLocks noChangeAspect="1"/>
+          </p:cNvPicPr>
+          <p:nvPr/>
+        </p:nvPicPr>
+        <p:blipFill>
+          <a:blip r:embed="rId2">
+            <a:extLst>
+              <a:ext uri="{28A0092B-C50C-407E-A947-70E740481C1C}">
+                <a14:useLocalDpi xmlns:a14="http://schemas.microsoft.com/office/drawing/2010/main" val="0"/>
+              </a:ext>
+            </a:extLst>
+          </a:blip>
+          <a:stretch>
+            <a:fillRect/>
+          </a:stretch>
+        </p:blipFill>
+        <p:spPr>
+          <a:xfrm>
+            <a:off x="0" y="0"/>
+            <a:ext cx="9144000" cy="3833813"/>
+          </a:xfrm>
+          <a:prstGeom prst="rect">
+            <a:avLst/>
+          </a:prstGeom>
+        </p:spPr>
+      </p:pic>
+    </p:spTree>
+    <p:extLst>
+      <p:ext uri="{BB962C8B-B14F-4D97-AF65-F5344CB8AC3E}">
+        <p14:creationId xmlns:p14="http://schemas.microsoft.com/office/powerpoint/2010/main" val="4143006224"/>
+      </p:ext>
+    </p:extLst>
+  </p:cSld>
+  <p:clrMapOvr>
+    <a:masterClrMapping/>
+  </p:clrMapOvr>
+  <p:timing>
+    <p:tnLst>
+      <p:par>
+        <p:cTn id="1" dur="indefinite" restart="never" nodeType="tmRoot"/>
+      </p:par>
+    </p:tnLst>
+  </p:timing>
+</p:sld>
+</file>
+
+<file path=ppt/slides/slide5.xml><?xml version="1.0" encoding="utf-8"?>
+<p:sld xmlns:a="http://schemas.openxmlformats.org/drawingml/2006/main" xmlns:r="http://schemas.openxmlformats.org/officeDocument/2006/relationships" xmlns:p="http://schemas.openxmlformats.org/presentationml/2006/main">
+  <p:cSld>
+    <p:spTree>
+      <p:nvGrpSpPr>
+        <p:cNvPr id="1" name=""/>
+        <p:cNvGrpSpPr/>
+        <p:nvPr/>
+      </p:nvGrpSpPr>
+      <p:grpSpPr>
+        <a:xfrm>
+          <a:off x="0" y="0"/>
+          <a:ext cx="0" cy="0"/>
+          <a:chOff x="0" y="0"/>
+          <a:chExt cx="0" cy="0"/>
+        </a:xfrm>
+      </p:grpSpPr>
+      <p:sp>
+        <p:nvSpPr>
+          <p:cNvPr id="2" name="Title 1"/>
+          <p:cNvSpPr>
+            <a:spLocks noGrp="1"/>
+          </p:cNvSpPr>
+          <p:nvPr>
+            <p:ph type="title"/>
+          </p:nvPr>
+        </p:nvSpPr>
+        <p:spPr/>
+        <p:txBody>
+          <a:bodyPr/>
+          <a:lstStyle/>
+          <a:p>
+            <a:r>
+              <a:rPr lang="en-US" dirty="0" smtClean="0"/>
+              <a:t>A sample container under test</a:t>
+            </a:r>
+            <a:endParaRPr lang="en-US" dirty="0"/>
+          </a:p>
+        </p:txBody>
+      </p:sp>
+      <p:sp>
+        <p:nvSpPr>
+          <p:cNvPr id="4" name="Content Placeholder 2"/>
+          <p:cNvSpPr>
+            <a:spLocks noGrp="1"/>
+          </p:cNvSpPr>
+          <p:nvPr>
+            <p:ph idx="1"/>
+          </p:nvPr>
+        </p:nvSpPr>
+        <p:spPr>
+          <a:xfrm>
+            <a:off x="457200" y="1600200"/>
+            <a:ext cx="8229600" cy="4525963"/>
+          </a:xfrm>
+        </p:spPr>
+        <p:txBody>
+          <a:bodyPr/>
+          <a:lstStyle/>
+          <a:p>
+            <a:r>
+              <a:rPr lang="en-US" dirty="0" err="1" smtClean="0"/>
+              <a:t>Bild</a:t>
+            </a:r>
+            <a:r>
+              <a:rPr lang="en-US" dirty="0" smtClean="0"/>
+              <a:t> </a:t>
+            </a:r>
+            <a:r>
+              <a:rPr lang="en-US" dirty="0" err="1" smtClean="0"/>
+              <a:t>fuer</a:t>
+            </a:r>
+            <a:r>
+              <a:rPr lang="en-US" dirty="0" smtClean="0"/>
+              <a:t> </a:t>
+            </a:r>
+            <a:r>
+              <a:rPr lang="en-US" dirty="0" err="1" smtClean="0"/>
+              <a:t>Beispiel</a:t>
+            </a:r>
+            <a:r>
+              <a:rPr lang="en-US" dirty="0" smtClean="0"/>
+              <a:t> Container </a:t>
+            </a:r>
+            <a:r>
+              <a:rPr lang="en-US" dirty="0" err="1" smtClean="0"/>
+              <a:t>einfuegen</a:t>
+            </a:r>
+            <a:r>
+              <a:rPr lang="en-US" dirty="0" smtClean="0"/>
+              <a:t> (Camel Route)</a:t>
+            </a:r>
+            <a:endParaRPr lang="en-US" dirty="0" smtClean="0"/>
+          </a:p>
+        </p:txBody>
+      </p:sp>
+    </p:spTree>
+    <p:extLst>
+      <p:ext uri="{BB962C8B-B14F-4D97-AF65-F5344CB8AC3E}">
+        <p14:creationId xmlns:p14="http://schemas.microsoft.com/office/powerpoint/2010/main" val="3149887318"/>
+      </p:ext>
+    </p:extLst>
+  </p:cSld>
+  <p:clrMapOvr>
+    <a:masterClrMapping/>
+  </p:clrMapOvr>
+  <p:timing>
+    <p:tnLst>
+      <p:par>
+        <p:cTn id="1" dur="indefinite" restart="never" nodeType="tmRoot"/>
+      </p:par>
+    </p:tnLst>
+  </p:timing>
+</p:sld>
+</file>
+
+<file path=ppt/slides/slide6.xml><?xml version="1.0" encoding="utf-8"?>
+<p:sld xmlns:a="http://schemas.openxmlformats.org/drawingml/2006/main" xmlns:r="http://schemas.openxmlformats.org/officeDocument/2006/relationships" xmlns:p="http://schemas.openxmlformats.org/presentationml/2006/main">
+  <p:cSld>
+    <p:spTree>
+      <p:nvGrpSpPr>
+        <p:cNvPr id="1" name=""/>
+        <p:cNvGrpSpPr/>
+        <p:nvPr/>
+      </p:nvGrpSpPr>
+      <p:grpSpPr>
+        <a:xfrm>
+          <a:off x="0" y="0"/>
+          <a:ext cx="0" cy="0"/>
+          <a:chOff x="0" y="0"/>
+          <a:chExt cx="0" cy="0"/>
+        </a:xfrm>
+      </p:grpSpPr>
+      <p:sp>
+        <p:nvSpPr>
+          <p:cNvPr id="2" name="Title 1"/>
+          <p:cNvSpPr>
+            <a:spLocks noGrp="1"/>
+          </p:cNvSpPr>
+          <p:nvPr>
+            <p:ph type="title"/>
+          </p:nvPr>
+        </p:nvSpPr>
+        <p:spPr/>
+        <p:txBody>
+          <a:bodyPr/>
+          <a:lstStyle/>
+          <a:p>
+            <a:r>
+              <a:rPr lang="en-US" dirty="0" smtClean="0"/>
+              <a:t>An example test</a:t>
+            </a:r>
+            <a:endParaRPr lang="en-US" dirty="0"/>
+          </a:p>
+        </p:txBody>
+      </p:sp>
+      <p:pic>
+        <p:nvPicPr>
+          <p:cNvPr id="6" name="Picture 5"/>
+          <p:cNvPicPr>
+            <a:picLocks noChangeAspect="1"/>
+          </p:cNvPicPr>
+          <p:nvPr/>
+        </p:nvPicPr>
+        <p:blipFill>
+          <a:blip r:embed="rId3"/>
+          <a:stretch>
+            <a:fillRect/>
+          </a:stretch>
+        </p:blipFill>
+        <p:spPr>
+          <a:xfrm>
+            <a:off x="931530" y="1532393"/>
+            <a:ext cx="7376689" cy="5056106"/>
+          </a:xfrm>
+          <a:prstGeom prst="rect">
+            <a:avLst/>
+          </a:prstGeom>
+        </p:spPr>
+      </p:pic>
+    </p:spTree>
+    <p:extLst>
+      <p:ext uri="{BB962C8B-B14F-4D97-AF65-F5344CB8AC3E}">
+        <p14:creationId xmlns:p14="http://schemas.microsoft.com/office/powerpoint/2010/main" val="1113462855"/>
+      </p:ext>
+    </p:extLst>
+  </p:cSld>
+  <p:clrMapOvr>
+    <a:masterClrMapping/>
+  </p:clrMapOvr>
+  <p:timing>
+    <p:tnLst>
+      <p:par>
+        <p:cTn id="1" dur="indefinite" restart="never" nodeType="tmRoot"/>
+      </p:par>
+    </p:tnLst>
+  </p:timing>
+</p:sld>
+</file>
+
+<file path=ppt/slides/slide7.xml><?xml version="1.0" encoding="utf-8"?>
+<p:sld xmlns:a="http://schemas.openxmlformats.org/drawingml/2006/main" xmlns:r="http://schemas.openxmlformats.org/officeDocument/2006/relationships" xmlns:p="http://schemas.openxmlformats.org/presentationml/2006/main">
+  <p:cSld>
+    <p:spTree>
+      <p:nvGrpSpPr>
+        <p:cNvPr id="1" name=""/>
+        <p:cNvGrpSpPr/>
+        <p:nvPr/>
+      </p:nvGrpSpPr>
+      <p:grpSpPr>
+        <a:xfrm>
+          <a:off x="0" y="0"/>
+          <a:ext cx="0" cy="0"/>
+          <a:chOff x="0" y="0"/>
+          <a:chExt cx="0" cy="0"/>
+        </a:xfrm>
+      </p:grpSpPr>
+      <p:sp>
+        <p:nvSpPr>
+          <p:cNvPr id="2" name="Title 1"/>
+          <p:cNvSpPr>
+            <a:spLocks noGrp="1"/>
+          </p:cNvSpPr>
+          <p:nvPr>
+            <p:ph type="title"/>
+          </p:nvPr>
+        </p:nvSpPr>
+        <p:spPr/>
+        <p:txBody>
+          <a:bodyPr/>
+          <a:lstStyle/>
+          <a:p>
+            <a:r>
+              <a:rPr lang="en-US" dirty="0" smtClean="0"/>
+              <a:t>The example test context</a:t>
+            </a:r>
+            <a:endParaRPr lang="en-US" dirty="0"/>
+          </a:p>
+        </p:txBody>
+      </p:sp>
+      <p:pic>
+        <p:nvPicPr>
+          <p:cNvPr id="4" name="Picture 3"/>
+          <p:cNvPicPr>
+            <a:picLocks noChangeAspect="1"/>
+          </p:cNvPicPr>
+          <p:nvPr/>
+        </p:nvPicPr>
+        <p:blipFill>
+          <a:blip r:embed="rId2"/>
+          <a:stretch>
+            <a:fillRect/>
+          </a:stretch>
+        </p:blipFill>
+        <p:spPr>
+          <a:xfrm>
+            <a:off x="0" y="2020637"/>
+            <a:ext cx="9144000" cy="1843548"/>
+          </a:xfrm>
+          <a:prstGeom prst="rect">
+            <a:avLst/>
+          </a:prstGeom>
+        </p:spPr>
+      </p:pic>
+      <p:sp>
+        <p:nvSpPr>
+          <p:cNvPr id="5" name="Content Placeholder 2"/>
+          <p:cNvSpPr>
+            <a:spLocks noGrp="1"/>
+          </p:cNvSpPr>
+          <p:nvPr>
+            <p:ph idx="1"/>
+          </p:nvPr>
+        </p:nvSpPr>
+        <p:spPr>
+          <a:xfrm>
+            <a:off x="457200" y="3997234"/>
+            <a:ext cx="8229600" cy="2651443"/>
+          </a:xfrm>
+        </p:spPr>
+        <p:txBody>
+          <a:bodyPr/>
+          <a:lstStyle/>
+          <a:p>
+            <a:r>
+              <a:rPr lang="en-US" dirty="0" err="1" smtClean="0"/>
+              <a:t>Bild</a:t>
+            </a:r>
+            <a:r>
+              <a:rPr lang="en-US" dirty="0" smtClean="0"/>
+              <a:t> </a:t>
+            </a:r>
+            <a:r>
+              <a:rPr lang="en-US" dirty="0" err="1" smtClean="0"/>
+              <a:t>korrigieren</a:t>
+            </a:r>
+            <a:r>
+              <a:rPr lang="en-US" dirty="0" smtClean="0"/>
+              <a:t> (</a:t>
+            </a:r>
+            <a:r>
+              <a:rPr lang="en-US" dirty="0" err="1" smtClean="0"/>
+              <a:t>Zeilenumbruch</a:t>
+            </a:r>
+            <a:r>
+              <a:rPr lang="en-US" dirty="0" smtClean="0"/>
+              <a:t>)</a:t>
+            </a:r>
+            <a:endParaRPr lang="en-US" dirty="0" smtClean="0"/>
+          </a:p>
+        </p:txBody>
+      </p:sp>
+    </p:spTree>
+    <p:extLst>
+      <p:ext uri="{BB962C8B-B14F-4D97-AF65-F5344CB8AC3E}">
+        <p14:creationId xmlns:p14="http://schemas.microsoft.com/office/powerpoint/2010/main" val="200020528"/>
+      </p:ext>
+    </p:extLst>
+  </p:cSld>
+  <p:clrMapOvr>
+    <a:masterClrMapping/>
+  </p:clrMapOvr>
+  <p:timing>
+    <p:tnLst>
+      <p:par>
+        <p:cTn id="1" dur="indefinite" restart="never" nodeType="tmRoot"/>
+      </p:par>
+    </p:tnLst>
+  </p:timing>
+</p:sld>
+</file>
+
+<file path=ppt/slides/slide8.xml><?xml version="1.0" encoding="utf-8"?>
+<p:sld xmlns:a="http://schemas.openxmlformats.org/drawingml/2006/main" xmlns:r="http://schemas.openxmlformats.org/officeDocument/2006/relationships" xmlns:p="http://schemas.openxmlformats.org/presentationml/2006/main">
+  <p:cSld>
+    <p:spTree>
+      <p:nvGrpSpPr>
+        <p:cNvPr id="1" name=""/>
+        <p:cNvGrpSpPr/>
+        <p:nvPr/>
+      </p:nvGrpSpPr>
+      <p:grpSpPr>
+        <a:xfrm>
+          <a:off x="0" y="0"/>
+          <a:ext cx="0" cy="0"/>
+          <a:chOff x="0" y="0"/>
+          <a:chExt cx="0" cy="0"/>
+        </a:xfrm>
+      </p:grpSpPr>
+      <p:sp>
+        <p:nvSpPr>
+          <p:cNvPr id="2" name="Title 1"/>
+          <p:cNvSpPr>
+            <a:spLocks noGrp="1"/>
+          </p:cNvSpPr>
+          <p:nvPr>
+            <p:ph type="title"/>
+          </p:nvPr>
+        </p:nvSpPr>
+        <p:spPr/>
+        <p:txBody>
+          <a:bodyPr/>
+          <a:lstStyle/>
+          <a:p>
+            <a:r>
+              <a:rPr lang="en-US" dirty="0" smtClean="0"/>
+              <a:t>Providing the JMS connection</a:t>
+            </a:r>
+            <a:endParaRPr lang="en-US" dirty="0"/>
+          </a:p>
+        </p:txBody>
+      </p:sp>
+      <p:pic>
+        <p:nvPicPr>
+          <p:cNvPr id="4" name="Picture 3"/>
+          <p:cNvPicPr>
+            <a:picLocks noChangeAspect="1"/>
+          </p:cNvPicPr>
+          <p:nvPr/>
+        </p:nvPicPr>
+        <p:blipFill>
+          <a:blip r:embed="rId2"/>
+          <a:stretch>
+            <a:fillRect/>
+          </a:stretch>
+        </p:blipFill>
+        <p:spPr>
+          <a:xfrm>
+            <a:off x="1380309" y="1951924"/>
+            <a:ext cx="6527800" cy="2514600"/>
+          </a:xfrm>
+          <a:prstGeom prst="rect">
+            <a:avLst/>
+          </a:prstGeom>
+        </p:spPr>
+      </p:pic>
+    </p:spTree>
+    <p:extLst>
+      <p:ext uri="{BB962C8B-B14F-4D97-AF65-F5344CB8AC3E}">
+        <p14:creationId xmlns:p14="http://schemas.microsoft.com/office/powerpoint/2010/main" val="623623418"/>
+      </p:ext>
+    </p:extLst>
+  </p:cSld>
+  <p:clrMapOvr>
+    <a:masterClrMapping/>
+  </p:clrMapOvr>
+  <p:timing>
+    <p:tnLst>
+      <p:par>
+        <p:cTn id="1" dur="indefinite" restart="never" nodeType="tmRoot"/>
+      </p:par>
+    </p:tnLst>
+  </p:timing>
+</p:sld>
+</file>
+
+<file path=ppt/slides/slide9.xml><?xml version="1.0" encoding="utf-8"?>
+<p:sld xmlns:a="http://schemas.openxmlformats.org/drawingml/2006/main" xmlns:r="http://schemas.openxmlformats.org/officeDocument/2006/relationships" xmlns:p="http://schemas.openxmlformats.org/presentationml/2006/main">
+  <p:cSld>
+    <p:spTree>
+      <p:nvGrpSpPr>
+        <p:cNvPr id="1" name=""/>
+        <p:cNvGrpSpPr/>
+        <p:nvPr/>
+      </p:nvGrpSpPr>
+      <p:grpSpPr>
+        <a:xfrm>
+          <a:off x="0" y="0"/>
+          <a:ext cx="0" cy="0"/>
+          <a:chOff x="0" y="0"/>
+          <a:chExt cx="0" cy="0"/>
+        </a:xfrm>
+      </p:grpSpPr>
+      <p:sp>
+        <p:nvSpPr>
+          <p:cNvPr id="2" name="Title 1"/>
+          <p:cNvSpPr>
+            <a:spLocks noGrp="1"/>
+          </p:cNvSpPr>
+          <p:nvPr>
+            <p:ph type="title"/>
+          </p:nvPr>
+        </p:nvSpPr>
+        <p:spPr/>
+        <p:txBody>
+          <a:bodyPr/>
+          <a:lstStyle/>
+          <a:p>
+            <a:r>
+              <a:rPr lang="en-US" dirty="0" smtClean="0"/>
+              <a:t>The container under test</a:t>
+            </a:r>
+            <a:endParaRPr lang="en-US" dirty="0"/>
+          </a:p>
+        </p:txBody>
+      </p:sp>
+      <p:pic>
+        <p:nvPicPr>
+          <p:cNvPr id="4" name="Picture 3"/>
+          <p:cNvPicPr>
+            <a:picLocks noChangeAspect="1"/>
+          </p:cNvPicPr>
+          <p:nvPr/>
+        </p:nvPicPr>
+        <p:blipFill>
+          <a:blip r:embed="rId2"/>
+          <a:stretch>
+            <a:fillRect/>
+          </a:stretch>
+        </p:blipFill>
+        <p:spPr>
+          <a:xfrm>
+            <a:off x="309151" y="1524000"/>
+            <a:ext cx="4635500" cy="4826000"/>
+          </a:xfrm>
+          <a:prstGeom prst="rect">
+            <a:avLst/>
+          </a:prstGeom>
+        </p:spPr>
+      </p:pic>
+      <p:sp>
+        <p:nvSpPr>
+          <p:cNvPr id="5" name="Content Placeholder 2"/>
+          <p:cNvSpPr>
+            <a:spLocks noGrp="1"/>
+          </p:cNvSpPr>
+          <p:nvPr>
+            <p:ph idx="1"/>
+          </p:nvPr>
+        </p:nvSpPr>
+        <p:spPr>
+          <a:xfrm>
+            <a:off x="5050970" y="1521823"/>
+            <a:ext cx="3971109" cy="4828177"/>
+          </a:xfrm>
+        </p:spPr>
+        <p:txBody>
+          <a:bodyPr/>
+          <a:lstStyle/>
+          <a:p>
+            <a:r>
+              <a:rPr lang="en-US" dirty="0" err="1" smtClean="0"/>
+              <a:t>Docker</a:t>
+            </a:r>
+            <a:r>
+              <a:rPr lang="en-US" dirty="0" smtClean="0"/>
+              <a:t> Connector</a:t>
+            </a:r>
+          </a:p>
+          <a:p>
+            <a:endParaRPr lang="en-GB" dirty="0"/>
+          </a:p>
+          <a:p>
+            <a:endParaRPr lang="en-GB" dirty="0" smtClean="0"/>
+          </a:p>
+          <a:p>
+            <a:r>
+              <a:rPr lang="en-GB" dirty="0" smtClean="0"/>
+              <a:t>Container Reference</a:t>
+            </a:r>
+          </a:p>
+          <a:p>
+            <a:r>
+              <a:rPr lang="en-GB" dirty="0" smtClean="0"/>
+              <a:t>Exported Volumes</a:t>
+            </a:r>
+          </a:p>
+          <a:p>
+            <a:endParaRPr lang="en-GB" dirty="0"/>
+          </a:p>
+          <a:p>
+            <a:r>
+              <a:rPr lang="en-GB" dirty="0" smtClean="0"/>
+              <a:t>Exported ports</a:t>
+            </a:r>
+            <a:endParaRPr lang="en-US" dirty="0" smtClean="0"/>
+          </a:p>
+        </p:txBody>
+      </p:sp>
+    </p:spTree>
+    <p:extLst>
+      <p:ext uri="{BB962C8B-B14F-4D97-AF65-F5344CB8AC3E}">
+        <p14:creationId xmlns:p14="http://schemas.microsoft.com/office/powerpoint/2010/main" val="350588830"/>
+      </p:ext>
+    </p:extLst>
+  </p:cSld>
+  <p:clrMapOvr>
+    <a:masterClrMapping/>
+  </p:clrMapOvr>
+  <p:timing>
+    <p:tnLst>
+      <p:par>
+        <p:cTn id="1" dur="indefinite" restart="never" nodeType="tmRoot"/>
       </p:par>
     </p:tnLst>
   </p:timing>

--- a/media/IntegrationTesting.pptx
+++ b/media/IntegrationTesting.pptx
@@ -37,7 +37,7 @@
     <p:sldId id="263" r:id="rId28"/>
     <p:sldId id="274" r:id="rId29"/>
   </p:sldIdLst>
-  <p:sldSz cx="9144000" cy="6858000" type="screen4x3"/>
+  <p:sldSz cx="9144000" cy="5143500" type="screen16x9"/>
   <p:notesSz cx="6858000" cy="9144000"/>
   <p:defaultTextStyle>
     <a:defPPr>
@@ -136,7 +136,7 @@
   </p:defaultTextStyle>
   <p:extLst>
     <p:ext uri="{EFAFB233-063F-42B5-8137-9DF3F51BA10A}">
-      <p15:sldGuideLst xmlns:p15="http://schemas.microsoft.com/office/powerpoint/2012/main">
+      <p15:sldGuideLst xmlns:p15="http://schemas.microsoft.com/office/powerpoint/2012/main" xmlns="">
         <p15:guide id="1" orient="horz" pos="2160">
           <p15:clr>
             <a:srgbClr val="A4A3A4"/>
@@ -235,7 +235,7 @@
           <a:p>
             <a:fld id="{7A4BB628-9B63-1E43-9AE4-11E885AA5208}" type="datetimeFigureOut">
               <a:rPr lang="en-US" smtClean="0"/>
-              <a:t>11/10/2014</a:t>
+              <a:t>10/11/14</a:t>
             </a:fld>
             <a:endParaRPr lang="en-US"/>
           </a:p>
@@ -253,8 +253,8 @@
         </p:nvSpPr>
         <p:spPr>
           <a:xfrm>
-            <a:off x="1143000" y="685800"/>
-            <a:ext cx="4572000" cy="3429000"/>
+            <a:off x="381000" y="685800"/>
+            <a:ext cx="6096000" cy="3429000"/>
           </a:xfrm>
           <a:prstGeom prst="rect">
             <a:avLst/>
@@ -394,7 +394,7 @@
           <a:p>
             <a:fld id="{DE6F8740-6ED4-7648-895A-FD7204BCC1ED}" type="slidenum">
               <a:rPr lang="en-US" smtClean="0"/>
-              <a:t>‹Nr.›</a:t>
+              <a:t>‹#›</a:t>
             </a:fld>
             <a:endParaRPr lang="en-US"/>
           </a:p>
@@ -530,7 +530,12 @@
             <p:ph type="sldImg"/>
           </p:nvPr>
         </p:nvSpPr>
-        <p:spPr/>
+        <p:spPr>
+          <a:xfrm>
+            <a:off x="381000" y="685800"/>
+            <a:ext cx="6096000" cy="3429000"/>
+          </a:xfrm>
+        </p:spPr>
       </p:sp>
       <p:sp>
         <p:nvSpPr>
@@ -645,7 +650,12 @@
             <p:ph type="sldImg"/>
           </p:nvPr>
         </p:nvSpPr>
-        <p:spPr/>
+        <p:spPr>
+          <a:xfrm>
+            <a:off x="381000" y="685800"/>
+            <a:ext cx="6096000" cy="3429000"/>
+          </a:xfrm>
+        </p:spPr>
       </p:sp>
       <p:sp>
         <p:nvSpPr>
@@ -748,7 +758,12 @@
             <p:ph type="sldImg"/>
           </p:nvPr>
         </p:nvSpPr>
-        <p:spPr/>
+        <p:spPr>
+          <a:xfrm>
+            <a:off x="381000" y="685800"/>
+            <a:ext cx="6096000" cy="3429000"/>
+          </a:xfrm>
+        </p:spPr>
       </p:sp>
       <p:sp>
         <p:nvSpPr>
@@ -844,7 +859,12 @@
             <p:ph type="sldImg"/>
           </p:nvPr>
         </p:nvSpPr>
-        <p:spPr/>
+        <p:spPr>
+          <a:xfrm>
+            <a:off x="381000" y="685800"/>
+            <a:ext cx="6096000" cy="3429000"/>
+          </a:xfrm>
+        </p:spPr>
       </p:sp>
       <p:sp>
         <p:nvSpPr>
@@ -940,7 +960,12 @@
             <p:ph type="sldImg"/>
           </p:nvPr>
         </p:nvSpPr>
-        <p:spPr/>
+        <p:spPr>
+          <a:xfrm>
+            <a:off x="381000" y="685800"/>
+            <a:ext cx="6096000" cy="3429000"/>
+          </a:xfrm>
+        </p:spPr>
       </p:sp>
       <p:sp>
         <p:nvSpPr>
@@ -1038,8 +1063,8 @@
         </p:nvSpPr>
         <p:spPr>
           <a:xfrm>
-            <a:off x="685800" y="2130425"/>
-            <a:ext cx="7772400" cy="1470025"/>
+            <a:off x="685800" y="1597819"/>
+            <a:ext cx="7772400" cy="1102519"/>
           </a:xfrm>
         </p:spPr>
         <p:txBody>
@@ -1066,8 +1091,8 @@
         </p:nvSpPr>
         <p:spPr>
           <a:xfrm>
-            <a:off x="1371600" y="3886200"/>
-            <a:ext cx="6400800" cy="1752600"/>
+            <a:off x="1371600" y="2914650"/>
+            <a:ext cx="6400800" cy="1314450"/>
           </a:xfrm>
         </p:spPr>
         <p:txBody>
@@ -1190,7 +1215,7 @@
           <a:p>
             <a:fld id="{F99B854D-7ADB-7140-951F-D87B07F179DC}" type="datetimeFigureOut">
               <a:rPr lang="en-US" smtClean="0"/>
-              <a:t>11/10/2014</a:t>
+              <a:t>10/11/14</a:t>
             </a:fld>
             <a:endParaRPr lang="en-US"/>
           </a:p>
@@ -1232,7 +1257,7 @@
           <a:p>
             <a:fld id="{E62405EC-0106-3746-9CC3-78C21A620128}" type="slidenum">
               <a:rPr lang="en-US" smtClean="0"/>
-              <a:t>‹Nr.›</a:t>
+              <a:t>‹#›</a:t>
             </a:fld>
             <a:endParaRPr lang="en-US"/>
           </a:p>
@@ -1360,7 +1385,7 @@
           <a:p>
             <a:fld id="{F99B854D-7ADB-7140-951F-D87B07F179DC}" type="datetimeFigureOut">
               <a:rPr lang="en-US" smtClean="0"/>
-              <a:t>11/10/2014</a:t>
+              <a:t>10/11/14</a:t>
             </a:fld>
             <a:endParaRPr lang="en-US"/>
           </a:p>
@@ -1402,7 +1427,7 @@
           <a:p>
             <a:fld id="{E62405EC-0106-3746-9CC3-78C21A620128}" type="slidenum">
               <a:rPr lang="en-US" smtClean="0"/>
-              <a:t>‹Nr.›</a:t>
+              <a:t>‹#›</a:t>
             </a:fld>
             <a:endParaRPr lang="en-US"/>
           </a:p>
@@ -1450,8 +1475,8 @@
         </p:nvSpPr>
         <p:spPr>
           <a:xfrm>
-            <a:off x="6629400" y="274638"/>
-            <a:ext cx="2057400" cy="5851525"/>
+            <a:off x="6629400" y="205979"/>
+            <a:ext cx="2057400" cy="4388644"/>
           </a:xfrm>
         </p:spPr>
         <p:txBody>
@@ -1478,8 +1503,8 @@
         </p:nvSpPr>
         <p:spPr>
           <a:xfrm>
-            <a:off x="457200" y="274638"/>
-            <a:ext cx="6019800" cy="5851525"/>
+            <a:off x="457200" y="205979"/>
+            <a:ext cx="6019800" cy="4388644"/>
           </a:xfrm>
         </p:spPr>
         <p:txBody>
@@ -1540,7 +1565,7 @@
           <a:p>
             <a:fld id="{F99B854D-7ADB-7140-951F-D87B07F179DC}" type="datetimeFigureOut">
               <a:rPr lang="en-US" smtClean="0"/>
-              <a:t>11/10/2014</a:t>
+              <a:t>10/11/14</a:t>
             </a:fld>
             <a:endParaRPr lang="en-US"/>
           </a:p>
@@ -1582,7 +1607,7 @@
           <a:p>
             <a:fld id="{E62405EC-0106-3746-9CC3-78C21A620128}" type="slidenum">
               <a:rPr lang="en-US" smtClean="0"/>
-              <a:t>‹Nr.›</a:t>
+              <a:t>‹#›</a:t>
             </a:fld>
             <a:endParaRPr lang="en-US"/>
           </a:p>
@@ -1710,7 +1735,7 @@
           <a:p>
             <a:fld id="{F99B854D-7ADB-7140-951F-D87B07F179DC}" type="datetimeFigureOut">
               <a:rPr lang="en-US" smtClean="0"/>
-              <a:t>11/10/2014</a:t>
+              <a:t>10/11/14</a:t>
             </a:fld>
             <a:endParaRPr lang="en-US"/>
           </a:p>
@@ -1752,7 +1777,7 @@
           <a:p>
             <a:fld id="{E62405EC-0106-3746-9CC3-78C21A620128}" type="slidenum">
               <a:rPr lang="en-US" smtClean="0"/>
-              <a:t>‹Nr.›</a:t>
+              <a:t>‹#›</a:t>
             </a:fld>
             <a:endParaRPr lang="en-US"/>
           </a:p>
@@ -1800,8 +1825,8 @@
         </p:nvSpPr>
         <p:spPr>
           <a:xfrm>
-            <a:off x="722313" y="4406900"/>
-            <a:ext cx="7772400" cy="1362075"/>
+            <a:off x="722313" y="3305176"/>
+            <a:ext cx="7772400" cy="1021556"/>
           </a:xfrm>
         </p:spPr>
         <p:txBody>
@@ -1832,8 +1857,8 @@
         </p:nvSpPr>
         <p:spPr>
           <a:xfrm>
-            <a:off x="722313" y="2906713"/>
-            <a:ext cx="7772400" cy="1500187"/>
+            <a:off x="722313" y="2180035"/>
+            <a:ext cx="7772400" cy="1125140"/>
           </a:xfrm>
         </p:spPr>
         <p:txBody>
@@ -1956,7 +1981,7 @@
           <a:p>
             <a:fld id="{F99B854D-7ADB-7140-951F-D87B07F179DC}" type="datetimeFigureOut">
               <a:rPr lang="en-US" smtClean="0"/>
-              <a:t>11/10/2014</a:t>
+              <a:t>10/11/14</a:t>
             </a:fld>
             <a:endParaRPr lang="en-US"/>
           </a:p>
@@ -1998,7 +2023,7 @@
           <a:p>
             <a:fld id="{E62405EC-0106-3746-9CC3-78C21A620128}" type="slidenum">
               <a:rPr lang="en-US" smtClean="0"/>
-              <a:t>‹Nr.›</a:t>
+              <a:t>‹#›</a:t>
             </a:fld>
             <a:endParaRPr lang="en-US"/>
           </a:p>
@@ -2069,8 +2094,8 @@
         </p:nvSpPr>
         <p:spPr>
           <a:xfrm>
-            <a:off x="457200" y="1600200"/>
-            <a:ext cx="4038600" cy="4525963"/>
+            <a:off x="457200" y="1200151"/>
+            <a:ext cx="4038600" cy="3394472"/>
           </a:xfrm>
         </p:spPr>
         <p:txBody>
@@ -2154,8 +2179,8 @@
         </p:nvSpPr>
         <p:spPr>
           <a:xfrm>
-            <a:off x="4648200" y="1600200"/>
-            <a:ext cx="4038600" cy="4525963"/>
+            <a:off x="4648200" y="1200151"/>
+            <a:ext cx="4038600" cy="3394472"/>
           </a:xfrm>
         </p:spPr>
         <p:txBody>
@@ -2244,7 +2269,7 @@
           <a:p>
             <a:fld id="{F99B854D-7ADB-7140-951F-D87B07F179DC}" type="datetimeFigureOut">
               <a:rPr lang="en-US" smtClean="0"/>
-              <a:t>11/10/2014</a:t>
+              <a:t>10/11/14</a:t>
             </a:fld>
             <a:endParaRPr lang="en-US"/>
           </a:p>
@@ -2286,7 +2311,7 @@
           <a:p>
             <a:fld id="{E62405EC-0106-3746-9CC3-78C21A620128}" type="slidenum">
               <a:rPr lang="en-US" smtClean="0"/>
-              <a:t>‹Nr.›</a:t>
+              <a:t>‹#›</a:t>
             </a:fld>
             <a:endParaRPr lang="en-US"/>
           </a:p>
@@ -2361,8 +2386,8 @@
         </p:nvSpPr>
         <p:spPr>
           <a:xfrm>
-            <a:off x="457200" y="1535113"/>
-            <a:ext cx="4040188" cy="639762"/>
+            <a:off x="457200" y="1151335"/>
+            <a:ext cx="4040188" cy="479822"/>
           </a:xfrm>
         </p:spPr>
         <p:txBody>
@@ -2426,8 +2451,8 @@
         </p:nvSpPr>
         <p:spPr>
           <a:xfrm>
-            <a:off x="457200" y="2174875"/>
-            <a:ext cx="4040188" cy="3951288"/>
+            <a:off x="457200" y="1631156"/>
+            <a:ext cx="4040188" cy="2963466"/>
           </a:xfrm>
         </p:spPr>
         <p:txBody>
@@ -2511,8 +2536,8 @@
         </p:nvSpPr>
         <p:spPr>
           <a:xfrm>
-            <a:off x="4645025" y="1535113"/>
-            <a:ext cx="4041775" cy="639762"/>
+            <a:off x="4645026" y="1151335"/>
+            <a:ext cx="4041775" cy="479822"/>
           </a:xfrm>
         </p:spPr>
         <p:txBody>
@@ -2576,8 +2601,8 @@
         </p:nvSpPr>
         <p:spPr>
           <a:xfrm>
-            <a:off x="4645025" y="2174875"/>
-            <a:ext cx="4041775" cy="3951288"/>
+            <a:off x="4645026" y="1631156"/>
+            <a:ext cx="4041775" cy="2963466"/>
           </a:xfrm>
         </p:spPr>
         <p:txBody>
@@ -2666,7 +2691,7 @@
           <a:p>
             <a:fld id="{F99B854D-7ADB-7140-951F-D87B07F179DC}" type="datetimeFigureOut">
               <a:rPr lang="en-US" smtClean="0"/>
-              <a:t>11/10/2014</a:t>
+              <a:t>10/11/14</a:t>
             </a:fld>
             <a:endParaRPr lang="en-US"/>
           </a:p>
@@ -2708,7 +2733,7 @@
           <a:p>
             <a:fld id="{E62405EC-0106-3746-9CC3-78C21A620128}" type="slidenum">
               <a:rPr lang="en-US" smtClean="0"/>
-              <a:t>‹Nr.›</a:t>
+              <a:t>‹#›</a:t>
             </a:fld>
             <a:endParaRPr lang="en-US"/>
           </a:p>
@@ -2784,7 +2809,7 @@
           <a:p>
             <a:fld id="{F99B854D-7ADB-7140-951F-D87B07F179DC}" type="datetimeFigureOut">
               <a:rPr lang="en-US" smtClean="0"/>
-              <a:t>11/10/2014</a:t>
+              <a:t>10/11/14</a:t>
             </a:fld>
             <a:endParaRPr lang="en-US"/>
           </a:p>
@@ -2826,7 +2851,7 @@
           <a:p>
             <a:fld id="{E62405EC-0106-3746-9CC3-78C21A620128}" type="slidenum">
               <a:rPr lang="en-US" smtClean="0"/>
-              <a:t>‹Nr.›</a:t>
+              <a:t>‹#›</a:t>
             </a:fld>
             <a:endParaRPr lang="en-US"/>
           </a:p>
@@ -2879,7 +2904,7 @@
           <a:p>
             <a:fld id="{F99B854D-7ADB-7140-951F-D87B07F179DC}" type="datetimeFigureOut">
               <a:rPr lang="en-US" smtClean="0"/>
-              <a:t>11/10/2014</a:t>
+              <a:t>10/11/14</a:t>
             </a:fld>
             <a:endParaRPr lang="en-US"/>
           </a:p>
@@ -2921,7 +2946,7 @@
           <a:p>
             <a:fld id="{E62405EC-0106-3746-9CC3-78C21A620128}" type="slidenum">
               <a:rPr lang="en-US" smtClean="0"/>
-              <a:t>‹Nr.›</a:t>
+              <a:t>‹#›</a:t>
             </a:fld>
             <a:endParaRPr lang="en-US"/>
           </a:p>
@@ -2969,8 +2994,8 @@
         </p:nvSpPr>
         <p:spPr>
           <a:xfrm>
-            <a:off x="457200" y="273050"/>
-            <a:ext cx="3008313" cy="1162050"/>
+            <a:off x="457201" y="204787"/>
+            <a:ext cx="3008313" cy="871538"/>
           </a:xfrm>
         </p:spPr>
         <p:txBody>
@@ -3001,8 +3026,8 @@
         </p:nvSpPr>
         <p:spPr>
           <a:xfrm>
-            <a:off x="3575050" y="273050"/>
-            <a:ext cx="5111750" cy="5853113"/>
+            <a:off x="3575050" y="204788"/>
+            <a:ext cx="5111750" cy="4389835"/>
           </a:xfrm>
         </p:spPr>
         <p:txBody>
@@ -3086,8 +3111,8 @@
         </p:nvSpPr>
         <p:spPr>
           <a:xfrm>
-            <a:off x="457200" y="1435100"/>
-            <a:ext cx="3008313" cy="4691063"/>
+            <a:off x="457201" y="1076326"/>
+            <a:ext cx="3008313" cy="3518297"/>
           </a:xfrm>
         </p:spPr>
         <p:txBody>
@@ -3156,7 +3181,7 @@
           <a:p>
             <a:fld id="{F99B854D-7ADB-7140-951F-D87B07F179DC}" type="datetimeFigureOut">
               <a:rPr lang="en-US" smtClean="0"/>
-              <a:t>11/10/2014</a:t>
+              <a:t>10/11/14</a:t>
             </a:fld>
             <a:endParaRPr lang="en-US"/>
           </a:p>
@@ -3198,7 +3223,7 @@
           <a:p>
             <a:fld id="{E62405EC-0106-3746-9CC3-78C21A620128}" type="slidenum">
               <a:rPr lang="en-US" smtClean="0"/>
-              <a:t>‹Nr.›</a:t>
+              <a:t>‹#›</a:t>
             </a:fld>
             <a:endParaRPr lang="en-US"/>
           </a:p>
@@ -3246,8 +3271,8 @@
         </p:nvSpPr>
         <p:spPr>
           <a:xfrm>
-            <a:off x="1792288" y="4800600"/>
-            <a:ext cx="5486400" cy="566738"/>
+            <a:off x="1792288" y="3600450"/>
+            <a:ext cx="5486400" cy="425054"/>
           </a:xfrm>
         </p:spPr>
         <p:txBody>
@@ -3278,8 +3303,8 @@
         </p:nvSpPr>
         <p:spPr>
           <a:xfrm>
-            <a:off x="1792288" y="612775"/>
-            <a:ext cx="5486400" cy="4114800"/>
+            <a:off x="1792288" y="459581"/>
+            <a:ext cx="5486400" cy="3086100"/>
           </a:xfrm>
         </p:spPr>
         <p:txBody>
@@ -3339,8 +3364,8 @@
         </p:nvSpPr>
         <p:spPr>
           <a:xfrm>
-            <a:off x="1792288" y="5367338"/>
-            <a:ext cx="5486400" cy="804862"/>
+            <a:off x="1792288" y="4025503"/>
+            <a:ext cx="5486400" cy="603647"/>
           </a:xfrm>
         </p:spPr>
         <p:txBody>
@@ -3409,7 +3434,7 @@
           <a:p>
             <a:fld id="{F99B854D-7ADB-7140-951F-D87B07F179DC}" type="datetimeFigureOut">
               <a:rPr lang="en-US" smtClean="0"/>
-              <a:t>11/10/2014</a:t>
+              <a:t>10/11/14</a:t>
             </a:fld>
             <a:endParaRPr lang="en-US"/>
           </a:p>
@@ -3451,7 +3476,7 @@
           <a:p>
             <a:fld id="{E62405EC-0106-3746-9CC3-78C21A620128}" type="slidenum">
               <a:rPr lang="en-US" smtClean="0"/>
-              <a:t>‹Nr.›</a:t>
+              <a:t>‹#›</a:t>
             </a:fld>
             <a:endParaRPr lang="en-US"/>
           </a:p>
@@ -3504,8 +3529,8 @@
         </p:nvSpPr>
         <p:spPr>
           <a:xfrm>
-            <a:off x="457200" y="274638"/>
-            <a:ext cx="8229600" cy="1143000"/>
+            <a:off x="457200" y="205979"/>
+            <a:ext cx="8229600" cy="857250"/>
           </a:xfrm>
           <a:prstGeom prst="rect">
             <a:avLst/>
@@ -3537,8 +3562,8 @@
         </p:nvSpPr>
         <p:spPr>
           <a:xfrm>
-            <a:off x="457200" y="1600200"/>
-            <a:ext cx="8229600" cy="4525963"/>
+            <a:off x="457200" y="1200151"/>
+            <a:ext cx="8229600" cy="3394472"/>
           </a:xfrm>
           <a:prstGeom prst="rect">
             <a:avLst/>
@@ -3599,8 +3624,8 @@
         </p:nvSpPr>
         <p:spPr>
           <a:xfrm>
-            <a:off x="457200" y="6356350"/>
-            <a:ext cx="2133600" cy="365125"/>
+            <a:off x="457200" y="4767263"/>
+            <a:ext cx="2133600" cy="273844"/>
           </a:xfrm>
           <a:prstGeom prst="rect">
             <a:avLst/>
@@ -3622,7 +3647,7 @@
           <a:p>
             <a:fld id="{F99B854D-7ADB-7140-951F-D87B07F179DC}" type="datetimeFigureOut">
               <a:rPr lang="en-US" smtClean="0"/>
-              <a:t>11/10/2014</a:t>
+              <a:t>10/11/14</a:t>
             </a:fld>
             <a:endParaRPr lang="en-US"/>
           </a:p>
@@ -3640,8 +3665,8 @@
         </p:nvSpPr>
         <p:spPr>
           <a:xfrm>
-            <a:off x="3124200" y="6356350"/>
-            <a:ext cx="2895600" cy="365125"/>
+            <a:off x="3124200" y="4767263"/>
+            <a:ext cx="2895600" cy="273844"/>
           </a:xfrm>
           <a:prstGeom prst="rect">
             <a:avLst/>
@@ -3677,8 +3702,8 @@
         </p:nvSpPr>
         <p:spPr>
           <a:xfrm>
-            <a:off x="6553200" y="6356350"/>
-            <a:ext cx="2133600" cy="365125"/>
+            <a:off x="6553200" y="4767263"/>
+            <a:ext cx="2133600" cy="273844"/>
           </a:xfrm>
           <a:prstGeom prst="rect">
             <a:avLst/>
@@ -3700,7 +3725,7 @@
           <a:p>
             <a:fld id="{E62405EC-0106-3746-9CC3-78C21A620128}" type="slidenum">
               <a:rPr lang="en-US" smtClean="0"/>
-              <a:t>‹Nr.›</a:t>
+              <a:t>‹#›</a:t>
             </a:fld>
             <a:endParaRPr lang="en-US"/>
           </a:p>
@@ -4019,8 +4044,8 @@
         </p:blipFill>
         <p:spPr>
           <a:xfrm>
-            <a:off x="0" y="0"/>
-            <a:ext cx="9144000" cy="3190875"/>
+            <a:off x="0" y="1"/>
+            <a:ext cx="9144000" cy="2393156"/>
           </a:xfrm>
           <a:prstGeom prst="rect">
             <a:avLst/>
@@ -4037,8 +4062,8 @@
         </p:nvSpPr>
         <p:spPr>
           <a:xfrm>
-            <a:off x="685800" y="3485431"/>
-            <a:ext cx="7772400" cy="1470025"/>
+            <a:off x="685800" y="2614074"/>
+            <a:ext cx="7772400" cy="1102519"/>
           </a:xfrm>
           <a:prstGeom prst="rect">
             <a:avLst/>
@@ -4162,8 +4187,8 @@
         </p:nvSpPr>
         <p:spPr>
           <a:xfrm>
-            <a:off x="6801394" y="5756366"/>
-            <a:ext cx="2044342" cy="830997"/>
+            <a:off x="6831947" y="4317275"/>
+            <a:ext cx="1983235" cy="830997"/>
           </a:xfrm>
           <a:prstGeom prst="rect">
             <a:avLst/>
@@ -4232,8 +4257,8 @@
         </p:blipFill>
         <p:spPr>
           <a:xfrm>
-            <a:off x="86451" y="5756366"/>
-            <a:ext cx="2499995" cy="976674"/>
+            <a:off x="86452" y="4317274"/>
+            <a:ext cx="2499995" cy="732506"/>
           </a:xfrm>
           <a:prstGeom prst="rect">
             <a:avLst/>
@@ -4250,10 +4275,22 @@
   <p:clrMapOvr>
     <a:masterClrMapping/>
   </p:clrMapOvr>
+  <mc:AlternateContent xmlns:mc="http://schemas.openxmlformats.org/markup-compatibility/2006">
+    <mc:Choice xmlns:p14="http://schemas.microsoft.com/office/powerpoint/2010/main" Requires="p14">
+      <p:transition spd="slow" p14:dur="1400">
+        <p14:ripple/>
+      </p:transition>
+    </mc:Choice>
+    <mc:Fallback>
+      <p:transition xmlns:p14="http://schemas.microsoft.com/office/powerpoint/2010/main" spd="slow">
+        <p:fade/>
+      </p:transition>
+    </mc:Fallback>
+  </mc:AlternateContent>
   <p:timing>
     <p:tnLst>
       <p:par>
-        <p:cTn id="1" dur="indefinite" restart="never" nodeType="tmRoot"/>
+        <p:cTn xmlns:p14="http://schemas.microsoft.com/office/powerpoint/2010/main" id="1" dur="indefinite" restart="never" nodeType="tmRoot"/>
       </p:par>
     </p:tnLst>
   </p:timing>
@@ -4316,8 +4353,8 @@
         </p:blipFill>
         <p:spPr>
           <a:xfrm>
-            <a:off x="552788" y="1689100"/>
-            <a:ext cx="8013700" cy="3467100"/>
+            <a:off x="552788" y="1266825"/>
+            <a:ext cx="8013700" cy="2600325"/>
           </a:xfrm>
           <a:prstGeom prst="rect">
             <a:avLst/>
@@ -4334,10 +4371,22 @@
   <p:clrMapOvr>
     <a:masterClrMapping/>
   </p:clrMapOvr>
+  <mc:AlternateContent xmlns:mc="http://schemas.openxmlformats.org/markup-compatibility/2006">
+    <mc:Choice xmlns:p14="http://schemas.microsoft.com/office/powerpoint/2010/main" Requires="p14">
+      <p:transition spd="slow" p14:dur="1400">
+        <p14:ripple/>
+      </p:transition>
+    </mc:Choice>
+    <mc:Fallback>
+      <p:transition xmlns:p14="http://schemas.microsoft.com/office/powerpoint/2010/main" spd="slow">
+        <p:fade/>
+      </p:transition>
+    </mc:Fallback>
+  </mc:AlternateContent>
   <p:timing>
     <p:tnLst>
       <p:par>
-        <p:cTn id="1" dur="indefinite" restart="never" nodeType="tmRoot"/>
+        <p:cTn xmlns:p14="http://schemas.microsoft.com/office/powerpoint/2010/main" id="1" dur="indefinite" restart="never" nodeType="tmRoot"/>
       </p:par>
     </p:tnLst>
   </p:timing>
@@ -4369,8 +4418,8 @@
         </p:nvSpPr>
         <p:spPr>
           <a:xfrm>
-            <a:off x="3549860" y="3360839"/>
-            <a:ext cx="1483895" cy="1096212"/>
+            <a:off x="3549861" y="2520629"/>
+            <a:ext cx="1483895" cy="822159"/>
           </a:xfrm>
           <a:prstGeom prst="flowChartMagneticDisk">
             <a:avLst/>
@@ -4442,8 +4491,8 @@
         </p:nvSpPr>
         <p:spPr>
           <a:xfrm>
-            <a:off x="3549860" y="2486531"/>
-            <a:ext cx="1483895" cy="1096212"/>
+            <a:off x="3549861" y="1864898"/>
+            <a:ext cx="1483895" cy="822159"/>
           </a:xfrm>
           <a:prstGeom prst="flowChartMagneticDisk">
             <a:avLst/>
@@ -4484,8 +4533,8 @@
         </p:nvSpPr>
         <p:spPr>
           <a:xfrm>
-            <a:off x="667231" y="4706160"/>
-            <a:ext cx="7538107" cy="1951313"/>
+            <a:off x="667232" y="3529620"/>
+            <a:ext cx="7538107" cy="1463485"/>
           </a:xfrm>
           <a:prstGeom prst="roundRect">
             <a:avLst/>
@@ -4526,8 +4575,8 @@
         </p:nvSpPr>
         <p:spPr>
           <a:xfrm>
-            <a:off x="818578" y="5288273"/>
-            <a:ext cx="7242580" cy="1208779"/>
+            <a:off x="818578" y="3966205"/>
+            <a:ext cx="7242580" cy="906584"/>
           </a:xfrm>
           <a:prstGeom prst="roundRect">
             <a:avLst/>
@@ -4576,8 +4625,8 @@
         </p:nvSpPr>
         <p:spPr>
           <a:xfrm>
-            <a:off x="667232" y="1513775"/>
-            <a:ext cx="1246998" cy="740890"/>
+            <a:off x="667232" y="1135331"/>
+            <a:ext cx="1246998" cy="555668"/>
           </a:xfrm>
           <a:prstGeom prst="roundRect">
             <a:avLst/>
@@ -4618,8 +4667,8 @@
         </p:nvSpPr>
         <p:spPr>
           <a:xfrm>
-            <a:off x="2097232" y="1513775"/>
-            <a:ext cx="1246998" cy="740890"/>
+            <a:off x="2097232" y="1135331"/>
+            <a:ext cx="1246998" cy="555668"/>
           </a:xfrm>
           <a:prstGeom prst="roundRect">
             <a:avLst/>
@@ -4660,8 +4709,8 @@
         </p:nvSpPr>
         <p:spPr>
           <a:xfrm>
-            <a:off x="4291808" y="1513775"/>
-            <a:ext cx="1246998" cy="740890"/>
+            <a:off x="4291808" y="1135331"/>
+            <a:ext cx="1246998" cy="555668"/>
           </a:xfrm>
           <a:prstGeom prst="roundRect">
             <a:avLst/>
@@ -4702,8 +4751,8 @@
         </p:nvGrpSpPr>
         <p:grpSpPr>
           <a:xfrm>
-            <a:off x="3499655" y="1778307"/>
-            <a:ext cx="640806" cy="168294"/>
+            <a:off x="3499655" y="1333730"/>
+            <a:ext cx="640806" cy="126221"/>
             <a:chOff x="6334434" y="1591148"/>
             <a:chExt cx="640806" cy="168294"/>
           </a:xfrm>
@@ -4831,8 +4880,8 @@
         </p:nvSpPr>
         <p:spPr>
           <a:xfrm>
-            <a:off x="5676662" y="1513775"/>
-            <a:ext cx="2528677" cy="740890"/>
+            <a:off x="5676663" y="1135331"/>
+            <a:ext cx="2528677" cy="555668"/>
           </a:xfrm>
           <a:prstGeom prst="roundRect">
             <a:avLst/>
@@ -4873,8 +4922,8 @@
         </p:nvSpPr>
         <p:spPr>
           <a:xfrm>
-            <a:off x="1046895" y="5855367"/>
-            <a:ext cx="1050337" cy="495381"/>
+            <a:off x="1046896" y="4391526"/>
+            <a:ext cx="1050337" cy="371536"/>
           </a:xfrm>
           <a:prstGeom prst="roundRect">
             <a:avLst/>
@@ -4915,8 +4964,8 @@
         </p:nvSpPr>
         <p:spPr>
           <a:xfrm>
-            <a:off x="2171967" y="5855367"/>
-            <a:ext cx="1050337" cy="495381"/>
+            <a:off x="2171968" y="4391526"/>
+            <a:ext cx="1050337" cy="371536"/>
           </a:xfrm>
           <a:prstGeom prst="roundRect">
             <a:avLst/>
@@ -4957,8 +5006,8 @@
         </p:nvSpPr>
         <p:spPr>
           <a:xfrm>
-            <a:off x="3277390" y="5855367"/>
-            <a:ext cx="1050337" cy="495381"/>
+            <a:off x="3277391" y="4391526"/>
+            <a:ext cx="1050337" cy="371536"/>
           </a:xfrm>
           <a:prstGeom prst="roundRect">
             <a:avLst/>
@@ -4999,8 +5048,8 @@
         </p:nvSpPr>
         <p:spPr>
           <a:xfrm>
-            <a:off x="4373630" y="5855367"/>
-            <a:ext cx="1050337" cy="495381"/>
+            <a:off x="4373631" y="4391526"/>
+            <a:ext cx="1050337" cy="371536"/>
           </a:xfrm>
           <a:prstGeom prst="roundRect">
             <a:avLst/>
@@ -5041,8 +5090,8 @@
         </p:nvSpPr>
         <p:spPr>
           <a:xfrm>
-            <a:off x="5498702" y="5855367"/>
-            <a:ext cx="1050337" cy="495381"/>
+            <a:off x="5498703" y="4391526"/>
+            <a:ext cx="1050337" cy="371536"/>
           </a:xfrm>
           <a:prstGeom prst="roundRect">
             <a:avLst/>
@@ -5083,8 +5132,8 @@
         </p:nvSpPr>
         <p:spPr>
           <a:xfrm>
-            <a:off x="6604125" y="5855367"/>
-            <a:ext cx="1050337" cy="495381"/>
+            <a:off x="6604126" y="4391526"/>
+            <a:ext cx="1050337" cy="371536"/>
           </a:xfrm>
           <a:prstGeom prst="roundRect">
             <a:avLst/>
@@ -5127,10 +5176,22 @@
   <p:clrMapOvr>
     <a:masterClrMapping/>
   </p:clrMapOvr>
+  <mc:AlternateContent xmlns:mc="http://schemas.openxmlformats.org/markup-compatibility/2006">
+    <mc:Choice xmlns:p14="http://schemas.microsoft.com/office/powerpoint/2010/main" Requires="p14">
+      <p:transition spd="slow" p14:dur="1400">
+        <p14:ripple/>
+      </p:transition>
+    </mc:Choice>
+    <mc:Fallback>
+      <p:transition xmlns:p14="http://schemas.microsoft.com/office/powerpoint/2010/main" spd="slow">
+        <p:fade/>
+      </p:transition>
+    </mc:Fallback>
+  </mc:AlternateContent>
   <p:timing>
     <p:tnLst>
       <p:par>
-        <p:cTn id="1" dur="indefinite" restart="never" nodeType="tmRoot"/>
+        <p:cTn xmlns:p14="http://schemas.microsoft.com/office/powerpoint/2010/main" id="1" dur="indefinite" restart="never" nodeType="tmRoot"/>
       </p:par>
     </p:tnLst>
   </p:timing>
@@ -5227,7 +5288,7 @@
         <p:spPr>
           <a:xfrm>
             <a:off x="0" y="0"/>
-            <a:ext cx="9144000" cy="3833813"/>
+            <a:ext cx="9144000" cy="2875360"/>
           </a:xfrm>
           <a:prstGeom prst="rect">
             <a:avLst/>
@@ -5244,10 +5305,22 @@
   <p:clrMapOvr>
     <a:masterClrMapping/>
   </p:clrMapOvr>
+  <mc:AlternateContent xmlns:mc="http://schemas.openxmlformats.org/markup-compatibility/2006">
+    <mc:Choice xmlns:p14="http://schemas.microsoft.com/office/powerpoint/2010/main" Requires="p14">
+      <p:transition spd="slow" p14:dur="1400">
+        <p14:ripple/>
+      </p:transition>
+    </mc:Choice>
+    <mc:Fallback>
+      <p:transition xmlns:p14="http://schemas.microsoft.com/office/powerpoint/2010/main" spd="slow">
+        <p:fade/>
+      </p:transition>
+    </mc:Fallback>
+  </mc:AlternateContent>
   <p:timing>
     <p:tnLst>
       <p:par>
-        <p:cTn id="1" dur="indefinite" restart="never" nodeType="tmRoot"/>
+        <p:cTn xmlns:p14="http://schemas.microsoft.com/office/powerpoint/2010/main" id="1" dur="indefinite" restart="never" nodeType="tmRoot"/>
       </p:par>
     </p:tnLst>
   </p:timing>
@@ -5308,10 +5381,22 @@
   <p:clrMapOvr>
     <a:masterClrMapping/>
   </p:clrMapOvr>
+  <mc:AlternateContent xmlns:mc="http://schemas.openxmlformats.org/markup-compatibility/2006">
+    <mc:Choice xmlns:p14="http://schemas.microsoft.com/office/powerpoint/2010/main" Requires="p14">
+      <p:transition spd="slow" p14:dur="1400">
+        <p14:ripple/>
+      </p:transition>
+    </mc:Choice>
+    <mc:Fallback>
+      <p:transition xmlns:p14="http://schemas.microsoft.com/office/powerpoint/2010/main" spd="slow">
+        <p:fade/>
+      </p:transition>
+    </mc:Fallback>
+  </mc:AlternateContent>
   <p:timing>
     <p:tnLst>
       <p:par>
-        <p:cTn id="1" dur="indefinite" restart="never" nodeType="tmRoot"/>
+        <p:cTn xmlns:p14="http://schemas.microsoft.com/office/powerpoint/2010/main" id="1" dur="indefinite" restart="never" nodeType="tmRoot"/>
       </p:par>
     </p:tnLst>
   </p:timing>
@@ -5376,10 +5461,22 @@
   <p:clrMapOvr>
     <a:masterClrMapping/>
   </p:clrMapOvr>
+  <mc:AlternateContent xmlns:mc="http://schemas.openxmlformats.org/markup-compatibility/2006">
+    <mc:Choice xmlns:p14="http://schemas.microsoft.com/office/powerpoint/2010/main" Requires="p14">
+      <p:transition spd="slow" p14:dur="1400">
+        <p14:ripple/>
+      </p:transition>
+    </mc:Choice>
+    <mc:Fallback>
+      <p:transition xmlns:p14="http://schemas.microsoft.com/office/powerpoint/2010/main" spd="slow">
+        <p:fade/>
+      </p:transition>
+    </mc:Fallback>
+  </mc:AlternateContent>
   <p:timing>
     <p:tnLst>
       <p:par>
-        <p:cTn id="1" dur="indefinite" restart="never" nodeType="tmRoot"/>
+        <p:cTn xmlns:p14="http://schemas.microsoft.com/office/powerpoint/2010/main" id="1" dur="indefinite" restart="never" nodeType="tmRoot"/>
       </p:par>
     </p:tnLst>
   </p:timing>
@@ -5438,10 +5535,22 @@
   <p:clrMapOvr>
     <a:masterClrMapping/>
   </p:clrMapOvr>
+  <mc:AlternateContent xmlns:mc="http://schemas.openxmlformats.org/markup-compatibility/2006">
+    <mc:Choice xmlns:p14="http://schemas.microsoft.com/office/powerpoint/2010/main" Requires="p14">
+      <p:transition spd="slow" p14:dur="1400">
+        <p14:ripple/>
+      </p:transition>
+    </mc:Choice>
+    <mc:Fallback>
+      <p:transition xmlns:p14="http://schemas.microsoft.com/office/powerpoint/2010/main" spd="slow">
+        <p:fade/>
+      </p:transition>
+    </mc:Fallback>
+  </mc:AlternateContent>
   <p:timing>
     <p:tnLst>
       <p:par>
-        <p:cTn id="1" dur="indefinite" restart="never" nodeType="tmRoot"/>
+        <p:cTn xmlns:p14="http://schemas.microsoft.com/office/powerpoint/2010/main" id="1" dur="indefinite" restart="never" nodeType="tmRoot"/>
       </p:par>
     </p:tnLst>
   </p:timing>
@@ -5504,10 +5613,22 @@
   <p:clrMapOvr>
     <a:masterClrMapping/>
   </p:clrMapOvr>
+  <mc:AlternateContent xmlns:mc="http://schemas.openxmlformats.org/markup-compatibility/2006">
+    <mc:Choice xmlns:p14="http://schemas.microsoft.com/office/powerpoint/2010/main" Requires="p14">
+      <p:transition spd="slow" p14:dur="1400">
+        <p14:ripple/>
+      </p:transition>
+    </mc:Choice>
+    <mc:Fallback>
+      <p:transition xmlns:p14="http://schemas.microsoft.com/office/powerpoint/2010/main" spd="slow">
+        <p:fade/>
+      </p:transition>
+    </mc:Fallback>
+  </mc:AlternateContent>
   <p:timing>
     <p:tnLst>
       <p:par>
-        <p:cTn id="1" dur="indefinite" restart="never" nodeType="tmRoot"/>
+        <p:cTn xmlns:p14="http://schemas.microsoft.com/office/powerpoint/2010/main" id="1" dur="indefinite" restart="never" nodeType="tmRoot"/>
       </p:par>
     </p:tnLst>
   </p:timing>
@@ -5566,10 +5687,22 @@
   <p:clrMapOvr>
     <a:masterClrMapping/>
   </p:clrMapOvr>
+  <mc:AlternateContent xmlns:mc="http://schemas.openxmlformats.org/markup-compatibility/2006">
+    <mc:Choice xmlns:p14="http://schemas.microsoft.com/office/powerpoint/2010/main" Requires="p14">
+      <p:transition spd="slow" p14:dur="1400">
+        <p14:ripple/>
+      </p:transition>
+    </mc:Choice>
+    <mc:Fallback>
+      <p:transition xmlns:p14="http://schemas.microsoft.com/office/powerpoint/2010/main" spd="slow">
+        <p:fade/>
+      </p:transition>
+    </mc:Fallback>
+  </mc:AlternateContent>
   <p:timing>
     <p:tnLst>
       <p:par>
-        <p:cTn id="1" dur="indefinite" restart="never" nodeType="tmRoot"/>
+        <p:cTn xmlns:p14="http://schemas.microsoft.com/office/powerpoint/2010/main" id="1" dur="indefinite" restart="never" nodeType="tmRoot"/>
       </p:par>
     </p:tnLst>
   </p:timing>
@@ -5624,8 +5757,8 @@
         </p:nvSpPr>
         <p:spPr>
           <a:xfrm>
-            <a:off x="457200" y="2078790"/>
-            <a:ext cx="1711158" cy="708526"/>
+            <a:off x="457200" y="1559092"/>
+            <a:ext cx="1711158" cy="531395"/>
           </a:xfrm>
           <a:prstGeom prst="roundRect">
             <a:avLst/>
@@ -5670,8 +5803,8 @@
         </p:nvSpPr>
         <p:spPr>
           <a:xfrm>
-            <a:off x="2320758" y="2078790"/>
-            <a:ext cx="1711158" cy="708526"/>
+            <a:off x="2320758" y="1559092"/>
+            <a:ext cx="1711158" cy="531395"/>
           </a:xfrm>
           <a:prstGeom prst="roundRect">
             <a:avLst/>
@@ -5712,8 +5845,8 @@
         </p:nvSpPr>
         <p:spPr>
           <a:xfrm>
-            <a:off x="4184316" y="2072106"/>
-            <a:ext cx="1711158" cy="708526"/>
+            <a:off x="4184316" y="1554079"/>
+            <a:ext cx="1711158" cy="531395"/>
           </a:xfrm>
           <a:prstGeom prst="roundRect">
             <a:avLst/>
@@ -5754,8 +5887,8 @@
         </p:nvSpPr>
         <p:spPr>
           <a:xfrm>
-            <a:off x="457200" y="3908927"/>
-            <a:ext cx="2015958" cy="708526"/>
+            <a:off x="457200" y="2931695"/>
+            <a:ext cx="2015958" cy="531395"/>
           </a:xfrm>
           <a:prstGeom prst="roundRect">
             <a:avLst/>
@@ -5800,8 +5933,8 @@
         </p:nvSpPr>
         <p:spPr>
           <a:xfrm>
-            <a:off x="6670842" y="5739637"/>
-            <a:ext cx="2015958" cy="708526"/>
+            <a:off x="6670842" y="4304728"/>
+            <a:ext cx="2015958" cy="531395"/>
           </a:xfrm>
           <a:prstGeom prst="roundRect">
             <a:avLst/>
@@ -5848,10 +5981,22 @@
   <p:clrMapOvr>
     <a:masterClrMapping/>
   </p:clrMapOvr>
+  <mc:AlternateContent xmlns:mc="http://schemas.openxmlformats.org/markup-compatibility/2006">
+    <mc:Choice xmlns:p14="http://schemas.microsoft.com/office/powerpoint/2010/main" Requires="p14">
+      <p:transition spd="slow" p14:dur="1400">
+        <p14:ripple/>
+      </p:transition>
+    </mc:Choice>
+    <mc:Fallback>
+      <p:transition xmlns:p14="http://schemas.microsoft.com/office/powerpoint/2010/main" spd="slow">
+        <p:fade/>
+      </p:transition>
+    </mc:Fallback>
+  </mc:AlternateContent>
   <p:timing>
     <p:tnLst>
       <p:par>
-        <p:cTn id="1" dur="indefinite" restart="never" nodeType="tmRoot"/>
+        <p:cTn xmlns:p14="http://schemas.microsoft.com/office/powerpoint/2010/main" id="1" dur="indefinite" restart="never" nodeType="tmRoot"/>
       </p:par>
     </p:tnLst>
   </p:timing>
@@ -5941,11 +6086,7 @@
           <a:p>
             <a:r>
               <a:rPr lang="en-US" dirty="0" smtClean="0"/>
-              <a:t>Cleaning </a:t>
-            </a:r>
-            <a:r>
-              <a:rPr lang="en-US" dirty="0" smtClean="0"/>
-              <a:t>up </a:t>
+              <a:t>Cleaning up </a:t>
             </a:r>
             <a:r>
               <a:rPr lang="en-US" dirty="0" err="1" smtClean="0"/>
@@ -5974,10 +6115,22 @@
   <p:clrMapOvr>
     <a:masterClrMapping/>
   </p:clrMapOvr>
+  <mc:AlternateContent xmlns:mc="http://schemas.openxmlformats.org/markup-compatibility/2006">
+    <mc:Choice xmlns:p14="http://schemas.microsoft.com/office/powerpoint/2010/main" Requires="p14">
+      <p:transition spd="slow" p14:dur="1400">
+        <p14:ripple/>
+      </p:transition>
+    </mc:Choice>
+    <mc:Fallback>
+      <p:transition xmlns:p14="http://schemas.microsoft.com/office/powerpoint/2010/main" spd="slow">
+        <p:fade/>
+      </p:transition>
+    </mc:Fallback>
+  </mc:AlternateContent>
   <p:timing>
     <p:tnLst>
       <p:par>
-        <p:cTn id="1" dur="indefinite" restart="never" nodeType="tmRoot"/>
+        <p:cTn xmlns:p14="http://schemas.microsoft.com/office/powerpoint/2010/main" id="1" dur="indefinite" restart="never" nodeType="tmRoot"/>
       </p:par>
     </p:tnLst>
   </p:timing>
@@ -6023,8 +6176,8 @@
         </p:blipFill>
         <p:spPr>
           <a:xfrm>
-            <a:off x="0" y="0"/>
-            <a:ext cx="9144000" cy="3190875"/>
+            <a:off x="0" y="1"/>
+            <a:ext cx="9144000" cy="2393156"/>
           </a:xfrm>
           <a:prstGeom prst="rect">
             <a:avLst/>
@@ -6043,8 +6196,8 @@
         </p:nvSpPr>
         <p:spPr>
           <a:xfrm>
-            <a:off x="4571999" y="3321777"/>
-            <a:ext cx="4432663" cy="1779202"/>
+            <a:off x="4572000" y="2491333"/>
+            <a:ext cx="4432663" cy="1334402"/>
           </a:xfrm>
           <a:solidFill>
             <a:schemeClr val="accent3">
@@ -6078,7 +6231,7 @@
         </p:style>
         <p:txBody>
           <a:bodyPr>
-            <a:normAutofit/>
+            <a:normAutofit lnSpcReduction="10000"/>
           </a:bodyPr>
           <a:lstStyle/>
           <a:p>
@@ -6092,13 +6245,6 @@
               </a:rPr>
               <a:t>Technical Trainings</a:t>
             </a:r>
-            <a:endParaRPr lang="en-US" sz="2400" b="1" dirty="0" smtClean="0">
-              <a:solidFill>
-                <a:schemeClr val="accent1">
-                  <a:lumMod val="50000"/>
-                </a:schemeClr>
-              </a:solidFill>
-            </a:endParaRPr>
           </a:p>
           <a:p>
             <a:r>
@@ -6111,13 +6257,6 @@
               </a:rPr>
               <a:t>Management Seminars</a:t>
             </a:r>
-            <a:endParaRPr lang="en-US" sz="2400" b="1" dirty="0" smtClean="0">
-              <a:solidFill>
-                <a:schemeClr val="accent1">
-                  <a:lumMod val="50000"/>
-                </a:schemeClr>
-              </a:solidFill>
-            </a:endParaRPr>
           </a:p>
           <a:p>
             <a:r>
@@ -6130,13 +6269,6 @@
               </a:rPr>
               <a:t>Team Breakouts</a:t>
             </a:r>
-            <a:endParaRPr lang="en-US" sz="2400" b="1" dirty="0" smtClean="0">
-              <a:solidFill>
-                <a:schemeClr val="accent1">
-                  <a:lumMod val="50000"/>
-                </a:schemeClr>
-              </a:solidFill>
-            </a:endParaRPr>
           </a:p>
         </p:txBody>
       </p:sp>
@@ -6150,8 +6282,8 @@
         </p:nvSpPr>
         <p:spPr>
           <a:xfrm>
-            <a:off x="121287" y="3303753"/>
-            <a:ext cx="4450714" cy="1797226"/>
+            <a:off x="121287" y="2477815"/>
+            <a:ext cx="4450714" cy="1347920"/>
           </a:xfrm>
           <a:prstGeom prst="rect">
             <a:avLst/>
@@ -6369,8 +6501,8 @@
         </p:nvSpPr>
         <p:spPr>
           <a:xfrm>
-            <a:off x="2565987" y="6211965"/>
-            <a:ext cx="1644296" cy="369332"/>
+            <a:off x="2565987" y="4658974"/>
+            <a:ext cx="1662985" cy="369332"/>
           </a:xfrm>
           <a:prstGeom prst="rect">
             <a:avLst/>
@@ -6413,8 +6545,8 @@
         </p:nvSpPr>
         <p:spPr>
           <a:xfrm>
-            <a:off x="211143" y="6211965"/>
-            <a:ext cx="1849032" cy="369332"/>
+            <a:off x="211143" y="4658974"/>
+            <a:ext cx="1845127" cy="369332"/>
           </a:xfrm>
           <a:prstGeom prst="rect">
             <a:avLst/>
@@ -6471,8 +6603,8 @@
         </p:blipFill>
         <p:spPr>
           <a:xfrm>
-            <a:off x="2660158" y="5100979"/>
-            <a:ext cx="1455955" cy="1091967"/>
+            <a:off x="2660159" y="3825735"/>
+            <a:ext cx="1455955" cy="818975"/>
           </a:xfrm>
           <a:prstGeom prst="rect">
             <a:avLst/>
@@ -6501,8 +6633,8 @@
         </p:blipFill>
         <p:spPr>
           <a:xfrm>
-            <a:off x="407682" y="5100979"/>
-            <a:ext cx="1455955" cy="1091967"/>
+            <a:off x="407683" y="3825735"/>
+            <a:ext cx="1455955" cy="818975"/>
           </a:xfrm>
           <a:prstGeom prst="rect">
             <a:avLst/>
@@ -6517,8 +6649,8 @@
         </p:nvSpPr>
         <p:spPr>
           <a:xfrm>
-            <a:off x="4965001" y="6211965"/>
-            <a:ext cx="1497846" cy="369332"/>
+            <a:off x="4965001" y="4658974"/>
+            <a:ext cx="1516123" cy="369332"/>
           </a:xfrm>
           <a:prstGeom prst="rect">
             <a:avLst/>
@@ -6575,8 +6707,8 @@
         </p:blipFill>
         <p:spPr>
           <a:xfrm>
-            <a:off x="4980768" y="5100979"/>
-            <a:ext cx="1455955" cy="1091967"/>
+            <a:off x="4980769" y="3825735"/>
+            <a:ext cx="1455955" cy="818975"/>
           </a:xfrm>
           <a:prstGeom prst="rect">
             <a:avLst/>
@@ -6591,8 +6723,8 @@
         </p:nvSpPr>
         <p:spPr>
           <a:xfrm>
-            <a:off x="6958158" y="6211965"/>
-            <a:ext cx="1674241" cy="369332"/>
+            <a:off x="6958159" y="4658974"/>
+            <a:ext cx="1674369" cy="369332"/>
           </a:xfrm>
           <a:prstGeom prst="rect">
             <a:avLst/>
@@ -6660,8 +6792,8 @@
         </p:blipFill>
         <p:spPr>
           <a:xfrm>
-            <a:off x="7064847" y="5097298"/>
-            <a:ext cx="1460864" cy="1095648"/>
+            <a:off x="7064847" y="3822974"/>
+            <a:ext cx="1460864" cy="821736"/>
           </a:xfrm>
           <a:prstGeom prst="rect">
             <a:avLst/>
@@ -6678,10 +6810,22 @@
   <p:clrMapOvr>
     <a:masterClrMapping/>
   </p:clrMapOvr>
+  <mc:AlternateContent xmlns:mc="http://schemas.openxmlformats.org/markup-compatibility/2006">
+    <mc:Choice xmlns:p14="http://schemas.microsoft.com/office/powerpoint/2010/main" Requires="p14">
+      <p:transition spd="slow" p14:dur="1400">
+        <p14:ripple/>
+      </p:transition>
+    </mc:Choice>
+    <mc:Fallback>
+      <p:transition xmlns:p14="http://schemas.microsoft.com/office/powerpoint/2010/main" spd="slow">
+        <p:fade/>
+      </p:transition>
+    </mc:Fallback>
+  </mc:AlternateContent>
   <p:timing>
     <p:tnLst>
       <p:par>
-        <p:cTn id="1" dur="indefinite" restart="never" nodeType="tmRoot"/>
+        <p:cTn xmlns:p14="http://schemas.microsoft.com/office/powerpoint/2010/main" id="1" dur="indefinite" restart="never" nodeType="tmRoot"/>
       </p:par>
     </p:tnLst>
   </p:timing>
@@ -6770,7 +6914,7 @@
         <p:spPr>
           <a:xfrm>
             <a:off x="0" y="0"/>
-            <a:ext cx="9144000" cy="3833813"/>
+            <a:ext cx="9144000" cy="2875360"/>
           </a:xfrm>
           <a:prstGeom prst="rect">
             <a:avLst/>
@@ -6787,10 +6931,22 @@
   <p:clrMapOvr>
     <a:masterClrMapping/>
   </p:clrMapOvr>
+  <mc:AlternateContent xmlns:mc="http://schemas.openxmlformats.org/markup-compatibility/2006">
+    <mc:Choice xmlns:p14="http://schemas.microsoft.com/office/powerpoint/2010/main" Requires="p14">
+      <p:transition spd="slow" p14:dur="1400">
+        <p14:ripple/>
+      </p:transition>
+    </mc:Choice>
+    <mc:Fallback>
+      <p:transition xmlns:p14="http://schemas.microsoft.com/office/powerpoint/2010/main" spd="slow">
+        <p:fade/>
+      </p:transition>
+    </mc:Fallback>
+  </mc:AlternateContent>
   <p:timing>
     <p:tnLst>
       <p:par>
-        <p:cTn id="1" dur="indefinite" restart="never" nodeType="tmRoot"/>
+        <p:cTn xmlns:p14="http://schemas.microsoft.com/office/powerpoint/2010/main" id="1" dur="indefinite" restart="never" nodeType="tmRoot"/>
       </p:par>
     </p:tnLst>
   </p:timing>
@@ -6897,10 +7053,22 @@
   <p:clrMapOvr>
     <a:masterClrMapping/>
   </p:clrMapOvr>
+  <mc:AlternateContent xmlns:mc="http://schemas.openxmlformats.org/markup-compatibility/2006">
+    <mc:Choice xmlns:p14="http://schemas.microsoft.com/office/powerpoint/2010/main" Requires="p14">
+      <p:transition spd="slow" p14:dur="1400">
+        <p14:ripple/>
+      </p:transition>
+    </mc:Choice>
+    <mc:Fallback>
+      <p:transition xmlns:p14="http://schemas.microsoft.com/office/powerpoint/2010/main" spd="slow">
+        <p:fade/>
+      </p:transition>
+    </mc:Fallback>
+  </mc:AlternateContent>
   <p:timing>
     <p:tnLst>
       <p:par>
-        <p:cTn id="1" dur="indefinite" restart="never" nodeType="tmRoot"/>
+        <p:cTn xmlns:p14="http://schemas.microsoft.com/office/powerpoint/2010/main" id="1" dur="indefinite" restart="never" nodeType="tmRoot"/>
       </p:par>
     </p:tnLst>
   </p:timing>
@@ -6989,7 +7157,7 @@
         <p:spPr>
           <a:xfrm>
             <a:off x="0" y="0"/>
-            <a:ext cx="9144000" cy="3136392"/>
+            <a:ext cx="9144000" cy="2352294"/>
           </a:xfrm>
           <a:prstGeom prst="rect">
             <a:avLst/>
@@ -7006,10 +7174,22 @@
   <p:clrMapOvr>
     <a:masterClrMapping/>
   </p:clrMapOvr>
+  <mc:AlternateContent xmlns:mc="http://schemas.openxmlformats.org/markup-compatibility/2006">
+    <mc:Choice xmlns:p14="http://schemas.microsoft.com/office/powerpoint/2010/main" Requires="p14">
+      <p:transition spd="slow" p14:dur="1400">
+        <p14:ripple/>
+      </p:transition>
+    </mc:Choice>
+    <mc:Fallback>
+      <p:transition xmlns:p14="http://schemas.microsoft.com/office/powerpoint/2010/main" spd="slow">
+        <p:fade/>
+      </p:transition>
+    </mc:Fallback>
+  </mc:AlternateContent>
   <p:timing>
     <p:tnLst>
       <p:par>
-        <p:cTn id="1" dur="indefinite" restart="never" nodeType="tmRoot"/>
+        <p:cTn xmlns:p14="http://schemas.microsoft.com/office/powerpoint/2010/main" id="1" dur="indefinite" restart="never" nodeType="tmRoot"/>
       </p:par>
     </p:tnLst>
   </p:timing>
@@ -7079,7 +7259,6 @@
               <a:rPr lang="en-US" dirty="0" smtClean="0"/>
               <a:t> Tests</a:t>
             </a:r>
-            <a:endParaRPr lang="en-US" dirty="0" smtClean="0"/>
           </a:p>
           <a:p>
             <a:r>
@@ -7093,7 +7272,6 @@
               <a:rPr lang="en-US" dirty="0" smtClean="0"/>
               <a:t>Specify Green and Red Path Tests </a:t>
             </a:r>
-            <a:endParaRPr lang="en-US" dirty="0" smtClean="0"/>
           </a:p>
           <a:p>
             <a:r>
@@ -7120,10 +7298,22 @@
   <p:clrMapOvr>
     <a:masterClrMapping/>
   </p:clrMapOvr>
+  <mc:AlternateContent xmlns:mc="http://schemas.openxmlformats.org/markup-compatibility/2006">
+    <mc:Choice xmlns:p14="http://schemas.microsoft.com/office/powerpoint/2010/main" Requires="p14">
+      <p:transition spd="slow" p14:dur="1400">
+        <p14:ripple/>
+      </p:transition>
+    </mc:Choice>
+    <mc:Fallback>
+      <p:transition xmlns:p14="http://schemas.microsoft.com/office/powerpoint/2010/main" spd="slow">
+        <p:fade/>
+      </p:transition>
+    </mc:Fallback>
+  </mc:AlternateContent>
   <p:timing>
     <p:tnLst>
       <p:par>
-        <p:cTn id="1" dur="indefinite" restart="never" nodeType="tmRoot"/>
+        <p:cTn xmlns:p14="http://schemas.microsoft.com/office/powerpoint/2010/main" id="1" dur="indefinite" restart="never" nodeType="tmRoot"/>
       </p:par>
     </p:tnLst>
   </p:timing>
@@ -7212,7 +7402,7 @@
         <p:spPr>
           <a:xfrm>
             <a:off x="0" y="0"/>
-            <a:ext cx="9144000" cy="3833813"/>
+            <a:ext cx="9144000" cy="2875360"/>
           </a:xfrm>
           <a:prstGeom prst="rect">
             <a:avLst/>
@@ -7229,10 +7419,22 @@
   <p:clrMapOvr>
     <a:masterClrMapping/>
   </p:clrMapOvr>
+  <mc:AlternateContent xmlns:mc="http://schemas.openxmlformats.org/markup-compatibility/2006">
+    <mc:Choice xmlns:p14="http://schemas.microsoft.com/office/powerpoint/2010/main" Requires="p14">
+      <p:transition spd="slow" p14:dur="1400">
+        <p14:ripple/>
+      </p:transition>
+    </mc:Choice>
+    <mc:Fallback>
+      <p:transition xmlns:p14="http://schemas.microsoft.com/office/powerpoint/2010/main" spd="slow">
+        <p:fade/>
+      </p:transition>
+    </mc:Fallback>
+  </mc:AlternateContent>
   <p:timing>
     <p:tnLst>
       <p:par>
-        <p:cTn id="1" dur="indefinite" restart="never" nodeType="tmRoot"/>
+        <p:cTn xmlns:p14="http://schemas.microsoft.com/office/powerpoint/2010/main" id="1" dur="indefinite" restart="never" nodeType="tmRoot"/>
       </p:par>
     </p:tnLst>
   </p:timing>
@@ -7293,10 +7495,22 @@
   <p:clrMapOvr>
     <a:masterClrMapping/>
   </p:clrMapOvr>
+  <mc:AlternateContent xmlns:mc="http://schemas.openxmlformats.org/markup-compatibility/2006">
+    <mc:Choice xmlns:p14="http://schemas.microsoft.com/office/powerpoint/2010/main" Requires="p14">
+      <p:transition spd="slow" p14:dur="1400">
+        <p14:ripple/>
+      </p:transition>
+    </mc:Choice>
+    <mc:Fallback>
+      <p:transition xmlns:p14="http://schemas.microsoft.com/office/powerpoint/2010/main" spd="slow">
+        <p:fade/>
+      </p:transition>
+    </mc:Fallback>
+  </mc:AlternateContent>
   <p:timing>
     <p:tnLst>
       <p:par>
-        <p:cTn id="1" dur="indefinite" restart="never" nodeType="tmRoot"/>
+        <p:cTn xmlns:p14="http://schemas.microsoft.com/office/powerpoint/2010/main" id="1" dur="indefinite" restart="never" nodeType="tmRoot"/>
       </p:par>
     </p:tnLst>
   </p:timing>
@@ -7372,10 +7586,22 @@
   <p:clrMapOvr>
     <a:masterClrMapping/>
   </p:clrMapOvr>
+  <mc:AlternateContent xmlns:mc="http://schemas.openxmlformats.org/markup-compatibility/2006">
+    <mc:Choice xmlns:p14="http://schemas.microsoft.com/office/powerpoint/2010/main" Requires="p14">
+      <p:transition spd="slow" p14:dur="1400">
+        <p14:ripple/>
+      </p:transition>
+    </mc:Choice>
+    <mc:Fallback>
+      <p:transition xmlns:p14="http://schemas.microsoft.com/office/powerpoint/2010/main" spd="slow">
+        <p:fade/>
+      </p:transition>
+    </mc:Fallback>
+  </mc:AlternateContent>
   <p:timing>
     <p:tnLst>
       <p:par>
-        <p:cTn id="1" dur="indefinite" restart="never" nodeType="tmRoot"/>
+        <p:cTn xmlns:p14="http://schemas.microsoft.com/office/powerpoint/2010/main" id="1" dur="indefinite" restart="never" nodeType="tmRoot"/>
       </p:par>
     </p:tnLst>
   </p:timing>
@@ -7411,7 +7637,9 @@
         </p:nvSpPr>
         <p:spPr/>
         <p:txBody>
-          <a:bodyPr/>
+          <a:bodyPr>
+            <a:normAutofit fontScale="90000"/>
+          </a:bodyPr>
           <a:lstStyle/>
           <a:p>
             <a:r>
@@ -7467,7 +7695,7 @@
         <p:spPr>
           <a:xfrm>
             <a:off x="0" y="0"/>
-            <a:ext cx="9144000" cy="3833813"/>
+            <a:ext cx="9144000" cy="2875360"/>
           </a:xfrm>
           <a:prstGeom prst="rect">
             <a:avLst/>
@@ -7484,10 +7712,22 @@
   <p:clrMapOvr>
     <a:masterClrMapping/>
   </p:clrMapOvr>
+  <mc:AlternateContent xmlns:mc="http://schemas.openxmlformats.org/markup-compatibility/2006">
+    <mc:Choice xmlns:p14="http://schemas.microsoft.com/office/powerpoint/2010/main" Requires="p14">
+      <p:transition spd="slow" p14:dur="1400">
+        <p14:ripple/>
+      </p:transition>
+    </mc:Choice>
+    <mc:Fallback>
+      <p:transition xmlns:p14="http://schemas.microsoft.com/office/powerpoint/2010/main" spd="slow">
+        <p:fade/>
+      </p:transition>
+    </mc:Fallback>
+  </mc:AlternateContent>
   <p:timing>
     <p:tnLst>
       <p:par>
-        <p:cTn id="1" dur="indefinite" restart="never" nodeType="tmRoot"/>
+        <p:cTn xmlns:p14="http://schemas.microsoft.com/office/powerpoint/2010/main" id="1" dur="indefinite" restart="never" nodeType="tmRoot"/>
       </p:par>
     </p:tnLst>
   </p:timing>
@@ -7569,7 +7809,9 @@
         </p:nvSpPr>
         <p:spPr/>
         <p:txBody>
-          <a:bodyPr/>
+          <a:bodyPr>
+            <a:normAutofit lnSpcReduction="10000"/>
+          </a:bodyPr>
           <a:lstStyle/>
           <a:p>
             <a:r>
@@ -7655,7 +7897,7 @@
         <p:spPr/>
         <p:txBody>
           <a:bodyPr>
-            <a:normAutofit lnSpcReduction="10000"/>
+            <a:normAutofit fontScale="85000" lnSpcReduction="20000"/>
           </a:bodyPr>
           <a:lstStyle/>
           <a:p>
@@ -7717,10 +7959,22 @@
   <p:clrMapOvr>
     <a:masterClrMapping/>
   </p:clrMapOvr>
+  <mc:AlternateContent xmlns:mc="http://schemas.openxmlformats.org/markup-compatibility/2006">
+    <mc:Choice xmlns:p14="http://schemas.microsoft.com/office/powerpoint/2010/main" Requires="p14">
+      <p:transition spd="slow" p14:dur="1400">
+        <p14:ripple/>
+      </p:transition>
+    </mc:Choice>
+    <mc:Fallback>
+      <p:transition xmlns:p14="http://schemas.microsoft.com/office/powerpoint/2010/main" spd="slow">
+        <p:fade/>
+      </p:transition>
+    </mc:Fallback>
+  </mc:AlternateContent>
   <p:timing>
     <p:tnLst>
       <p:par>
-        <p:cTn id="1" dur="indefinite" restart="never" nodeType="tmRoot"/>
+        <p:cTn xmlns:p14="http://schemas.microsoft.com/office/powerpoint/2010/main" id="1" dur="indefinite" restart="never" nodeType="tmRoot"/>
       </p:par>
     </p:tnLst>
   </p:timing>
@@ -7779,7 +8033,9 @@
         </p:nvSpPr>
         <p:spPr/>
         <p:txBody>
-          <a:bodyPr/>
+          <a:bodyPr>
+            <a:normAutofit lnSpcReduction="10000"/>
+          </a:bodyPr>
           <a:lstStyle/>
           <a:p>
             <a:r>
@@ -7837,10 +8093,22 @@
   <p:clrMapOvr>
     <a:masterClrMapping/>
   </p:clrMapOvr>
+  <mc:AlternateContent xmlns:mc="http://schemas.openxmlformats.org/markup-compatibility/2006">
+    <mc:Choice xmlns:p14="http://schemas.microsoft.com/office/powerpoint/2010/main" Requires="p14">
+      <p:transition spd="slow" p14:dur="1400">
+        <p14:ripple/>
+      </p:transition>
+    </mc:Choice>
+    <mc:Fallback>
+      <p:transition xmlns:p14="http://schemas.microsoft.com/office/powerpoint/2010/main" spd="slow">
+        <p:fade/>
+      </p:transition>
+    </mc:Fallback>
+  </mc:AlternateContent>
   <p:timing>
     <p:tnLst>
       <p:par>
-        <p:cTn id="1" dur="indefinite" restart="never" nodeType="tmRoot"/>
+        <p:cTn xmlns:p14="http://schemas.microsoft.com/office/powerpoint/2010/main" id="1" dur="indefinite" restart="never" nodeType="tmRoot"/>
       </p:par>
     </p:tnLst>
   </p:timing>
@@ -7929,7 +8197,7 @@
         <p:spPr>
           <a:xfrm>
             <a:off x="0" y="0"/>
-            <a:ext cx="9144000" cy="3833813"/>
+            <a:ext cx="9144000" cy="2875360"/>
           </a:xfrm>
           <a:prstGeom prst="rect">
             <a:avLst/>
@@ -7946,10 +8214,22 @@
   <p:clrMapOvr>
     <a:masterClrMapping/>
   </p:clrMapOvr>
+  <mc:AlternateContent xmlns:mc="http://schemas.openxmlformats.org/markup-compatibility/2006">
+    <mc:Choice xmlns:p14="http://schemas.microsoft.com/office/powerpoint/2010/main" Requires="p14">
+      <p:transition spd="slow" p14:dur="1400">
+        <p14:ripple/>
+      </p:transition>
+    </mc:Choice>
+    <mc:Fallback>
+      <p:transition xmlns:p14="http://schemas.microsoft.com/office/powerpoint/2010/main" spd="slow">
+        <p:fade/>
+      </p:transition>
+    </mc:Fallback>
+  </mc:AlternateContent>
   <p:timing>
     <p:tnLst>
       <p:par>
-        <p:cTn id="1" dur="indefinite" restart="never" nodeType="tmRoot"/>
+        <p:cTn xmlns:p14="http://schemas.microsoft.com/office/powerpoint/2010/main" id="1" dur="indefinite" restart="never" nodeType="tmRoot"/>
       </p:par>
     </p:tnLst>
   </p:timing>
@@ -8008,8 +8288,8 @@
         </p:nvSpPr>
         <p:spPr>
           <a:xfrm>
-            <a:off x="457200" y="1600200"/>
-            <a:ext cx="8229600" cy="4525963"/>
+            <a:off x="457200" y="1200151"/>
+            <a:ext cx="8229600" cy="3394472"/>
           </a:xfrm>
         </p:spPr>
         <p:txBody>
@@ -8048,7 +8328,6 @@
               <a:rPr lang="en-US" dirty="0" smtClean="0"/>
               <a:t> (Camel Route)</a:t>
             </a:r>
-            <a:endParaRPr lang="en-US" dirty="0" smtClean="0"/>
           </a:p>
         </p:txBody>
       </p:sp>
@@ -8062,10 +8341,22 @@
   <p:clrMapOvr>
     <a:masterClrMapping/>
   </p:clrMapOvr>
+  <mc:AlternateContent xmlns:mc="http://schemas.openxmlformats.org/markup-compatibility/2006">
+    <mc:Choice xmlns:p14="http://schemas.microsoft.com/office/powerpoint/2010/main" Requires="p14">
+      <p:transition spd="slow" p14:dur="1400">
+        <p14:ripple/>
+      </p:transition>
+    </mc:Choice>
+    <mc:Fallback>
+      <p:transition xmlns:p14="http://schemas.microsoft.com/office/powerpoint/2010/main" spd="slow">
+        <p:fade/>
+      </p:transition>
+    </mc:Fallback>
+  </mc:AlternateContent>
   <p:timing>
     <p:tnLst>
       <p:par>
-        <p:cTn id="1" dur="indefinite" restart="never" nodeType="tmRoot"/>
+        <p:cTn xmlns:p14="http://schemas.microsoft.com/office/powerpoint/2010/main" id="1" dur="indefinite" restart="never" nodeType="tmRoot"/>
       </p:par>
     </p:tnLst>
   </p:timing>
@@ -8128,8 +8419,8 @@
         </p:blipFill>
         <p:spPr>
           <a:xfrm>
-            <a:off x="931530" y="1532393"/>
-            <a:ext cx="7376689" cy="5056106"/>
+            <a:off x="931531" y="1149295"/>
+            <a:ext cx="7376689" cy="3792080"/>
           </a:xfrm>
           <a:prstGeom prst="rect">
             <a:avLst/>
@@ -8146,10 +8437,22 @@
   <p:clrMapOvr>
     <a:masterClrMapping/>
   </p:clrMapOvr>
+  <mc:AlternateContent xmlns:mc="http://schemas.openxmlformats.org/markup-compatibility/2006">
+    <mc:Choice xmlns:p14="http://schemas.microsoft.com/office/powerpoint/2010/main" Requires="p14">
+      <p:transition spd="slow" p14:dur="1400">
+        <p14:ripple/>
+      </p:transition>
+    </mc:Choice>
+    <mc:Fallback>
+      <p:transition xmlns:p14="http://schemas.microsoft.com/office/powerpoint/2010/main" spd="slow">
+        <p:fade/>
+      </p:transition>
+    </mc:Fallback>
+  </mc:AlternateContent>
   <p:timing>
     <p:tnLst>
       <p:par>
-        <p:cTn id="1" dur="indefinite" restart="never" nodeType="tmRoot"/>
+        <p:cTn xmlns:p14="http://schemas.microsoft.com/office/powerpoint/2010/main" id="1" dur="indefinite" restart="never" nodeType="tmRoot"/>
       </p:par>
     </p:tnLst>
   </p:timing>
@@ -8212,8 +8515,8 @@
         </p:blipFill>
         <p:spPr>
           <a:xfrm>
-            <a:off x="0" y="2020637"/>
-            <a:ext cx="9144000" cy="1843548"/>
+            <a:off x="0" y="1515478"/>
+            <a:ext cx="9144000" cy="1382661"/>
           </a:xfrm>
           <a:prstGeom prst="rect">
             <a:avLst/>
@@ -8232,8 +8535,8 @@
         </p:nvSpPr>
         <p:spPr>
           <a:xfrm>
-            <a:off x="457200" y="3997234"/>
-            <a:ext cx="8229600" cy="2651443"/>
+            <a:off x="457200" y="2997926"/>
+            <a:ext cx="8229600" cy="1988582"/>
           </a:xfrm>
         </p:spPr>
         <p:txBody>
@@ -8264,7 +8567,6 @@
               <a:rPr lang="en-US" dirty="0" smtClean="0"/>
               <a:t>)</a:t>
             </a:r>
-            <a:endParaRPr lang="en-US" dirty="0" smtClean="0"/>
           </a:p>
         </p:txBody>
       </p:sp>
@@ -8278,10 +8580,22 @@
   <p:clrMapOvr>
     <a:masterClrMapping/>
   </p:clrMapOvr>
+  <mc:AlternateContent xmlns:mc="http://schemas.openxmlformats.org/markup-compatibility/2006">
+    <mc:Choice xmlns:p14="http://schemas.microsoft.com/office/powerpoint/2010/main" Requires="p14">
+      <p:transition spd="slow" p14:dur="1400">
+        <p14:ripple/>
+      </p:transition>
+    </mc:Choice>
+    <mc:Fallback>
+      <p:transition xmlns:p14="http://schemas.microsoft.com/office/powerpoint/2010/main" spd="slow">
+        <p:fade/>
+      </p:transition>
+    </mc:Fallback>
+  </mc:AlternateContent>
   <p:timing>
     <p:tnLst>
       <p:par>
-        <p:cTn id="1" dur="indefinite" restart="never" nodeType="tmRoot"/>
+        <p:cTn xmlns:p14="http://schemas.microsoft.com/office/powerpoint/2010/main" id="1" dur="indefinite" restart="never" nodeType="tmRoot"/>
       </p:par>
     </p:tnLst>
   </p:timing>
@@ -8344,8 +8658,8 @@
         </p:blipFill>
         <p:spPr>
           <a:xfrm>
-            <a:off x="1380309" y="1951924"/>
-            <a:ext cx="6527800" cy="2514600"/>
+            <a:off x="1380309" y="1463943"/>
+            <a:ext cx="6527800" cy="1885950"/>
           </a:xfrm>
           <a:prstGeom prst="rect">
             <a:avLst/>
@@ -8362,10 +8676,22 @@
   <p:clrMapOvr>
     <a:masterClrMapping/>
   </p:clrMapOvr>
+  <mc:AlternateContent xmlns:mc="http://schemas.openxmlformats.org/markup-compatibility/2006">
+    <mc:Choice xmlns:p14="http://schemas.microsoft.com/office/powerpoint/2010/main" Requires="p14">
+      <p:transition spd="slow" p14:dur="1400">
+        <p14:ripple/>
+      </p:transition>
+    </mc:Choice>
+    <mc:Fallback>
+      <p:transition xmlns:p14="http://schemas.microsoft.com/office/powerpoint/2010/main" spd="slow">
+        <p:fade/>
+      </p:transition>
+    </mc:Fallback>
+  </mc:AlternateContent>
   <p:timing>
     <p:tnLst>
       <p:par>
-        <p:cTn id="1" dur="indefinite" restart="never" nodeType="tmRoot"/>
+        <p:cTn xmlns:p14="http://schemas.microsoft.com/office/powerpoint/2010/main" id="1" dur="indefinite" restart="never" nodeType="tmRoot"/>
       </p:par>
     </p:tnLst>
   </p:timing>
@@ -8428,8 +8754,8 @@
         </p:blipFill>
         <p:spPr>
           <a:xfrm>
-            <a:off x="309151" y="1524000"/>
-            <a:ext cx="4635500" cy="4826000"/>
+            <a:off x="309151" y="1143000"/>
+            <a:ext cx="4635500" cy="3619500"/>
           </a:xfrm>
           <a:prstGeom prst="rect">
             <a:avLst/>
@@ -8448,12 +8774,14 @@
         </p:nvSpPr>
         <p:spPr>
           <a:xfrm>
-            <a:off x="5050970" y="1521823"/>
-            <a:ext cx="3971109" cy="4828177"/>
+            <a:off x="5050971" y="1141367"/>
+            <a:ext cx="3971109" cy="3621133"/>
           </a:xfrm>
         </p:spPr>
         <p:txBody>
-          <a:bodyPr/>
+          <a:bodyPr>
+            <a:normAutofit fontScale="92500" lnSpcReduction="10000"/>
+          </a:bodyPr>
           <a:lstStyle/>
           <a:p>
             <a:r>
@@ -8505,10 +8833,22 @@
   <p:clrMapOvr>
     <a:masterClrMapping/>
   </p:clrMapOvr>
+  <mc:AlternateContent xmlns:mc="http://schemas.openxmlformats.org/markup-compatibility/2006">
+    <mc:Choice xmlns:p14="http://schemas.microsoft.com/office/powerpoint/2010/main" Requires="p14">
+      <p:transition spd="slow" p14:dur="1400">
+        <p14:ripple/>
+      </p:transition>
+    </mc:Choice>
+    <mc:Fallback>
+      <p:transition xmlns:p14="http://schemas.microsoft.com/office/powerpoint/2010/main" spd="slow">
+        <p:fade/>
+      </p:transition>
+    </mc:Fallback>
+  </mc:AlternateContent>
   <p:timing>
     <p:tnLst>
       <p:par>
-        <p:cTn id="1" dur="indefinite" restart="never" nodeType="tmRoot"/>
+        <p:cTn xmlns:p14="http://schemas.microsoft.com/office/powerpoint/2010/main" id="1" dur="indefinite" restart="never" nodeType="tmRoot"/>
       </p:par>
     </p:tnLst>
   </p:timing>

--- a/media/IntegrationTesting.pptx
+++ b/media/IntegrationTesting.pptx
@@ -5,37 +5,39 @@
     <p:sldMasterId id="2147483648" r:id="rId1"/>
   </p:sldMasterIdLst>
   <p:notesMasterIdLst>
-    <p:notesMasterId r:id="rId30"/>
+    <p:notesMasterId r:id="rId32"/>
   </p:notesMasterIdLst>
   <p:sldIdLst>
     <p:sldId id="276" r:id="rId2"/>
     <p:sldId id="285" r:id="rId3"/>
-    <p:sldId id="257" r:id="rId4"/>
-    <p:sldId id="258" r:id="rId5"/>
-    <p:sldId id="264" r:id="rId6"/>
-    <p:sldId id="277" r:id="rId7"/>
-    <p:sldId id="266" r:id="rId8"/>
+    <p:sldId id="258" r:id="rId4"/>
+    <p:sldId id="264" r:id="rId5"/>
+    <p:sldId id="277" r:id="rId6"/>
+    <p:sldId id="266" r:id="rId7"/>
+    <p:sldId id="268" r:id="rId8"/>
     <p:sldId id="267" r:id="rId9"/>
-    <p:sldId id="268" r:id="rId10"/>
-    <p:sldId id="269" r:id="rId11"/>
-    <p:sldId id="265" r:id="rId12"/>
-    <p:sldId id="259" r:id="rId13"/>
-    <p:sldId id="270" r:id="rId14"/>
-    <p:sldId id="279" r:id="rId15"/>
-    <p:sldId id="280" r:id="rId16"/>
+    <p:sldId id="269" r:id="rId10"/>
+    <p:sldId id="265" r:id="rId11"/>
+    <p:sldId id="259" r:id="rId12"/>
+    <p:sldId id="270" r:id="rId13"/>
+    <p:sldId id="279" r:id="rId14"/>
+    <p:sldId id="280" r:id="rId15"/>
+    <p:sldId id="287" r:id="rId16"/>
     <p:sldId id="281" r:id="rId17"/>
     <p:sldId id="282" r:id="rId18"/>
     <p:sldId id="278" r:id="rId19"/>
     <p:sldId id="271" r:id="rId20"/>
     <p:sldId id="260" r:id="rId21"/>
     <p:sldId id="272" r:id="rId22"/>
-    <p:sldId id="261" r:id="rId23"/>
-    <p:sldId id="284" r:id="rId24"/>
-    <p:sldId id="262" r:id="rId25"/>
-    <p:sldId id="273" r:id="rId26"/>
-    <p:sldId id="275" r:id="rId27"/>
-    <p:sldId id="263" r:id="rId28"/>
-    <p:sldId id="274" r:id="rId29"/>
+    <p:sldId id="288" r:id="rId23"/>
+    <p:sldId id="261" r:id="rId24"/>
+    <p:sldId id="284" r:id="rId25"/>
+    <p:sldId id="262" r:id="rId26"/>
+    <p:sldId id="273" r:id="rId27"/>
+    <p:sldId id="275" r:id="rId28"/>
+    <p:sldId id="263" r:id="rId29"/>
+    <p:sldId id="274" r:id="rId30"/>
+    <p:sldId id="286" r:id="rId31"/>
   </p:sldIdLst>
   <p:sldSz cx="9144000" cy="5143500" type="screen16x9"/>
   <p:notesSz cx="6858000" cy="9144000"/>
@@ -136,7 +138,7 @@
   </p:defaultTextStyle>
   <p:extLst>
     <p:ext uri="{EFAFB233-063F-42B5-8137-9DF3F51BA10A}">
-      <p15:sldGuideLst xmlns:p15="http://schemas.microsoft.com/office/powerpoint/2012/main" xmlns="">
+      <p15:sldGuideLst xmlns="" xmlns:p15="http://schemas.microsoft.com/office/powerpoint/2012/main">
         <p15:guide id="1" orient="horz" pos="2160">
           <p15:clr>
             <a:srgbClr val="A4A3A4"/>
@@ -235,7 +237,7 @@
           <a:p>
             <a:fld id="{7A4BB628-9B63-1E43-9AE4-11E885AA5208}" type="datetimeFigureOut">
               <a:rPr lang="en-US" smtClean="0"/>
-              <a:t>10/11/14</a:t>
+              <a:t>12/11/14</a:t>
             </a:fld>
             <a:endParaRPr lang="en-US"/>
           </a:p>
@@ -813,7 +815,7 @@
           <a:p>
             <a:fld id="{DE6F8740-6ED4-7648-895A-FD7204BCC1ED}" type="slidenum">
               <a:rPr lang="en-US" smtClean="0"/>
-              <a:t>5</a:t>
+              <a:t>4</a:t>
             </a:fld>
             <a:endParaRPr lang="en-US"/>
           </a:p>
@@ -914,7 +916,7 @@
           <a:p>
             <a:fld id="{DE6F8740-6ED4-7648-895A-FD7204BCC1ED}" type="slidenum">
               <a:rPr lang="en-US" smtClean="0"/>
-              <a:t>6</a:t>
+              <a:t>5</a:t>
             </a:fld>
             <a:endParaRPr lang="en-US"/>
           </a:p>
@@ -1015,7 +1017,7 @@
           <a:p>
             <a:fld id="{DE6F8740-6ED4-7648-895A-FD7204BCC1ED}" type="slidenum">
               <a:rPr lang="en-US" smtClean="0"/>
-              <a:t>11</a:t>
+              <a:t>10</a:t>
             </a:fld>
             <a:endParaRPr lang="en-US"/>
           </a:p>
@@ -1215,7 +1217,7 @@
           <a:p>
             <a:fld id="{F99B854D-7ADB-7140-951F-D87B07F179DC}" type="datetimeFigureOut">
               <a:rPr lang="en-US" smtClean="0"/>
-              <a:t>10/11/14</a:t>
+              <a:t>12/11/14</a:t>
             </a:fld>
             <a:endParaRPr lang="en-US"/>
           </a:p>
@@ -1385,7 +1387,7 @@
           <a:p>
             <a:fld id="{F99B854D-7ADB-7140-951F-D87B07F179DC}" type="datetimeFigureOut">
               <a:rPr lang="en-US" smtClean="0"/>
-              <a:t>10/11/14</a:t>
+              <a:t>12/11/14</a:t>
             </a:fld>
             <a:endParaRPr lang="en-US"/>
           </a:p>
@@ -1565,7 +1567,7 @@
           <a:p>
             <a:fld id="{F99B854D-7ADB-7140-951F-D87B07F179DC}" type="datetimeFigureOut">
               <a:rPr lang="en-US" smtClean="0"/>
-              <a:t>10/11/14</a:t>
+              <a:t>12/11/14</a:t>
             </a:fld>
             <a:endParaRPr lang="en-US"/>
           </a:p>
@@ -1659,10 +1661,26 @@
           <a:lstStyle/>
           <a:p>
             <a:r>
-              <a:rPr lang="de-DE" smtClean="0"/>
-              <a:t>Click to edit Master title style</a:t>
-            </a:r>
-            <a:endParaRPr lang="en-US"/>
+              <a:rPr lang="de-DE" dirty="0" smtClean="0"/>
+              <a:t>Click </a:t>
+            </a:r>
+            <a:r>
+              <a:rPr lang="de-DE" dirty="0" err="1" smtClean="0"/>
+              <a:t>to</a:t>
+            </a:r>
+            <a:r>
+              <a:rPr lang="de-DE" dirty="0" smtClean="0"/>
+              <a:t> </a:t>
+            </a:r>
+            <a:r>
+              <a:rPr lang="de-DE" dirty="0" err="1" smtClean="0"/>
+              <a:t>edit</a:t>
+            </a:r>
+            <a:r>
+              <a:rPr lang="de-DE" dirty="0" smtClean="0"/>
+              <a:t> Master title style</a:t>
+            </a:r>
+            <a:endParaRPr lang="en-US" dirty="0"/>
           </a:p>
         </p:txBody>
       </p:sp>
@@ -1735,7 +1753,7 @@
           <a:p>
             <a:fld id="{F99B854D-7ADB-7140-951F-D87B07F179DC}" type="datetimeFigureOut">
               <a:rPr lang="en-US" smtClean="0"/>
-              <a:t>10/11/14</a:t>
+              <a:t>12/11/14</a:t>
             </a:fld>
             <a:endParaRPr lang="en-US"/>
           </a:p>
@@ -1981,7 +1999,7 @@
           <a:p>
             <a:fld id="{F99B854D-7ADB-7140-951F-D87B07F179DC}" type="datetimeFigureOut">
               <a:rPr lang="en-US" smtClean="0"/>
-              <a:t>10/11/14</a:t>
+              <a:t>12/11/14</a:t>
             </a:fld>
             <a:endParaRPr lang="en-US"/>
           </a:p>
@@ -2269,7 +2287,7 @@
           <a:p>
             <a:fld id="{F99B854D-7ADB-7140-951F-D87B07F179DC}" type="datetimeFigureOut">
               <a:rPr lang="en-US" smtClean="0"/>
-              <a:t>10/11/14</a:t>
+              <a:t>12/11/14</a:t>
             </a:fld>
             <a:endParaRPr lang="en-US"/>
           </a:p>
@@ -2691,7 +2709,7 @@
           <a:p>
             <a:fld id="{F99B854D-7ADB-7140-951F-D87B07F179DC}" type="datetimeFigureOut">
               <a:rPr lang="en-US" smtClean="0"/>
-              <a:t>10/11/14</a:t>
+              <a:t>12/11/14</a:t>
             </a:fld>
             <a:endParaRPr lang="en-US"/>
           </a:p>
@@ -2809,7 +2827,7 @@
           <a:p>
             <a:fld id="{F99B854D-7ADB-7140-951F-D87B07F179DC}" type="datetimeFigureOut">
               <a:rPr lang="en-US" smtClean="0"/>
-              <a:t>10/11/14</a:t>
+              <a:t>12/11/14</a:t>
             </a:fld>
             <a:endParaRPr lang="en-US"/>
           </a:p>
@@ -2904,7 +2922,7 @@
           <a:p>
             <a:fld id="{F99B854D-7ADB-7140-951F-D87B07F179DC}" type="datetimeFigureOut">
               <a:rPr lang="en-US" smtClean="0"/>
-              <a:t>10/11/14</a:t>
+              <a:t>12/11/14</a:t>
             </a:fld>
             <a:endParaRPr lang="en-US"/>
           </a:p>
@@ -3181,7 +3199,7 @@
           <a:p>
             <a:fld id="{F99B854D-7ADB-7140-951F-D87B07F179DC}" type="datetimeFigureOut">
               <a:rPr lang="en-US" smtClean="0"/>
-              <a:t>10/11/14</a:t>
+              <a:t>12/11/14</a:t>
             </a:fld>
             <a:endParaRPr lang="en-US"/>
           </a:p>
@@ -3434,7 +3452,7 @@
           <a:p>
             <a:fld id="{F99B854D-7ADB-7140-951F-D87B07F179DC}" type="datetimeFigureOut">
               <a:rPr lang="en-US" smtClean="0"/>
-              <a:t>10/11/14</a:t>
+              <a:t>12/11/14</a:t>
             </a:fld>
             <a:endParaRPr lang="en-US"/>
           </a:p>
@@ -3500,7 +3518,7 @@
   <p:cSld>
     <p:bg>
       <p:bgRef idx="1001">
-        <a:schemeClr val="bg1"/>
+        <a:schemeClr val="bg2"/>
       </p:bgRef>
     </p:bg>
     <p:spTree>
@@ -3535,7 +3553,39 @@
           <a:prstGeom prst="rect">
             <a:avLst/>
           </a:prstGeom>
+          <a:gradFill flip="none" rotWithShape="1">
+            <a:gsLst>
+              <a:gs pos="0">
+                <a:schemeClr val="accent1"/>
+              </a:gs>
+              <a:gs pos="100000">
+                <a:schemeClr val="accent2">
+                  <a:lumMod val="40000"/>
+                  <a:lumOff val="60000"/>
+                </a:schemeClr>
+              </a:gs>
+            </a:gsLst>
+            <a:lin ang="16200000" scaled="0"/>
+            <a:tileRect/>
+          </a:gradFill>
+          <a:ln>
+            <a:noFill/>
+          </a:ln>
         </p:spPr>
+        <p:style>
+          <a:lnRef idx="2">
+            <a:schemeClr val="accent1">
+              <a:shade val="50000"/>
+            </a:schemeClr>
+          </a:lnRef>
+          <a:fillRef idx="1">
+            <a:schemeClr val="accent1"/>
+          </a:fillRef>
+          <a:effectRef idx="0">
+            <a:schemeClr val="accent1"/>
+          </a:effectRef>
+          <a:fontRef idx="none"/>
+        </p:style>
         <p:txBody>
           <a:bodyPr vert="horz" lIns="91440" tIns="45720" rIns="91440" bIns="45720" rtlCol="0" anchor="ctr">
             <a:normAutofit/>
@@ -3543,10 +3593,30 @@
           <a:lstStyle/>
           <a:p>
             <a:r>
-              <a:rPr lang="de-DE" smtClean="0"/>
-              <a:t>Click to edit Master title style</a:t>
-            </a:r>
-            <a:endParaRPr lang="en-US"/>
+              <a:rPr lang="de-DE" dirty="0" smtClean="0"/>
+              <a:t>Click </a:t>
+            </a:r>
+            <a:r>
+              <a:rPr lang="de-DE" dirty="0" err="1" smtClean="0"/>
+              <a:t>to</a:t>
+            </a:r>
+            <a:r>
+              <a:rPr lang="de-DE" dirty="0" smtClean="0"/>
+              <a:t> </a:t>
+            </a:r>
+            <a:r>
+              <a:rPr lang="de-DE" dirty="0" err="1" smtClean="0"/>
+              <a:t>edit</a:t>
+            </a:r>
+            <a:r>
+              <a:rPr lang="de-DE" dirty="0" smtClean="0"/>
+              <a:t> Master title </a:t>
+            </a:r>
+            <a:r>
+              <a:rPr lang="de-DE" dirty="0" smtClean="0"/>
+              <a:t>style</a:t>
+            </a:r>
+            <a:endParaRPr lang="en-US" dirty="0"/>
           </a:p>
         </p:txBody>
       </p:sp>
@@ -3647,7 +3717,7 @@
           <a:p>
             <a:fld id="{F99B854D-7ADB-7140-951F-D87B07F179DC}" type="datetimeFigureOut">
               <a:rPr lang="en-US" smtClean="0"/>
-              <a:t>10/11/14</a:t>
+              <a:t>12/11/14</a:t>
             </a:fld>
             <a:endParaRPr lang="en-US"/>
           </a:p>
@@ -3752,6 +3822,13 @@
     <p:sldLayoutId id="2147483658" r:id="rId10"/>
     <p:sldLayoutId id="2147483659" r:id="rId11"/>
   </p:sldLayoutIdLst>
+  <p:timing>
+    <p:tnLst>
+      <p:par>
+        <p:cTn xmlns:p14="http://schemas.microsoft.com/office/powerpoint/2010/main" id="1" dur="indefinite" restart="never" nodeType="tmRoot"/>
+      </p:par>
+    </p:tnLst>
+  </p:timing>
   <p:txStyles>
     <p:titleStyle>
       <a:lvl1pPr algn="ctr" defTabSz="457200" rtl="0" eaLnBrk="1" latinLnBrk="0" hangingPunct="1">
@@ -3759,10 +3836,28 @@
           <a:spcPct val="0"/>
         </a:spcBef>
         <a:buNone/>
-        <a:defRPr sz="4400" kern="1200">
+        <a:defRPr sz="4400" b="1" kern="1200" cap="none" spc="0">
+          <a:ln w="12700">
+            <a:solidFill>
+              <a:schemeClr val="tx2">
+                <a:satMod val="155000"/>
+              </a:schemeClr>
+            </a:solidFill>
+            <a:prstDash val="solid"/>
+          </a:ln>
           <a:solidFill>
-            <a:schemeClr val="tx1"/>
+            <a:schemeClr val="bg2">
+              <a:tint val="85000"/>
+              <a:satMod val="155000"/>
+            </a:schemeClr>
           </a:solidFill>
+          <a:effectLst>
+            <a:outerShdw blurRad="41275" dist="20320" dir="1800000" algn="tl" rotWithShape="0">
+              <a:srgbClr val="000000">
+                <a:alpha val="40000"/>
+              </a:srgbClr>
+            </a:outerShdw>
+          </a:effectLst>
           <a:latin typeface="+mj-lt"/>
           <a:ea typeface="+mj-ea"/>
           <a:cs typeface="+mj-cs"/>
@@ -4071,7 +4166,7 @@
         </p:spPr>
         <p:txBody>
           <a:bodyPr vert="horz" lIns="91440" tIns="45720" rIns="91440" bIns="45720" rtlCol="0" anchor="ctr">
-            <a:normAutofit fontScale="82500" lnSpcReduction="10000"/>
+            <a:normAutofit fontScale="75000" lnSpcReduction="20000"/>
           </a:bodyPr>
           <a:lstStyle>
             <a:lvl1pPr algn="ctr" defTabSz="457200" rtl="0" eaLnBrk="1" latinLnBrk="0" hangingPunct="1">
@@ -4098,7 +4193,27 @@
                   </a:schemeClr>
                 </a:solidFill>
               </a:rPr>
-              <a:t>Integration Testing</a:t>
+              <a:t>Integration </a:t>
+            </a:r>
+            <a:r>
+              <a:rPr lang="en-US" b="1" dirty="0" smtClean="0">
+                <a:solidFill>
+                  <a:schemeClr val="tx2">
+                    <a:lumMod val="50000"/>
+                  </a:schemeClr>
+                </a:solidFill>
+              </a:rPr>
+              <a:t>Tests</a:t>
+            </a:r>
+            <a:r>
+              <a:rPr lang="en-US" b="1" dirty="0" smtClean="0">
+                <a:solidFill>
+                  <a:schemeClr val="tx2">
+                    <a:lumMod val="50000"/>
+                  </a:schemeClr>
+                </a:solidFill>
+              </a:rPr>
+              <a:t/>
             </a:r>
             <a:br>
               <a:rPr lang="en-US" b="1" dirty="0" smtClean="0">
@@ -4117,7 +4232,17 @@
                   </a:schemeClr>
                 </a:solidFill>
               </a:rPr>
-              <a:t> with </a:t>
+              <a:t> </a:t>
+            </a:r>
+            <a:r>
+              <a:rPr lang="en-US" b="1" dirty="0" smtClean="0">
+                <a:solidFill>
+                  <a:schemeClr val="tx2">
+                    <a:lumMod val="50000"/>
+                  </a:schemeClr>
+                </a:solidFill>
+              </a:rPr>
+              <a:t>using </a:t>
             </a:r>
             <a:r>
               <a:rPr lang="en-US" b="1" dirty="0" err="1" smtClean="0">
@@ -4275,13 +4400,13 @@
   <p:clrMapOvr>
     <a:masterClrMapping/>
   </p:clrMapOvr>
-  <mc:AlternateContent xmlns:mc="http://schemas.openxmlformats.org/markup-compatibility/2006">
-    <mc:Choice xmlns:p14="http://schemas.microsoft.com/office/powerpoint/2010/main" Requires="p14">
+  <mc:AlternateContent xmlns:mc="http://schemas.openxmlformats.org/markup-compatibility/2006" xmlns:p14="http://schemas.microsoft.com/office/powerpoint/2010/main">
+    <mc:Choice Requires="p14">
       <p:transition spd="slow" p14:dur="1400">
         <p14:ripple/>
       </p:transition>
     </mc:Choice>
-    <mc:Fallback>
+    <mc:Fallback xmlns="">
       <p:transition xmlns:p14="http://schemas.microsoft.com/office/powerpoint/2010/main" spd="slow">
         <p:fade/>
       </p:transition>
@@ -4298,102 +4423,6 @@
 </file>
 
 <file path=ppt/slides/slide10.xml><?xml version="1.0" encoding="utf-8"?>
-<p:sld xmlns:a="http://schemas.openxmlformats.org/drawingml/2006/main" xmlns:r="http://schemas.openxmlformats.org/officeDocument/2006/relationships" xmlns:p="http://schemas.openxmlformats.org/presentationml/2006/main">
-  <p:cSld>
-    <p:spTree>
-      <p:nvGrpSpPr>
-        <p:cNvPr id="1" name=""/>
-        <p:cNvGrpSpPr/>
-        <p:nvPr/>
-      </p:nvGrpSpPr>
-      <p:grpSpPr>
-        <a:xfrm>
-          <a:off x="0" y="0"/>
-          <a:ext cx="0" cy="0"/>
-          <a:chOff x="0" y="0"/>
-          <a:chExt cx="0" cy="0"/>
-        </a:xfrm>
-      </p:grpSpPr>
-      <p:sp>
-        <p:nvSpPr>
-          <p:cNvPr id="2" name="Title 1"/>
-          <p:cNvSpPr>
-            <a:spLocks noGrp="1"/>
-          </p:cNvSpPr>
-          <p:nvPr>
-            <p:ph type="title"/>
-          </p:nvPr>
-        </p:nvSpPr>
-        <p:spPr/>
-        <p:txBody>
-          <a:bodyPr/>
-          <a:lstStyle/>
-          <a:p>
-            <a:r>
-              <a:rPr lang="en-US" dirty="0" smtClean="0"/>
-              <a:t>Waiting for the container</a:t>
-            </a:r>
-            <a:endParaRPr lang="en-US" dirty="0"/>
-          </a:p>
-        </p:txBody>
-      </p:sp>
-      <p:pic>
-        <p:nvPicPr>
-          <p:cNvPr id="4" name="Picture 3"/>
-          <p:cNvPicPr>
-            <a:picLocks noChangeAspect="1"/>
-          </p:cNvPicPr>
-          <p:nvPr/>
-        </p:nvPicPr>
-        <p:blipFill>
-          <a:blip r:embed="rId2"/>
-          <a:stretch>
-            <a:fillRect/>
-          </a:stretch>
-        </p:blipFill>
-        <p:spPr>
-          <a:xfrm>
-            <a:off x="552788" y="1266825"/>
-            <a:ext cx="8013700" cy="2600325"/>
-          </a:xfrm>
-          <a:prstGeom prst="rect">
-            <a:avLst/>
-          </a:prstGeom>
-        </p:spPr>
-      </p:pic>
-    </p:spTree>
-    <p:extLst>
-      <p:ext uri="{BB962C8B-B14F-4D97-AF65-F5344CB8AC3E}">
-        <p14:creationId xmlns:p14="http://schemas.microsoft.com/office/powerpoint/2010/main" val="192258290"/>
-      </p:ext>
-    </p:extLst>
-  </p:cSld>
-  <p:clrMapOvr>
-    <a:masterClrMapping/>
-  </p:clrMapOvr>
-  <mc:AlternateContent xmlns:mc="http://schemas.openxmlformats.org/markup-compatibility/2006">
-    <mc:Choice xmlns:p14="http://schemas.microsoft.com/office/powerpoint/2010/main" Requires="p14">
-      <p:transition spd="slow" p14:dur="1400">
-        <p14:ripple/>
-      </p:transition>
-    </mc:Choice>
-    <mc:Fallback>
-      <p:transition xmlns:p14="http://schemas.microsoft.com/office/powerpoint/2010/main" spd="slow">
-        <p:fade/>
-      </p:transition>
-    </mc:Fallback>
-  </mc:AlternateContent>
-  <p:timing>
-    <p:tnLst>
-      <p:par>
-        <p:cTn xmlns:p14="http://schemas.microsoft.com/office/powerpoint/2010/main" id="1" dur="indefinite" restart="never" nodeType="tmRoot"/>
-      </p:par>
-    </p:tnLst>
-  </p:timing>
-</p:sld>
-</file>
-
-<file path=ppt/slides/slide11.xml><?xml version="1.0" encoding="utf-8"?>
 <p:sld xmlns:a="http://schemas.openxmlformats.org/drawingml/2006/main" xmlns:r="http://schemas.openxmlformats.org/officeDocument/2006/relationships" xmlns:p="http://schemas.openxmlformats.org/presentationml/2006/main">
   <p:cSld>
     <p:spTree>
@@ -5176,13 +5205,13 @@
   <p:clrMapOvr>
     <a:masterClrMapping/>
   </p:clrMapOvr>
-  <mc:AlternateContent xmlns:mc="http://schemas.openxmlformats.org/markup-compatibility/2006">
-    <mc:Choice xmlns:p14="http://schemas.microsoft.com/office/powerpoint/2010/main" Requires="p14">
+  <mc:AlternateContent xmlns:mc="http://schemas.openxmlformats.org/markup-compatibility/2006" xmlns:p14="http://schemas.microsoft.com/office/powerpoint/2010/main">
+    <mc:Choice Requires="p14">
       <p:transition spd="slow" p14:dur="1400">
         <p14:ripple/>
       </p:transition>
     </mc:Choice>
-    <mc:Fallback>
+    <mc:Fallback xmlns="">
       <p:transition xmlns:p14="http://schemas.microsoft.com/office/powerpoint/2010/main" spd="slow">
         <p:fade/>
       </p:transition>
@@ -5198,7 +5227,7 @@
 </p:sld>
 </file>
 
-<file path=ppt/slides/slide12.xml><?xml version="1.0" encoding="utf-8"?>
+<file path=ppt/slides/slide11.xml><?xml version="1.0" encoding="utf-8"?>
 <p:sld xmlns:a="http://schemas.openxmlformats.org/drawingml/2006/main" xmlns:r="http://schemas.openxmlformats.org/officeDocument/2006/relationships" xmlns:p="http://schemas.openxmlformats.org/presentationml/2006/main">
   <p:cSld>
     <p:spTree>
@@ -5305,13 +5334,139 @@
   <p:clrMapOvr>
     <a:masterClrMapping/>
   </p:clrMapOvr>
-  <mc:AlternateContent xmlns:mc="http://schemas.openxmlformats.org/markup-compatibility/2006">
-    <mc:Choice xmlns:p14="http://schemas.microsoft.com/office/powerpoint/2010/main" Requires="p14">
+  <mc:AlternateContent xmlns:mc="http://schemas.openxmlformats.org/markup-compatibility/2006" xmlns:p14="http://schemas.microsoft.com/office/powerpoint/2010/main">
+    <mc:Choice Requires="p14">
       <p:transition spd="slow" p14:dur="1400">
         <p14:ripple/>
       </p:transition>
     </mc:Choice>
-    <mc:Fallback>
+    <mc:Fallback xmlns="">
+      <p:transition xmlns:p14="http://schemas.microsoft.com/office/powerpoint/2010/main" spd="slow">
+        <p:fade/>
+      </p:transition>
+    </mc:Fallback>
+  </mc:AlternateContent>
+  <p:timing>
+    <p:tnLst>
+      <p:par>
+        <p:cTn xmlns:p14="http://schemas.microsoft.com/office/powerpoint/2010/main" id="1" dur="indefinite" restart="never" nodeType="tmRoot"/>
+      </p:par>
+    </p:tnLst>
+  </p:timing>
+</p:sld>
+</file>
+
+<file path=ppt/slides/slide12.xml><?xml version="1.0" encoding="utf-8"?>
+<p:sld xmlns:a="http://schemas.openxmlformats.org/drawingml/2006/main" xmlns:r="http://schemas.openxmlformats.org/officeDocument/2006/relationships" xmlns:p="http://schemas.openxmlformats.org/presentationml/2006/main">
+  <p:cSld>
+    <p:spTree>
+      <p:nvGrpSpPr>
+        <p:cNvPr id="1" name=""/>
+        <p:cNvGrpSpPr/>
+        <p:nvPr/>
+      </p:nvGrpSpPr>
+      <p:grpSpPr>
+        <a:xfrm>
+          <a:off x="0" y="0"/>
+          <a:ext cx="0" cy="0"/>
+          <a:chOff x="0" y="0"/>
+          <a:chExt cx="0" cy="0"/>
+        </a:xfrm>
+      </p:grpSpPr>
+      <p:sp>
+        <p:nvSpPr>
+          <p:cNvPr id="2" name="Title 1"/>
+          <p:cNvSpPr>
+            <a:spLocks noGrp="1"/>
+          </p:cNvSpPr>
+          <p:nvPr>
+            <p:ph type="title"/>
+          </p:nvPr>
+        </p:nvSpPr>
+        <p:spPr/>
+        <p:txBody>
+          <a:bodyPr/>
+          <a:lstStyle/>
+          <a:p>
+            <a:r>
+              <a:rPr lang="en-GB" dirty="0" err="1" smtClean="0"/>
+              <a:t>Docker</a:t>
+            </a:r>
+            <a:r>
+              <a:rPr lang="en-GB" dirty="0" smtClean="0"/>
+              <a:t> in a nutshell</a:t>
+            </a:r>
+            <a:endParaRPr lang="en-US" dirty="0"/>
+          </a:p>
+        </p:txBody>
+      </p:sp>
+      <p:pic>
+        <p:nvPicPr>
+          <p:cNvPr id="3" name="Picture 2"/>
+          <p:cNvPicPr>
+            <a:picLocks noChangeAspect="1"/>
+          </p:cNvPicPr>
+          <p:nvPr/>
+        </p:nvPicPr>
+        <p:blipFill>
+          <a:blip r:embed="rId2"/>
+          <a:stretch>
+            <a:fillRect/>
+          </a:stretch>
+        </p:blipFill>
+        <p:spPr>
+          <a:xfrm>
+            <a:off x="596348" y="1181652"/>
+            <a:ext cx="6394173" cy="3738786"/>
+          </a:xfrm>
+          <a:prstGeom prst="rect">
+            <a:avLst/>
+          </a:prstGeom>
+        </p:spPr>
+      </p:pic>
+      <p:pic>
+        <p:nvPicPr>
+          <p:cNvPr id="5" name="Picture 4">
+            <a:hlinkClick r:id="rId3"/>
+          </p:cNvPr>
+          <p:cNvPicPr>
+            <a:picLocks noChangeAspect="1"/>
+          </p:cNvPicPr>
+          <p:nvPr/>
+        </p:nvPicPr>
+        <p:blipFill>
+          <a:blip r:embed="rId4"/>
+          <a:stretch>
+            <a:fillRect/>
+          </a:stretch>
+        </p:blipFill>
+        <p:spPr>
+          <a:xfrm>
+            <a:off x="4802258" y="2324100"/>
+            <a:ext cx="2044700" cy="482600"/>
+          </a:xfrm>
+          <a:prstGeom prst="rect">
+            <a:avLst/>
+          </a:prstGeom>
+        </p:spPr>
+      </p:pic>
+    </p:spTree>
+    <p:extLst>
+      <p:ext uri="{BB962C8B-B14F-4D97-AF65-F5344CB8AC3E}">
+        <p14:creationId xmlns:p14="http://schemas.microsoft.com/office/powerpoint/2010/main" val="1864384749"/>
+      </p:ext>
+    </p:extLst>
+  </p:cSld>
+  <p:clrMapOvr>
+    <a:masterClrMapping/>
+  </p:clrMapOvr>
+  <mc:AlternateContent xmlns:mc="http://schemas.openxmlformats.org/markup-compatibility/2006" xmlns:p14="http://schemas.microsoft.com/office/powerpoint/2010/main">
+    <mc:Choice Requires="p14">
+      <p:transition spd="slow" p14:dur="1400">
+        <p14:ripple/>
+      </p:transition>
+    </mc:Choice>
+    <mc:Fallback xmlns="">
       <p:transition xmlns:p14="http://schemas.microsoft.com/office/powerpoint/2010/main" spd="slow">
         <p:fade/>
       </p:transition>
@@ -5360,34 +5515,62 @@
           <a:lstStyle/>
           <a:p>
             <a:r>
+              <a:rPr lang="en-GB" dirty="0" smtClean="0"/>
+              <a:t>Layering </a:t>
+            </a:r>
+            <a:r>
               <a:rPr lang="en-GB" dirty="0" err="1" smtClean="0"/>
               <a:t>Docker</a:t>
             </a:r>
             <a:r>
               <a:rPr lang="en-GB" dirty="0" smtClean="0"/>
-              <a:t> in a nutshell</a:t>
+              <a:t> images</a:t>
             </a:r>
             <a:endParaRPr lang="en-US" dirty="0"/>
           </a:p>
         </p:txBody>
       </p:sp>
+      <p:pic>
+        <p:nvPicPr>
+          <p:cNvPr id="3" name="Picture 2"/>
+          <p:cNvPicPr>
+            <a:picLocks noChangeAspect="1"/>
+          </p:cNvPicPr>
+          <p:nvPr/>
+        </p:nvPicPr>
+        <p:blipFill>
+          <a:blip r:embed="rId2"/>
+          <a:stretch>
+            <a:fillRect/>
+          </a:stretch>
+        </p:blipFill>
+        <p:spPr>
+          <a:xfrm>
+            <a:off x="1623400" y="1206788"/>
+            <a:ext cx="6133547" cy="3677732"/>
+          </a:xfrm>
+          <a:prstGeom prst="rect">
+            <a:avLst/>
+          </a:prstGeom>
+        </p:spPr>
+      </p:pic>
     </p:spTree>
     <p:extLst>
       <p:ext uri="{BB962C8B-B14F-4D97-AF65-F5344CB8AC3E}">
-        <p14:creationId xmlns:p14="http://schemas.microsoft.com/office/powerpoint/2010/main" val="1864384749"/>
+        <p14:creationId xmlns:p14="http://schemas.microsoft.com/office/powerpoint/2010/main" val="3994635636"/>
       </p:ext>
     </p:extLst>
   </p:cSld>
   <p:clrMapOvr>
     <a:masterClrMapping/>
   </p:clrMapOvr>
-  <mc:AlternateContent xmlns:mc="http://schemas.openxmlformats.org/markup-compatibility/2006">
-    <mc:Choice xmlns:p14="http://schemas.microsoft.com/office/powerpoint/2010/main" Requires="p14">
+  <mc:AlternateContent xmlns:mc="http://schemas.openxmlformats.org/markup-compatibility/2006" xmlns:p14="http://schemas.microsoft.com/office/powerpoint/2010/main">
+    <mc:Choice Requires="p14">
       <p:transition spd="slow" p14:dur="1400">
         <p14:ripple/>
       </p:transition>
     </mc:Choice>
-    <mc:Fallback>
+    <mc:Fallback xmlns="">
       <p:transition xmlns:p14="http://schemas.microsoft.com/office/powerpoint/2010/main" spd="slow">
         <p:fade/>
       </p:transition>
@@ -5432,21 +5615,266 @@
         </p:nvSpPr>
         <p:spPr/>
         <p:txBody>
-          <a:bodyPr/>
+          <a:bodyPr>
+            <a:normAutofit/>
+          </a:bodyPr>
           <a:lstStyle/>
           <a:p>
             <a:r>
               <a:rPr lang="en-GB" dirty="0" smtClean="0"/>
-              <a:t>Layering </a:t>
-            </a:r>
-            <a:r>
-              <a:rPr lang="en-GB" dirty="0" err="1" smtClean="0"/>
-              <a:t>Docker</a:t>
-            </a:r>
-            <a:r>
-              <a:rPr lang="en-GB" dirty="0" smtClean="0"/>
-              <a:t> images</a:t>
-            </a:r>
+              <a:t>Basic Container Test image</a:t>
+            </a:r>
+            <a:endParaRPr lang="en-US" dirty="0"/>
+          </a:p>
+        </p:txBody>
+      </p:sp>
+      <p:sp>
+        <p:nvSpPr>
+          <p:cNvPr id="3" name="Rectangle 2"/>
+          <p:cNvSpPr/>
+          <p:nvPr/>
+        </p:nvSpPr>
+        <p:spPr>
+          <a:xfrm>
+            <a:off x="457200" y="1181989"/>
+            <a:ext cx="8229600" cy="3970318"/>
+          </a:xfrm>
+          <a:prstGeom prst="rect">
+            <a:avLst/>
+          </a:prstGeom>
+        </p:spPr>
+        <p:txBody>
+          <a:bodyPr wrap="square">
+            <a:spAutoFit/>
+          </a:bodyPr>
+          <a:lstStyle/>
+          <a:p>
+            <a:r>
+              <a:rPr lang="en-US" b="1" dirty="0">
+                <a:latin typeface="Courier New"/>
+                <a:cs typeface="Courier New"/>
+              </a:rPr>
+              <a:t># The basic image to run Blended containers</a:t>
+            </a:r>
+          </a:p>
+          <a:p>
+            <a:r>
+              <a:rPr lang="en-US" b="1" dirty="0">
+                <a:latin typeface="Courier New"/>
+                <a:cs typeface="Courier New"/>
+              </a:rPr>
+              <a:t>FROM centos:6.4</a:t>
+            </a:r>
+          </a:p>
+          <a:p>
+            <a:endParaRPr lang="en-US" b="1" dirty="0">
+              <a:latin typeface="Courier New"/>
+              <a:cs typeface="Courier New"/>
+            </a:endParaRPr>
+          </a:p>
+          <a:p>
+            <a:r>
+              <a:rPr lang="en-US" b="1" dirty="0">
+                <a:latin typeface="Courier New"/>
+                <a:cs typeface="Courier New"/>
+              </a:rPr>
+              <a:t>MAINTAINER Andreas </a:t>
+            </a:r>
+            <a:r>
+              <a:rPr lang="en-US" b="1" dirty="0" err="1">
+                <a:latin typeface="Courier New"/>
+                <a:cs typeface="Courier New"/>
+              </a:rPr>
+              <a:t>Gies</a:t>
+            </a:r>
+            <a:r>
+              <a:rPr lang="en-US" b="1" dirty="0">
+                <a:latin typeface="Courier New"/>
+                <a:cs typeface="Courier New"/>
+              </a:rPr>
+              <a:t> version: 1.0.7-</a:t>
+            </a:r>
+            <a:r>
+              <a:rPr lang="en-US" b="1" dirty="0" smtClean="0">
+                <a:latin typeface="Courier New"/>
+                <a:cs typeface="Courier New"/>
+              </a:rPr>
+              <a:t>M6-</a:t>
+            </a:r>
+            <a:r>
+              <a:rPr lang="en-US" b="1" dirty="0">
+                <a:latin typeface="Courier New"/>
+                <a:cs typeface="Courier New"/>
+              </a:rPr>
+              <a:t>SNAPSHOT</a:t>
+            </a:r>
+          </a:p>
+          <a:p>
+            <a:endParaRPr lang="en-US" b="1" dirty="0">
+              <a:latin typeface="Courier New"/>
+              <a:cs typeface="Courier New"/>
+            </a:endParaRPr>
+          </a:p>
+          <a:p>
+            <a:r>
+              <a:rPr lang="en-US" b="1" dirty="0">
+                <a:latin typeface="Courier New"/>
+                <a:cs typeface="Courier New"/>
+              </a:rPr>
+              <a:t># Installation section</a:t>
+            </a:r>
+          </a:p>
+          <a:p>
+            <a:r>
+              <a:rPr lang="en-US" b="1" dirty="0">
+                <a:latin typeface="Courier New"/>
+                <a:cs typeface="Courier New"/>
+              </a:rPr>
+              <a:t>RUN </a:t>
+            </a:r>
+            <a:r>
+              <a:rPr lang="en-US" b="1" dirty="0" err="1">
+                <a:latin typeface="Courier New"/>
+                <a:cs typeface="Courier New"/>
+              </a:rPr>
+              <a:t>groupadd</a:t>
+            </a:r>
+            <a:r>
+              <a:rPr lang="en-US" b="1" dirty="0">
+                <a:latin typeface="Courier New"/>
+                <a:cs typeface="Courier New"/>
+              </a:rPr>
+              <a:t> blended</a:t>
+            </a:r>
+          </a:p>
+          <a:p>
+            <a:r>
+              <a:rPr lang="en-US" b="1" dirty="0">
+                <a:latin typeface="Courier New"/>
+                <a:cs typeface="Courier New"/>
+              </a:rPr>
+              <a:t>RUN </a:t>
+            </a:r>
+            <a:r>
+              <a:rPr lang="en-US" b="1" dirty="0" err="1">
+                <a:latin typeface="Courier New"/>
+                <a:cs typeface="Courier New"/>
+              </a:rPr>
+              <a:t>useradd</a:t>
+            </a:r>
+            <a:r>
+              <a:rPr lang="en-US" b="1" dirty="0">
+                <a:latin typeface="Courier New"/>
+                <a:cs typeface="Courier New"/>
+              </a:rPr>
+              <a:t> -d /home/blended -s /bin/bash -g blended -m blended</a:t>
+            </a:r>
+          </a:p>
+          <a:p>
+            <a:endParaRPr lang="en-US" b="1" dirty="0">
+              <a:latin typeface="Courier New"/>
+              <a:cs typeface="Courier New"/>
+            </a:endParaRPr>
+          </a:p>
+          <a:p>
+            <a:r>
+              <a:rPr lang="en-US" b="1" dirty="0">
+                <a:latin typeface="Courier New"/>
+                <a:cs typeface="Courier New"/>
+              </a:rPr>
+              <a:t>ADD files/jdk-7u60-linux-x64.tar.gz /opt</a:t>
+            </a:r>
+          </a:p>
+          <a:p>
+            <a:r>
+              <a:rPr lang="en-US" b="1" dirty="0">
+                <a:latin typeface="Courier New"/>
+                <a:cs typeface="Courier New"/>
+              </a:rPr>
+              <a:t>RUN </a:t>
+            </a:r>
+            <a:r>
+              <a:rPr lang="en-US" b="1" dirty="0" err="1">
+                <a:latin typeface="Courier New"/>
+                <a:cs typeface="Courier New"/>
+              </a:rPr>
+              <a:t>ln</a:t>
+            </a:r>
+            <a:r>
+              <a:rPr lang="en-US" b="1" dirty="0">
+                <a:latin typeface="Courier New"/>
+                <a:cs typeface="Courier New"/>
+              </a:rPr>
+              <a:t> -s /opt/jdk1.7.0_60 /opt/java</a:t>
+            </a:r>
+          </a:p>
+          <a:p>
+            <a:endParaRPr lang="en-US" b="1" dirty="0">
+              <a:latin typeface="Courier New"/>
+              <a:cs typeface="Courier New"/>
+            </a:endParaRPr>
+          </a:p>
+          <a:p>
+            <a:r>
+              <a:rPr lang="en-US" b="1" dirty="0">
+                <a:latin typeface="Courier New"/>
+                <a:cs typeface="Courier New"/>
+              </a:rPr>
+              <a:t># End of Installation </a:t>
+            </a:r>
+            <a:r>
+              <a:rPr lang="en-US" b="1" dirty="0" smtClean="0">
+                <a:latin typeface="Courier New"/>
+                <a:cs typeface="Courier New"/>
+              </a:rPr>
+              <a:t>section</a:t>
+            </a:r>
+            <a:endParaRPr lang="en-US" b="1" dirty="0">
+              <a:latin typeface="Courier New"/>
+              <a:cs typeface="Courier New"/>
+            </a:endParaRPr>
+          </a:p>
+        </p:txBody>
+      </p:sp>
+      <p:sp>
+        <p:nvSpPr>
+          <p:cNvPr id="4" name="Right Arrow 3">
+            <a:hlinkClick r:id="rId2"/>
+          </p:cNvPr>
+          <p:cNvSpPr/>
+          <p:nvPr/>
+        </p:nvSpPr>
+        <p:spPr>
+          <a:xfrm>
+            <a:off x="7940261" y="4671391"/>
+            <a:ext cx="746539" cy="298174"/>
+          </a:xfrm>
+          <a:prstGeom prst="rightArrow">
+            <a:avLst>
+              <a:gd name="adj1" fmla="val 100000"/>
+              <a:gd name="adj2" fmla="val 50000"/>
+            </a:avLst>
+          </a:prstGeom>
+        </p:spPr>
+        <p:style>
+          <a:lnRef idx="1">
+            <a:schemeClr val="accent1"/>
+          </a:lnRef>
+          <a:fillRef idx="3">
+            <a:schemeClr val="accent1"/>
+          </a:fillRef>
+          <a:effectRef idx="2">
+            <a:schemeClr val="accent1"/>
+          </a:effectRef>
+          <a:fontRef idx="minor">
+            <a:schemeClr val="lt1"/>
+          </a:fontRef>
+        </p:style>
+        <p:txBody>
+          <a:bodyPr rtlCol="0" anchor="ctr"/>
+          <a:lstStyle/>
+          <a:p>
+            <a:pPr algn="ctr"/>
             <a:endParaRPr lang="en-US" dirty="0"/>
           </a:p>
         </p:txBody>
@@ -5454,20 +5882,20 @@
     </p:spTree>
     <p:extLst>
       <p:ext uri="{BB962C8B-B14F-4D97-AF65-F5344CB8AC3E}">
-        <p14:creationId xmlns:p14="http://schemas.microsoft.com/office/powerpoint/2010/main" val="3994635636"/>
+        <p14:creationId xmlns:p14="http://schemas.microsoft.com/office/powerpoint/2010/main" val="3184818360"/>
       </p:ext>
     </p:extLst>
   </p:cSld>
   <p:clrMapOvr>
     <a:masterClrMapping/>
   </p:clrMapOvr>
-  <mc:AlternateContent xmlns:mc="http://schemas.openxmlformats.org/markup-compatibility/2006">
-    <mc:Choice xmlns:p14="http://schemas.microsoft.com/office/powerpoint/2010/main" Requires="p14">
+  <mc:AlternateContent xmlns:mc="http://schemas.openxmlformats.org/markup-compatibility/2006" xmlns:p14="http://schemas.microsoft.com/office/powerpoint/2010/main">
+    <mc:Choice Requires="p14">
       <p:transition spd="slow" p14:dur="1400">
         <p14:ripple/>
       </p:transition>
     </mc:Choice>
-    <mc:Fallback>
+    <mc:Fallback xmlns="">
       <p:transition xmlns:p14="http://schemas.microsoft.com/office/powerpoint/2010/main" spd="slow">
         <p:fade/>
       </p:transition>
@@ -5513,14 +5941,81 @@
         <p:spPr/>
         <p:txBody>
           <a:bodyPr>
-            <a:normAutofit fontScale="90000"/>
+            <a:normAutofit/>
           </a:bodyPr>
           <a:lstStyle/>
           <a:p>
             <a:r>
               <a:rPr lang="en-GB" dirty="0" smtClean="0"/>
-              <a:t>A base image for Containers under test</a:t>
-            </a:r>
+              <a:t>Deriving the image under test</a:t>
+            </a:r>
+            <a:endParaRPr lang="en-US" dirty="0"/>
+          </a:p>
+        </p:txBody>
+      </p:sp>
+      <p:pic>
+        <p:nvPicPr>
+          <p:cNvPr id="4" name="Picture 3"/>
+          <p:cNvPicPr>
+            <a:picLocks noChangeAspect="1"/>
+          </p:cNvPicPr>
+          <p:nvPr/>
+        </p:nvPicPr>
+        <p:blipFill>
+          <a:blip r:embed="rId2"/>
+          <a:stretch>
+            <a:fillRect/>
+          </a:stretch>
+        </p:blipFill>
+        <p:spPr>
+          <a:xfrm>
+            <a:off x="1689652" y="1217838"/>
+            <a:ext cx="5542075" cy="3776247"/>
+          </a:xfrm>
+          <a:prstGeom prst="rect">
+            <a:avLst/>
+          </a:prstGeom>
+        </p:spPr>
+      </p:pic>
+      <p:sp>
+        <p:nvSpPr>
+          <p:cNvPr id="5" name="Right Arrow 4">
+            <a:hlinkClick r:id="rId3"/>
+          </p:cNvPr>
+          <p:cNvSpPr/>
+          <p:nvPr/>
+        </p:nvSpPr>
+        <p:spPr>
+          <a:xfrm>
+            <a:off x="7940261" y="4671391"/>
+            <a:ext cx="746539" cy="298174"/>
+          </a:xfrm>
+          <a:prstGeom prst="rightArrow">
+            <a:avLst>
+              <a:gd name="adj1" fmla="val 100000"/>
+              <a:gd name="adj2" fmla="val 50000"/>
+            </a:avLst>
+          </a:prstGeom>
+        </p:spPr>
+        <p:style>
+          <a:lnRef idx="1">
+            <a:schemeClr val="accent1"/>
+          </a:lnRef>
+          <a:fillRef idx="3">
+            <a:schemeClr val="accent1"/>
+          </a:fillRef>
+          <a:effectRef idx="2">
+            <a:schemeClr val="accent1"/>
+          </a:effectRef>
+          <a:fontRef idx="minor">
+            <a:schemeClr val="lt1"/>
+          </a:fontRef>
+        </p:style>
+        <p:txBody>
+          <a:bodyPr rtlCol="0" anchor="ctr"/>
+          <a:lstStyle/>
+          <a:p>
+            <a:pPr algn="ctr"/>
             <a:endParaRPr lang="en-US" dirty="0"/>
           </a:p>
         </p:txBody>
@@ -5528,20 +6023,20 @@
     </p:spTree>
     <p:extLst>
       <p:ext uri="{BB962C8B-B14F-4D97-AF65-F5344CB8AC3E}">
-        <p14:creationId xmlns:p14="http://schemas.microsoft.com/office/powerpoint/2010/main" val="3184818360"/>
+        <p14:creationId xmlns:p14="http://schemas.microsoft.com/office/powerpoint/2010/main" val="516496842"/>
       </p:ext>
     </p:extLst>
   </p:cSld>
   <p:clrMapOvr>
     <a:masterClrMapping/>
   </p:clrMapOvr>
-  <mc:AlternateContent xmlns:mc="http://schemas.openxmlformats.org/markup-compatibility/2006">
-    <mc:Choice xmlns:p14="http://schemas.microsoft.com/office/powerpoint/2010/main" Requires="p14">
+  <mc:AlternateContent xmlns:mc="http://schemas.openxmlformats.org/markup-compatibility/2006" xmlns:p14="http://schemas.microsoft.com/office/powerpoint/2010/main">
+    <mc:Choice Requires="p14">
       <p:transition spd="slow" p14:dur="1400">
         <p14:ripple/>
       </p:transition>
     </mc:Choice>
-    <mc:Fallback>
+    <mc:Fallback xmlns="">
       <p:transition xmlns:p14="http://schemas.microsoft.com/office/powerpoint/2010/main" spd="slow">
         <p:fade/>
       </p:transition>
@@ -5613,13 +6108,13 @@
   <p:clrMapOvr>
     <a:masterClrMapping/>
   </p:clrMapOvr>
-  <mc:AlternateContent xmlns:mc="http://schemas.openxmlformats.org/markup-compatibility/2006">
-    <mc:Choice xmlns:p14="http://schemas.microsoft.com/office/powerpoint/2010/main" Requires="p14">
+  <mc:AlternateContent xmlns:mc="http://schemas.openxmlformats.org/markup-compatibility/2006" xmlns:p14="http://schemas.microsoft.com/office/powerpoint/2010/main">
+    <mc:Choice Requires="p14">
       <p:transition spd="slow" p14:dur="1400">
         <p14:ripple/>
       </p:transition>
     </mc:Choice>
-    <mc:Fallback>
+    <mc:Fallback xmlns="">
       <p:transition xmlns:p14="http://schemas.microsoft.com/office/powerpoint/2010/main" spd="slow">
         <p:fade/>
       </p:transition>
@@ -5687,13 +6182,13 @@
   <p:clrMapOvr>
     <a:masterClrMapping/>
   </p:clrMapOvr>
-  <mc:AlternateContent xmlns:mc="http://schemas.openxmlformats.org/markup-compatibility/2006">
-    <mc:Choice xmlns:p14="http://schemas.microsoft.com/office/powerpoint/2010/main" Requires="p14">
+  <mc:AlternateContent xmlns:mc="http://schemas.openxmlformats.org/markup-compatibility/2006" xmlns:p14="http://schemas.microsoft.com/office/powerpoint/2010/main">
+    <mc:Choice Requires="p14">
       <p:transition spd="slow" p14:dur="1400">
         <p14:ripple/>
       </p:transition>
     </mc:Choice>
-    <mc:Fallback>
+    <mc:Fallback xmlns="">
       <p:transition xmlns:p14="http://schemas.microsoft.com/office/powerpoint/2010/main" spd="slow">
         <p:fade/>
       </p:transition>
@@ -5738,7 +6233,9 @@
         </p:nvSpPr>
         <p:spPr/>
         <p:txBody>
-          <a:bodyPr/>
+          <a:bodyPr>
+            <a:normAutofit fontScale="90000"/>
+          </a:bodyPr>
           <a:lstStyle/>
           <a:p>
             <a:r>
@@ -5981,13 +6478,13 @@
   <p:clrMapOvr>
     <a:masterClrMapping/>
   </p:clrMapOvr>
-  <mc:AlternateContent xmlns:mc="http://schemas.openxmlformats.org/markup-compatibility/2006">
-    <mc:Choice xmlns:p14="http://schemas.microsoft.com/office/powerpoint/2010/main" Requires="p14">
+  <mc:AlternateContent xmlns:mc="http://schemas.openxmlformats.org/markup-compatibility/2006" xmlns:p14="http://schemas.microsoft.com/office/powerpoint/2010/main">
+    <mc:Choice Requires="p14">
       <p:transition spd="slow" p14:dur="1400">
         <p14:ripple/>
       </p:transition>
     </mc:Choice>
-    <mc:Fallback>
+    <mc:Fallback xmlns="">
       <p:transition xmlns:p14="http://schemas.microsoft.com/office/powerpoint/2010/main" spd="slow">
         <p:fade/>
       </p:transition>
@@ -6079,7 +6576,11 @@
             <a:pPr lvl="1"/>
             <a:r>
               <a:rPr lang="en-GB" dirty="0" smtClean="0"/>
-              <a:t>Creating the HTTP Connector</a:t>
+              <a:t>Creating the </a:t>
+            </a:r>
+            <a:r>
+              <a:rPr lang="en-GB" dirty="0" smtClean="0"/>
+              <a:t>TCP-IP Connector</a:t>
             </a:r>
             <a:endParaRPr lang="en-US" dirty="0" smtClean="0"/>
           </a:p>
@@ -6115,13 +6616,13 @@
   <p:clrMapOvr>
     <a:masterClrMapping/>
   </p:clrMapOvr>
-  <mc:AlternateContent xmlns:mc="http://schemas.openxmlformats.org/markup-compatibility/2006">
-    <mc:Choice xmlns:p14="http://schemas.microsoft.com/office/powerpoint/2010/main" Requires="p14">
+  <mc:AlternateContent xmlns:mc="http://schemas.openxmlformats.org/markup-compatibility/2006" xmlns:p14="http://schemas.microsoft.com/office/powerpoint/2010/main">
+    <mc:Choice Requires="p14">
       <p:transition spd="slow" p14:dur="1400">
         <p14:ripple/>
       </p:transition>
     </mc:Choice>
-    <mc:Fallback>
+    <mc:Fallback xmlns="">
       <p:transition xmlns:p14="http://schemas.microsoft.com/office/powerpoint/2010/main" spd="slow">
         <p:fade/>
       </p:transition>
@@ -6200,10 +6701,9 @@
             <a:ext cx="4432663" cy="1334402"/>
           </a:xfrm>
           <a:solidFill>
-            <a:schemeClr val="accent3">
-              <a:lumMod val="40000"/>
-              <a:lumOff val="60000"/>
-              <a:alpha val="60000"/>
+            <a:schemeClr val="tx2">
+              <a:lumMod val="25000"/>
+              <a:lumOff val="75000"/>
             </a:schemeClr>
           </a:solidFill>
           <a:ln>
@@ -6289,10 +6789,9 @@
             <a:avLst/>
           </a:prstGeom>
           <a:solidFill>
-            <a:schemeClr val="accent3">
-              <a:lumMod val="40000"/>
-              <a:lumOff val="60000"/>
-              <a:alpha val="60000"/>
+            <a:schemeClr val="tx2">
+              <a:lumMod val="25000"/>
+              <a:lumOff val="75000"/>
             </a:schemeClr>
           </a:solidFill>
           <a:ln w="25400" cap="flat" cmpd="sng" algn="ctr">
@@ -6810,13 +7309,13 @@
   <p:clrMapOvr>
     <a:masterClrMapping/>
   </p:clrMapOvr>
-  <mc:AlternateContent xmlns:mc="http://schemas.openxmlformats.org/markup-compatibility/2006">
-    <mc:Choice xmlns:p14="http://schemas.microsoft.com/office/powerpoint/2010/main" Requires="p14">
+  <mc:AlternateContent xmlns:mc="http://schemas.openxmlformats.org/markup-compatibility/2006" xmlns:p14="http://schemas.microsoft.com/office/powerpoint/2010/main">
+    <mc:Choice Requires="p14">
       <p:transition spd="slow" p14:dur="1400">
         <p14:ripple/>
       </p:transition>
     </mc:Choice>
-    <mc:Fallback>
+    <mc:Fallback xmlns="">
       <p:transition xmlns:p14="http://schemas.microsoft.com/office/powerpoint/2010/main" spd="slow">
         <p:fade/>
       </p:transition>
@@ -6931,13 +7430,13 @@
   <p:clrMapOvr>
     <a:masterClrMapping/>
   </p:clrMapOvr>
-  <mc:AlternateContent xmlns:mc="http://schemas.openxmlformats.org/markup-compatibility/2006">
-    <mc:Choice xmlns:p14="http://schemas.microsoft.com/office/powerpoint/2010/main" Requires="p14">
+  <mc:AlternateContent xmlns:mc="http://schemas.openxmlformats.org/markup-compatibility/2006" xmlns:p14="http://schemas.microsoft.com/office/powerpoint/2010/main">
+    <mc:Choice Requires="p14">
       <p:transition spd="slow" p14:dur="1400">
         <p14:ripple/>
       </p:transition>
     </mc:Choice>
-    <mc:Fallback>
+    <mc:Fallback xmlns="">
       <p:transition xmlns:p14="http://schemas.microsoft.com/office/powerpoint/2010/main" spd="slow">
         <p:fade/>
       </p:transition>
@@ -6985,7 +7484,11 @@
           <a:bodyPr/>
           <a:lstStyle/>
           <a:p>
-            <a:endParaRPr lang="en-US"/>
+            <a:r>
+              <a:rPr lang="en-US" dirty="0" smtClean="0"/>
+              <a:t>General tasks to write tests</a:t>
+            </a:r>
+            <a:endParaRPr lang="en-US" dirty="0"/>
           </a:p>
         </p:txBody>
       </p:sp>
@@ -7001,7 +7504,9 @@
         </p:nvSpPr>
         <p:spPr/>
         <p:txBody>
-          <a:bodyPr/>
+          <a:bodyPr>
+            <a:normAutofit lnSpcReduction="10000"/>
+          </a:bodyPr>
           <a:lstStyle/>
           <a:p>
             <a:r>
@@ -7038,8 +7543,19 @@
           <a:p>
             <a:r>
               <a:rPr lang="en-US" dirty="0" smtClean="0"/>
-              <a:t>Test fixtures</a:t>
-            </a:r>
+              <a:t>Test </a:t>
+            </a:r>
+            <a:r>
+              <a:rPr lang="en-US" dirty="0" smtClean="0"/>
+              <a:t>fixtures</a:t>
+            </a:r>
+          </a:p>
+          <a:p>
+            <a:r>
+              <a:rPr lang="en-US" dirty="0" smtClean="0"/>
+              <a:t>Boilerplate test context</a:t>
+            </a:r>
+            <a:endParaRPr lang="en-US" dirty="0" smtClean="0"/>
           </a:p>
         </p:txBody>
       </p:sp>
@@ -7053,13 +7569,13 @@
   <p:clrMapOvr>
     <a:masterClrMapping/>
   </p:clrMapOvr>
-  <mc:AlternateContent xmlns:mc="http://schemas.openxmlformats.org/markup-compatibility/2006">
-    <mc:Choice xmlns:p14="http://schemas.microsoft.com/office/powerpoint/2010/main" Requires="p14">
+  <mc:AlternateContent xmlns:mc="http://schemas.openxmlformats.org/markup-compatibility/2006" xmlns:p14="http://schemas.microsoft.com/office/powerpoint/2010/main">
+    <mc:Choice Requires="p14">
       <p:transition spd="slow" p14:dur="1400">
         <p14:ripple/>
       </p:transition>
     </mc:Choice>
-    <mc:Fallback>
+    <mc:Fallback xmlns="">
       <p:transition xmlns:p14="http://schemas.microsoft.com/office/powerpoint/2010/main" spd="slow">
         <p:fade/>
       </p:transition>
@@ -7076,6 +7592,128 @@
 </file>
 
 <file path=ppt/slides/slide22.xml><?xml version="1.0" encoding="utf-8"?>
+<p:sld xmlns:a="http://schemas.openxmlformats.org/drawingml/2006/main" xmlns:r="http://schemas.openxmlformats.org/officeDocument/2006/relationships" xmlns:p="http://schemas.openxmlformats.org/presentationml/2006/main">
+  <p:cSld>
+    <p:spTree>
+      <p:nvGrpSpPr>
+        <p:cNvPr id="1" name=""/>
+        <p:cNvGrpSpPr/>
+        <p:nvPr/>
+      </p:nvGrpSpPr>
+      <p:grpSpPr>
+        <a:xfrm>
+          <a:off x="0" y="0"/>
+          <a:ext cx="0" cy="0"/>
+          <a:chOff x="0" y="0"/>
+          <a:chExt cx="0" cy="0"/>
+        </a:xfrm>
+      </p:grpSpPr>
+      <p:sp>
+        <p:nvSpPr>
+          <p:cNvPr id="2" name="Title 1"/>
+          <p:cNvSpPr>
+            <a:spLocks noGrp="1"/>
+          </p:cNvSpPr>
+          <p:nvPr>
+            <p:ph type="title"/>
+          </p:nvPr>
+        </p:nvSpPr>
+        <p:spPr/>
+        <p:txBody>
+          <a:bodyPr/>
+          <a:lstStyle/>
+          <a:p>
+            <a:endParaRPr lang="en-US"/>
+          </a:p>
+        </p:txBody>
+      </p:sp>
+      <p:sp>
+        <p:nvSpPr>
+          <p:cNvPr id="3" name="Content Placeholder 2"/>
+          <p:cNvSpPr>
+            <a:spLocks noGrp="1"/>
+          </p:cNvSpPr>
+          <p:nvPr>
+            <p:ph idx="1"/>
+          </p:nvPr>
+        </p:nvSpPr>
+        <p:spPr/>
+        <p:txBody>
+          <a:bodyPr/>
+          <a:lstStyle/>
+          <a:p>
+            <a:r>
+              <a:rPr lang="en-US" dirty="0" smtClean="0"/>
+              <a:t>Define the containers under test</a:t>
+            </a:r>
+          </a:p>
+          <a:p>
+            <a:r>
+              <a:rPr lang="en-US" dirty="0" smtClean="0"/>
+              <a:t>An </a:t>
+            </a:r>
+            <a:r>
+              <a:rPr lang="en-US" dirty="0" err="1" smtClean="0"/>
+              <a:t>Akka</a:t>
+            </a:r>
+            <a:r>
+              <a:rPr lang="en-US" dirty="0" smtClean="0"/>
+              <a:t> based Container Manager</a:t>
+            </a:r>
+          </a:p>
+          <a:p>
+            <a:r>
+              <a:rPr lang="en-US" dirty="0" smtClean="0"/>
+              <a:t>Waiting for Containers to be started </a:t>
+            </a:r>
+          </a:p>
+          <a:p>
+            <a:r>
+              <a:rPr lang="en-US" dirty="0" smtClean="0"/>
+              <a:t>Connecting to the Containers</a:t>
+            </a:r>
+          </a:p>
+          <a:p>
+            <a:r>
+              <a:rPr lang="en-US" dirty="0" smtClean="0"/>
+              <a:t>Test fixtures</a:t>
+            </a:r>
+          </a:p>
+        </p:txBody>
+      </p:sp>
+    </p:spTree>
+    <p:extLst>
+      <p:ext uri="{BB962C8B-B14F-4D97-AF65-F5344CB8AC3E}">
+        <p14:creationId xmlns:p14="http://schemas.microsoft.com/office/powerpoint/2010/main" val="3906650262"/>
+      </p:ext>
+    </p:extLst>
+  </p:cSld>
+  <p:clrMapOvr>
+    <a:masterClrMapping/>
+  </p:clrMapOvr>
+  <mc:AlternateContent xmlns:mc="http://schemas.openxmlformats.org/markup-compatibility/2006" xmlns:p14="http://schemas.microsoft.com/office/powerpoint/2010/main">
+    <mc:Choice Requires="p14">
+      <p:transition spd="slow" p14:dur="1400">
+        <p14:ripple/>
+      </p:transition>
+    </mc:Choice>
+    <mc:Fallback xmlns="">
+      <p:transition xmlns:p14="http://schemas.microsoft.com/office/powerpoint/2010/main" spd="slow">
+        <p:fade/>
+      </p:transition>
+    </mc:Fallback>
+  </mc:AlternateContent>
+  <p:timing>
+    <p:tnLst>
+      <p:par>
+        <p:cTn xmlns:p14="http://schemas.microsoft.com/office/powerpoint/2010/main" id="1" dur="indefinite" restart="never" nodeType="tmRoot"/>
+      </p:par>
+    </p:tnLst>
+  </p:timing>
+</p:sld>
+</file>
+
+<file path=ppt/slides/slide23.xml><?xml version="1.0" encoding="utf-8"?>
 <p:sld xmlns:a="http://schemas.openxmlformats.org/drawingml/2006/main" xmlns:r="http://schemas.openxmlformats.org/officeDocument/2006/relationships" xmlns:p="http://schemas.openxmlformats.org/presentationml/2006/main">
   <p:cSld>
     <p:spTree>
@@ -7174,13 +7812,13 @@
   <p:clrMapOvr>
     <a:masterClrMapping/>
   </p:clrMapOvr>
-  <mc:AlternateContent xmlns:mc="http://schemas.openxmlformats.org/markup-compatibility/2006">
-    <mc:Choice xmlns:p14="http://schemas.microsoft.com/office/powerpoint/2010/main" Requires="p14">
+  <mc:AlternateContent xmlns:mc="http://schemas.openxmlformats.org/markup-compatibility/2006" xmlns:p14="http://schemas.microsoft.com/office/powerpoint/2010/main">
+    <mc:Choice Requires="p14">
       <p:transition spd="slow" p14:dur="1400">
         <p14:ripple/>
       </p:transition>
     </mc:Choice>
-    <mc:Fallback>
+    <mc:Fallback xmlns="">
       <p:transition xmlns:p14="http://schemas.microsoft.com/office/powerpoint/2010/main" spd="slow">
         <p:fade/>
       </p:transition>
@@ -7196,7 +7834,7 @@
 </p:sld>
 </file>
 
-<file path=ppt/slides/slide23.xml><?xml version="1.0" encoding="utf-8"?>
+<file path=ppt/slides/slide24.xml><?xml version="1.0" encoding="utf-8"?>
 <p:sld xmlns:a="http://schemas.openxmlformats.org/drawingml/2006/main" xmlns:r="http://schemas.openxmlformats.org/officeDocument/2006/relationships" xmlns:p="http://schemas.openxmlformats.org/presentationml/2006/main">
   <p:cSld>
     <p:spTree>
@@ -7298,13 +7936,13 @@
   <p:clrMapOvr>
     <a:masterClrMapping/>
   </p:clrMapOvr>
-  <mc:AlternateContent xmlns:mc="http://schemas.openxmlformats.org/markup-compatibility/2006">
-    <mc:Choice xmlns:p14="http://schemas.microsoft.com/office/powerpoint/2010/main" Requires="p14">
+  <mc:AlternateContent xmlns:mc="http://schemas.openxmlformats.org/markup-compatibility/2006" xmlns:p14="http://schemas.microsoft.com/office/powerpoint/2010/main">
+    <mc:Choice Requires="p14">
       <p:transition spd="slow" p14:dur="1400">
         <p14:ripple/>
       </p:transition>
     </mc:Choice>
-    <mc:Fallback>
+    <mc:Fallback xmlns="">
       <p:transition xmlns:p14="http://schemas.microsoft.com/office/powerpoint/2010/main" spd="slow">
         <p:fade/>
       </p:transition>
@@ -7320,7 +7958,7 @@
 </p:sld>
 </file>
 
-<file path=ppt/slides/slide24.xml><?xml version="1.0" encoding="utf-8"?>
+<file path=ppt/slides/slide25.xml><?xml version="1.0" encoding="utf-8"?>
 <p:sld xmlns:a="http://schemas.openxmlformats.org/drawingml/2006/main" xmlns:r="http://schemas.openxmlformats.org/officeDocument/2006/relationships" xmlns:p="http://schemas.openxmlformats.org/presentationml/2006/main">
   <p:cSld>
     <p:spTree>
@@ -7419,89 +8057,13 @@
   <p:clrMapOvr>
     <a:masterClrMapping/>
   </p:clrMapOvr>
-  <mc:AlternateContent xmlns:mc="http://schemas.openxmlformats.org/markup-compatibility/2006">
-    <mc:Choice xmlns:p14="http://schemas.microsoft.com/office/powerpoint/2010/main" Requires="p14">
+  <mc:AlternateContent xmlns:mc="http://schemas.openxmlformats.org/markup-compatibility/2006" xmlns:p14="http://schemas.microsoft.com/office/powerpoint/2010/main">
+    <mc:Choice Requires="p14">
       <p:transition spd="slow" p14:dur="1400">
         <p14:ripple/>
       </p:transition>
     </mc:Choice>
-    <mc:Fallback>
-      <p:transition xmlns:p14="http://schemas.microsoft.com/office/powerpoint/2010/main" spd="slow">
-        <p:fade/>
-      </p:transition>
-    </mc:Fallback>
-  </mc:AlternateContent>
-  <p:timing>
-    <p:tnLst>
-      <p:par>
-        <p:cTn xmlns:p14="http://schemas.microsoft.com/office/powerpoint/2010/main" id="1" dur="indefinite" restart="never" nodeType="tmRoot"/>
-      </p:par>
-    </p:tnLst>
-  </p:timing>
-</p:sld>
-</file>
-
-<file path=ppt/slides/slide25.xml><?xml version="1.0" encoding="utf-8"?>
-<p:sld xmlns:a="http://schemas.openxmlformats.org/drawingml/2006/main" xmlns:r="http://schemas.openxmlformats.org/officeDocument/2006/relationships" xmlns:p="http://schemas.openxmlformats.org/presentationml/2006/main">
-  <p:cSld>
-    <p:spTree>
-      <p:nvGrpSpPr>
-        <p:cNvPr id="1" name=""/>
-        <p:cNvGrpSpPr/>
-        <p:nvPr/>
-      </p:nvGrpSpPr>
-      <p:grpSpPr>
-        <a:xfrm>
-          <a:off x="0" y="0"/>
-          <a:ext cx="0" cy="0"/>
-          <a:chOff x="0" y="0"/>
-          <a:chExt cx="0" cy="0"/>
-        </a:xfrm>
-      </p:grpSpPr>
-      <p:sp>
-        <p:nvSpPr>
-          <p:cNvPr id="2" name="Title 1"/>
-          <p:cNvSpPr>
-            <a:spLocks noGrp="1"/>
-          </p:cNvSpPr>
-          <p:nvPr>
-            <p:ph type="title"/>
-          </p:nvPr>
-        </p:nvSpPr>
-        <p:spPr/>
-        <p:txBody>
-          <a:bodyPr/>
-          <a:lstStyle/>
-          <a:p>
-            <a:r>
-              <a:rPr lang="en-GB" dirty="0" smtClean="0"/>
-              <a:t>A bigger </a:t>
-            </a:r>
-            <a:r>
-              <a:rPr lang="en-GB" dirty="0" err="1" smtClean="0"/>
-              <a:t>usecase</a:t>
-            </a:r>
-            <a:endParaRPr lang="en-US" dirty="0"/>
-          </a:p>
-        </p:txBody>
-      </p:sp>
-    </p:spTree>
-    <p:extLst>
-      <p:ext uri="{BB962C8B-B14F-4D97-AF65-F5344CB8AC3E}">
-        <p14:creationId xmlns:p14="http://schemas.microsoft.com/office/powerpoint/2010/main" val="1743436312"/>
-      </p:ext>
-    </p:extLst>
-  </p:cSld>
-  <p:clrMapOvr>
-    <a:masterClrMapping/>
-  </p:clrMapOvr>
-  <mc:AlternateContent xmlns:mc="http://schemas.openxmlformats.org/markup-compatibility/2006">
-    <mc:Choice xmlns:p14="http://schemas.microsoft.com/office/powerpoint/2010/main" Requires="p14">
-      <p:transition spd="slow" p14:dur="1400">
-        <p14:ripple/>
-      </p:transition>
-    </mc:Choice>
-    <mc:Fallback>
+    <mc:Fallback xmlns="">
       <p:transition xmlns:p14="http://schemas.microsoft.com/office/powerpoint/2010/main" spd="slow">
         <p:fade/>
       </p:transition>
@@ -7536,7 +8098,7 @@
       </p:grpSpPr>
       <p:sp>
         <p:nvSpPr>
-          <p:cNvPr id="2" name="Titel 1"/>
+          <p:cNvPr id="2" name="Title 1"/>
           <p:cNvSpPr>
             <a:spLocks noGrp="1"/>
           </p:cNvSpPr>
@@ -7551,48 +8113,33 @@
           <a:p>
             <a:r>
               <a:rPr lang="en-GB" dirty="0" smtClean="0"/>
-              <a:t>Defining what to test</a:t>
+              <a:t>A bigger </a:t>
+            </a:r>
+            <a:r>
+              <a:rPr lang="en-GB" dirty="0" err="1" smtClean="0"/>
+              <a:t>usecase</a:t>
             </a:r>
             <a:endParaRPr lang="en-US" dirty="0"/>
-          </a:p>
-        </p:txBody>
-      </p:sp>
-      <p:sp>
-        <p:nvSpPr>
-          <p:cNvPr id="3" name="Inhaltsplatzhalter 2"/>
-          <p:cNvSpPr>
-            <a:spLocks noGrp="1"/>
-          </p:cNvSpPr>
-          <p:nvPr>
-            <p:ph idx="1"/>
-          </p:nvPr>
-        </p:nvSpPr>
-        <p:spPr/>
-        <p:txBody>
-          <a:bodyPr/>
-          <a:lstStyle/>
-          <a:p>
-            <a:endParaRPr lang="en-US"/>
           </a:p>
         </p:txBody>
       </p:sp>
     </p:spTree>
     <p:extLst>
       <p:ext uri="{BB962C8B-B14F-4D97-AF65-F5344CB8AC3E}">
-        <p14:creationId xmlns:p14="http://schemas.microsoft.com/office/powerpoint/2010/main" val="2721359400"/>
+        <p14:creationId xmlns:p14="http://schemas.microsoft.com/office/powerpoint/2010/main" val="1743436312"/>
       </p:ext>
     </p:extLst>
   </p:cSld>
   <p:clrMapOvr>
     <a:masterClrMapping/>
   </p:clrMapOvr>
-  <mc:AlternateContent xmlns:mc="http://schemas.openxmlformats.org/markup-compatibility/2006">
-    <mc:Choice xmlns:p14="http://schemas.microsoft.com/office/powerpoint/2010/main" Requires="p14">
+  <mc:AlternateContent xmlns:mc="http://schemas.openxmlformats.org/markup-compatibility/2006" xmlns:p14="http://schemas.microsoft.com/office/powerpoint/2010/main">
+    <mc:Choice Requires="p14">
       <p:transition spd="slow" p14:dur="1400">
         <p14:ripple/>
       </p:transition>
     </mc:Choice>
-    <mc:Fallback>
+    <mc:Fallback xmlns="">
       <p:transition xmlns:p14="http://schemas.microsoft.com/office/powerpoint/2010/main" spd="slow">
         <p:fade/>
       </p:transition>
@@ -7609,6 +8156,97 @@
 </file>
 
 <file path=ppt/slides/slide27.xml><?xml version="1.0" encoding="utf-8"?>
+<p:sld xmlns:a="http://schemas.openxmlformats.org/drawingml/2006/main" xmlns:r="http://schemas.openxmlformats.org/officeDocument/2006/relationships" xmlns:p="http://schemas.openxmlformats.org/presentationml/2006/main">
+  <p:cSld>
+    <p:spTree>
+      <p:nvGrpSpPr>
+        <p:cNvPr id="1" name=""/>
+        <p:cNvGrpSpPr/>
+        <p:nvPr/>
+      </p:nvGrpSpPr>
+      <p:grpSpPr>
+        <a:xfrm>
+          <a:off x="0" y="0"/>
+          <a:ext cx="0" cy="0"/>
+          <a:chOff x="0" y="0"/>
+          <a:chExt cx="0" cy="0"/>
+        </a:xfrm>
+      </p:grpSpPr>
+      <p:sp>
+        <p:nvSpPr>
+          <p:cNvPr id="2" name="Titel 1"/>
+          <p:cNvSpPr>
+            <a:spLocks noGrp="1"/>
+          </p:cNvSpPr>
+          <p:nvPr>
+            <p:ph type="title"/>
+          </p:nvPr>
+        </p:nvSpPr>
+        <p:spPr/>
+        <p:txBody>
+          <a:bodyPr/>
+          <a:lstStyle/>
+          <a:p>
+            <a:r>
+              <a:rPr lang="en-GB" dirty="0" smtClean="0"/>
+              <a:t>Defining what to test</a:t>
+            </a:r>
+            <a:endParaRPr lang="en-US" dirty="0"/>
+          </a:p>
+        </p:txBody>
+      </p:sp>
+      <p:sp>
+        <p:nvSpPr>
+          <p:cNvPr id="3" name="Inhaltsplatzhalter 2"/>
+          <p:cNvSpPr>
+            <a:spLocks noGrp="1"/>
+          </p:cNvSpPr>
+          <p:nvPr>
+            <p:ph idx="1"/>
+          </p:nvPr>
+        </p:nvSpPr>
+        <p:spPr/>
+        <p:txBody>
+          <a:bodyPr/>
+          <a:lstStyle/>
+          <a:p>
+            <a:endParaRPr lang="en-US" dirty="0"/>
+          </a:p>
+        </p:txBody>
+      </p:sp>
+    </p:spTree>
+    <p:extLst>
+      <p:ext uri="{BB962C8B-B14F-4D97-AF65-F5344CB8AC3E}">
+        <p14:creationId xmlns:p14="http://schemas.microsoft.com/office/powerpoint/2010/main" val="2721359400"/>
+      </p:ext>
+    </p:extLst>
+  </p:cSld>
+  <p:clrMapOvr>
+    <a:masterClrMapping/>
+  </p:clrMapOvr>
+  <mc:AlternateContent xmlns:mc="http://schemas.openxmlformats.org/markup-compatibility/2006" xmlns:p14="http://schemas.microsoft.com/office/powerpoint/2010/main">
+    <mc:Choice Requires="p14">
+      <p:transition spd="slow" p14:dur="1400">
+        <p14:ripple/>
+      </p:transition>
+    </mc:Choice>
+    <mc:Fallback xmlns="">
+      <p:transition xmlns:p14="http://schemas.microsoft.com/office/powerpoint/2010/main" spd="slow">
+        <p:fade/>
+      </p:transition>
+    </mc:Fallback>
+  </mc:AlternateContent>
+  <p:timing>
+    <p:tnLst>
+      <p:par>
+        <p:cTn xmlns:p14="http://schemas.microsoft.com/office/powerpoint/2010/main" id="1" dur="indefinite" restart="never" nodeType="tmRoot"/>
+      </p:par>
+    </p:tnLst>
+  </p:timing>
+</p:sld>
+</file>
+
+<file path=ppt/slides/slide28.xml><?xml version="1.0" encoding="utf-8"?>
 <p:sld xmlns:a="http://schemas.openxmlformats.org/drawingml/2006/main" xmlns:r="http://schemas.openxmlformats.org/officeDocument/2006/relationships" xmlns:p="http://schemas.openxmlformats.org/presentationml/2006/main">
   <p:cSld>
     <p:spTree>
@@ -7712,13 +8350,13 @@
   <p:clrMapOvr>
     <a:masterClrMapping/>
   </p:clrMapOvr>
-  <mc:AlternateContent xmlns:mc="http://schemas.openxmlformats.org/markup-compatibility/2006">
-    <mc:Choice xmlns:p14="http://schemas.microsoft.com/office/powerpoint/2010/main" Requires="p14">
+  <mc:AlternateContent xmlns:mc="http://schemas.openxmlformats.org/markup-compatibility/2006" xmlns:p14="http://schemas.microsoft.com/office/powerpoint/2010/main">
+    <mc:Choice Requires="p14">
       <p:transition spd="slow" p14:dur="1400">
         <p14:ripple/>
       </p:transition>
     </mc:Choice>
-    <mc:Fallback>
+    <mc:Fallback xmlns="">
       <p:transition xmlns:p14="http://schemas.microsoft.com/office/powerpoint/2010/main" spd="slow">
         <p:fade/>
       </p:transition>
@@ -7734,7 +8372,7 @@
 </p:sld>
 </file>
 
-<file path=ppt/slides/slide28.xml><?xml version="1.0" encoding="utf-8"?>
+<file path=ppt/slides/slide29.xml><?xml version="1.0" encoding="utf-8"?>
 <p:sld xmlns:a="http://schemas.openxmlformats.org/drawingml/2006/main" xmlns:r="http://schemas.openxmlformats.org/officeDocument/2006/relationships" xmlns:p="http://schemas.openxmlformats.org/presentationml/2006/main">
   <p:cSld>
     <p:spTree>
@@ -7959,13 +8597,13 @@
   <p:clrMapOvr>
     <a:masterClrMapping/>
   </p:clrMapOvr>
-  <mc:AlternateContent xmlns:mc="http://schemas.openxmlformats.org/markup-compatibility/2006">
-    <mc:Choice xmlns:p14="http://schemas.microsoft.com/office/powerpoint/2010/main" Requires="p14">
+  <mc:AlternateContent xmlns:mc="http://schemas.openxmlformats.org/markup-compatibility/2006" xmlns:p14="http://schemas.microsoft.com/office/powerpoint/2010/main">
+    <mc:Choice Requires="p14">
       <p:transition spd="slow" p14:dur="1400">
         <p14:ripple/>
       </p:transition>
     </mc:Choice>
-    <mc:Fallback>
+    <mc:Fallback xmlns="">
       <p:transition xmlns:p14="http://schemas.microsoft.com/office/powerpoint/2010/main" spd="slow">
         <p:fade/>
       </p:transition>
@@ -7982,140 +8620,6 @@
 </file>
 
 <file path=ppt/slides/slide3.xml><?xml version="1.0" encoding="utf-8"?>
-<p:sld xmlns:a="http://schemas.openxmlformats.org/drawingml/2006/main" xmlns:r="http://schemas.openxmlformats.org/officeDocument/2006/relationships" xmlns:p="http://schemas.openxmlformats.org/presentationml/2006/main">
-  <p:cSld>
-    <p:spTree>
-      <p:nvGrpSpPr>
-        <p:cNvPr id="1" name=""/>
-        <p:cNvGrpSpPr/>
-        <p:nvPr/>
-      </p:nvGrpSpPr>
-      <p:grpSpPr>
-        <a:xfrm>
-          <a:off x="0" y="0"/>
-          <a:ext cx="0" cy="0"/>
-          <a:chOff x="0" y="0"/>
-          <a:chExt cx="0" cy="0"/>
-        </a:xfrm>
-      </p:grpSpPr>
-      <p:sp>
-        <p:nvSpPr>
-          <p:cNvPr id="2" name="Title 1"/>
-          <p:cNvSpPr>
-            <a:spLocks noGrp="1"/>
-          </p:cNvSpPr>
-          <p:nvPr>
-            <p:ph type="title"/>
-          </p:nvPr>
-        </p:nvSpPr>
-        <p:spPr/>
-        <p:txBody>
-          <a:bodyPr/>
-          <a:lstStyle/>
-          <a:p>
-            <a:r>
-              <a:rPr lang="en-US" dirty="0" smtClean="0"/>
-              <a:t>Overview</a:t>
-            </a:r>
-            <a:endParaRPr lang="en-US" dirty="0"/>
-          </a:p>
-        </p:txBody>
-      </p:sp>
-      <p:sp>
-        <p:nvSpPr>
-          <p:cNvPr id="3" name="Content Placeholder 2"/>
-          <p:cNvSpPr>
-            <a:spLocks noGrp="1"/>
-          </p:cNvSpPr>
-          <p:nvPr>
-            <p:ph idx="1"/>
-          </p:nvPr>
-        </p:nvSpPr>
-        <p:spPr/>
-        <p:txBody>
-          <a:bodyPr>
-            <a:normAutofit lnSpcReduction="10000"/>
-          </a:bodyPr>
-          <a:lstStyle/>
-          <a:p>
-            <a:r>
-              <a:rPr lang="en-US" dirty="0" smtClean="0"/>
-              <a:t>Example Test</a:t>
-            </a:r>
-          </a:p>
-          <a:p>
-            <a:r>
-              <a:rPr lang="en-US" dirty="0" smtClean="0"/>
-              <a:t>Creating </a:t>
-            </a:r>
-            <a:r>
-              <a:rPr lang="en-US" dirty="0" err="1" smtClean="0"/>
-              <a:t>Docker</a:t>
-            </a:r>
-            <a:r>
-              <a:rPr lang="en-US" dirty="0" smtClean="0"/>
-              <a:t> Images</a:t>
-            </a:r>
-          </a:p>
-          <a:p>
-            <a:r>
-              <a:rPr lang="en-US" dirty="0" smtClean="0"/>
-              <a:t>The test framework</a:t>
-            </a:r>
-          </a:p>
-          <a:p>
-            <a:r>
-              <a:rPr lang="en-US" dirty="0" smtClean="0"/>
-              <a:t>Writing Tests</a:t>
-            </a:r>
-          </a:p>
-          <a:p>
-            <a:r>
-              <a:rPr lang="en-US" dirty="0" smtClean="0"/>
-              <a:t>Final Examples </a:t>
-            </a:r>
-          </a:p>
-          <a:p>
-            <a:r>
-              <a:rPr lang="en-US" dirty="0" smtClean="0"/>
-              <a:t>Conclusion</a:t>
-            </a:r>
-          </a:p>
-        </p:txBody>
-      </p:sp>
-    </p:spTree>
-    <p:extLst>
-      <p:ext uri="{BB962C8B-B14F-4D97-AF65-F5344CB8AC3E}">
-        <p14:creationId xmlns:p14="http://schemas.microsoft.com/office/powerpoint/2010/main" val="2403969455"/>
-      </p:ext>
-    </p:extLst>
-  </p:cSld>
-  <p:clrMapOvr>
-    <a:masterClrMapping/>
-  </p:clrMapOvr>
-  <mc:AlternateContent xmlns:mc="http://schemas.openxmlformats.org/markup-compatibility/2006">
-    <mc:Choice xmlns:p14="http://schemas.microsoft.com/office/powerpoint/2010/main" Requires="p14">
-      <p:transition spd="slow" p14:dur="1400">
-        <p14:ripple/>
-      </p:transition>
-    </mc:Choice>
-    <mc:Fallback>
-      <p:transition xmlns:p14="http://schemas.microsoft.com/office/powerpoint/2010/main" spd="slow">
-        <p:fade/>
-      </p:transition>
-    </mc:Fallback>
-  </mc:AlternateContent>
-  <p:timing>
-    <p:tnLst>
-      <p:par>
-        <p:cTn xmlns:p14="http://schemas.microsoft.com/office/powerpoint/2010/main" id="1" dur="indefinite" restart="never" nodeType="tmRoot"/>
-      </p:par>
-    </p:tnLst>
-  </p:timing>
-</p:sld>
-</file>
-
-<file path=ppt/slides/slide4.xml><?xml version="1.0" encoding="utf-8"?>
 <p:sld xmlns:a="http://schemas.openxmlformats.org/drawingml/2006/main" xmlns:r="http://schemas.openxmlformats.org/officeDocument/2006/relationships" xmlns:p="http://schemas.openxmlformats.org/presentationml/2006/main">
   <p:cSld>
     <p:spTree>
@@ -8214,13 +8718,429 @@
   <p:clrMapOvr>
     <a:masterClrMapping/>
   </p:clrMapOvr>
-  <mc:AlternateContent xmlns:mc="http://schemas.openxmlformats.org/markup-compatibility/2006">
-    <mc:Choice xmlns:p14="http://schemas.microsoft.com/office/powerpoint/2010/main" Requires="p14">
+  <mc:AlternateContent xmlns:mc="http://schemas.openxmlformats.org/markup-compatibility/2006" xmlns:p14="http://schemas.microsoft.com/office/powerpoint/2010/main">
+    <mc:Choice Requires="p14">
       <p:transition spd="slow" p14:dur="1400">
         <p14:ripple/>
       </p:transition>
     </mc:Choice>
-    <mc:Fallback>
+    <mc:Fallback xmlns="">
+      <p:transition xmlns:p14="http://schemas.microsoft.com/office/powerpoint/2010/main" spd="slow">
+        <p:fade/>
+      </p:transition>
+    </mc:Fallback>
+  </mc:AlternateContent>
+  <p:timing>
+    <p:tnLst>
+      <p:par>
+        <p:cTn xmlns:p14="http://schemas.microsoft.com/office/powerpoint/2010/main" id="1" dur="indefinite" restart="never" nodeType="tmRoot"/>
+      </p:par>
+    </p:tnLst>
+  </p:timing>
+</p:sld>
+</file>
+
+<file path=ppt/slides/slide30.xml><?xml version="1.0" encoding="utf-8"?>
+<p:sld xmlns:a="http://schemas.openxmlformats.org/drawingml/2006/main" xmlns:r="http://schemas.openxmlformats.org/officeDocument/2006/relationships" xmlns:p="http://schemas.openxmlformats.org/presentationml/2006/main">
+  <p:cSld>
+    <p:spTree>
+      <p:nvGrpSpPr>
+        <p:cNvPr id="1" name=""/>
+        <p:cNvGrpSpPr/>
+        <p:nvPr/>
+      </p:nvGrpSpPr>
+      <p:grpSpPr>
+        <a:xfrm>
+          <a:off x="0" y="0"/>
+          <a:ext cx="0" cy="0"/>
+          <a:chOff x="0" y="0"/>
+          <a:chExt cx="0" cy="0"/>
+        </a:xfrm>
+      </p:grpSpPr>
+      <p:sp>
+        <p:nvSpPr>
+          <p:cNvPr id="2" name="Title 1"/>
+          <p:cNvSpPr>
+            <a:spLocks noGrp="1"/>
+          </p:cNvSpPr>
+          <p:nvPr>
+            <p:ph type="title"/>
+          </p:nvPr>
+        </p:nvSpPr>
+        <p:spPr/>
+        <p:txBody>
+          <a:bodyPr/>
+          <a:lstStyle/>
+          <a:p>
+            <a:r>
+              <a:rPr lang="en-GB" dirty="0" smtClean="0"/>
+              <a:t>Resources</a:t>
+            </a:r>
+            <a:endParaRPr lang="en-US" dirty="0"/>
+          </a:p>
+        </p:txBody>
+      </p:sp>
+      <p:sp>
+        <p:nvSpPr>
+          <p:cNvPr id="14" name="Content Placeholder 2"/>
+          <p:cNvSpPr>
+            <a:spLocks noGrp="1"/>
+          </p:cNvSpPr>
+          <p:nvPr>
+            <p:ph idx="1"/>
+          </p:nvPr>
+        </p:nvSpPr>
+        <p:spPr>
+          <a:xfrm>
+            <a:off x="457200" y="1200151"/>
+            <a:ext cx="8229600" cy="3769414"/>
+          </a:xfrm>
+        </p:spPr>
+        <p:txBody>
+          <a:bodyPr anchor="t" anchorCtr="0">
+            <a:normAutofit lnSpcReduction="10000"/>
+          </a:bodyPr>
+          <a:lstStyle/>
+          <a:p>
+            <a:pPr marL="342900" indent="-342900">
+              <a:buFont typeface="Arial"/>
+              <a:buChar char="•"/>
+            </a:pPr>
+            <a:r>
+              <a:rPr lang="en-US" dirty="0" err="1" smtClean="0"/>
+              <a:t>GitHub</a:t>
+            </a:r>
+            <a:r>
+              <a:rPr lang="en-US" dirty="0" smtClean="0"/>
+              <a:t> Project </a:t>
+            </a:r>
+            <a:r>
+              <a:rPr lang="en-US" dirty="0" smtClean="0">
+                <a:hlinkClick r:id="rId2"/>
+              </a:rPr>
+              <a:t>Blended</a:t>
+            </a:r>
+            <a:endParaRPr lang="en-US" dirty="0" smtClean="0"/>
+          </a:p>
+          <a:p>
+            <a:pPr marL="800100" lvl="1" indent="-342900">
+              <a:buFont typeface="Arial"/>
+              <a:buChar char="•"/>
+            </a:pPr>
+            <a:r>
+              <a:rPr lang="en-US" dirty="0" smtClean="0">
+                <a:hlinkClick r:id="rId3"/>
+              </a:rPr>
+              <a:t>Travis Build</a:t>
+            </a:r>
+            <a:r>
+              <a:rPr lang="en-US" dirty="0" smtClean="0"/>
+              <a:t> – </a:t>
+            </a:r>
+            <a:r>
+              <a:rPr lang="en-US" dirty="0" smtClean="0">
+                <a:hlinkClick r:id="rId4"/>
+              </a:rPr>
+              <a:t>Waffle Board</a:t>
+            </a:r>
+            <a:r>
+              <a:rPr lang="en-US" dirty="0" smtClean="0"/>
+              <a:t> – </a:t>
+            </a:r>
+            <a:r>
+              <a:rPr lang="en-US" dirty="0" smtClean="0">
+                <a:hlinkClick r:id="rId5"/>
+              </a:rPr>
+              <a:t>Codacy Code metrics</a:t>
+            </a:r>
+            <a:r>
+              <a:rPr lang="en-US" dirty="0" smtClean="0"/>
+              <a:t> - </a:t>
+            </a:r>
+            <a:r>
+              <a:rPr lang="en-US" dirty="0" smtClean="0">
+                <a:hlinkClick r:id="rId6"/>
+              </a:rPr>
+              <a:t>Project Page</a:t>
+            </a:r>
+            <a:endParaRPr lang="en-US" dirty="0" smtClean="0"/>
+          </a:p>
+          <a:p>
+            <a:pPr marL="342900" indent="-342900">
+              <a:buFont typeface="Arial"/>
+              <a:buChar char="•"/>
+            </a:pPr>
+            <a:r>
+              <a:rPr lang="en-US" dirty="0" smtClean="0"/>
+              <a:t>Way of Quality </a:t>
+            </a:r>
+            <a:r>
+              <a:rPr lang="en-US" dirty="0" smtClean="0">
+                <a:hlinkClick r:id="rId7"/>
+              </a:rPr>
+              <a:t>Homepage</a:t>
+            </a:r>
+            <a:endParaRPr lang="en-US" dirty="0" smtClean="0"/>
+          </a:p>
+          <a:p>
+            <a:pPr marL="342900" indent="-342900">
+              <a:buFont typeface="Arial"/>
+              <a:buChar char="•"/>
+            </a:pPr>
+            <a:r>
+              <a:rPr lang="en-US" dirty="0" smtClean="0">
+                <a:hlinkClick r:id="rId8"/>
+              </a:rPr>
+              <a:t>Scala </a:t>
+            </a:r>
+            <a:r>
+              <a:rPr lang="en-US" dirty="0" smtClean="0"/>
+              <a:t>– </a:t>
+            </a:r>
+            <a:r>
+              <a:rPr lang="en-US" dirty="0" smtClean="0">
+                <a:hlinkClick r:id="rId9"/>
+              </a:rPr>
+              <a:t>Akka </a:t>
+            </a:r>
+            <a:r>
+              <a:rPr lang="en-US" dirty="0" smtClean="0"/>
+              <a:t>– </a:t>
+            </a:r>
+            <a:r>
+              <a:rPr lang="en-US" dirty="0" smtClean="0">
+                <a:hlinkClick r:id="rId10"/>
+              </a:rPr>
+              <a:t>Docker </a:t>
+            </a:r>
+            <a:r>
+              <a:rPr lang="en-US" dirty="0" smtClean="0"/>
+              <a:t>– </a:t>
+            </a:r>
+            <a:r>
+              <a:rPr lang="en-US" dirty="0" smtClean="0">
+                <a:hlinkClick r:id="rId11"/>
+              </a:rPr>
+              <a:t>ScalaTest</a:t>
+            </a:r>
+            <a:endParaRPr lang="en-US" dirty="0"/>
+          </a:p>
+          <a:p>
+            <a:pPr marL="342900" indent="-342900">
+              <a:buFont typeface="Arial"/>
+              <a:buChar char="•"/>
+            </a:pPr>
+            <a:r>
+              <a:rPr lang="en-US" dirty="0" smtClean="0">
+                <a:hlinkClick r:id="rId12"/>
+              </a:rPr>
+              <a:t>Apache Camel</a:t>
+            </a:r>
+            <a:r>
+              <a:rPr lang="en-US" dirty="0" smtClean="0"/>
+              <a:t> - for writing test routes</a:t>
+            </a:r>
+          </a:p>
+          <a:p>
+            <a:pPr marL="342900" indent="-342900">
+              <a:buFont typeface="Arial"/>
+              <a:buChar char="•"/>
+            </a:pPr>
+            <a:r>
+              <a:rPr lang="en-US" dirty="0" smtClean="0">
+                <a:hlinkClick r:id="rId13"/>
+              </a:rPr>
+              <a:t>Apache Karaf</a:t>
+            </a:r>
+            <a:r>
+              <a:rPr lang="en-US" dirty="0" smtClean="0"/>
+              <a:t> - The containers under test in the samples</a:t>
+            </a:r>
+          </a:p>
+          <a:p>
+            <a:pPr marL="342900" indent="-342900">
+              <a:buFont typeface="Arial"/>
+              <a:buChar char="•"/>
+            </a:pPr>
+            <a:r>
+              <a:rPr lang="en-US" dirty="0" smtClean="0">
+                <a:hlinkClick r:id="rId14"/>
+              </a:rPr>
+              <a:t>Apache ActiveMQ</a:t>
+            </a:r>
+            <a:r>
+              <a:rPr lang="en-US" dirty="0" smtClean="0"/>
+              <a:t> - The JMS layer used in the samples</a:t>
+            </a:r>
+          </a:p>
+          <a:p>
+            <a:pPr marL="342900" indent="-342900">
+              <a:buFont typeface="Arial"/>
+              <a:buChar char="•"/>
+            </a:pPr>
+            <a:r>
+              <a:rPr lang="en-US" dirty="0" smtClean="0">
+                <a:hlinkClick r:id="rId15"/>
+              </a:rPr>
+              <a:t>Hawtio</a:t>
+            </a:r>
+            <a:r>
+              <a:rPr lang="en-US" dirty="0">
+                <a:hlinkClick r:id="rId15"/>
+              </a:rPr>
+              <a:t> </a:t>
+            </a:r>
+            <a:r>
+              <a:rPr lang="en-US" dirty="0" smtClean="0"/>
+              <a:t>– The management console of the test containers</a:t>
+            </a:r>
+          </a:p>
+          <a:p>
+            <a:pPr marL="342900" indent="-342900">
+              <a:buFont typeface="Arial"/>
+              <a:buChar char="•"/>
+            </a:pPr>
+            <a:r>
+              <a:rPr lang="en-US" dirty="0" err="1" smtClean="0">
+                <a:hlinkClick r:id="rId16"/>
+              </a:rPr>
+              <a:t>Jolokia</a:t>
+            </a:r>
+            <a:r>
+              <a:rPr lang="en-US" dirty="0" smtClean="0">
+                <a:hlinkClick r:id="rId16"/>
+              </a:rPr>
+              <a:t> </a:t>
+            </a:r>
+            <a:r>
+              <a:rPr lang="en-US" dirty="0" smtClean="0"/>
+              <a:t>– A JMX to REST bridge</a:t>
+            </a:r>
+          </a:p>
+          <a:p>
+            <a:pPr marL="342900" indent="-342900">
+              <a:buFont typeface="Arial"/>
+              <a:buChar char="•"/>
+            </a:pPr>
+            <a:endParaRPr lang="en-US" dirty="0" smtClean="0"/>
+          </a:p>
+        </p:txBody>
+      </p:sp>
+    </p:spTree>
+    <p:extLst>
+      <p:ext uri="{BB962C8B-B14F-4D97-AF65-F5344CB8AC3E}">
+        <p14:creationId xmlns:p14="http://schemas.microsoft.com/office/powerpoint/2010/main" val="3481884110"/>
+      </p:ext>
+    </p:extLst>
+  </p:cSld>
+  <p:clrMapOvr>
+    <a:masterClrMapping/>
+  </p:clrMapOvr>
+  <mc:AlternateContent xmlns:mc="http://schemas.openxmlformats.org/markup-compatibility/2006" xmlns:p14="http://schemas.microsoft.com/office/powerpoint/2010/main">
+    <mc:Choice Requires="p14">
+      <p:transition spd="slow" p14:dur="1400">
+        <p14:ripple/>
+      </p:transition>
+    </mc:Choice>
+    <mc:Fallback xmlns="">
+      <p:transition xmlns:p14="http://schemas.microsoft.com/office/powerpoint/2010/main" spd="slow">
+        <p:fade/>
+      </p:transition>
+    </mc:Fallback>
+  </mc:AlternateContent>
+  <p:timing>
+    <p:tnLst>
+      <p:par>
+        <p:cTn xmlns:p14="http://schemas.microsoft.com/office/powerpoint/2010/main" id="1" dur="indefinite" restart="never" nodeType="tmRoot"/>
+      </p:par>
+    </p:tnLst>
+  </p:timing>
+</p:sld>
+</file>
+
+<file path=ppt/slides/slide4.xml><?xml version="1.0" encoding="utf-8"?>
+<p:sld xmlns:a="http://schemas.openxmlformats.org/drawingml/2006/main" xmlns:r="http://schemas.openxmlformats.org/officeDocument/2006/relationships" xmlns:p="http://schemas.openxmlformats.org/presentationml/2006/main">
+  <p:cSld>
+    <p:spTree>
+      <p:nvGrpSpPr>
+        <p:cNvPr id="1" name=""/>
+        <p:cNvGrpSpPr/>
+        <p:nvPr/>
+      </p:nvGrpSpPr>
+      <p:grpSpPr>
+        <a:xfrm>
+          <a:off x="0" y="0"/>
+          <a:ext cx="0" cy="0"/>
+          <a:chOff x="0" y="0"/>
+          <a:chExt cx="0" cy="0"/>
+        </a:xfrm>
+      </p:grpSpPr>
+      <p:sp>
+        <p:nvSpPr>
+          <p:cNvPr id="2" name="Title 1"/>
+          <p:cNvSpPr>
+            <a:spLocks noGrp="1"/>
+          </p:cNvSpPr>
+          <p:nvPr>
+            <p:ph type="title"/>
+          </p:nvPr>
+        </p:nvSpPr>
+        <p:spPr/>
+        <p:txBody>
+          <a:bodyPr>
+            <a:normAutofit/>
+          </a:bodyPr>
+          <a:lstStyle/>
+          <a:p>
+            <a:r>
+              <a:rPr lang="en-US" dirty="0" smtClean="0"/>
+              <a:t>A sample container under test</a:t>
+            </a:r>
+            <a:endParaRPr lang="en-US" dirty="0"/>
+          </a:p>
+        </p:txBody>
+      </p:sp>
+      <p:pic>
+        <p:nvPicPr>
+          <p:cNvPr id="6" name="Picture 5"/>
+          <p:cNvPicPr>
+            <a:picLocks noChangeAspect="1"/>
+          </p:cNvPicPr>
+          <p:nvPr/>
+        </p:nvPicPr>
+        <p:blipFill>
+          <a:blip r:embed="rId3"/>
+          <a:stretch>
+            <a:fillRect/>
+          </a:stretch>
+        </p:blipFill>
+        <p:spPr>
+          <a:xfrm>
+            <a:off x="1689652" y="1217838"/>
+            <a:ext cx="5542075" cy="3776247"/>
+          </a:xfrm>
+          <a:prstGeom prst="rect">
+            <a:avLst/>
+          </a:prstGeom>
+        </p:spPr>
+      </p:pic>
+    </p:spTree>
+    <p:extLst>
+      <p:ext uri="{BB962C8B-B14F-4D97-AF65-F5344CB8AC3E}">
+        <p14:creationId xmlns:p14="http://schemas.microsoft.com/office/powerpoint/2010/main" val="3149887318"/>
+      </p:ext>
+    </p:extLst>
+  </p:cSld>
+  <p:clrMapOvr>
+    <a:masterClrMapping/>
+  </p:clrMapOvr>
+  <mc:AlternateContent xmlns:mc="http://schemas.openxmlformats.org/markup-compatibility/2006" xmlns:p14="http://schemas.microsoft.com/office/powerpoint/2010/main">
+    <mc:Choice Requires="p14">
+      <p:transition spd="slow" p14:dur="1400">
+        <p14:ripple/>
+      </p:transition>
+    </mc:Choice>
+    <mc:Fallback xmlns="">
       <p:transition xmlns:p14="http://schemas.microsoft.com/office/powerpoint/2010/main" spd="slow">
         <p:fade/>
       </p:transition>
@@ -8237,133 +9157,6 @@
 </file>
 
 <file path=ppt/slides/slide5.xml><?xml version="1.0" encoding="utf-8"?>
-<p:sld xmlns:a="http://schemas.openxmlformats.org/drawingml/2006/main" xmlns:r="http://schemas.openxmlformats.org/officeDocument/2006/relationships" xmlns:p="http://schemas.openxmlformats.org/presentationml/2006/main">
-  <p:cSld>
-    <p:spTree>
-      <p:nvGrpSpPr>
-        <p:cNvPr id="1" name=""/>
-        <p:cNvGrpSpPr/>
-        <p:nvPr/>
-      </p:nvGrpSpPr>
-      <p:grpSpPr>
-        <a:xfrm>
-          <a:off x="0" y="0"/>
-          <a:ext cx="0" cy="0"/>
-          <a:chOff x="0" y="0"/>
-          <a:chExt cx="0" cy="0"/>
-        </a:xfrm>
-      </p:grpSpPr>
-      <p:sp>
-        <p:nvSpPr>
-          <p:cNvPr id="2" name="Title 1"/>
-          <p:cNvSpPr>
-            <a:spLocks noGrp="1"/>
-          </p:cNvSpPr>
-          <p:nvPr>
-            <p:ph type="title"/>
-          </p:nvPr>
-        </p:nvSpPr>
-        <p:spPr/>
-        <p:txBody>
-          <a:bodyPr/>
-          <a:lstStyle/>
-          <a:p>
-            <a:r>
-              <a:rPr lang="en-US" dirty="0" smtClean="0"/>
-              <a:t>A sample container under test</a:t>
-            </a:r>
-            <a:endParaRPr lang="en-US" dirty="0"/>
-          </a:p>
-        </p:txBody>
-      </p:sp>
-      <p:sp>
-        <p:nvSpPr>
-          <p:cNvPr id="4" name="Content Placeholder 2"/>
-          <p:cNvSpPr>
-            <a:spLocks noGrp="1"/>
-          </p:cNvSpPr>
-          <p:nvPr>
-            <p:ph idx="1"/>
-          </p:nvPr>
-        </p:nvSpPr>
-        <p:spPr>
-          <a:xfrm>
-            <a:off x="457200" y="1200151"/>
-            <a:ext cx="8229600" cy="3394472"/>
-          </a:xfrm>
-        </p:spPr>
-        <p:txBody>
-          <a:bodyPr/>
-          <a:lstStyle/>
-          <a:p>
-            <a:r>
-              <a:rPr lang="en-US" dirty="0" err="1" smtClean="0"/>
-              <a:t>Bild</a:t>
-            </a:r>
-            <a:r>
-              <a:rPr lang="en-US" dirty="0" smtClean="0"/>
-              <a:t> </a:t>
-            </a:r>
-            <a:r>
-              <a:rPr lang="en-US" dirty="0" err="1" smtClean="0"/>
-              <a:t>fuer</a:t>
-            </a:r>
-            <a:r>
-              <a:rPr lang="en-US" dirty="0" smtClean="0"/>
-              <a:t> </a:t>
-            </a:r>
-            <a:r>
-              <a:rPr lang="en-US" dirty="0" err="1" smtClean="0"/>
-              <a:t>Beispiel</a:t>
-            </a:r>
-            <a:r>
-              <a:rPr lang="en-US" dirty="0" smtClean="0"/>
-              <a:t> Container </a:t>
-            </a:r>
-            <a:r>
-              <a:rPr lang="en-US" dirty="0" err="1" smtClean="0"/>
-              <a:t>einfuegen</a:t>
-            </a:r>
-            <a:r>
-              <a:rPr lang="en-US" dirty="0" smtClean="0"/>
-              <a:t> (Camel Route)</a:t>
-            </a:r>
-          </a:p>
-        </p:txBody>
-      </p:sp>
-    </p:spTree>
-    <p:extLst>
-      <p:ext uri="{BB962C8B-B14F-4D97-AF65-F5344CB8AC3E}">
-        <p14:creationId xmlns:p14="http://schemas.microsoft.com/office/powerpoint/2010/main" val="3149887318"/>
-      </p:ext>
-    </p:extLst>
-  </p:cSld>
-  <p:clrMapOvr>
-    <a:masterClrMapping/>
-  </p:clrMapOvr>
-  <mc:AlternateContent xmlns:mc="http://schemas.openxmlformats.org/markup-compatibility/2006">
-    <mc:Choice xmlns:p14="http://schemas.microsoft.com/office/powerpoint/2010/main" Requires="p14">
-      <p:transition spd="slow" p14:dur="1400">
-        <p14:ripple/>
-      </p:transition>
-    </mc:Choice>
-    <mc:Fallback>
-      <p:transition xmlns:p14="http://schemas.microsoft.com/office/powerpoint/2010/main" spd="slow">
-        <p:fade/>
-      </p:transition>
-    </mc:Fallback>
-  </mc:AlternateContent>
-  <p:timing>
-    <p:tnLst>
-      <p:par>
-        <p:cTn xmlns:p14="http://schemas.microsoft.com/office/powerpoint/2010/main" id="1" dur="indefinite" restart="never" nodeType="tmRoot"/>
-      </p:par>
-    </p:tnLst>
-  </p:timing>
-</p:sld>
-</file>
-
-<file path=ppt/slides/slide6.xml><?xml version="1.0" encoding="utf-8"?>
 <p:sld xmlns:a="http://schemas.openxmlformats.org/drawingml/2006/main" xmlns:r="http://schemas.openxmlformats.org/officeDocument/2006/relationships" xmlns:p="http://schemas.openxmlformats.org/presentationml/2006/main">
   <p:cSld>
     <p:spTree>
@@ -8437,13 +9230,139 @@
   <p:clrMapOvr>
     <a:masterClrMapping/>
   </p:clrMapOvr>
-  <mc:AlternateContent xmlns:mc="http://schemas.openxmlformats.org/markup-compatibility/2006">
-    <mc:Choice xmlns:p14="http://schemas.microsoft.com/office/powerpoint/2010/main" Requires="p14">
+  <mc:AlternateContent xmlns:mc="http://schemas.openxmlformats.org/markup-compatibility/2006" xmlns:p14="http://schemas.microsoft.com/office/powerpoint/2010/main">
+    <mc:Choice Requires="p14">
       <p:transition spd="slow" p14:dur="1400">
         <p14:ripple/>
       </p:transition>
     </mc:Choice>
-    <mc:Fallback>
+    <mc:Fallback xmlns="">
+      <p:transition xmlns:p14="http://schemas.microsoft.com/office/powerpoint/2010/main" spd="slow">
+        <p:fade/>
+      </p:transition>
+    </mc:Fallback>
+  </mc:AlternateContent>
+  <p:timing>
+    <p:tnLst>
+      <p:par>
+        <p:cTn xmlns:p14="http://schemas.microsoft.com/office/powerpoint/2010/main" id="1" dur="indefinite" restart="never" nodeType="tmRoot"/>
+      </p:par>
+    </p:tnLst>
+  </p:timing>
+</p:sld>
+</file>
+
+<file path=ppt/slides/slide6.xml><?xml version="1.0" encoding="utf-8"?>
+<p:sld xmlns:a="http://schemas.openxmlformats.org/drawingml/2006/main" xmlns:r="http://schemas.openxmlformats.org/officeDocument/2006/relationships" xmlns:p="http://schemas.openxmlformats.org/presentationml/2006/main">
+  <p:cSld>
+    <p:spTree>
+      <p:nvGrpSpPr>
+        <p:cNvPr id="1" name=""/>
+        <p:cNvGrpSpPr/>
+        <p:nvPr/>
+      </p:nvGrpSpPr>
+      <p:grpSpPr>
+        <a:xfrm>
+          <a:off x="0" y="0"/>
+          <a:ext cx="0" cy="0"/>
+          <a:chOff x="0" y="0"/>
+          <a:chExt cx="0" cy="0"/>
+        </a:xfrm>
+      </p:grpSpPr>
+      <p:sp>
+        <p:nvSpPr>
+          <p:cNvPr id="2" name="Title 1"/>
+          <p:cNvSpPr>
+            <a:spLocks noGrp="1"/>
+          </p:cNvSpPr>
+          <p:nvPr>
+            <p:ph type="title"/>
+          </p:nvPr>
+        </p:nvSpPr>
+        <p:spPr/>
+        <p:txBody>
+          <a:bodyPr/>
+          <a:lstStyle/>
+          <a:p>
+            <a:r>
+              <a:rPr lang="en-US" dirty="0" smtClean="0"/>
+              <a:t>The example test context</a:t>
+            </a:r>
+            <a:endParaRPr lang="en-US" dirty="0"/>
+          </a:p>
+        </p:txBody>
+      </p:sp>
+      <p:pic>
+        <p:nvPicPr>
+          <p:cNvPr id="3" name="Picture 2"/>
+          <p:cNvPicPr>
+            <a:picLocks noChangeAspect="1"/>
+          </p:cNvPicPr>
+          <p:nvPr/>
+        </p:nvPicPr>
+        <p:blipFill>
+          <a:blip r:embed="rId2"/>
+          <a:stretch>
+            <a:fillRect/>
+          </a:stretch>
+        </p:blipFill>
+        <p:spPr>
+          <a:xfrm>
+            <a:off x="457200" y="2018182"/>
+            <a:ext cx="7945172" cy="2343978"/>
+          </a:xfrm>
+          <a:prstGeom prst="rect">
+            <a:avLst/>
+          </a:prstGeom>
+        </p:spPr>
+      </p:pic>
+      <p:sp>
+        <p:nvSpPr>
+          <p:cNvPr id="8" name="TextBox 7"/>
+          <p:cNvSpPr txBox="1"/>
+          <p:nvPr/>
+        </p:nvSpPr>
+        <p:spPr>
+          <a:xfrm>
+            <a:off x="457200" y="1358348"/>
+            <a:ext cx="8327921" cy="400110"/>
+          </a:xfrm>
+          <a:prstGeom prst="rect">
+            <a:avLst/>
+          </a:prstGeom>
+          <a:noFill/>
+        </p:spPr>
+        <p:txBody>
+          <a:bodyPr wrap="none" rtlCol="0">
+            <a:spAutoFit/>
+          </a:bodyPr>
+          <a:lstStyle/>
+          <a:p>
+            <a:r>
+              <a:rPr lang="en-US" sz="2000" dirty="0" smtClean="0"/>
+              <a:t>Provide a Camel based test context with all required components for testing</a:t>
+            </a:r>
+            <a:endParaRPr lang="en-US" sz="2000" dirty="0"/>
+          </a:p>
+        </p:txBody>
+      </p:sp>
+    </p:spTree>
+    <p:extLst>
+      <p:ext uri="{BB962C8B-B14F-4D97-AF65-F5344CB8AC3E}">
+        <p14:creationId xmlns:p14="http://schemas.microsoft.com/office/powerpoint/2010/main" val="200020528"/>
+      </p:ext>
+    </p:extLst>
+  </p:cSld>
+  <p:clrMapOvr>
+    <a:masterClrMapping/>
+  </p:clrMapOvr>
+  <mc:AlternateContent xmlns:mc="http://schemas.openxmlformats.org/markup-compatibility/2006" xmlns:p14="http://schemas.microsoft.com/office/powerpoint/2010/main">
+    <mc:Choice Requires="p14">
+      <p:transition spd="slow" p14:dur="1400">
+        <p14:ripple/>
+      </p:transition>
+    </mc:Choice>
+    <mc:Fallback xmlns="">
       <p:transition xmlns:p14="http://schemas.microsoft.com/office/powerpoint/2010/main" spd="slow">
         <p:fade/>
       </p:transition>
@@ -8493,7 +9412,7 @@
           <a:p>
             <a:r>
               <a:rPr lang="en-US" dirty="0" smtClean="0"/>
-              <a:t>The example test context</a:t>
+              <a:t>The container under test</a:t>
             </a:r>
             <a:endParaRPr lang="en-US" dirty="0"/>
           </a:p>
@@ -8515,8 +9434,8 @@
         </p:blipFill>
         <p:spPr>
           <a:xfrm>
-            <a:off x="0" y="1515478"/>
-            <a:ext cx="9144000" cy="1382661"/>
+            <a:off x="309151" y="1143000"/>
+            <a:ext cx="4635500" cy="3619500"/>
           </a:xfrm>
           <a:prstGeom prst="rect">
             <a:avLst/>
@@ -8535,58 +9454,72 @@
         </p:nvSpPr>
         <p:spPr>
           <a:xfrm>
-            <a:off x="457200" y="2997926"/>
-            <a:ext cx="8229600" cy="1988582"/>
+            <a:off x="5050971" y="1141367"/>
+            <a:ext cx="3971109" cy="3621133"/>
           </a:xfrm>
         </p:spPr>
         <p:txBody>
-          <a:bodyPr/>
+          <a:bodyPr>
+            <a:normAutofit fontScale="92500" lnSpcReduction="10000"/>
+          </a:bodyPr>
           <a:lstStyle/>
           <a:p>
             <a:r>
               <a:rPr lang="en-US" dirty="0" err="1" smtClean="0"/>
-              <a:t>Bild</a:t>
+              <a:t>Docker</a:t>
             </a:r>
             <a:r>
               <a:rPr lang="en-US" dirty="0" smtClean="0"/>
-              <a:t> </a:t>
-            </a:r>
-            <a:r>
-              <a:rPr lang="en-US" dirty="0" err="1" smtClean="0"/>
-              <a:t>korrigieren</a:t>
-            </a:r>
-            <a:r>
-              <a:rPr lang="en-US" dirty="0" smtClean="0"/>
-              <a:t> (</a:t>
-            </a:r>
-            <a:r>
-              <a:rPr lang="en-US" dirty="0" err="1" smtClean="0"/>
-              <a:t>Zeilenumbruch</a:t>
-            </a:r>
-            <a:r>
-              <a:rPr lang="en-US" dirty="0" smtClean="0"/>
-              <a:t>)</a:t>
-            </a:r>
+              <a:t> Connector</a:t>
+            </a:r>
+          </a:p>
+          <a:p>
+            <a:endParaRPr lang="en-GB" dirty="0"/>
+          </a:p>
+          <a:p>
+            <a:endParaRPr lang="en-GB" dirty="0" smtClean="0"/>
+          </a:p>
+          <a:p>
+            <a:r>
+              <a:rPr lang="en-GB" dirty="0" smtClean="0"/>
+              <a:t>Container Reference</a:t>
+            </a:r>
+          </a:p>
+          <a:p>
+            <a:r>
+              <a:rPr lang="en-GB" dirty="0" smtClean="0"/>
+              <a:t>Exported Volumes</a:t>
+            </a:r>
+          </a:p>
+          <a:p>
+            <a:endParaRPr lang="en-GB" dirty="0"/>
+          </a:p>
+          <a:p>
+            <a:r>
+              <a:rPr lang="en-GB" dirty="0" smtClean="0"/>
+              <a:t>Exported ports</a:t>
+            </a:r>
+            <a:endParaRPr lang="en-US" dirty="0" smtClean="0"/>
           </a:p>
         </p:txBody>
       </p:sp>
     </p:spTree>
     <p:extLst>
       <p:ext uri="{BB962C8B-B14F-4D97-AF65-F5344CB8AC3E}">
-        <p14:creationId xmlns:p14="http://schemas.microsoft.com/office/powerpoint/2010/main" val="200020528"/>
+        <p14:creationId xmlns:p14="http://schemas.microsoft.com/office/powerpoint/2010/main" val="350588830"/>
       </p:ext>
     </p:extLst>
   </p:cSld>
   <p:clrMapOvr>
     <a:masterClrMapping/>
   </p:clrMapOvr>
-  <mc:AlternateContent xmlns:mc="http://schemas.openxmlformats.org/markup-compatibility/2006">
-    <mc:Choice xmlns:p14="http://schemas.microsoft.com/office/powerpoint/2010/main" Requires="p14">
+  <mc:AlternateContent xmlns:mc="http://schemas.openxmlformats.org/markup-compatibility/2006" xmlns:p14="http://schemas.microsoft.com/office/powerpoint/2010/main">
+    <mc:Choice Requires="p14">
       <p:transition spd="slow" p14:dur="1400">
         <p14:ripple/>
       </p:transition>
     </mc:Choice>
-    <mc:Fallback>
+    <mc:Fallback xmlns="">
       <p:transition xmlns:p14="http://schemas.microsoft.com/office/powerpoint/2010/main" spd="slow">
         <p:fade/>
       </p:transition>
@@ -8631,7 +9564,9 @@
         </p:nvSpPr>
         <p:spPr/>
         <p:txBody>
-          <a:bodyPr/>
+          <a:bodyPr>
+            <a:normAutofit/>
+          </a:bodyPr>
           <a:lstStyle/>
           <a:p>
             <a:r>
@@ -8658,14 +9593,62 @@
         </p:blipFill>
         <p:spPr>
           <a:xfrm>
-            <a:off x="1380309" y="1463943"/>
-            <a:ext cx="6527800" cy="1885950"/>
+            <a:off x="578678" y="2170725"/>
+            <a:ext cx="8005687" cy="2312927"/>
           </a:xfrm>
           <a:prstGeom prst="rect">
             <a:avLst/>
           </a:prstGeom>
         </p:spPr>
       </p:pic>
+      <p:sp>
+        <p:nvSpPr>
+          <p:cNvPr id="3" name="TextBox 2"/>
+          <p:cNvSpPr txBox="1"/>
+          <p:nvPr/>
+        </p:nvSpPr>
+        <p:spPr>
+          <a:xfrm>
+            <a:off x="457200" y="1270000"/>
+            <a:ext cx="8007320" cy="646331"/>
+          </a:xfrm>
+          <a:prstGeom prst="rect">
+            <a:avLst/>
+          </a:prstGeom>
+          <a:noFill/>
+        </p:spPr>
+        <p:txBody>
+          <a:bodyPr wrap="none" rtlCol="0">
+            <a:spAutoFit/>
+          </a:bodyPr>
+          <a:lstStyle/>
+          <a:p>
+            <a:pPr marL="285750" indent="-285750">
+              <a:buFont typeface="Arial"/>
+              <a:buChar char="•"/>
+            </a:pPr>
+            <a:r>
+              <a:rPr lang="en-US" dirty="0" smtClean="0"/>
+              <a:t>We know the JMS port is 1883 and Active MQ is the JMS provider</a:t>
+            </a:r>
+          </a:p>
+          <a:p>
+            <a:pPr marL="285750" indent="-285750">
+              <a:buFont typeface="Arial"/>
+              <a:buChar char="•"/>
+            </a:pPr>
+            <a:r>
+              <a:rPr lang="en-US" dirty="0" smtClean="0"/>
+              <a:t>Keep information relevant across Specs in an instance of </a:t>
+            </a:r>
+            <a:r>
+              <a:rPr lang="en-US" dirty="0" err="1" smtClean="0"/>
+              <a:t>BlendedTestContext</a:t>
+            </a:r>
+            <a:endParaRPr lang="en-US" dirty="0"/>
+          </a:p>
+        </p:txBody>
+      </p:sp>
     </p:spTree>
     <p:extLst>
       <p:ext uri="{BB962C8B-B14F-4D97-AF65-F5344CB8AC3E}">
@@ -8676,13 +9659,13 @@
   <p:clrMapOvr>
     <a:masterClrMapping/>
   </p:clrMapOvr>
-  <mc:AlternateContent xmlns:mc="http://schemas.openxmlformats.org/markup-compatibility/2006">
-    <mc:Choice xmlns:p14="http://schemas.microsoft.com/office/powerpoint/2010/main" Requires="p14">
+  <mc:AlternateContent xmlns:mc="http://schemas.openxmlformats.org/markup-compatibility/2006" xmlns:p14="http://schemas.microsoft.com/office/powerpoint/2010/main">
+    <mc:Choice Requires="p14">
       <p:transition spd="slow" p14:dur="1400">
         <p14:ripple/>
       </p:transition>
     </mc:Choice>
-    <mc:Fallback>
+    <mc:Fallback xmlns="">
       <p:transition xmlns:p14="http://schemas.microsoft.com/office/powerpoint/2010/main" spd="slow">
         <p:fade/>
       </p:transition>
@@ -8732,7 +9715,7 @@
           <a:p>
             <a:r>
               <a:rPr lang="en-US" dirty="0" smtClean="0"/>
-              <a:t>The container under test</a:t>
+              <a:t>Waiting for the container</a:t>
             </a:r>
             <a:endParaRPr lang="en-US" dirty="0"/>
           </a:p>
@@ -8754,92 +9737,31 @@
         </p:blipFill>
         <p:spPr>
           <a:xfrm>
-            <a:off x="309151" y="1143000"/>
-            <a:ext cx="4635500" cy="3619500"/>
+            <a:off x="552788" y="1266825"/>
+            <a:ext cx="8013700" cy="2600325"/>
           </a:xfrm>
           <a:prstGeom prst="rect">
             <a:avLst/>
           </a:prstGeom>
         </p:spPr>
       </p:pic>
-      <p:sp>
-        <p:nvSpPr>
-          <p:cNvPr id="5" name="Content Placeholder 2"/>
-          <p:cNvSpPr>
-            <a:spLocks noGrp="1"/>
-          </p:cNvSpPr>
-          <p:nvPr>
-            <p:ph idx="1"/>
-          </p:nvPr>
-        </p:nvSpPr>
-        <p:spPr>
-          <a:xfrm>
-            <a:off x="5050971" y="1141367"/>
-            <a:ext cx="3971109" cy="3621133"/>
-          </a:xfrm>
-        </p:spPr>
-        <p:txBody>
-          <a:bodyPr>
-            <a:normAutofit fontScale="92500" lnSpcReduction="10000"/>
-          </a:bodyPr>
-          <a:lstStyle/>
-          <a:p>
-            <a:r>
-              <a:rPr lang="en-US" dirty="0" err="1" smtClean="0"/>
-              <a:t>Docker</a:t>
-            </a:r>
-            <a:r>
-              <a:rPr lang="en-US" dirty="0" smtClean="0"/>
-              <a:t> Connector</a:t>
-            </a:r>
-          </a:p>
-          <a:p>
-            <a:endParaRPr lang="en-GB" dirty="0"/>
-          </a:p>
-          <a:p>
-            <a:endParaRPr lang="en-GB" dirty="0" smtClean="0"/>
-          </a:p>
-          <a:p>
-            <a:r>
-              <a:rPr lang="en-GB" dirty="0" smtClean="0"/>
-              <a:t>Container Reference</a:t>
-            </a:r>
-          </a:p>
-          <a:p>
-            <a:r>
-              <a:rPr lang="en-GB" dirty="0" smtClean="0"/>
-              <a:t>Exported Volumes</a:t>
-            </a:r>
-          </a:p>
-          <a:p>
-            <a:endParaRPr lang="en-GB" dirty="0"/>
-          </a:p>
-          <a:p>
-            <a:r>
-              <a:rPr lang="en-GB" dirty="0" smtClean="0"/>
-              <a:t>Exported ports</a:t>
-            </a:r>
-            <a:endParaRPr lang="en-US" dirty="0" smtClean="0"/>
-          </a:p>
-        </p:txBody>
-      </p:sp>
     </p:spTree>
     <p:extLst>
       <p:ext uri="{BB962C8B-B14F-4D97-AF65-F5344CB8AC3E}">
-        <p14:creationId xmlns:p14="http://schemas.microsoft.com/office/powerpoint/2010/main" val="350588830"/>
+        <p14:creationId xmlns:p14="http://schemas.microsoft.com/office/powerpoint/2010/main" val="192258290"/>
       </p:ext>
     </p:extLst>
   </p:cSld>
   <p:clrMapOvr>
     <a:masterClrMapping/>
   </p:clrMapOvr>
-  <mc:AlternateContent xmlns:mc="http://schemas.openxmlformats.org/markup-compatibility/2006">
-    <mc:Choice xmlns:p14="http://schemas.microsoft.com/office/powerpoint/2010/main" Requires="p14">
+  <mc:AlternateContent xmlns:mc="http://schemas.openxmlformats.org/markup-compatibility/2006" xmlns:p14="http://schemas.microsoft.com/office/powerpoint/2010/main">
+    <mc:Choice Requires="p14">
       <p:transition spd="slow" p14:dur="1400">
         <p14:ripple/>
       </p:transition>
     </mc:Choice>
-    <mc:Fallback>
+    <mc:Fallback xmlns="">
       <p:transition xmlns:p14="http://schemas.microsoft.com/office/powerpoint/2010/main" spd="slow">
         <p:fade/>
       </p:transition>
@@ -8858,7 +9780,7 @@
 <file path=ppt/theme/theme1.xml><?xml version="1.0" encoding="utf-8"?>
 <a:theme xmlns:a="http://schemas.openxmlformats.org/drawingml/2006/main" name="Office Theme">
   <a:themeElements>
-    <a:clrScheme name="Office">
+    <a:clrScheme name="Breeze">
       <a:dk1>
         <a:sysClr val="windowText" lastClr="000000"/>
       </a:dk1>
@@ -8866,52 +9788,52 @@
         <a:sysClr val="window" lastClr="FFFFFF"/>
       </a:lt1>
       <a:dk2>
-        <a:srgbClr val="1F497D"/>
+        <a:srgbClr val="09213B"/>
       </a:dk2>
       <a:lt2>
-        <a:srgbClr val="EEECE1"/>
+        <a:srgbClr val="D5EDF4"/>
       </a:lt2>
       <a:accent1>
-        <a:srgbClr val="4F81BD"/>
+        <a:srgbClr val="2C7C9F"/>
       </a:accent1>
       <a:accent2>
-        <a:srgbClr val="C0504D"/>
+        <a:srgbClr val="244A58"/>
       </a:accent2>
       <a:accent3>
-        <a:srgbClr val="9BBB59"/>
+        <a:srgbClr val="E2751D"/>
       </a:accent3>
       <a:accent4>
-        <a:srgbClr val="8064A2"/>
+        <a:srgbClr val="FFB400"/>
       </a:accent4>
       <a:accent5>
-        <a:srgbClr val="4BACC6"/>
+        <a:srgbClr val="7EB606"/>
       </a:accent5>
       <a:accent6>
-        <a:srgbClr val="F79646"/>
+        <a:srgbClr val="C00000"/>
       </a:accent6>
       <a:hlink>
-        <a:srgbClr val="0000FF"/>
+        <a:srgbClr val="7030A0"/>
       </a:hlink>
       <a:folHlink>
-        <a:srgbClr val="800080"/>
+        <a:srgbClr val="00B0F0"/>
       </a:folHlink>
     </a:clrScheme>
-    <a:fontScheme name="Office">
+    <a:fontScheme name="Angles">
       <a:majorFont>
-        <a:latin typeface="Calibri"/>
+        <a:latin typeface="Franklin Gothic Medium"/>
         <a:ea typeface=""/>
         <a:cs typeface=""/>
-        <a:font script="Jpan" typeface="ＭＳ Ｐゴシック"/>
-        <a:font script="Hang" typeface="맑은 고딕"/>
-        <a:font script="Hans" typeface="宋体"/>
-        <a:font script="Hant" typeface="新細明體"/>
-        <a:font script="Arab" typeface="Times New Roman"/>
-        <a:font script="Hebr" typeface="Times New Roman"/>
-        <a:font script="Thai" typeface="Angsana New"/>
+        <a:font script="Jpan" typeface="HG創英角ｺﾞｼｯｸUB"/>
+        <a:font script="Hang" typeface="돋움"/>
+        <a:font script="Hans" typeface="微软雅黑"/>
+        <a:font script="Hant" typeface="微軟正黑體"/>
+        <a:font script="Arab" typeface="Tahoma"/>
+        <a:font script="Hebr" typeface="Aharoni"/>
+        <a:font script="Thai" typeface="LilyUPC"/>
         <a:font script="Ethi" typeface="Nyala"/>
         <a:font script="Beng" typeface="Vrinda"/>
         <a:font script="Gujr" typeface="Shruti"/>
-        <a:font script="Khmr" typeface="MoolBoran"/>
+        <a:font script="Khmr" typeface="DaunPenh"/>
         <a:font script="Knda" typeface="Tunga"/>
         <a:font script="Guru" typeface="Raavi"/>
         <a:font script="Cans" typeface="Euphemia"/>
@@ -8928,17 +9850,17 @@
         <a:font script="Laoo" typeface="DokChampa"/>
         <a:font script="Sinh" typeface="Iskoola Pota"/>
         <a:font script="Mong" typeface="Mongolian Baiti"/>
-        <a:font script="Viet" typeface="Times New Roman"/>
+        <a:font script="Viet" typeface="Arial"/>
         <a:font script="Uigh" typeface="Microsoft Uighur"/>
         <a:font script="Geor" typeface="Sylfaen"/>
       </a:majorFont>
       <a:minorFont>
-        <a:latin typeface="Calibri"/>
+        <a:latin typeface="Franklin Gothic Book"/>
         <a:ea typeface=""/>
         <a:cs typeface=""/>
         <a:font script="Jpan" typeface="ＭＳ Ｐゴシック"/>
         <a:font script="Hang" typeface="맑은 고딕"/>
-        <a:font script="Hans" typeface="宋体"/>
+        <a:font script="Hans" typeface="华文隶书"/>
         <a:font script="Hant" typeface="新細明體"/>
         <a:font script="Arab" typeface="Arial"/>
         <a:font script="Hebr" typeface="Arial"/>
@@ -8946,7 +9868,7 @@
         <a:font script="Ethi" typeface="Nyala"/>
         <a:font script="Beng" typeface="Vrinda"/>
         <a:font script="Gujr" typeface="Shruti"/>
-        <a:font script="Khmr" typeface="DaunPenh"/>
+        <a:font script="Khmr" typeface="MoolBoran"/>
         <a:font script="Knda" typeface="Tunga"/>
         <a:font script="Guru" typeface="Raavi"/>
         <a:font script="Cans" typeface="Euphemia"/>
